--- a/Documentation/Design Specification/Design Specification Powerpoint.pptx
+++ b/Documentation/Design Specification/Design Specification Powerpoint.pptx
@@ -29,7 +29,6 @@
     <p:sldId id="274" r:id="rId24"/>
     <p:sldId id="275" r:id="rId25"/>
     <p:sldId id="276" r:id="rId26"/>
-    <p:sldId id="277" r:id="rId27"/>
   </p:sldIdLst>
   <p:sldSz cy="5143500" cx="9144000"/>
   <p:notesSz cy="9144000" cx="6858000"/>
@@ -593,7 +592,7 @@
             </a:pPr>
             <a:r>
               <a:rPr lang="en"/>
-              <a:t>SSL(Secure Sockets Layer) If the web portal is communicating with the server or the iOS application is communicating with the server, the encryption and identification process will be the same.</a:t>
+              <a:t>For our use cases, we have 3 user types.</a:t>
             </a:r>
           </a:p>
           <a:p>
@@ -617,7 +616,7 @@
             </a:pPr>
             <a:r>
               <a:rPr lang="en"/>
-              <a:t>Encryption steps: </a:t>
+              <a:t>Administrator: Is created by default and will have access to the whole system.</a:t>
             </a:r>
           </a:p>
           <a:p>
@@ -628,8 +627,20 @@
               <a:buNone/>
             </a:pPr>
             <a:r>
+              <a:t/>
+            </a:r>
+            <a:endParaRPr/>
+          </a:p>
+          <a:p>
+            <a:pPr rtl="0">
+              <a:spcBef>
+                <a:spcPts val="0"/>
+              </a:spcBef>
+              <a:buNone/>
+            </a:pPr>
+            <a:r>
               <a:rPr lang="en"/>
-              <a:t>1) Server and device agree on encryption</a:t>
+              <a:t>Teacher: Assigned teacher role by creating account</a:t>
             </a:r>
           </a:p>
           <a:p>
@@ -640,48 +651,24 @@
               <a:buNone/>
             </a:pPr>
             <a:r>
+              <a:t/>
+            </a:r>
+            <a:endParaRPr/>
+          </a:p>
+          <a:p>
+            <a:pPr rtl="0">
+              <a:spcBef>
+                <a:spcPts val="0"/>
+              </a:spcBef>
+              <a:buNone/>
+            </a:pPr>
+            <a:r>
               <a:rPr lang="en"/>
-              <a:t>2)Server sends certificate</a:t>
-            </a:r>
-          </a:p>
-          <a:p>
-            <a:pPr rtl="0">
-              <a:spcBef>
-                <a:spcPts val="0"/>
-              </a:spcBef>
-              <a:buNone/>
-            </a:pPr>
-            <a:r>
-              <a:rPr lang="en"/>
-              <a:t>3)Device requests to start encrypting</a:t>
-            </a:r>
-          </a:p>
-          <a:p>
-            <a:pPr rtl="0">
-              <a:spcBef>
-                <a:spcPts val="0"/>
-              </a:spcBef>
-              <a:buNone/>
-            </a:pPr>
-            <a:r>
-              <a:rPr lang="en"/>
-              <a:t>4) Server requests the device to start encrypting</a:t>
-            </a:r>
-          </a:p>
-          <a:p>
-            <a:pPr rtl="0">
-              <a:spcBef>
-                <a:spcPts val="0"/>
-              </a:spcBef>
-              <a:buNone/>
-            </a:pPr>
-            <a:r>
-              <a:rPr lang="en"/>
-              <a:t>5) Final, total encryption  </a:t>
-            </a:r>
-          </a:p>
-          <a:p>
-            <a:pPr rtl="0">
+              <a:t>Student: Assigned student role by teacher creating student account.</a:t>
+            </a:r>
+          </a:p>
+          <a:p>
+            <a:pPr>
               <a:spcBef>
                 <a:spcPts val="0"/>
               </a:spcBef>
@@ -691,174 +678,6 @@
               <a:t/>
             </a:r>
             <a:endParaRPr/>
-          </a:p>
-          <a:p>
-            <a:pPr rtl="0">
-              <a:spcBef>
-                <a:spcPts val="0"/>
-              </a:spcBef>
-              <a:buNone/>
-            </a:pPr>
-            <a:r>
-              <a:rPr lang="en"/>
-              <a:t>Identification steps:</a:t>
-            </a:r>
-          </a:p>
-          <a:p>
-            <a:pPr rtl="0" lvl="0">
-              <a:lnSpc>
-                <a:spcPct val="115000"/>
-              </a:lnSpc>
-              <a:spcBef>
-                <a:spcPts val="0"/>
-              </a:spcBef>
-              <a:buClr>
-                <a:schemeClr val="dk1"/>
-              </a:buClr>
-              <a:buSzPct val="100000"/>
-              <a:buFont typeface="Arial"/>
-              <a:buNone/>
-            </a:pPr>
-            <a:r>
-              <a:rPr lang="en">
-                <a:solidFill>
-                  <a:schemeClr val="dk1"/>
-                </a:solidFill>
-              </a:rPr>
-              <a:t>1) Company asks CA for a certificate</a:t>
-            </a:r>
-          </a:p>
-          <a:p>
-            <a:pPr rtl="0" lvl="0">
-              <a:lnSpc>
-                <a:spcPct val="115000"/>
-              </a:lnSpc>
-              <a:spcBef>
-                <a:spcPts val="0"/>
-              </a:spcBef>
-              <a:buClr>
-                <a:schemeClr val="dk1"/>
-              </a:buClr>
-              <a:buSzPct val="100000"/>
-              <a:buFont typeface="Arial"/>
-              <a:buNone/>
-            </a:pPr>
-            <a:r>
-              <a:rPr lang="en">
-                <a:solidFill>
-                  <a:schemeClr val="dk1"/>
-                </a:solidFill>
-              </a:rPr>
-              <a:t>2) CA creates certificate and signs it</a:t>
-            </a:r>
-          </a:p>
-          <a:p>
-            <a:pPr rtl="0" lvl="0">
-              <a:lnSpc>
-                <a:spcPct val="115000"/>
-              </a:lnSpc>
-              <a:spcBef>
-                <a:spcPts val="0"/>
-              </a:spcBef>
-              <a:buClr>
-                <a:schemeClr val="dk1"/>
-              </a:buClr>
-              <a:buSzPct val="100000"/>
-              <a:buFont typeface="Arial"/>
-              <a:buNone/>
-            </a:pPr>
-            <a:r>
-              <a:rPr lang="en">
-                <a:solidFill>
-                  <a:schemeClr val="dk1"/>
-                </a:solidFill>
-              </a:rPr>
-              <a:t>3) Certificate installed in server</a:t>
-            </a:r>
-          </a:p>
-          <a:p>
-            <a:pPr rtl="0" lvl="0">
-              <a:lnSpc>
-                <a:spcPct val="115000"/>
-              </a:lnSpc>
-              <a:spcBef>
-                <a:spcPts val="0"/>
-              </a:spcBef>
-              <a:buClr>
-                <a:schemeClr val="dk1"/>
-              </a:buClr>
-              <a:buSzPct val="100000"/>
-              <a:buFont typeface="Arial"/>
-              <a:buNone/>
-            </a:pPr>
-            <a:r>
-              <a:rPr lang="en">
-                <a:solidFill>
-                  <a:schemeClr val="dk1"/>
-                </a:solidFill>
-              </a:rPr>
-              <a:t>4) Browser issued with root certificates</a:t>
-            </a:r>
-          </a:p>
-          <a:p>
-            <a:pPr rtl="0" lvl="0">
-              <a:lnSpc>
-                <a:spcPct val="115000"/>
-              </a:lnSpc>
-              <a:spcBef>
-                <a:spcPts val="0"/>
-              </a:spcBef>
-              <a:buClr>
-                <a:schemeClr val="dk1"/>
-              </a:buClr>
-              <a:buSzPct val="100000"/>
-              <a:buFont typeface="Arial"/>
-              <a:buNone/>
-            </a:pPr>
-            <a:r>
-              <a:rPr lang="en">
-                <a:solidFill>
-                  <a:schemeClr val="dk1"/>
-                </a:solidFill>
-              </a:rPr>
-              <a:t>5) Browser trust correctly signed certs</a:t>
-            </a:r>
-          </a:p>
-          <a:p>
-            <a:pPr rtl="0">
-              <a:spcBef>
-                <a:spcPts val="0"/>
-              </a:spcBef>
-              <a:buNone/>
-            </a:pPr>
-            <a:r>
-              <a:t/>
-            </a:r>
-            <a:endParaRPr/>
-          </a:p>
-          <a:p>
-            <a:pPr rtl="0">
-              <a:spcBef>
-                <a:spcPts val="0"/>
-              </a:spcBef>
-              <a:buNone/>
-            </a:pPr>
-            <a:r>
-              <a:t/>
-            </a:r>
-            <a:endParaRPr/>
-          </a:p>
-          <a:p>
-            <a:pPr>
-              <a:spcBef>
-                <a:spcPts val="0"/>
-              </a:spcBef>
-              <a:buNone/>
-            </a:pPr>
-            <a:r>
-              <a:rPr lang="en"/>
-              <a:t>Storing Credentials: All credentials will be stored in database using salting and hashing on the password to ensure security.</a:t>
-            </a:r>
           </a:p>
         </p:txBody>
       </p:sp>
@@ -954,7 +773,7 @@
           </a:bodyPr>
           <a:lstStyle/>
           <a:p>
-            <a:pPr rtl="0">
+            <a:pPr>
               <a:spcBef>
                 <a:spcPts val="0"/>
               </a:spcBef>
@@ -962,92 +781,8 @@
             </a:pPr>
             <a:r>
               <a:rPr lang="en"/>
-              <a:t>For our use cases, we have 3 user types.</a:t>
-            </a:r>
-          </a:p>
-          <a:p>
-            <a:pPr rtl="0">
-              <a:spcBef>
-                <a:spcPts val="0"/>
-              </a:spcBef>
-              <a:buNone/>
-            </a:pPr>
-            <a:r>
-              <a:t/>
-            </a:r>
-            <a:endParaRPr/>
-          </a:p>
-          <a:p>
-            <a:pPr rtl="0">
-              <a:spcBef>
-                <a:spcPts val="0"/>
-              </a:spcBef>
-              <a:buNone/>
-            </a:pPr>
-            <a:r>
-              <a:rPr lang="en"/>
-              <a:t>Administrator: Is created by default and will have access to the whole system.</a:t>
-            </a:r>
-          </a:p>
-          <a:p>
-            <a:pPr rtl="0">
-              <a:spcBef>
-                <a:spcPts val="0"/>
-              </a:spcBef>
-              <a:buNone/>
-            </a:pPr>
-            <a:r>
-              <a:t/>
-            </a:r>
-            <a:endParaRPr/>
-          </a:p>
-          <a:p>
-            <a:pPr rtl="0">
-              <a:spcBef>
-                <a:spcPts val="0"/>
-              </a:spcBef>
-              <a:buNone/>
-            </a:pPr>
-            <a:r>
-              <a:rPr lang="en"/>
-              <a:t>Teacher: Assigned teacher role by creating account</a:t>
-            </a:r>
-          </a:p>
-          <a:p>
-            <a:pPr rtl="0">
-              <a:spcBef>
-                <a:spcPts val="0"/>
-              </a:spcBef>
-              <a:buNone/>
-            </a:pPr>
-            <a:r>
-              <a:t/>
-            </a:r>
-            <a:endParaRPr/>
-          </a:p>
-          <a:p>
-            <a:pPr rtl="0">
-              <a:spcBef>
-                <a:spcPts val="0"/>
-              </a:spcBef>
-              <a:buNone/>
-            </a:pPr>
-            <a:r>
-              <a:rPr lang="en"/>
-              <a:t>Student: Assigned student role by teacher creating student account.</a:t>
-            </a:r>
-          </a:p>
-          <a:p>
-            <a:pPr>
-              <a:spcBef>
-                <a:spcPts val="0"/>
-              </a:spcBef>
-              <a:buNone/>
-            </a:pPr>
-            <a:r>
-              <a:t/>
-            </a:r>
-            <a:endParaRPr/>
+              <a:t>An administrator will be able to delete a specific teacher, wipe the database, or block new teachers from creating accounts.</a:t>
+            </a:r>
           </a:p>
         </p:txBody>
       </p:sp>
@@ -1151,7 +886,7 @@
             </a:pPr>
             <a:r>
               <a:rPr lang="en"/>
-              <a:t>An administrator will be able to delete a specific teacher, wipe the database, or block new teachers from creating accounts.</a:t>
+              <a:t>A teacher will have the ability to create/delete classes, as well as adding or removing students from those classes. Teachers will also be able to add/remove levels and questions, and view the progress of their students.</a:t>
             </a:r>
           </a:p>
         </p:txBody>
@@ -1256,7 +991,7 @@
             </a:pPr>
             <a:r>
               <a:rPr lang="en"/>
-              <a:t>A teacher will have the ability to create/delete classes, as well as adding or removing students from those classes. Teachers will also be able to add/remove levels and questions, and view the progress of their students.</a:t>
+              <a:t>A student will be able to view levels, select the type of level, and then actually play the level where the enter answers.</a:t>
             </a:r>
           </a:p>
         </p:txBody>
@@ -1274,7 +1009,7 @@
   <p:cSld>
     <p:spTree>
       <p:nvGrpSpPr>
-        <p:cNvPr id="126" name="Shape 126"/>
+        <p:cNvPr id="148" name="Shape 148"/>
         <p:cNvGrpSpPr/>
         <p:nvPr/>
       </p:nvGrpSpPr>
@@ -1288,7 +1023,7 @@
       </p:grpSpPr>
       <p:sp>
         <p:nvSpPr>
-          <p:cNvPr id="127" name="Shape 127"/>
+          <p:cNvPr id="149" name="Shape 149"/>
           <p:cNvSpPr/>
           <p:nvPr>
             <p:ph idx="2" type="sldImg"/>
@@ -1332,7 +1067,7 @@
       </p:sp>
       <p:sp>
         <p:nvSpPr>
-          <p:cNvPr id="128" name="Shape 128"/>
+          <p:cNvPr id="150" name="Shape 150"/>
           <p:cNvSpPr txBox="1"/>
           <p:nvPr>
             <p:ph idx="1" type="body"/>
@@ -1361,7 +1096,7 @@
             </a:pPr>
             <a:r>
               <a:rPr lang="en"/>
-              <a:t>A student will be able to view levels, select the type of level, and then actually play the level where the enter answers.</a:t>
+              <a:t>So lets go through one of the uses cases for each of the different users.</a:t>
             </a:r>
           </a:p>
         </p:txBody>
@@ -1379,7 +1114,7 @@
   <p:cSld>
     <p:spTree>
       <p:nvGrpSpPr>
-        <p:cNvPr id="154" name="Shape 154"/>
+        <p:cNvPr id="179" name="Shape 179"/>
         <p:cNvGrpSpPr/>
         <p:nvPr/>
       </p:nvGrpSpPr>
@@ -1393,7 +1128,7 @@
       </p:grpSpPr>
       <p:sp>
         <p:nvSpPr>
-          <p:cNvPr id="155" name="Shape 155"/>
+          <p:cNvPr id="180" name="Shape 180"/>
           <p:cNvSpPr/>
           <p:nvPr>
             <p:ph idx="2" type="sldImg"/>
@@ -1437,7 +1172,7 @@
       </p:sp>
       <p:sp>
         <p:nvSpPr>
-          <p:cNvPr id="156" name="Shape 156"/>
+          <p:cNvPr id="181" name="Shape 181"/>
           <p:cNvSpPr txBox="1"/>
           <p:nvPr>
             <p:ph idx="1" type="body"/>
@@ -1465,9 +1200,9 @@
               <a:buNone/>
             </a:pPr>
             <a:r>
-              <a:rPr lang="en"/>
-              <a:t>So lets go through one of the uses cases for each of the different users.</a:t>
-            </a:r>
+              <a:t/>
+            </a:r>
+            <a:endParaRPr/>
           </a:p>
         </p:txBody>
       </p:sp>
@@ -1484,7 +1219,7 @@
   <p:cSld>
     <p:spTree>
       <p:nvGrpSpPr>
-        <p:cNvPr id="185" name="Shape 185"/>
+        <p:cNvPr id="202" name="Shape 202"/>
         <p:cNvGrpSpPr/>
         <p:nvPr/>
       </p:nvGrpSpPr>
@@ -1498,7 +1233,7 @@
       </p:grpSpPr>
       <p:sp>
         <p:nvSpPr>
-          <p:cNvPr id="186" name="Shape 186"/>
+          <p:cNvPr id="203" name="Shape 203"/>
           <p:cNvSpPr/>
           <p:nvPr>
             <p:ph idx="2" type="sldImg"/>
@@ -1542,7 +1277,7 @@
       </p:sp>
       <p:sp>
         <p:nvSpPr>
-          <p:cNvPr id="187" name="Shape 187"/>
+          <p:cNvPr id="204" name="Shape 204"/>
           <p:cNvSpPr txBox="1"/>
           <p:nvPr>
             <p:ph idx="1" type="body"/>
@@ -1675,9 +1410,9 @@
               <a:buNone/>
             </a:pPr>
             <a:r>
-              <a:t/>
-            </a:r>
-            <a:endParaRPr/>
+              <a:rPr lang="en"/>
+              <a:t>Teacher creates a class sequence diagram</a:t>
+            </a:r>
           </a:p>
         </p:txBody>
       </p:sp>
@@ -1780,9 +1515,9 @@
               <a:buNone/>
             </a:pPr>
             <a:r>
-              <a:rPr lang="en"/>
-              <a:t>Teacher creates a class sequence diagram</a:t>
-            </a:r>
+              <a:t/>
+            </a:r>
+            <a:endParaRPr/>
           </a:p>
         </p:txBody>
       </p:sp>
@@ -2021,7 +1756,7 @@
   <p:cSld>
     <p:spTree>
       <p:nvGrpSpPr>
-        <p:cNvPr id="227" name="Shape 227"/>
+        <p:cNvPr id="226" name="Shape 226"/>
         <p:cNvGrpSpPr/>
         <p:nvPr/>
       </p:nvGrpSpPr>
@@ -2035,7 +1770,7 @@
       </p:grpSpPr>
       <p:sp>
         <p:nvSpPr>
-          <p:cNvPr id="228" name="Shape 228"/>
+          <p:cNvPr id="227" name="Shape 227"/>
           <p:cNvSpPr/>
           <p:nvPr>
             <p:ph idx="2" type="sldImg"/>
@@ -2079,7 +1814,7 @@
       </p:sp>
       <p:sp>
         <p:nvSpPr>
-          <p:cNvPr id="229" name="Shape 229"/>
+          <p:cNvPr id="228" name="Shape 228"/>
           <p:cNvSpPr txBox="1"/>
           <p:nvPr>
             <p:ph idx="1" type="body"/>
@@ -2099,6 +1834,18 @@
             <a:noAutofit/>
           </a:bodyPr>
           <a:lstStyle/>
+          <a:p>
+            <a:pPr rtl="0">
+              <a:spcBef>
+                <a:spcPts val="0"/>
+              </a:spcBef>
+              <a:buNone/>
+            </a:pPr>
+            <a:r>
+              <a:rPr lang="en"/>
+              <a:t>This is the class diagram for the web portal. For all users its standard to have a database, session, data and to use functions such as create, find, or login. This is common among teachers, students and administrators.</a:t>
+            </a:r>
+          </a:p>
           <a:p>
             <a:pPr>
               <a:spcBef>
@@ -2126,7 +1873,7 @@
   <p:cSld>
     <p:spTree>
       <p:nvGrpSpPr>
-        <p:cNvPr id="233" name="Shape 233"/>
+        <p:cNvPr id="231" name="Shape 231"/>
         <p:cNvGrpSpPr/>
         <p:nvPr/>
       </p:nvGrpSpPr>
@@ -2140,7 +1887,7 @@
       </p:grpSpPr>
       <p:sp>
         <p:nvSpPr>
-          <p:cNvPr id="234" name="Shape 234"/>
+          <p:cNvPr id="232" name="Shape 232"/>
           <p:cNvSpPr/>
           <p:nvPr>
             <p:ph idx="2" type="sldImg"/>
@@ -2184,7 +1931,7 @@
       </p:sp>
       <p:sp>
         <p:nvSpPr>
-          <p:cNvPr id="235" name="Shape 235"/>
+          <p:cNvPr id="233" name="Shape 233"/>
           <p:cNvSpPr txBox="1"/>
           <p:nvPr>
             <p:ph idx="1" type="body"/>
@@ -2204,18 +1951,6 @@
             <a:noAutofit/>
           </a:bodyPr>
           <a:lstStyle/>
-          <a:p>
-            <a:pPr rtl="0">
-              <a:spcBef>
-                <a:spcPts val="0"/>
-              </a:spcBef>
-              <a:buNone/>
-            </a:pPr>
-            <a:r>
-              <a:rPr lang="en"/>
-              <a:t>This is the class diagram for the web portal. For all users its standard to have a database, session, data and to use functions such as create, find, or login. This is common among teachers, students and administrators.</a:t>
-            </a:r>
-          </a:p>
           <a:p>
             <a:pPr>
               <a:spcBef>
@@ -2238,12 +1973,12 @@
 </p:notes>
 </file>
 
-<file path=ppt/notesSlides/notesSlide22.xml><?xml version="1.0" encoding="utf-8"?>
+<file path=ppt/notesSlides/notesSlide3.xml><?xml version="1.0" encoding="utf-8"?>
 <p:notes xmlns:a="http://schemas.openxmlformats.org/drawingml/2006/main" xmlns:r="http://schemas.openxmlformats.org/officeDocument/2006/relationships" xmlns:mc="http://schemas.openxmlformats.org/markup-compatibility/2006" xmlns:mv="urn:schemas-microsoft-com:mac:vml" xmlns:p="http://schemas.openxmlformats.org/presentationml/2006/main" xmlns:c="http://schemas.openxmlformats.org/drawingml/2006/chart" xmlns:dgm="http://schemas.openxmlformats.org/drawingml/2006/diagram" xmlns:o="urn:schemas-microsoft-com:office:office" xmlns:v="urn:schemas-microsoft-com:vml" xmlns:pvml="urn:schemas-microsoft-com:office:powerpoint" xmlns:com="http://schemas.openxmlformats.org/drawingml/2006/compatibility" xmlns:p14="http://schemas.microsoft.com/office/powerpoint/2010/main" showMasterSp="0" showMasterPhAnim="0">
   <p:cSld>
     <p:spTree>
       <p:nvGrpSpPr>
-        <p:cNvPr id="238" name="Shape 238"/>
+        <p:cNvPr id="60" name="Shape 60"/>
         <p:cNvGrpSpPr/>
         <p:nvPr/>
       </p:nvGrpSpPr>
@@ -2257,7 +1992,7 @@
       </p:grpSpPr>
       <p:sp>
         <p:nvSpPr>
-          <p:cNvPr id="239" name="Shape 239"/>
+          <p:cNvPr id="61" name="Shape 61"/>
           <p:cNvSpPr/>
           <p:nvPr>
             <p:ph idx="2" type="sldImg"/>
@@ -2301,7 +2036,7 @@
       </p:sp>
       <p:sp>
         <p:nvSpPr>
-          <p:cNvPr id="240" name="Shape 240"/>
+          <p:cNvPr id="62" name="Shape 62"/>
           <p:cNvSpPr txBox="1"/>
           <p:nvPr>
             <p:ph idx="1" type="body"/>
@@ -2322,6 +2057,54 @@
           </a:bodyPr>
           <a:lstStyle/>
           <a:p>
+            <a:pPr rtl="0">
+              <a:spcBef>
+                <a:spcPts val="0"/>
+              </a:spcBef>
+              <a:buNone/>
+            </a:pPr>
+            <a:r>
+              <a:rPr lang="en"/>
+              <a:t>Some of the features for the iOS application are navigation through different levels and having the ability to chose between practice and test sections. </a:t>
+            </a:r>
+          </a:p>
+          <a:p>
+            <a:pPr rtl="0">
+              <a:spcBef>
+                <a:spcPts val="0"/>
+              </a:spcBef>
+              <a:buNone/>
+            </a:pPr>
+            <a:r>
+              <a:t/>
+            </a:r>
+            <a:endParaRPr/>
+          </a:p>
+          <a:p>
+            <a:pPr rtl="0">
+              <a:spcBef>
+                <a:spcPts val="0"/>
+              </a:spcBef>
+              <a:buNone/>
+            </a:pPr>
+            <a:r>
+              <a:rPr lang="en"/>
+              <a:t>Some of the features for the web portal that the teacher will be using are, creating a class, viewing students progress and adding new levels and questions to the iOS application.</a:t>
+            </a:r>
+          </a:p>
+          <a:p>
+            <a:pPr rtl="0">
+              <a:spcBef>
+                <a:spcPts val="0"/>
+              </a:spcBef>
+              <a:buNone/>
+            </a:pPr>
+            <a:r>
+              <a:t/>
+            </a:r>
+            <a:endParaRPr/>
+          </a:p>
+          <a:p>
             <a:pPr>
               <a:spcBef>
                 <a:spcPts val="0"/>
@@ -2329,9 +2112,9 @@
               <a:buNone/>
             </a:pPr>
             <a:r>
-              <a:t/>
-            </a:r>
-            <a:endParaRPr/>
+              <a:rPr lang="en"/>
+              <a:t>Features for the web portal that the administrator will be using are, deleting/denying teacher accounts. As well as, clearing the whole system. </a:t>
+            </a:r>
           </a:p>
         </p:txBody>
       </p:sp>
@@ -2343,12 +2126,12 @@
 </p:notes>
 </file>
 
-<file path=ppt/notesSlides/notesSlide3.xml><?xml version="1.0" encoding="utf-8"?>
+<file path=ppt/notesSlides/notesSlide4.xml><?xml version="1.0" encoding="utf-8"?>
 <p:notes xmlns:a="http://schemas.openxmlformats.org/drawingml/2006/main" xmlns:r="http://schemas.openxmlformats.org/officeDocument/2006/relationships" xmlns:mc="http://schemas.openxmlformats.org/markup-compatibility/2006" xmlns:mv="urn:schemas-microsoft-com:mac:vml" xmlns:p="http://schemas.openxmlformats.org/presentationml/2006/main" xmlns:c="http://schemas.openxmlformats.org/drawingml/2006/chart" xmlns:dgm="http://schemas.openxmlformats.org/drawingml/2006/diagram" xmlns:o="urn:schemas-microsoft-com:office:office" xmlns:v="urn:schemas-microsoft-com:vml" xmlns:pvml="urn:schemas-microsoft-com:office:powerpoint" xmlns:com="http://schemas.openxmlformats.org/drawingml/2006/compatibility" xmlns:p14="http://schemas.microsoft.com/office/powerpoint/2010/main" showMasterSp="0" showMasterPhAnim="0">
   <p:cSld>
     <p:spTree>
       <p:nvGrpSpPr>
-        <p:cNvPr id="60" name="Shape 60"/>
+        <p:cNvPr id="66" name="Shape 66"/>
         <p:cNvGrpSpPr/>
         <p:nvPr/>
       </p:nvGrpSpPr>
@@ -2362,7 +2145,7 @@
       </p:grpSpPr>
       <p:sp>
         <p:nvSpPr>
-          <p:cNvPr id="61" name="Shape 61"/>
+          <p:cNvPr id="67" name="Shape 67"/>
           <p:cNvSpPr/>
           <p:nvPr>
             <p:ph idx="2" type="sldImg"/>
@@ -2406,7 +2189,7 @@
       </p:sp>
       <p:sp>
         <p:nvSpPr>
-          <p:cNvPr id="62" name="Shape 62"/>
+          <p:cNvPr id="68" name="Shape 68"/>
           <p:cNvSpPr txBox="1"/>
           <p:nvPr>
             <p:ph idx="1" type="body"/>
@@ -2435,7 +2218,7 @@
             </a:pPr>
             <a:r>
               <a:rPr lang="en"/>
-              <a:t>Some of the features for the iOS application are navigation through different levels and having the ability to chose between practice and test sections. </a:t>
+              <a:t>Assumptions: </a:t>
             </a:r>
           </a:p>
           <a:p>
@@ -2446,6 +2229,30 @@
               <a:buNone/>
             </a:pPr>
             <a:r>
+              <a:rPr lang="en"/>
+              <a:t>Teachers may have limited technological skill set so the web portal must be easy to use and user friendly.</a:t>
+            </a:r>
+          </a:p>
+          <a:p>
+            <a:pPr rtl="0">
+              <a:spcBef>
+                <a:spcPts val="0"/>
+              </a:spcBef>
+              <a:buNone/>
+            </a:pPr>
+            <a:r>
+              <a:rPr lang="en"/>
+              <a:t>First graders rely on patterns and visual cues to learn so the iOS application must be visually appealing and easy to use.</a:t>
+            </a:r>
+          </a:p>
+          <a:p>
+            <a:pPr rtl="0">
+              <a:spcBef>
+                <a:spcPts val="0"/>
+              </a:spcBef>
+              <a:buNone/>
+            </a:pPr>
+            <a:r>
               <a:t/>
             </a:r>
             <a:endParaRPr/>
@@ -2459,7 +2266,7 @@
             </a:pPr>
             <a:r>
               <a:rPr lang="en"/>
-              <a:t>Some of the features for the web portal that the teacher will be using are, creating a class, viewing students progress and adding new levels and questions to the iOS application.</a:t>
+              <a:t>Business Constraints: </a:t>
             </a:r>
           </a:p>
           <a:p>
@@ -2470,11 +2277,59 @@
               <a:buNone/>
             </a:pPr>
             <a:r>
+              <a:rPr lang="en"/>
+              <a:t>If our final product has a server hosted at wayne state university as opposed to server being hosted at graylings school. The communication between the application and web portal could be slow.</a:t>
+            </a:r>
+          </a:p>
+          <a:p>
+            <a:pPr rtl="0">
+              <a:spcBef>
+                <a:spcPts val="0"/>
+              </a:spcBef>
+              <a:buNone/>
+            </a:pPr>
+            <a:r>
               <a:t/>
             </a:r>
             <a:endParaRPr/>
           </a:p>
           <a:p>
+            <a:pPr rtl="0">
+              <a:spcBef>
+                <a:spcPts val="0"/>
+              </a:spcBef>
+              <a:buNone/>
+            </a:pPr>
+            <a:r>
+              <a:rPr lang="en"/>
+              <a:t>Technical Constraints: Application will work on iPads with iOS 8 and the web portal will function on google chrome. We will not have a huge server so if there are a lot of users for the system this could slow our system down.</a:t>
+            </a:r>
+          </a:p>
+          <a:p>
+            <a:pPr rtl="0">
+              <a:spcBef>
+                <a:spcPts val="0"/>
+              </a:spcBef>
+              <a:buNone/>
+            </a:pPr>
+            <a:r>
+              <a:t/>
+            </a:r>
+            <a:endParaRPr/>
+          </a:p>
+          <a:p>
+            <a:pPr rtl="0">
+              <a:spcBef>
+                <a:spcPts val="0"/>
+              </a:spcBef>
+              <a:buNone/>
+            </a:pPr>
+            <a:r>
+              <a:t/>
+            </a:r>
+            <a:endParaRPr/>
+          </a:p>
+          <a:p>
             <a:pPr>
               <a:spcBef>
                 <a:spcPts val="0"/>
@@ -2482,9 +2337,9 @@
               <a:buNone/>
             </a:pPr>
             <a:r>
-              <a:rPr lang="en"/>
-              <a:t>Features for the web portal that the administrator will be using are, deleting/denying teacher accounts. As well as, clearing the whole system. </a:t>
-            </a:r>
+              <a:t/>
+            </a:r>
+            <a:endParaRPr/>
           </a:p>
         </p:txBody>
       </p:sp>
@@ -2496,12 +2351,12 @@
 </p:notes>
 </file>
 
-<file path=ppt/notesSlides/notesSlide4.xml><?xml version="1.0" encoding="utf-8"?>
+<file path=ppt/notesSlides/notesSlide5.xml><?xml version="1.0" encoding="utf-8"?>
 <p:notes xmlns:a="http://schemas.openxmlformats.org/drawingml/2006/main" xmlns:r="http://schemas.openxmlformats.org/officeDocument/2006/relationships" xmlns:mc="http://schemas.openxmlformats.org/markup-compatibility/2006" xmlns:mv="urn:schemas-microsoft-com:mac:vml" xmlns:p="http://schemas.openxmlformats.org/presentationml/2006/main" xmlns:c="http://schemas.openxmlformats.org/drawingml/2006/chart" xmlns:dgm="http://schemas.openxmlformats.org/drawingml/2006/diagram" xmlns:o="urn:schemas-microsoft-com:office:office" xmlns:v="urn:schemas-microsoft-com:vml" xmlns:pvml="urn:schemas-microsoft-com:office:powerpoint" xmlns:com="http://schemas.openxmlformats.org/drawingml/2006/compatibility" xmlns:p14="http://schemas.microsoft.com/office/powerpoint/2010/main" showMasterSp="0" showMasterPhAnim="0">
   <p:cSld>
     <p:spTree>
       <p:nvGrpSpPr>
-        <p:cNvPr id="66" name="Shape 66"/>
+        <p:cNvPr id="72" name="Shape 72"/>
         <p:cNvGrpSpPr/>
         <p:nvPr/>
       </p:nvGrpSpPr>
@@ -2515,7 +2370,7 @@
       </p:grpSpPr>
       <p:sp>
         <p:nvSpPr>
-          <p:cNvPr id="67" name="Shape 67"/>
+          <p:cNvPr id="73" name="Shape 73"/>
           <p:cNvSpPr/>
           <p:nvPr>
             <p:ph idx="2" type="sldImg"/>
@@ -2559,7 +2414,7 @@
       </p:sp>
       <p:sp>
         <p:nvSpPr>
-          <p:cNvPr id="68" name="Shape 68"/>
+          <p:cNvPr id="74" name="Shape 74"/>
           <p:cNvSpPr txBox="1"/>
           <p:nvPr>
             <p:ph idx="1" type="body"/>
@@ -2580,7 +2435,7 @@
           </a:bodyPr>
           <a:lstStyle/>
           <a:p>
-            <a:pPr rtl="0">
+            <a:pPr>
               <a:spcBef>
                 <a:spcPts val="0"/>
               </a:spcBef>
@@ -2588,128 +2443,8 @@
             </a:pPr>
             <a:r>
               <a:rPr lang="en"/>
-              <a:t>Assumptions: </a:t>
-            </a:r>
-          </a:p>
-          <a:p>
-            <a:pPr rtl="0">
-              <a:spcBef>
-                <a:spcPts val="0"/>
-              </a:spcBef>
-              <a:buNone/>
-            </a:pPr>
-            <a:r>
-              <a:rPr lang="en"/>
-              <a:t>Teachers may have limited technological skill set so the web portal must be easy to use and user friendly.</a:t>
-            </a:r>
-          </a:p>
-          <a:p>
-            <a:pPr rtl="0">
-              <a:spcBef>
-                <a:spcPts val="0"/>
-              </a:spcBef>
-              <a:buNone/>
-            </a:pPr>
-            <a:r>
-              <a:rPr lang="en"/>
-              <a:t>First graders rely on patterns and visual cues to learn so the iOS application must be visually appealing and easy to use.</a:t>
-            </a:r>
-          </a:p>
-          <a:p>
-            <a:pPr rtl="0">
-              <a:spcBef>
-                <a:spcPts val="0"/>
-              </a:spcBef>
-              <a:buNone/>
-            </a:pPr>
-            <a:r>
-              <a:t/>
-            </a:r>
-            <a:endParaRPr/>
-          </a:p>
-          <a:p>
-            <a:pPr rtl="0">
-              <a:spcBef>
-                <a:spcPts val="0"/>
-              </a:spcBef>
-              <a:buNone/>
-            </a:pPr>
-            <a:r>
-              <a:rPr lang="en"/>
-              <a:t>Business Constraints: </a:t>
-            </a:r>
-          </a:p>
-          <a:p>
-            <a:pPr rtl="0">
-              <a:spcBef>
-                <a:spcPts val="0"/>
-              </a:spcBef>
-              <a:buNone/>
-            </a:pPr>
-            <a:r>
-              <a:rPr lang="en"/>
-              <a:t>If our final product has a server hosted at wayne state university as opposed to server being hosted at graylings school. The communication between the application and web portal could be slow.</a:t>
-            </a:r>
-          </a:p>
-          <a:p>
-            <a:pPr rtl="0">
-              <a:spcBef>
-                <a:spcPts val="0"/>
-              </a:spcBef>
-              <a:buNone/>
-            </a:pPr>
-            <a:r>
-              <a:t/>
-            </a:r>
-            <a:endParaRPr/>
-          </a:p>
-          <a:p>
-            <a:pPr rtl="0">
-              <a:spcBef>
-                <a:spcPts val="0"/>
-              </a:spcBef>
-              <a:buNone/>
-            </a:pPr>
-            <a:r>
-              <a:rPr lang="en"/>
-              <a:t>Technical Constraints: Application will work on iPads with iOS 8 and the web portal will function on google chrome. We will not have a huge server so if there are a lot of users for the system this could slow our system down.</a:t>
-            </a:r>
-          </a:p>
-          <a:p>
-            <a:pPr rtl="0">
-              <a:spcBef>
-                <a:spcPts val="0"/>
-              </a:spcBef>
-              <a:buNone/>
-            </a:pPr>
-            <a:r>
-              <a:t/>
-            </a:r>
-            <a:endParaRPr/>
-          </a:p>
-          <a:p>
-            <a:pPr rtl="0">
-              <a:spcBef>
-                <a:spcPts val="0"/>
-              </a:spcBef>
-              <a:buNone/>
-            </a:pPr>
-            <a:r>
-              <a:t/>
-            </a:r>
-            <a:endParaRPr/>
-          </a:p>
-          <a:p>
-            <a:pPr>
-              <a:spcBef>
-                <a:spcPts val="0"/>
-              </a:spcBef>
-              <a:buNone/>
-            </a:pPr>
-            <a:r>
-              <a:t/>
-            </a:r>
-            <a:endParaRPr/>
+              <a:t>Math system is set up on public network where the iOS application and web portal will be connected to the same server.  </a:t>
+            </a:r>
           </a:p>
         </p:txBody>
       </p:sp>
@@ -2721,12 +2456,12 @@
 </p:notes>
 </file>
 
-<file path=ppt/notesSlides/notesSlide5.xml><?xml version="1.0" encoding="utf-8"?>
+<file path=ppt/notesSlides/notesSlide6.xml><?xml version="1.0" encoding="utf-8"?>
 <p:notes xmlns:a="http://schemas.openxmlformats.org/drawingml/2006/main" xmlns:r="http://schemas.openxmlformats.org/officeDocument/2006/relationships" xmlns:mc="http://schemas.openxmlformats.org/markup-compatibility/2006" xmlns:mv="urn:schemas-microsoft-com:mac:vml" xmlns:p="http://schemas.openxmlformats.org/presentationml/2006/main" xmlns:c="http://schemas.openxmlformats.org/drawingml/2006/chart" xmlns:dgm="http://schemas.openxmlformats.org/drawingml/2006/diagram" xmlns:o="urn:schemas-microsoft-com:office:office" xmlns:v="urn:schemas-microsoft-com:vml" xmlns:pvml="urn:schemas-microsoft-com:office:powerpoint" xmlns:com="http://schemas.openxmlformats.org/drawingml/2006/compatibility" xmlns:p14="http://schemas.microsoft.com/office/powerpoint/2010/main" showMasterSp="0" showMasterPhAnim="0">
   <p:cSld>
     <p:spTree>
       <p:nvGrpSpPr>
-        <p:cNvPr id="72" name="Shape 72"/>
+        <p:cNvPr id="78" name="Shape 78"/>
         <p:cNvGrpSpPr/>
         <p:nvPr/>
       </p:nvGrpSpPr>
@@ -2740,7 +2475,7 @@
       </p:grpSpPr>
       <p:sp>
         <p:nvSpPr>
-          <p:cNvPr id="73" name="Shape 73"/>
+          <p:cNvPr id="79" name="Shape 79"/>
           <p:cNvSpPr/>
           <p:nvPr>
             <p:ph idx="2" type="sldImg"/>
@@ -2784,7 +2519,7 @@
       </p:sp>
       <p:sp>
         <p:nvSpPr>
-          <p:cNvPr id="74" name="Shape 74"/>
+          <p:cNvPr id="80" name="Shape 80"/>
           <p:cNvSpPr txBox="1"/>
           <p:nvPr>
             <p:ph idx="1" type="body"/>
@@ -2805,6 +2540,78 @@
           </a:bodyPr>
           <a:lstStyle/>
           <a:p>
+            <a:pPr rtl="0">
+              <a:spcBef>
+                <a:spcPts val="0"/>
+              </a:spcBef>
+              <a:buNone/>
+            </a:pPr>
+            <a:r>
+              <a:rPr lang="en"/>
+              <a:t>Section 3.3.1</a:t>
+            </a:r>
+          </a:p>
+          <a:p>
+            <a:pPr rtl="0">
+              <a:spcBef>
+                <a:spcPts val="0"/>
+              </a:spcBef>
+              <a:buNone/>
+            </a:pPr>
+            <a:r>
+              <a:t/>
+            </a:r>
+            <a:endParaRPr/>
+          </a:p>
+          <a:p>
+            <a:pPr rtl="0">
+              <a:spcBef>
+                <a:spcPts val="0"/>
+              </a:spcBef>
+              <a:buNone/>
+            </a:pPr>
+            <a:r>
+              <a:rPr lang="en"/>
+              <a:t>iOS application is built using xCode which using a MVC design pattern. MVC stands for Model, View and Controllers. </a:t>
+            </a:r>
+          </a:p>
+          <a:p>
+            <a:pPr rtl="0">
+              <a:spcBef>
+                <a:spcPts val="0"/>
+              </a:spcBef>
+              <a:buNone/>
+            </a:pPr>
+            <a:r>
+              <a:t/>
+            </a:r>
+            <a:endParaRPr/>
+          </a:p>
+          <a:p>
+            <a:pPr rtl="0">
+              <a:spcBef>
+                <a:spcPts val="0"/>
+              </a:spcBef>
+              <a:buNone/>
+            </a:pPr>
+            <a:r>
+              <a:rPr lang="en"/>
+              <a:t>The controllers communicate between the model and view layers and also, requests data from service layer. </a:t>
+            </a:r>
+          </a:p>
+          <a:p>
+            <a:pPr rtl="0">
+              <a:spcBef>
+                <a:spcPts val="0"/>
+              </a:spcBef>
+              <a:buNone/>
+            </a:pPr>
+            <a:r>
+              <a:t/>
+            </a:r>
+            <a:endParaRPr/>
+          </a:p>
+          <a:p>
             <a:pPr>
               <a:spcBef>
                 <a:spcPts val="0"/>
@@ -2813,7 +2620,7 @@
             </a:pPr>
             <a:r>
               <a:rPr lang="en"/>
-              <a:t>Math system is set up on public network where the iOS application and web portal will be connected to the same server.  </a:t>
+              <a:t>Model stores and provides methods for data. While the view is responsible for UI.</a:t>
             </a:r>
           </a:p>
         </p:txBody>
@@ -2826,12 +2633,12 @@
 </p:notes>
 </file>
 
-<file path=ppt/notesSlides/notesSlide6.xml><?xml version="1.0" encoding="utf-8"?>
+<file path=ppt/notesSlides/notesSlide7.xml><?xml version="1.0" encoding="utf-8"?>
 <p:notes xmlns:a="http://schemas.openxmlformats.org/drawingml/2006/main" xmlns:r="http://schemas.openxmlformats.org/officeDocument/2006/relationships" xmlns:mc="http://schemas.openxmlformats.org/markup-compatibility/2006" xmlns:mv="urn:schemas-microsoft-com:mac:vml" xmlns:p="http://schemas.openxmlformats.org/presentationml/2006/main" xmlns:c="http://schemas.openxmlformats.org/drawingml/2006/chart" xmlns:dgm="http://schemas.openxmlformats.org/drawingml/2006/diagram" xmlns:o="urn:schemas-microsoft-com:office:office" xmlns:v="urn:schemas-microsoft-com:vml" xmlns:pvml="urn:schemas-microsoft-com:office:powerpoint" xmlns:com="http://schemas.openxmlformats.org/drawingml/2006/compatibility" xmlns:p14="http://schemas.microsoft.com/office/powerpoint/2010/main" showMasterSp="0" showMasterPhAnim="0">
   <p:cSld>
     <p:spTree>
       <p:nvGrpSpPr>
-        <p:cNvPr id="78" name="Shape 78"/>
+        <p:cNvPr id="84" name="Shape 84"/>
         <p:cNvGrpSpPr/>
         <p:nvPr/>
       </p:nvGrpSpPr>
@@ -2845,7 +2652,7 @@
       </p:grpSpPr>
       <p:sp>
         <p:nvSpPr>
-          <p:cNvPr id="79" name="Shape 79"/>
+          <p:cNvPr id="85" name="Shape 85"/>
           <p:cNvSpPr/>
           <p:nvPr>
             <p:ph idx="2" type="sldImg"/>
@@ -2889,7 +2696,7 @@
       </p:sp>
       <p:sp>
         <p:nvSpPr>
-          <p:cNvPr id="80" name="Shape 80"/>
+          <p:cNvPr id="86" name="Shape 86"/>
           <p:cNvSpPr txBox="1"/>
           <p:nvPr>
             <p:ph idx="1" type="body"/>
@@ -2918,7 +2725,7 @@
             </a:pPr>
             <a:r>
               <a:rPr lang="en"/>
-              <a:t>Section 3.3.1</a:t>
+              <a:t>Section 3.3.2</a:t>
             </a:r>
           </a:p>
           <a:p>
@@ -2934,7 +2741,7 @@
             <a:endParaRPr/>
           </a:p>
           <a:p>
-            <a:pPr rtl="0">
+            <a:pPr>
               <a:spcBef>
                 <a:spcPts val="0"/>
               </a:spcBef>
@@ -2942,55 +2749,7 @@
             </a:pPr>
             <a:r>
               <a:rPr lang="en"/>
-              <a:t>iOS application is built using xCode which using a MVC design pattern. MVC stands for Model, View and Controllers. </a:t>
-            </a:r>
-          </a:p>
-          <a:p>
-            <a:pPr rtl="0">
-              <a:spcBef>
-                <a:spcPts val="0"/>
-              </a:spcBef>
-              <a:buNone/>
-            </a:pPr>
-            <a:r>
-              <a:t/>
-            </a:r>
-            <a:endParaRPr/>
-          </a:p>
-          <a:p>
-            <a:pPr rtl="0">
-              <a:spcBef>
-                <a:spcPts val="0"/>
-              </a:spcBef>
-              <a:buNone/>
-            </a:pPr>
-            <a:r>
-              <a:rPr lang="en"/>
-              <a:t>The controllers communicate between the model and view layers and also, requests data from service layer. </a:t>
-            </a:r>
-          </a:p>
-          <a:p>
-            <a:pPr rtl="0">
-              <a:spcBef>
-                <a:spcPts val="0"/>
-              </a:spcBef>
-              <a:buNone/>
-            </a:pPr>
-            <a:r>
-              <a:t/>
-            </a:r>
-            <a:endParaRPr/>
-          </a:p>
-          <a:p>
-            <a:pPr>
-              <a:spcBef>
-                <a:spcPts val="0"/>
-              </a:spcBef>
-              <a:buNone/>
-            </a:pPr>
-            <a:r>
-              <a:rPr lang="en"/>
-              <a:t>Model stores and provides methods for data. While the view is responsible for UI.</a:t>
+              <a:t>Similar MVC design as the iOS application. ADD MORE NOTES</a:t>
             </a:r>
           </a:p>
         </p:txBody>
@@ -3003,12 +2762,12 @@
 </p:notes>
 </file>
 
-<file path=ppt/notesSlides/notesSlide7.xml><?xml version="1.0" encoding="utf-8"?>
+<file path=ppt/notesSlides/notesSlide8.xml><?xml version="1.0" encoding="utf-8"?>
 <p:notes xmlns:a="http://schemas.openxmlformats.org/drawingml/2006/main" xmlns:r="http://schemas.openxmlformats.org/officeDocument/2006/relationships" xmlns:mc="http://schemas.openxmlformats.org/markup-compatibility/2006" xmlns:mv="urn:schemas-microsoft-com:mac:vml" xmlns:p="http://schemas.openxmlformats.org/presentationml/2006/main" xmlns:c="http://schemas.openxmlformats.org/drawingml/2006/chart" xmlns:dgm="http://schemas.openxmlformats.org/drawingml/2006/diagram" xmlns:o="urn:schemas-microsoft-com:office:office" xmlns:v="urn:schemas-microsoft-com:vml" xmlns:pvml="urn:schemas-microsoft-com:office:powerpoint" xmlns:com="http://schemas.openxmlformats.org/drawingml/2006/compatibility" xmlns:p14="http://schemas.microsoft.com/office/powerpoint/2010/main" showMasterSp="0" showMasterPhAnim="0">
   <p:cSld>
     <p:spTree>
       <p:nvGrpSpPr>
-        <p:cNvPr id="84" name="Shape 84"/>
+        <p:cNvPr id="90" name="Shape 90"/>
         <p:cNvGrpSpPr/>
         <p:nvPr/>
       </p:nvGrpSpPr>
@@ -3022,7 +2781,7 @@
       </p:grpSpPr>
       <p:sp>
         <p:nvSpPr>
-          <p:cNvPr id="85" name="Shape 85"/>
+          <p:cNvPr id="91" name="Shape 91"/>
           <p:cNvSpPr/>
           <p:nvPr>
             <p:ph idx="2" type="sldImg"/>
@@ -3066,7 +2825,7 @@
       </p:sp>
       <p:sp>
         <p:nvSpPr>
-          <p:cNvPr id="86" name="Shape 86"/>
+          <p:cNvPr id="92" name="Shape 92"/>
           <p:cNvSpPr txBox="1"/>
           <p:nvPr>
             <p:ph idx="1" type="body"/>
@@ -3095,7 +2854,7 @@
             </a:pPr>
             <a:r>
               <a:rPr lang="en"/>
-              <a:t>Section 3.3.2</a:t>
+              <a:t>Our system will be using JSON objects to format data when sending and receiving data. So what is JSON? JSON stands for JavaScript Object Notation and is basically just a string notation for a dictionary. Its lightweight and its easy for us humans to understand. Its also not difficult for machines to parse through.</a:t>
             </a:r>
           </a:p>
           <a:p>
@@ -3111,6 +2870,18 @@
             <a:endParaRPr/>
           </a:p>
           <a:p>
+            <a:pPr rtl="0">
+              <a:spcBef>
+                <a:spcPts val="0"/>
+              </a:spcBef>
+              <a:buNone/>
+            </a:pPr>
+            <a:r>
+              <a:rPr lang="en"/>
+              <a:t>As you can see above, if we were to store a database table information it would look like the above notation. It begins with table name then inside of the brackets there are columns in red and the stored information in blue. For an example we will be sending level information to and from the iOS application, it would look like this. Level, level_id, name….</a:t>
+            </a:r>
+          </a:p>
+          <a:p>
             <a:pPr>
               <a:spcBef>
                 <a:spcPts val="0"/>
@@ -3119,7 +2890,7 @@
             </a:pPr>
             <a:r>
               <a:rPr lang="en"/>
-              <a:t>Similar MVC design as the iOS application. ADD MORE NOTES</a:t>
+              <a:t>What's nice about using JSON is PHP has a built in json_encode an json_decode function which will take in array or a json object and output the reverse.</a:t>
             </a:r>
           </a:p>
         </p:txBody>
@@ -3132,12 +2903,12 @@
 </p:notes>
 </file>
 
-<file path=ppt/notesSlides/notesSlide8.xml><?xml version="1.0" encoding="utf-8"?>
+<file path=ppt/notesSlides/notesSlide9.xml><?xml version="1.0" encoding="utf-8"?>
 <p:notes xmlns:a="http://schemas.openxmlformats.org/drawingml/2006/main" xmlns:r="http://schemas.openxmlformats.org/officeDocument/2006/relationships" xmlns:mc="http://schemas.openxmlformats.org/markup-compatibility/2006" xmlns:mv="urn:schemas-microsoft-com:mac:vml" xmlns:p="http://schemas.openxmlformats.org/presentationml/2006/main" xmlns:c="http://schemas.openxmlformats.org/drawingml/2006/chart" xmlns:dgm="http://schemas.openxmlformats.org/drawingml/2006/diagram" xmlns:o="urn:schemas-microsoft-com:office:office" xmlns:v="urn:schemas-microsoft-com:vml" xmlns:pvml="urn:schemas-microsoft-com:office:powerpoint" xmlns:com="http://schemas.openxmlformats.org/drawingml/2006/compatibility" xmlns:p14="http://schemas.microsoft.com/office/powerpoint/2010/main" showMasterSp="0" showMasterPhAnim="0">
   <p:cSld>
     <p:spTree>
       <p:nvGrpSpPr>
-        <p:cNvPr id="90" name="Shape 90"/>
+        <p:cNvPr id="96" name="Shape 96"/>
         <p:cNvGrpSpPr/>
         <p:nvPr/>
       </p:nvGrpSpPr>
@@ -3151,7 +2922,7 @@
       </p:grpSpPr>
       <p:sp>
         <p:nvSpPr>
-          <p:cNvPr id="91" name="Shape 91"/>
+          <p:cNvPr id="97" name="Shape 97"/>
           <p:cNvSpPr/>
           <p:nvPr>
             <p:ph idx="2" type="sldImg"/>
@@ -3195,7 +2966,7 @@
       </p:sp>
       <p:sp>
         <p:nvSpPr>
-          <p:cNvPr id="92" name="Shape 92"/>
+          <p:cNvPr id="98" name="Shape 98"/>
           <p:cNvSpPr txBox="1"/>
           <p:nvPr>
             <p:ph idx="1" type="body"/>
@@ -3224,7 +2995,7 @@
             </a:pPr>
             <a:r>
               <a:rPr lang="en"/>
-              <a:t>Our system will be using JSON objects to format data when sending and receiving data. So what is JSON? JSON stands for JavaScript Object Notation and is basically just a string notation for a dictionary. Its lightweight and its easy for us humans to understand. Its also not difficult for machines to parse through.</a:t>
+              <a:t>SSL(Secure Sockets Layer) If the web portal is communicating with the server or the iOS application is communicating with the server, the encryption and identification process will be the same.</a:t>
             </a:r>
           </a:p>
           <a:p>
@@ -3248,11 +3019,11 @@
             </a:pPr>
             <a:r>
               <a:rPr lang="en"/>
-              <a:t>As you can see above, if we were to store a database table information it would look like the above notation. It begins with table name then inside of the brackets there are columns in red and the stored information in blue. For an example we will be sending level information to and from the iOS application, it would look like this. Level, level_id, name….</a:t>
-            </a:r>
-          </a:p>
-          <a:p>
-            <a:pPr>
+              <a:t>Encryption steps: </a:t>
+            </a:r>
+          </a:p>
+          <a:p>
+            <a:pPr rtl="0">
               <a:spcBef>
                 <a:spcPts val="0"/>
               </a:spcBef>
@@ -3260,102 +3031,81 @@
             </a:pPr>
             <a:r>
               <a:rPr lang="en"/>
-              <a:t>What's nice about using JSON is PHP has a built in json_encode an json_decode function which will take in array or a json object and output the reverse.</a:t>
-            </a:r>
-          </a:p>
-        </p:txBody>
-      </p:sp>
-    </p:spTree>
-  </p:cSld>
-  <p:clrMapOvr>
-    <a:masterClrMapping/>
-  </p:clrMapOvr>
-</p:notes>
-</file>
-
-<file path=ppt/notesSlides/notesSlide9.xml><?xml version="1.0" encoding="utf-8"?>
-<p:notes xmlns:a="http://schemas.openxmlformats.org/drawingml/2006/main" xmlns:r="http://schemas.openxmlformats.org/officeDocument/2006/relationships" xmlns:mc="http://schemas.openxmlformats.org/markup-compatibility/2006" xmlns:mv="urn:schemas-microsoft-com:mac:vml" xmlns:p="http://schemas.openxmlformats.org/presentationml/2006/main" xmlns:c="http://schemas.openxmlformats.org/drawingml/2006/chart" xmlns:dgm="http://schemas.openxmlformats.org/drawingml/2006/diagram" xmlns:o="urn:schemas-microsoft-com:office:office" xmlns:v="urn:schemas-microsoft-com:vml" xmlns:pvml="urn:schemas-microsoft-com:office:powerpoint" xmlns:com="http://schemas.openxmlformats.org/drawingml/2006/compatibility" xmlns:p14="http://schemas.microsoft.com/office/powerpoint/2010/main" showMasterSp="0" showMasterPhAnim="0">
-  <p:cSld>
-    <p:spTree>
-      <p:nvGrpSpPr>
-        <p:cNvPr id="96" name="Shape 96"/>
-        <p:cNvGrpSpPr/>
-        <p:nvPr/>
-      </p:nvGrpSpPr>
-      <p:grpSpPr>
-        <a:xfrm>
-          <a:off y="0" x="0"/>
-          <a:ext cy="0" cx="0"/>
-          <a:chOff y="0" x="0"/>
-          <a:chExt cy="0" cx="0"/>
-        </a:xfrm>
-      </p:grpSpPr>
-      <p:sp>
-        <p:nvSpPr>
-          <p:cNvPr id="97" name="Shape 97"/>
-          <p:cNvSpPr/>
-          <p:nvPr>
-            <p:ph idx="2" type="sldImg"/>
-          </p:nvPr>
-        </p:nvSpPr>
-        <p:spPr>
-          <a:xfrm>
-            <a:off y="685800" x="381187"/>
-            <a:ext cy="3429000" cx="6096299"/>
-          </a:xfrm>
-          <a:custGeom>
-            <a:pathLst>
-              <a:path w="120000" extrusionOk="0" h="120000">
-                <a:moveTo>
-                  <a:pt y="0" x="0"/>
-                </a:moveTo>
-                <a:lnTo>
-                  <a:pt y="0" x="120000"/>
-                </a:lnTo>
-                <a:lnTo>
-                  <a:pt y="120000" x="120000"/>
-                </a:lnTo>
-                <a:lnTo>
-                  <a:pt y="120000" x="0"/>
-                </a:lnTo>
-                <a:close/>
-              </a:path>
-            </a:pathLst>
-          </a:custGeom>
-          <a:noFill/>
-          <a:ln w="9525" cap="flat">
-            <a:solidFill>
-              <a:srgbClr val="000000"/>
-            </a:solidFill>
-            <a:prstDash val="solid"/>
-            <a:round/>
-            <a:headEnd w="med" len="med" type="none"/>
-            <a:tailEnd w="med" len="med" type="none"/>
-          </a:ln>
-        </p:spPr>
-      </p:sp>
-      <p:sp>
-        <p:nvSpPr>
-          <p:cNvPr id="98" name="Shape 98"/>
-          <p:cNvSpPr txBox="1"/>
-          <p:nvPr>
-            <p:ph idx="1" type="body"/>
-          </p:nvPr>
-        </p:nvSpPr>
-        <p:spPr>
-          <a:xfrm>
-            <a:off y="4343400" x="685800"/>
-            <a:ext cy="4114800" cx="5486399"/>
-          </a:xfrm>
-          <a:prstGeom prst="rect">
-            <a:avLst/>
-          </a:prstGeom>
-        </p:spPr>
-        <p:txBody>
-          <a:bodyPr bIns="91425" rIns="91425" lIns="91425" tIns="91425" anchor="t" anchorCtr="0">
-            <a:noAutofit/>
-          </a:bodyPr>
-          <a:lstStyle/>
+              <a:t>1) Server and device agree on encryption</a:t>
+            </a:r>
+          </a:p>
+          <a:p>
+            <a:pPr rtl="0">
+              <a:spcBef>
+                <a:spcPts val="0"/>
+              </a:spcBef>
+              <a:buNone/>
+            </a:pPr>
+            <a:r>
+              <a:rPr lang="en"/>
+              <a:t>2)Server sends certificate</a:t>
+            </a:r>
+          </a:p>
+          <a:p>
+            <a:pPr rtl="0">
+              <a:spcBef>
+                <a:spcPts val="0"/>
+              </a:spcBef>
+              <a:buNone/>
+            </a:pPr>
+            <a:r>
+              <a:rPr lang="en"/>
+              <a:t>3)Device requests to start encrypting</a:t>
+            </a:r>
+          </a:p>
+          <a:p>
+            <a:pPr rtl="0">
+              <a:spcBef>
+                <a:spcPts val="0"/>
+              </a:spcBef>
+              <a:buNone/>
+            </a:pPr>
+            <a:r>
+              <a:rPr lang="en"/>
+              <a:t>4) Server requests the device to start encrypting</a:t>
+            </a:r>
+          </a:p>
+          <a:p>
+            <a:pPr rtl="0">
+              <a:spcBef>
+                <a:spcPts val="0"/>
+              </a:spcBef>
+              <a:buNone/>
+            </a:pPr>
+            <a:r>
+              <a:rPr lang="en"/>
+              <a:t>5) Final, total encryption  </a:t>
+            </a:r>
+          </a:p>
+          <a:p>
+            <a:pPr rtl="0">
+              <a:spcBef>
+                <a:spcPts val="0"/>
+              </a:spcBef>
+              <a:buNone/>
+            </a:pPr>
+            <a:r>
+              <a:t/>
+            </a:r>
+            <a:endParaRPr/>
+          </a:p>
+          <a:p>
+            <a:pPr rtl="0">
+              <a:spcBef>
+                <a:spcPts val="0"/>
+              </a:spcBef>
+              <a:buNone/>
+            </a:pPr>
+            <a:r>
+              <a:rPr lang="en"/>
+              <a:t>Identification steps:</a:t>
+            </a:r>
+          </a:p>
           <a:p>
             <a:pPr rtl="0" lvl="0">
               <a:lnSpc>
@@ -3367,18 +3117,138 @@
               <a:buClr>
                 <a:schemeClr val="dk1"/>
               </a:buClr>
-              <a:buSzPct val="91666"/>
+              <a:buSzPct val="100000"/>
               <a:buFont typeface="Arial"/>
               <a:buNone/>
             </a:pPr>
             <a:r>
-              <a:rPr sz="1200" lang="en">
+              <a:rPr lang="en">
                 <a:solidFill>
                   <a:schemeClr val="dk1"/>
                 </a:solidFill>
               </a:rPr>
-              <a:t>The web portal will also send and receive level, question, and student level progress information. However, the web portal will not be using JSON formatting, since querying the database will written in PHP, the web portal will eliminate the JSON formatting step and just store result sets in a string or an array.</a:t>
-            </a:r>
+              <a:t>1) Company asks CA for a certificate</a:t>
+            </a:r>
+          </a:p>
+          <a:p>
+            <a:pPr rtl="0" lvl="0">
+              <a:lnSpc>
+                <a:spcPct val="115000"/>
+              </a:lnSpc>
+              <a:spcBef>
+                <a:spcPts val="0"/>
+              </a:spcBef>
+              <a:buClr>
+                <a:schemeClr val="dk1"/>
+              </a:buClr>
+              <a:buSzPct val="100000"/>
+              <a:buFont typeface="Arial"/>
+              <a:buNone/>
+            </a:pPr>
+            <a:r>
+              <a:rPr lang="en">
+                <a:solidFill>
+                  <a:schemeClr val="dk1"/>
+                </a:solidFill>
+              </a:rPr>
+              <a:t>2) CA creates certificate and signs it</a:t>
+            </a:r>
+          </a:p>
+          <a:p>
+            <a:pPr rtl="0" lvl="0">
+              <a:lnSpc>
+                <a:spcPct val="115000"/>
+              </a:lnSpc>
+              <a:spcBef>
+                <a:spcPts val="0"/>
+              </a:spcBef>
+              <a:buClr>
+                <a:schemeClr val="dk1"/>
+              </a:buClr>
+              <a:buSzPct val="100000"/>
+              <a:buFont typeface="Arial"/>
+              <a:buNone/>
+            </a:pPr>
+            <a:r>
+              <a:rPr lang="en">
+                <a:solidFill>
+                  <a:schemeClr val="dk1"/>
+                </a:solidFill>
+              </a:rPr>
+              <a:t>3) Certificate installed in server</a:t>
+            </a:r>
+          </a:p>
+          <a:p>
+            <a:pPr rtl="0" lvl="0">
+              <a:lnSpc>
+                <a:spcPct val="115000"/>
+              </a:lnSpc>
+              <a:spcBef>
+                <a:spcPts val="0"/>
+              </a:spcBef>
+              <a:buClr>
+                <a:schemeClr val="dk1"/>
+              </a:buClr>
+              <a:buSzPct val="100000"/>
+              <a:buFont typeface="Arial"/>
+              <a:buNone/>
+            </a:pPr>
+            <a:r>
+              <a:rPr lang="en">
+                <a:solidFill>
+                  <a:schemeClr val="dk1"/>
+                </a:solidFill>
+              </a:rPr>
+              <a:t>4) Browser issued with root certificates</a:t>
+            </a:r>
+          </a:p>
+          <a:p>
+            <a:pPr rtl="0" lvl="0">
+              <a:lnSpc>
+                <a:spcPct val="115000"/>
+              </a:lnSpc>
+              <a:spcBef>
+                <a:spcPts val="0"/>
+              </a:spcBef>
+              <a:buClr>
+                <a:schemeClr val="dk1"/>
+              </a:buClr>
+              <a:buSzPct val="100000"/>
+              <a:buFont typeface="Arial"/>
+              <a:buNone/>
+            </a:pPr>
+            <a:r>
+              <a:rPr lang="en">
+                <a:solidFill>
+                  <a:schemeClr val="dk1"/>
+                </a:solidFill>
+              </a:rPr>
+              <a:t>5) Browser trust correctly signed certs</a:t>
+            </a:r>
+          </a:p>
+          <a:p>
+            <a:pPr rtl="0">
+              <a:spcBef>
+                <a:spcPts val="0"/>
+              </a:spcBef>
+              <a:buNone/>
+            </a:pPr>
+            <a:r>
+              <a:t/>
+            </a:r>
+            <a:endParaRPr/>
+          </a:p>
+          <a:p>
+            <a:pPr rtl="0">
+              <a:spcBef>
+                <a:spcPts val="0"/>
+              </a:spcBef>
+              <a:buNone/>
+            </a:pPr>
+            <a:r>
+              <a:t/>
+            </a:r>
+            <a:endParaRPr/>
           </a:p>
           <a:p>
             <a:pPr>
@@ -3388,9 +3258,9 @@
               <a:buNone/>
             </a:pPr>
             <a:r>
-              <a:t/>
-            </a:r>
-            <a:endParaRPr/>
+              <a:rPr lang="en"/>
+              <a:t>Storing Credentials: All credentials will be stored in database using salting and hashing on the password to ensure security.</a:t>
+            </a:r>
           </a:p>
         </p:txBody>
       </p:sp>
@@ -6604,7 +6474,7 @@
             </a:pPr>
             <a:r>
               <a:rPr lang="en"/>
-              <a:t>Security Architecture</a:t>
+              <a:t>User Roles</a:t>
             </a:r>
           </a:p>
         </p:txBody>
@@ -6631,6 +6501,18 @@
             <a:noAutofit/>
           </a:bodyPr>
           <a:lstStyle/>
+          <a:p>
+            <a:pPr rtl="0" lvl="0">
+              <a:spcBef>
+                <a:spcPts val="0"/>
+              </a:spcBef>
+              <a:buNone/>
+            </a:pPr>
+            <a:r>
+              <a:rPr u="sng" lang="en"/>
+              <a:t>Actors:</a:t>
+            </a:r>
+          </a:p>
           <a:p>
             <a:pPr rtl="0" lvl="0" indent="-419100" marL="457200">
               <a:spcBef>
@@ -6645,7 +6527,7 @@
             </a:pPr>
             <a:r>
               <a:rPr lang="en"/>
-              <a:t>SSL Encryption</a:t>
+              <a:t>Administrator</a:t>
             </a:r>
           </a:p>
           <a:p>
@@ -6662,7 +6544,7 @@
             </a:pPr>
             <a:r>
               <a:rPr lang="en"/>
-              <a:t>Identification</a:t>
+              <a:t>Teacher</a:t>
             </a:r>
           </a:p>
           <a:p>
@@ -6679,7 +6561,7 @@
             </a:pPr>
             <a:r>
               <a:rPr lang="en"/>
-              <a:t>Storing Credentials </a:t>
+              <a:t>Student</a:t>
             </a:r>
           </a:p>
         </p:txBody>
@@ -6743,98 +6625,39 @@
             </a:pPr>
             <a:r>
               <a:rPr lang="en"/>
-              <a:t>User Roles</a:t>
+              <a:t>Administrator Role</a:t>
             </a:r>
           </a:p>
         </p:txBody>
       </p:sp>
-      <p:sp>
-        <p:nvSpPr>
+      <p:pic>
+        <p:nvPicPr>
           <p:cNvPr id="107" name="Shape 107"/>
-          <p:cNvSpPr txBox="1"/>
-          <p:nvPr>
-            <p:ph idx="1" type="body"/>
-          </p:nvPr>
-        </p:nvSpPr>
-        <p:spPr>
-          <a:xfrm>
-            <a:off y="1200150" x="457200"/>
-            <a:ext cy="3725699" cx="8229600"/>
+          <p:cNvPicPr preferRelativeResize="0"/>
+          <p:nvPr/>
+        </p:nvPicPr>
+        <p:blipFill>
+          <a:blip r:embed="rId3">
+            <a:alphaModFix/>
+          </a:blip>
+          <a:stretch>
+            <a:fillRect/>
+          </a:stretch>
+        </p:blipFill>
+        <p:spPr>
+          <a:xfrm>
+            <a:off y="1662200" x="1269800"/>
+            <a:ext cy="2771775" cx="3209925"/>
           </a:xfrm>
           <a:prstGeom prst="rect">
             <a:avLst/>
           </a:prstGeom>
-        </p:spPr>
-        <p:txBody>
-          <a:bodyPr bIns="91425" rIns="91425" lIns="91425" tIns="91425" anchor="t" anchorCtr="0">
-            <a:noAutofit/>
-          </a:bodyPr>
-          <a:lstStyle/>
-          <a:p>
-            <a:pPr rtl="0" lvl="0">
-              <a:spcBef>
-                <a:spcPts val="0"/>
-              </a:spcBef>
-              <a:buNone/>
-            </a:pPr>
-            <a:r>
-              <a:rPr u="sng" lang="en"/>
-              <a:t>Actors:</a:t>
-            </a:r>
-          </a:p>
-          <a:p>
-            <a:pPr rtl="0" lvl="0" indent="-419100" marL="457200">
-              <a:spcBef>
-                <a:spcPts val="0"/>
-              </a:spcBef>
-              <a:buClr>
-                <a:schemeClr val="dk1"/>
-              </a:buClr>
-              <a:buSzPct val="100000"/>
-              <a:buFont typeface="Arial"/>
-              <a:buChar char="●"/>
-            </a:pPr>
-            <a:r>
-              <a:rPr lang="en"/>
-              <a:t>Administrator</a:t>
-            </a:r>
-          </a:p>
-          <a:p>
-            <a:pPr rtl="0" lvl="0" indent="-419100" marL="457200">
-              <a:spcBef>
-                <a:spcPts val="0"/>
-              </a:spcBef>
-              <a:buClr>
-                <a:schemeClr val="dk1"/>
-              </a:buClr>
-              <a:buSzPct val="100000"/>
-              <a:buFont typeface="Arial"/>
-              <a:buChar char="●"/>
-            </a:pPr>
-            <a:r>
-              <a:rPr lang="en"/>
-              <a:t>Teacher</a:t>
-            </a:r>
-          </a:p>
-          <a:p>
-            <a:pPr lvl="0" indent="-419100" marL="457200">
-              <a:spcBef>
-                <a:spcPts val="0"/>
-              </a:spcBef>
-              <a:buClr>
-                <a:schemeClr val="dk1"/>
-              </a:buClr>
-              <a:buSzPct val="100000"/>
-              <a:buFont typeface="Arial"/>
-              <a:buChar char="●"/>
-            </a:pPr>
-            <a:r>
-              <a:rPr lang="en"/>
-              <a:t>Student</a:t>
-            </a:r>
-          </a:p>
-        </p:txBody>
-      </p:sp>
+          <a:noFill/>
+          <a:ln>
+            <a:noFill/>
+          </a:ln>
+        </p:spPr>
+      </p:pic>
     </p:spTree>
   </p:cSld>
   <p:clrMapOvr>
@@ -6894,7 +6717,7 @@
             </a:pPr>
             <a:r>
               <a:rPr lang="en"/>
-              <a:t>Administrator Role</a:t>
+              <a:t>Teacher Role</a:t>
             </a:r>
           </a:p>
         </p:txBody>
@@ -6915,8 +6738,8 @@
         </p:blipFill>
         <p:spPr>
           <a:xfrm>
-            <a:off y="1662200" x="1269800"/>
-            <a:ext cy="2771775" cx="3209925"/>
+            <a:off y="1567648" x="91575"/>
+            <a:ext cy="3519425" cx="7475550"/>
           </a:xfrm>
           <a:prstGeom prst="rect">
             <a:avLst/>
@@ -6986,7 +6809,7 @@
             </a:pPr>
             <a:r>
               <a:rPr lang="en"/>
-              <a:t>Teacher Role</a:t>
+              <a:t>Student Role</a:t>
             </a:r>
           </a:p>
         </p:txBody>
@@ -7007,8 +6830,8 @@
         </p:blipFill>
         <p:spPr>
           <a:xfrm>
-            <a:off y="1567648" x="91575"/>
-            <a:ext cy="3519425" cx="7475550"/>
+            <a:off y="1533700" x="220075"/>
+            <a:ext cy="3438525" cx="5772150"/>
           </a:xfrm>
           <a:prstGeom prst="rect">
             <a:avLst/>
@@ -7078,7 +6901,7 @@
             </a:pPr>
             <a:r>
               <a:rPr lang="en"/>
-              <a:t>Student Role</a:t>
+              <a:t>Teacher Use Case</a:t>
             </a:r>
           </a:p>
         </p:txBody>
@@ -7099,8 +6922,8 @@
         </p:blipFill>
         <p:spPr>
           <a:xfrm>
-            <a:off y="1533700" x="220075"/>
-            <a:ext cy="3438525" cx="5772150"/>
+            <a:off y="2590425" x="1906150"/>
+            <a:ext cy="772724" cx="780524"/>
           </a:xfrm>
           <a:prstGeom prst="rect">
             <a:avLst/>
@@ -7111,6 +6934,926 @@
           </a:ln>
         </p:spPr>
       </p:pic>
+      <p:sp>
+        <p:nvSpPr>
+          <p:cNvPr id="126" name="Shape 126"/>
+          <p:cNvSpPr txBox="1"/>
+          <p:nvPr/>
+        </p:nvSpPr>
+        <p:spPr>
+          <a:xfrm>
+            <a:off y="1854225" x="-27650"/>
+            <a:ext cy="580799" cx="8983499"/>
+          </a:xfrm>
+          <a:prstGeom prst="rect">
+            <a:avLst/>
+          </a:prstGeom>
+          <a:noFill/>
+          <a:ln>
+            <a:noFill/>
+          </a:ln>
+        </p:spPr>
+        <p:txBody>
+          <a:bodyPr bIns="91425" rIns="91425" lIns="91425" tIns="91425" anchor="t" anchorCtr="0">
+            <a:noAutofit/>
+          </a:bodyPr>
+          <a:lstStyle/>
+          <a:p>
+            <a:pPr rtl="0" lvl="0">
+              <a:spcBef>
+                <a:spcPts val="0"/>
+              </a:spcBef>
+              <a:buNone/>
+            </a:pPr>
+            <a:r>
+              <a:rPr sz="1200" lang="en"/>
+              <a:t>Preconditions:				Normal Flow:									Postconditions:</a:t>
+            </a:r>
+          </a:p>
+          <a:p>
+            <a:pPr rtl="0" lvl="0">
+              <a:spcBef>
+                <a:spcPts val="0"/>
+              </a:spcBef>
+              <a:buNone/>
+            </a:pPr>
+            <a:r>
+              <a:t/>
+            </a:r>
+            <a:endParaRPr/>
+          </a:p>
+        </p:txBody>
+      </p:sp>
+      <p:sp>
+        <p:nvSpPr>
+          <p:cNvPr id="127" name="Shape 127"/>
+          <p:cNvSpPr/>
+          <p:nvPr/>
+        </p:nvSpPr>
+        <p:spPr>
+          <a:xfrm>
+            <a:off y="2590425" x="3379800"/>
+            <a:ext cy="115800" cx="1081500"/>
+          </a:xfrm>
+          <a:prstGeom prst="rect">
+            <a:avLst/>
+          </a:prstGeom>
+          <a:solidFill>
+            <a:schemeClr val="lt2"/>
+          </a:solidFill>
+          <a:ln w="19050" cap="flat">
+            <a:solidFill>
+              <a:schemeClr val="dk2"/>
+            </a:solidFill>
+            <a:prstDash val="solid"/>
+            <a:round/>
+            <a:headEnd w="med" len="med" type="none"/>
+            <a:tailEnd w="med" len="med" type="none"/>
+          </a:ln>
+        </p:spPr>
+        <p:txBody>
+          <a:bodyPr bIns="91425" rIns="91425" lIns="91425" tIns="91425" anchor="ctr" anchorCtr="0">
+            <a:noAutofit/>
+          </a:bodyPr>
+          <a:lstStyle/>
+          <a:p>
+            <a:pPr>
+              <a:spcBef>
+                <a:spcPts val="0"/>
+              </a:spcBef>
+              <a:buNone/>
+            </a:pPr>
+            <a:r>
+              <a:rPr sz="900" lang="en"/>
+              <a:t>Teacher Name</a:t>
+            </a:r>
+          </a:p>
+        </p:txBody>
+      </p:sp>
+      <p:sp>
+        <p:nvSpPr>
+          <p:cNvPr id="128" name="Shape 128"/>
+          <p:cNvSpPr txBox="1"/>
+          <p:nvPr/>
+        </p:nvSpPr>
+        <p:spPr>
+          <a:xfrm>
+            <a:off y="1265425" x="48550"/>
+            <a:ext cy="580799" cx="2238600"/>
+          </a:xfrm>
+          <a:prstGeom prst="rect">
+            <a:avLst/>
+          </a:prstGeom>
+          <a:noFill/>
+          <a:ln>
+            <a:noFill/>
+          </a:ln>
+        </p:spPr>
+        <p:txBody>
+          <a:bodyPr bIns="91425" rIns="91425" lIns="91425" tIns="91425" anchor="t" anchorCtr="0">
+            <a:noAutofit/>
+          </a:bodyPr>
+          <a:lstStyle/>
+          <a:p>
+            <a:pPr rtl="0" lvl="0">
+              <a:spcBef>
+                <a:spcPts val="0"/>
+              </a:spcBef>
+              <a:buNone/>
+            </a:pPr>
+            <a:r>
+              <a:rPr u="sng" lang="en"/>
+              <a:t>Teacher creates a class:</a:t>
+            </a:r>
+          </a:p>
+          <a:p>
+            <a:pPr rtl="0" lvl="0">
+              <a:spcBef>
+                <a:spcPts val="0"/>
+              </a:spcBef>
+              <a:buNone/>
+            </a:pPr>
+            <a:r>
+              <a:t/>
+            </a:r>
+            <a:endParaRPr/>
+          </a:p>
+        </p:txBody>
+      </p:sp>
+      <p:sp>
+        <p:nvSpPr>
+          <p:cNvPr id="129" name="Shape 129"/>
+          <p:cNvSpPr/>
+          <p:nvPr/>
+        </p:nvSpPr>
+        <p:spPr>
+          <a:xfrm>
+            <a:off y="2819025" x="3379800"/>
+            <a:ext cy="115800" cx="1081500"/>
+          </a:xfrm>
+          <a:prstGeom prst="rect">
+            <a:avLst/>
+          </a:prstGeom>
+          <a:solidFill>
+            <a:schemeClr val="lt2"/>
+          </a:solidFill>
+          <a:ln w="19050" cap="flat">
+            <a:solidFill>
+              <a:schemeClr val="dk2"/>
+            </a:solidFill>
+            <a:prstDash val="solid"/>
+            <a:round/>
+            <a:headEnd w="med" len="med" type="none"/>
+            <a:tailEnd w="med" len="med" type="none"/>
+          </a:ln>
+        </p:spPr>
+        <p:txBody>
+          <a:bodyPr bIns="91425" rIns="91425" lIns="91425" tIns="91425" anchor="ctr" anchorCtr="0">
+            <a:noAutofit/>
+          </a:bodyPr>
+          <a:lstStyle/>
+          <a:p>
+            <a:pPr rtl="0" lvl="0">
+              <a:spcBef>
+                <a:spcPts val="0"/>
+              </a:spcBef>
+              <a:buNone/>
+            </a:pPr>
+            <a:r>
+              <a:rPr sz="900" lang="en"/>
+              <a:t>ClassName</a:t>
+            </a:r>
+          </a:p>
+        </p:txBody>
+      </p:sp>
+      <p:sp>
+        <p:nvSpPr>
+          <p:cNvPr id="130" name="Shape 130"/>
+          <p:cNvSpPr/>
+          <p:nvPr/>
+        </p:nvSpPr>
+        <p:spPr>
+          <a:xfrm>
+            <a:off y="3047625" x="3379800"/>
+            <a:ext cy="115800" cx="1081500"/>
+          </a:xfrm>
+          <a:prstGeom prst="rect">
+            <a:avLst/>
+          </a:prstGeom>
+          <a:solidFill>
+            <a:schemeClr val="lt2"/>
+          </a:solidFill>
+          <a:ln w="19050" cap="flat">
+            <a:solidFill>
+              <a:schemeClr val="dk2"/>
+            </a:solidFill>
+            <a:prstDash val="solid"/>
+            <a:round/>
+            <a:headEnd w="med" len="med" type="none"/>
+            <a:tailEnd w="med" len="med" type="none"/>
+          </a:ln>
+        </p:spPr>
+        <p:txBody>
+          <a:bodyPr bIns="91425" rIns="91425" lIns="91425" tIns="91425" anchor="ctr" anchorCtr="0">
+            <a:noAutofit/>
+          </a:bodyPr>
+          <a:lstStyle/>
+          <a:p>
+            <a:pPr rtl="0" lvl="0">
+              <a:spcBef>
+                <a:spcPts val="0"/>
+              </a:spcBef>
+              <a:buNone/>
+            </a:pPr>
+            <a:r>
+              <a:rPr sz="900" lang="en"/>
+              <a:t>Class Password</a:t>
+            </a:r>
+          </a:p>
+        </p:txBody>
+      </p:sp>
+      <p:sp>
+        <p:nvSpPr>
+          <p:cNvPr id="131" name="Shape 131"/>
+          <p:cNvSpPr/>
+          <p:nvPr/>
+        </p:nvSpPr>
+        <p:spPr>
+          <a:xfrm>
+            <a:off y="3449475" x="2660225"/>
+            <a:ext cy="205499" cx="559499"/>
+          </a:xfrm>
+          <a:prstGeom prst="rightArrow">
+            <a:avLst>
+              <a:gd fmla="val 50000" name="adj1"/>
+              <a:gd fmla="val 50000" name="adj2"/>
+            </a:avLst>
+          </a:prstGeom>
+          <a:solidFill>
+            <a:schemeClr val="lt2"/>
+          </a:solidFill>
+          <a:ln w="19050" cap="flat">
+            <a:solidFill>
+              <a:schemeClr val="dk2"/>
+            </a:solidFill>
+            <a:prstDash val="solid"/>
+            <a:round/>
+            <a:headEnd w="med" len="med" type="none"/>
+            <a:tailEnd w="med" len="med" type="none"/>
+          </a:ln>
+        </p:spPr>
+        <p:txBody>
+          <a:bodyPr bIns="91425" rIns="91425" lIns="91425" tIns="91425" anchor="ctr" anchorCtr="0">
+            <a:noAutofit/>
+          </a:bodyPr>
+          <a:lstStyle/>
+          <a:p>
+            <a:pPr>
+              <a:spcBef>
+                <a:spcPts val="0"/>
+              </a:spcBef>
+              <a:buNone/>
+            </a:pPr>
+            <a:r>
+              <a:t/>
+            </a:r>
+            <a:endParaRPr/>
+          </a:p>
+        </p:txBody>
+      </p:sp>
+      <p:sp>
+        <p:nvSpPr>
+          <p:cNvPr id="132" name="Shape 132"/>
+          <p:cNvSpPr/>
+          <p:nvPr/>
+        </p:nvSpPr>
+        <p:spPr>
+          <a:xfrm>
+            <a:off y="3468225" x="3392850"/>
+            <a:ext cy="205499" cx="1081500"/>
+          </a:xfrm>
+          <a:prstGeom prst="bevel">
+            <a:avLst>
+              <a:gd fmla="val 12500" name="adj"/>
+            </a:avLst>
+          </a:prstGeom>
+          <a:solidFill>
+            <a:schemeClr val="lt2"/>
+          </a:solidFill>
+          <a:ln w="19050" cap="flat">
+            <a:solidFill>
+              <a:schemeClr val="dk2"/>
+            </a:solidFill>
+            <a:prstDash val="solid"/>
+            <a:round/>
+            <a:headEnd w="med" len="med" type="none"/>
+            <a:tailEnd w="med" len="med" type="none"/>
+          </a:ln>
+        </p:spPr>
+        <p:txBody>
+          <a:bodyPr bIns="91425" rIns="91425" lIns="91425" tIns="91425" anchor="ctr" anchorCtr="0">
+            <a:noAutofit/>
+          </a:bodyPr>
+          <a:lstStyle/>
+          <a:p>
+            <a:pPr>
+              <a:spcBef>
+                <a:spcPts val="0"/>
+              </a:spcBef>
+              <a:buNone/>
+            </a:pPr>
+            <a:r>
+              <a:rPr b="1" sz="900" lang="en"/>
+              <a:t>Create Class</a:t>
+            </a:r>
+          </a:p>
+        </p:txBody>
+      </p:sp>
+      <p:sp>
+        <p:nvSpPr>
+          <p:cNvPr id="133" name="Shape 133"/>
+          <p:cNvSpPr txBox="1"/>
+          <p:nvPr/>
+        </p:nvSpPr>
+        <p:spPr>
+          <a:xfrm>
+            <a:off y="2508725" x="-164675"/>
+            <a:ext cy="1523100" cx="1905899"/>
+          </a:xfrm>
+          <a:prstGeom prst="rect">
+            <a:avLst/>
+          </a:prstGeom>
+          <a:noFill/>
+          <a:ln>
+            <a:noFill/>
+          </a:ln>
+        </p:spPr>
+        <p:txBody>
+          <a:bodyPr bIns="91425" rIns="91425" lIns="91425" tIns="91425" anchor="t" anchorCtr="0">
+            <a:noAutofit/>
+          </a:bodyPr>
+          <a:lstStyle/>
+          <a:p>
+            <a:pPr rtl="0" lvl="0" indent="-285750" marL="457200">
+              <a:spcBef>
+                <a:spcPts val="0"/>
+              </a:spcBef>
+              <a:buClr>
+                <a:srgbClr val="000000"/>
+              </a:buClr>
+              <a:buSzPct val="100000"/>
+              <a:buFont typeface="Arial"/>
+              <a:buChar char="●"/>
+            </a:pPr>
+            <a:r>
+              <a:rPr sz="900" lang="en"/>
+              <a:t>Existing Account</a:t>
+            </a:r>
+          </a:p>
+          <a:p>
+            <a:pPr rtl="0" lvl="0" indent="-285750" marL="457200">
+              <a:spcBef>
+                <a:spcPts val="0"/>
+              </a:spcBef>
+              <a:buClr>
+                <a:srgbClr val="000000"/>
+              </a:buClr>
+              <a:buSzPct val="100000"/>
+              <a:buFont typeface="Arial"/>
+              <a:buChar char="●"/>
+            </a:pPr>
+            <a:r>
+              <a:rPr sz="900" lang="en"/>
+              <a:t>Valid Session</a:t>
+            </a:r>
+          </a:p>
+          <a:p>
+            <a:pPr rtl="0" lvl="0" indent="-285750" marL="457200">
+              <a:spcBef>
+                <a:spcPts val="0"/>
+              </a:spcBef>
+              <a:buClr>
+                <a:srgbClr val="000000"/>
+              </a:buClr>
+              <a:buSzPct val="100000"/>
+              <a:buFont typeface="Arial"/>
+              <a:buChar char="●"/>
+            </a:pPr>
+            <a:r>
+              <a:rPr sz="900" lang="en"/>
+              <a:t>Using Chrome</a:t>
+            </a:r>
+          </a:p>
+          <a:p>
+            <a:pPr lvl="0" indent="-285750" marL="457200">
+              <a:spcBef>
+                <a:spcPts val="0"/>
+              </a:spcBef>
+              <a:buClr>
+                <a:srgbClr val="000000"/>
+              </a:buClr>
+              <a:buSzPct val="100000"/>
+              <a:buFont typeface="Arial"/>
+              <a:buChar char="●"/>
+            </a:pPr>
+            <a:r>
+              <a:rPr sz="900" lang="en"/>
+              <a:t>Internet Connection</a:t>
+            </a:r>
+          </a:p>
+        </p:txBody>
+      </p:sp>
+      <p:pic>
+        <p:nvPicPr>
+          <p:cNvPr id="134" name="Shape 134"/>
+          <p:cNvPicPr preferRelativeResize="0"/>
+          <p:nvPr/>
+        </p:nvPicPr>
+        <p:blipFill>
+          <a:blip r:embed="rId4">
+            <a:alphaModFix/>
+          </a:blip>
+          <a:stretch>
+            <a:fillRect/>
+          </a:stretch>
+        </p:blipFill>
+        <p:spPr>
+          <a:xfrm>
+            <a:off y="2443025" x="1392375"/>
+            <a:ext cy="263199" cx="263199"/>
+          </a:xfrm>
+          <a:prstGeom prst="rect">
+            <a:avLst/>
+          </a:prstGeom>
+          <a:noFill/>
+          <a:ln>
+            <a:noFill/>
+          </a:ln>
+        </p:spPr>
+      </p:pic>
+      <p:pic>
+        <p:nvPicPr>
+          <p:cNvPr id="135" name="Shape 135"/>
+          <p:cNvPicPr preferRelativeResize="0"/>
+          <p:nvPr/>
+        </p:nvPicPr>
+        <p:blipFill>
+          <a:blip r:embed="rId4">
+            <a:alphaModFix/>
+          </a:blip>
+          <a:stretch>
+            <a:fillRect/>
+          </a:stretch>
+        </p:blipFill>
+        <p:spPr>
+          <a:xfrm>
+            <a:off y="2595425" x="1392375"/>
+            <a:ext cy="263199" cx="263199"/>
+          </a:xfrm>
+          <a:prstGeom prst="rect">
+            <a:avLst/>
+          </a:prstGeom>
+          <a:noFill/>
+          <a:ln>
+            <a:noFill/>
+          </a:ln>
+        </p:spPr>
+      </p:pic>
+      <p:pic>
+        <p:nvPicPr>
+          <p:cNvPr id="136" name="Shape 136"/>
+          <p:cNvPicPr preferRelativeResize="0"/>
+          <p:nvPr/>
+        </p:nvPicPr>
+        <p:blipFill>
+          <a:blip r:embed="rId4">
+            <a:alphaModFix/>
+          </a:blip>
+          <a:stretch>
+            <a:fillRect/>
+          </a:stretch>
+        </p:blipFill>
+        <p:spPr>
+          <a:xfrm>
+            <a:off y="2747825" x="1392375"/>
+            <a:ext cy="263199" cx="263199"/>
+          </a:xfrm>
+          <a:prstGeom prst="rect">
+            <a:avLst/>
+          </a:prstGeom>
+          <a:noFill/>
+          <a:ln>
+            <a:noFill/>
+          </a:ln>
+        </p:spPr>
+      </p:pic>
+      <p:pic>
+        <p:nvPicPr>
+          <p:cNvPr id="137" name="Shape 137"/>
+          <p:cNvPicPr preferRelativeResize="0"/>
+          <p:nvPr/>
+        </p:nvPicPr>
+        <p:blipFill>
+          <a:blip r:embed="rId4">
+            <a:alphaModFix/>
+          </a:blip>
+          <a:stretch>
+            <a:fillRect/>
+          </a:stretch>
+        </p:blipFill>
+        <p:spPr>
+          <a:xfrm>
+            <a:off y="2900225" x="1392375"/>
+            <a:ext cy="263199" cx="263199"/>
+          </a:xfrm>
+          <a:prstGeom prst="rect">
+            <a:avLst/>
+          </a:prstGeom>
+          <a:noFill/>
+          <a:ln>
+            <a:noFill/>
+          </a:ln>
+        </p:spPr>
+      </p:pic>
+      <p:pic>
+        <p:nvPicPr>
+          <p:cNvPr id="138" name="Shape 138"/>
+          <p:cNvPicPr preferRelativeResize="0"/>
+          <p:nvPr/>
+        </p:nvPicPr>
+        <p:blipFill>
+          <a:blip r:embed="rId5">
+            <a:alphaModFix/>
+          </a:blip>
+          <a:stretch>
+            <a:fillRect/>
+          </a:stretch>
+        </p:blipFill>
+        <p:spPr>
+          <a:xfrm>
+            <a:off y="3538950" x="5171625"/>
+            <a:ext cy="780524" cx="780524"/>
+          </a:xfrm>
+          <a:prstGeom prst="rect">
+            <a:avLst/>
+          </a:prstGeom>
+          <a:noFill/>
+          <a:ln>
+            <a:noFill/>
+          </a:ln>
+        </p:spPr>
+      </p:pic>
+      <p:sp>
+        <p:nvSpPr>
+          <p:cNvPr id="139" name="Shape 139"/>
+          <p:cNvSpPr/>
+          <p:nvPr/>
+        </p:nvSpPr>
+        <p:spPr>
+          <a:xfrm>
+            <a:off y="2706225" x="2660225"/>
+            <a:ext cy="205499" cx="559499"/>
+          </a:xfrm>
+          <a:prstGeom prst="rightArrow">
+            <a:avLst>
+              <a:gd fmla="val 50000" name="adj1"/>
+              <a:gd fmla="val 50000" name="adj2"/>
+            </a:avLst>
+          </a:prstGeom>
+          <a:solidFill>
+            <a:schemeClr val="lt2"/>
+          </a:solidFill>
+          <a:ln w="19050" cap="flat">
+            <a:solidFill>
+              <a:schemeClr val="dk2"/>
+            </a:solidFill>
+            <a:prstDash val="solid"/>
+            <a:round/>
+            <a:headEnd w="med" len="med" type="none"/>
+            <a:tailEnd w="med" len="med" type="none"/>
+          </a:ln>
+        </p:spPr>
+        <p:txBody>
+          <a:bodyPr bIns="91425" rIns="91425" lIns="91425" tIns="91425" anchor="ctr" anchorCtr="0">
+            <a:noAutofit/>
+          </a:bodyPr>
+          <a:lstStyle/>
+          <a:p>
+            <a:pPr rtl="0" lvl="0">
+              <a:spcBef>
+                <a:spcPts val="0"/>
+              </a:spcBef>
+              <a:buNone/>
+            </a:pPr>
+            <a:r>
+              <a:t/>
+            </a:r>
+            <a:endParaRPr/>
+          </a:p>
+        </p:txBody>
+      </p:sp>
+      <p:sp>
+        <p:nvSpPr>
+          <p:cNvPr id="140" name="Shape 140"/>
+          <p:cNvSpPr/>
+          <p:nvPr/>
+        </p:nvSpPr>
+        <p:spPr>
+          <a:xfrm>
+            <a:off y="3468225" x="4612125"/>
+            <a:ext cy="205499" cx="559499"/>
+          </a:xfrm>
+          <a:prstGeom prst="rightArrow">
+            <a:avLst>
+              <a:gd fmla="val 50000" name="adj1"/>
+              <a:gd fmla="val 50000" name="adj2"/>
+            </a:avLst>
+          </a:prstGeom>
+          <a:solidFill>
+            <a:schemeClr val="lt2"/>
+          </a:solidFill>
+          <a:ln w="19050" cap="flat">
+            <a:solidFill>
+              <a:schemeClr val="dk2"/>
+            </a:solidFill>
+            <a:prstDash val="solid"/>
+            <a:round/>
+            <a:headEnd w="med" len="med" type="none"/>
+            <a:tailEnd w="med" len="med" type="none"/>
+          </a:ln>
+        </p:spPr>
+        <p:txBody>
+          <a:bodyPr bIns="91425" rIns="91425" lIns="91425" tIns="91425" anchor="ctr" anchorCtr="0">
+            <a:noAutofit/>
+          </a:bodyPr>
+          <a:lstStyle/>
+          <a:p>
+            <a:pPr rtl="0" lvl="0">
+              <a:spcBef>
+                <a:spcPts val="0"/>
+              </a:spcBef>
+              <a:buNone/>
+            </a:pPr>
+            <a:r>
+              <a:t/>
+            </a:r>
+            <a:endParaRPr/>
+          </a:p>
+        </p:txBody>
+      </p:sp>
+      <p:pic>
+        <p:nvPicPr>
+          <p:cNvPr id="141" name="Shape 141"/>
+          <p:cNvPicPr preferRelativeResize="0"/>
+          <p:nvPr/>
+        </p:nvPicPr>
+        <p:blipFill>
+          <a:blip r:embed="rId6">
+            <a:alphaModFix/>
+          </a:blip>
+          <a:stretch>
+            <a:fillRect/>
+          </a:stretch>
+        </p:blipFill>
+        <p:spPr>
+          <a:xfrm>
+            <a:off y="3978525" x="3564950"/>
+            <a:ext cy="780524" cx="780524"/>
+          </a:xfrm>
+          <a:prstGeom prst="rect">
+            <a:avLst/>
+          </a:prstGeom>
+          <a:noFill/>
+          <a:ln>
+            <a:noFill/>
+          </a:ln>
+        </p:spPr>
+      </p:pic>
+      <p:sp>
+        <p:nvSpPr>
+          <p:cNvPr id="142" name="Shape 142"/>
+          <p:cNvSpPr/>
+          <p:nvPr/>
+        </p:nvSpPr>
+        <p:spPr>
+          <a:xfrm rot="10800000">
+            <a:off y="4223537" x="2660225"/>
+            <a:ext cy="205499" cx="559499"/>
+          </a:xfrm>
+          <a:prstGeom prst="rightArrow">
+            <a:avLst>
+              <a:gd fmla="val 50000" name="adj1"/>
+              <a:gd fmla="val 50000" name="adj2"/>
+            </a:avLst>
+          </a:prstGeom>
+          <a:solidFill>
+            <a:schemeClr val="lt2"/>
+          </a:solidFill>
+          <a:ln w="19050" cap="flat">
+            <a:solidFill>
+              <a:schemeClr val="dk2"/>
+            </a:solidFill>
+            <a:prstDash val="solid"/>
+            <a:round/>
+            <a:headEnd w="med" len="med" type="none"/>
+            <a:tailEnd w="med" len="med" type="none"/>
+          </a:ln>
+        </p:spPr>
+        <p:txBody>
+          <a:bodyPr bIns="91425" rIns="91425" lIns="91425" tIns="91425" anchor="ctr" anchorCtr="0">
+            <a:noAutofit/>
+          </a:bodyPr>
+          <a:lstStyle/>
+          <a:p>
+            <a:pPr rtl="0" lvl="0">
+              <a:spcBef>
+                <a:spcPts val="0"/>
+              </a:spcBef>
+              <a:buNone/>
+            </a:pPr>
+            <a:r>
+              <a:t/>
+            </a:r>
+            <a:endParaRPr/>
+          </a:p>
+        </p:txBody>
+      </p:sp>
+      <p:sp>
+        <p:nvSpPr>
+          <p:cNvPr id="143" name="Shape 143"/>
+          <p:cNvSpPr/>
+          <p:nvPr/>
+        </p:nvSpPr>
+        <p:spPr>
+          <a:xfrm rot="10800000">
+            <a:off y="4233275" x="4598750"/>
+            <a:ext cy="205499" cx="559499"/>
+          </a:xfrm>
+          <a:prstGeom prst="rightArrow">
+            <a:avLst>
+              <a:gd fmla="val 50000" name="adj1"/>
+              <a:gd fmla="val 50000" name="adj2"/>
+            </a:avLst>
+          </a:prstGeom>
+          <a:solidFill>
+            <a:schemeClr val="lt2"/>
+          </a:solidFill>
+          <a:ln w="19050" cap="flat">
+            <a:solidFill>
+              <a:schemeClr val="dk2"/>
+            </a:solidFill>
+            <a:prstDash val="solid"/>
+            <a:round/>
+            <a:headEnd w="med" len="med" type="none"/>
+            <a:tailEnd w="med" len="med" type="none"/>
+          </a:ln>
+        </p:spPr>
+        <p:txBody>
+          <a:bodyPr bIns="91425" rIns="91425" lIns="91425" tIns="91425" anchor="ctr" anchorCtr="0">
+            <a:noAutofit/>
+          </a:bodyPr>
+          <a:lstStyle/>
+          <a:p>
+            <a:pPr rtl="0" lvl="0">
+              <a:spcBef>
+                <a:spcPts val="0"/>
+              </a:spcBef>
+              <a:buNone/>
+            </a:pPr>
+            <a:r>
+              <a:t/>
+            </a:r>
+            <a:endParaRPr/>
+          </a:p>
+        </p:txBody>
+      </p:sp>
+      <p:pic>
+        <p:nvPicPr>
+          <p:cNvPr id="144" name="Shape 144"/>
+          <p:cNvPicPr preferRelativeResize="0"/>
+          <p:nvPr/>
+        </p:nvPicPr>
+        <p:blipFill>
+          <a:blip r:embed="rId7">
+            <a:alphaModFix/>
+          </a:blip>
+          <a:stretch>
+            <a:fillRect/>
+          </a:stretch>
+        </p:blipFill>
+        <p:spPr>
+          <a:xfrm>
+            <a:off y="2825783" x="5743400"/>
+            <a:ext cy="559481" cx="559499"/>
+          </a:xfrm>
+          <a:prstGeom prst="rect">
+            <a:avLst/>
+          </a:prstGeom>
+          <a:noFill/>
+          <a:ln>
+            <a:noFill/>
+          </a:ln>
+        </p:spPr>
+      </p:pic>
+      <p:sp>
+        <p:nvSpPr>
+          <p:cNvPr id="145" name="Shape 145"/>
+          <p:cNvSpPr txBox="1"/>
+          <p:nvPr/>
+        </p:nvSpPr>
+        <p:spPr>
+          <a:xfrm>
+            <a:off y="2508725" x="6357250"/>
+            <a:ext cy="1430999" cx="2727600"/>
+          </a:xfrm>
+          <a:prstGeom prst="rect">
+            <a:avLst/>
+          </a:prstGeom>
+          <a:noFill/>
+          <a:ln>
+            <a:noFill/>
+          </a:ln>
+        </p:spPr>
+        <p:txBody>
+          <a:bodyPr bIns="91425" rIns="91425" lIns="91425" tIns="91425" anchor="t" anchorCtr="0">
+            <a:noAutofit/>
+          </a:bodyPr>
+          <a:lstStyle/>
+          <a:p>
+            <a:pPr lvl="0" indent="-285750" marL="457200">
+              <a:spcBef>
+                <a:spcPts val="0"/>
+              </a:spcBef>
+              <a:buClr>
+                <a:srgbClr val="000000"/>
+              </a:buClr>
+              <a:buSzPct val="100000"/>
+              <a:buFont typeface="Arial"/>
+              <a:buChar char="●"/>
+            </a:pPr>
+            <a:r>
+              <a:rPr sz="900" lang="en"/>
+              <a:t>Teacher successfully creates a class</a:t>
+            </a:r>
+          </a:p>
+        </p:txBody>
+      </p:sp>
+      <p:cxnSp>
+        <p:nvCxnSpPr>
+          <p:cNvPr id="146" name="Shape 146"/>
+          <p:cNvCxnSpPr>
+            <a:stCxn id="138" idx="0"/>
+          </p:cNvCxnSpPr>
+          <p:nvPr/>
+        </p:nvCxnSpPr>
+        <p:spPr>
+          <a:xfrm rot="10800000" flipH="1">
+            <a:off y="3343950" x="5561887"/>
+            <a:ext cy="195000" cx="212100"/>
+          </a:xfrm>
+          <a:prstGeom prst="straightConnector1">
+            <a:avLst/>
+          </a:prstGeom>
+          <a:noFill/>
+          <a:ln w="19050" cap="flat">
+            <a:solidFill>
+              <a:schemeClr val="dk2"/>
+            </a:solidFill>
+            <a:prstDash val="solid"/>
+            <a:round/>
+            <a:headEnd w="lg" len="lg" type="none"/>
+            <a:tailEnd w="lg" len="lg" type="triangle"/>
+          </a:ln>
+        </p:spPr>
+      </p:cxnSp>
+      <p:cxnSp>
+        <p:nvCxnSpPr>
+          <p:cNvPr id="147" name="Shape 147"/>
+          <p:cNvCxnSpPr>
+            <a:stCxn id="144" idx="2"/>
+          </p:cNvCxnSpPr>
+          <p:nvPr/>
+        </p:nvCxnSpPr>
+        <p:spPr>
+          <a:xfrm flipH="1">
+            <a:off y="3385265" x="5752849"/>
+            <a:ext cy="284700" cx="270300"/>
+          </a:xfrm>
+          <a:prstGeom prst="straightConnector1">
+            <a:avLst/>
+          </a:prstGeom>
+          <a:noFill/>
+          <a:ln w="19050" cap="flat">
+            <a:solidFill>
+              <a:schemeClr val="dk2"/>
+            </a:solidFill>
+            <a:prstDash val="solid"/>
+            <a:round/>
+            <a:headEnd w="lg" len="lg" type="none"/>
+            <a:tailEnd w="lg" len="lg" type="triangle"/>
+          </a:ln>
+        </p:spPr>
+      </p:cxnSp>
     </p:spTree>
   </p:cSld>
   <p:clrMapOvr>
@@ -7127,7 +7870,7 @@
   <p:cSld>
     <p:spTree>
       <p:nvGrpSpPr>
-        <p:cNvPr id="129" name="Shape 129"/>
+        <p:cNvPr id="151" name="Shape 151"/>
         <p:cNvGrpSpPr/>
         <p:nvPr/>
       </p:nvGrpSpPr>
@@ -7141,7 +7884,7 @@
       </p:grpSpPr>
       <p:sp>
         <p:nvSpPr>
-          <p:cNvPr id="130" name="Shape 130"/>
+          <p:cNvPr id="152" name="Shape 152"/>
           <p:cNvSpPr txBox="1"/>
           <p:nvPr>
             <p:ph type="title"/>
@@ -7170,42 +7913,14 @@
             </a:pPr>
             <a:r>
               <a:rPr lang="en"/>
-              <a:t>Teacher Use Case</a:t>
+              <a:t>Admin Use Case</a:t>
             </a:r>
           </a:p>
         </p:txBody>
       </p:sp>
-      <p:pic>
-        <p:nvPicPr>
-          <p:cNvPr id="131" name="Shape 131"/>
-          <p:cNvPicPr preferRelativeResize="0"/>
-          <p:nvPr/>
-        </p:nvPicPr>
-        <p:blipFill>
-          <a:blip r:embed="rId3">
-            <a:alphaModFix/>
-          </a:blip>
-          <a:stretch>
-            <a:fillRect/>
-          </a:stretch>
-        </p:blipFill>
-        <p:spPr>
-          <a:xfrm>
-            <a:off y="2590425" x="1906150"/>
-            <a:ext cy="772724" cx="780524"/>
-          </a:xfrm>
-          <a:prstGeom prst="rect">
-            <a:avLst/>
-          </a:prstGeom>
-          <a:noFill/>
-          <a:ln>
-            <a:noFill/>
-          </a:ln>
-        </p:spPr>
-      </p:pic>
-      <p:sp>
-        <p:nvSpPr>
-          <p:cNvPr id="132" name="Shape 132"/>
+      <p:sp>
+        <p:nvSpPr>
+          <p:cNvPr id="153" name="Shape 153"/>
           <p:cNvSpPr txBox="1"/>
           <p:nvPr/>
         </p:nvSpPr>
@@ -7255,17 +7970,70 @@
       </p:sp>
       <p:sp>
         <p:nvSpPr>
-          <p:cNvPr id="133" name="Shape 133"/>
+          <p:cNvPr id="154" name="Shape 154"/>
+          <p:cNvSpPr txBox="1"/>
+          <p:nvPr/>
+        </p:nvSpPr>
+        <p:spPr>
+          <a:xfrm>
+            <a:off y="1265425" x="48550"/>
+            <a:ext cy="580799" cx="2238600"/>
+          </a:xfrm>
+          <a:prstGeom prst="rect">
+            <a:avLst/>
+          </a:prstGeom>
+          <a:noFill/>
+          <a:ln>
+            <a:noFill/>
+          </a:ln>
+        </p:spPr>
+        <p:txBody>
+          <a:bodyPr bIns="91425" rIns="91425" lIns="91425" tIns="91425" anchor="t" anchorCtr="0">
+            <a:noAutofit/>
+          </a:bodyPr>
+          <a:lstStyle/>
+          <a:p>
+            <a:pPr rtl="0" lvl="0">
+              <a:spcBef>
+                <a:spcPts val="0"/>
+              </a:spcBef>
+              <a:buNone/>
+            </a:pPr>
+            <a:r>
+              <a:rPr u="sng" lang="en"/>
+              <a:t>Admin deletes a teacher:</a:t>
+            </a:r>
+          </a:p>
+          <a:p>
+            <a:pPr rtl="0" lvl="0">
+              <a:spcBef>
+                <a:spcPts val="0"/>
+              </a:spcBef>
+              <a:buNone/>
+            </a:pPr>
+            <a:r>
+              <a:t/>
+            </a:r>
+            <a:endParaRPr/>
+          </a:p>
+        </p:txBody>
+      </p:sp>
+      <p:sp>
+        <p:nvSpPr>
+          <p:cNvPr id="155" name="Shape 155"/>
           <p:cNvSpPr/>
           <p:nvPr/>
         </p:nvSpPr>
         <p:spPr>
           <a:xfrm>
-            <a:off y="2590425" x="3379800"/>
-            <a:ext cy="115800" cx="1081500"/>
-          </a:xfrm>
-          <a:prstGeom prst="rect">
-            <a:avLst/>
+            <a:off y="3854187" x="2617700"/>
+            <a:ext cy="205499" cx="559499"/>
+          </a:xfrm>
+          <a:prstGeom prst="rightArrow">
+            <a:avLst>
+              <a:gd fmla="val 50000" name="adj1"/>
+              <a:gd fmla="val 50000" name="adj2"/>
+            </a:avLst>
           </a:prstGeom>
           <a:solidFill>
             <a:schemeClr val="lt2"/>
@@ -7286,82 +8054,34 @@
           </a:bodyPr>
           <a:lstStyle/>
           <a:p>
-            <a:pPr>
-              <a:spcBef>
-                <a:spcPts val="0"/>
-              </a:spcBef>
-              <a:buNone/>
-            </a:pPr>
-            <a:r>
-              <a:rPr sz="900" lang="en"/>
-              <a:t>Teacher Name</a:t>
-            </a:r>
+            <a:pPr rtl="0" lvl="0">
+              <a:spcBef>
+                <a:spcPts val="0"/>
+              </a:spcBef>
+              <a:buNone/>
+            </a:pPr>
+            <a:r>
+              <a:t/>
+            </a:r>
+            <a:endParaRPr/>
           </a:p>
         </p:txBody>
       </p:sp>
       <p:sp>
         <p:nvSpPr>
-          <p:cNvPr id="134" name="Shape 134"/>
-          <p:cNvSpPr txBox="1"/>
-          <p:nvPr/>
-        </p:nvSpPr>
-        <p:spPr>
-          <a:xfrm>
-            <a:off y="1265425" x="48550"/>
-            <a:ext cy="580799" cx="2238600"/>
-          </a:xfrm>
-          <a:prstGeom prst="rect">
-            <a:avLst/>
-          </a:prstGeom>
-          <a:noFill/>
-          <a:ln>
-            <a:noFill/>
-          </a:ln>
-        </p:spPr>
-        <p:txBody>
-          <a:bodyPr bIns="91425" rIns="91425" lIns="91425" tIns="91425" anchor="t" anchorCtr="0">
-            <a:noAutofit/>
-          </a:bodyPr>
-          <a:lstStyle/>
-          <a:p>
-            <a:pPr rtl="0" lvl="0">
-              <a:spcBef>
-                <a:spcPts val="0"/>
-              </a:spcBef>
-              <a:buNone/>
-            </a:pPr>
-            <a:r>
-              <a:rPr u="sng" lang="en"/>
-              <a:t>Teacher creates a class:</a:t>
-            </a:r>
-          </a:p>
-          <a:p>
-            <a:pPr rtl="0" lvl="0">
-              <a:spcBef>
-                <a:spcPts val="0"/>
-              </a:spcBef>
-              <a:buNone/>
-            </a:pPr>
-            <a:r>
-              <a:t/>
-            </a:r>
-            <a:endParaRPr/>
-          </a:p>
-        </p:txBody>
-      </p:sp>
-      <p:sp>
-        <p:nvSpPr>
-          <p:cNvPr id="135" name="Shape 135"/>
+          <p:cNvPr id="156" name="Shape 156"/>
           <p:cNvSpPr/>
           <p:nvPr/>
         </p:nvSpPr>
         <p:spPr>
           <a:xfrm>
-            <a:off y="2819025" x="3379800"/>
-            <a:ext cy="115800" cx="1081500"/>
-          </a:xfrm>
-          <a:prstGeom prst="rect">
-            <a:avLst/>
+            <a:off y="3854200" x="3351725"/>
+            <a:ext cy="205499" cx="1081500"/>
+          </a:xfrm>
+          <a:prstGeom prst="bevel">
+            <a:avLst>
+              <a:gd fmla="val 12500" name="adj"/>
+            </a:avLst>
           </a:prstGeom>
           <a:solidFill>
             <a:schemeClr val="lt2"/>
@@ -7389,25 +8109,262 @@
               <a:buNone/>
             </a:pPr>
             <a:r>
+              <a:rPr b="1" sz="900" lang="en"/>
+              <a:t>Delete Teacher</a:t>
+            </a:r>
+          </a:p>
+        </p:txBody>
+      </p:sp>
+      <p:sp>
+        <p:nvSpPr>
+          <p:cNvPr id="157" name="Shape 157"/>
+          <p:cNvSpPr txBox="1"/>
+          <p:nvPr/>
+        </p:nvSpPr>
+        <p:spPr>
+          <a:xfrm>
+            <a:off y="2508725" x="-164675"/>
+            <a:ext cy="1523100" cx="1905899"/>
+          </a:xfrm>
+          <a:prstGeom prst="rect">
+            <a:avLst/>
+          </a:prstGeom>
+          <a:noFill/>
+          <a:ln>
+            <a:noFill/>
+          </a:ln>
+        </p:spPr>
+        <p:txBody>
+          <a:bodyPr bIns="91425" rIns="91425" lIns="91425" tIns="91425" anchor="t" anchorCtr="0">
+            <a:noAutofit/>
+          </a:bodyPr>
+          <a:lstStyle/>
+          <a:p>
+            <a:pPr rtl="0" lvl="0" indent="-285750" marL="457200">
+              <a:spcBef>
+                <a:spcPts val="0"/>
+              </a:spcBef>
+              <a:buClr>
+                <a:srgbClr val="000000"/>
+              </a:buClr>
+              <a:buSzPct val="100000"/>
+              <a:buFont typeface="Arial"/>
+              <a:buChar char="●"/>
+            </a:pPr>
+            <a:r>
               <a:rPr sz="900" lang="en"/>
-              <a:t>ClassName</a:t>
+              <a:t>Teacher Acc. Exists</a:t>
+            </a:r>
+          </a:p>
+          <a:p>
+            <a:pPr rtl="0" lvl="0" indent="-285750" marL="457200">
+              <a:spcBef>
+                <a:spcPts val="0"/>
+              </a:spcBef>
+              <a:buClr>
+                <a:srgbClr val="000000"/>
+              </a:buClr>
+              <a:buSzPct val="100000"/>
+              <a:buFont typeface="Arial"/>
+              <a:buChar char="●"/>
+            </a:pPr>
+            <a:r>
+              <a:rPr sz="900" lang="en"/>
+              <a:t>Valid Session</a:t>
+            </a:r>
+          </a:p>
+          <a:p>
+            <a:pPr rtl="0" lvl="0" indent="-285750" marL="457200">
+              <a:spcBef>
+                <a:spcPts val="0"/>
+              </a:spcBef>
+              <a:buClr>
+                <a:srgbClr val="000000"/>
+              </a:buClr>
+              <a:buSzPct val="100000"/>
+              <a:buFont typeface="Arial"/>
+              <a:buChar char="●"/>
+            </a:pPr>
+            <a:r>
+              <a:rPr sz="900" lang="en"/>
+              <a:t>Using Chrome</a:t>
+            </a:r>
+          </a:p>
+          <a:p>
+            <a:pPr rtl="0" lvl="0" indent="-285750" marL="457200">
+              <a:spcBef>
+                <a:spcPts val="0"/>
+              </a:spcBef>
+              <a:buClr>
+                <a:srgbClr val="000000"/>
+              </a:buClr>
+              <a:buSzPct val="100000"/>
+              <a:buFont typeface="Arial"/>
+              <a:buChar char="●"/>
+            </a:pPr>
+            <a:r>
+              <a:rPr sz="900" lang="en"/>
+              <a:t>Internet Connection</a:t>
             </a:r>
           </a:p>
         </p:txBody>
       </p:sp>
-      <p:sp>
-        <p:nvSpPr>
-          <p:cNvPr id="136" name="Shape 136"/>
+      <p:pic>
+        <p:nvPicPr>
+          <p:cNvPr id="158" name="Shape 158"/>
+          <p:cNvPicPr preferRelativeResize="0"/>
+          <p:nvPr/>
+        </p:nvPicPr>
+        <p:blipFill>
+          <a:blip r:embed="rId3">
+            <a:alphaModFix/>
+          </a:blip>
+          <a:stretch>
+            <a:fillRect/>
+          </a:stretch>
+        </p:blipFill>
+        <p:spPr>
+          <a:xfrm>
+            <a:off y="2443025" x="1392375"/>
+            <a:ext cy="263199" cx="263199"/>
+          </a:xfrm>
+          <a:prstGeom prst="rect">
+            <a:avLst/>
+          </a:prstGeom>
+          <a:noFill/>
+          <a:ln>
+            <a:noFill/>
+          </a:ln>
+        </p:spPr>
+      </p:pic>
+      <p:pic>
+        <p:nvPicPr>
+          <p:cNvPr id="159" name="Shape 159"/>
+          <p:cNvPicPr preferRelativeResize="0"/>
+          <p:nvPr/>
+        </p:nvPicPr>
+        <p:blipFill>
+          <a:blip r:embed="rId3">
+            <a:alphaModFix/>
+          </a:blip>
+          <a:stretch>
+            <a:fillRect/>
+          </a:stretch>
+        </p:blipFill>
+        <p:spPr>
+          <a:xfrm>
+            <a:off y="2595425" x="1392375"/>
+            <a:ext cy="263199" cx="263199"/>
+          </a:xfrm>
+          <a:prstGeom prst="rect">
+            <a:avLst/>
+          </a:prstGeom>
+          <a:noFill/>
+          <a:ln>
+            <a:noFill/>
+          </a:ln>
+        </p:spPr>
+      </p:pic>
+      <p:pic>
+        <p:nvPicPr>
+          <p:cNvPr id="160" name="Shape 160"/>
+          <p:cNvPicPr preferRelativeResize="0"/>
+          <p:nvPr/>
+        </p:nvPicPr>
+        <p:blipFill>
+          <a:blip r:embed="rId3">
+            <a:alphaModFix/>
+          </a:blip>
+          <a:stretch>
+            <a:fillRect/>
+          </a:stretch>
+        </p:blipFill>
+        <p:spPr>
+          <a:xfrm>
+            <a:off y="2747825" x="1392375"/>
+            <a:ext cy="263199" cx="263199"/>
+          </a:xfrm>
+          <a:prstGeom prst="rect">
+            <a:avLst/>
+          </a:prstGeom>
+          <a:noFill/>
+          <a:ln>
+            <a:noFill/>
+          </a:ln>
+        </p:spPr>
+      </p:pic>
+      <p:pic>
+        <p:nvPicPr>
+          <p:cNvPr id="161" name="Shape 161"/>
+          <p:cNvPicPr preferRelativeResize="0"/>
+          <p:nvPr/>
+        </p:nvPicPr>
+        <p:blipFill>
+          <a:blip r:embed="rId3">
+            <a:alphaModFix/>
+          </a:blip>
+          <a:stretch>
+            <a:fillRect/>
+          </a:stretch>
+        </p:blipFill>
+        <p:spPr>
+          <a:xfrm>
+            <a:off y="2900225" x="1392375"/>
+            <a:ext cy="263199" cx="263199"/>
+          </a:xfrm>
+          <a:prstGeom prst="rect">
+            <a:avLst/>
+          </a:prstGeom>
+          <a:noFill/>
+          <a:ln>
+            <a:noFill/>
+          </a:ln>
+        </p:spPr>
+      </p:pic>
+      <p:pic>
+        <p:nvPicPr>
+          <p:cNvPr id="162" name="Shape 162"/>
+          <p:cNvPicPr preferRelativeResize="0"/>
+          <p:nvPr/>
+        </p:nvPicPr>
+        <p:blipFill>
+          <a:blip r:embed="rId4">
+            <a:alphaModFix/>
+          </a:blip>
+          <a:stretch>
+            <a:fillRect/>
+          </a:stretch>
+        </p:blipFill>
+        <p:spPr>
+          <a:xfrm>
+            <a:off y="2031962" x="5256712"/>
+            <a:ext cy="780524" cx="780524"/>
+          </a:xfrm>
+          <a:prstGeom prst="rect">
+            <a:avLst/>
+          </a:prstGeom>
+          <a:noFill/>
+          <a:ln>
+            <a:noFill/>
+          </a:ln>
+        </p:spPr>
+      </p:pic>
+      <p:sp>
+        <p:nvSpPr>
+          <p:cNvPr id="163" name="Shape 163"/>
           <p:cNvSpPr/>
           <p:nvPr/>
         </p:nvSpPr>
         <p:spPr>
           <a:xfrm>
-            <a:off y="3047625" x="3379800"/>
-            <a:ext cy="115800" cx="1081500"/>
-          </a:xfrm>
-          <a:prstGeom prst="rect">
-            <a:avLst/>
+            <a:off y="2446800" x="2660225"/>
+            <a:ext cy="205499" cx="559499"/>
+          </a:xfrm>
+          <a:prstGeom prst="rightArrow">
+            <a:avLst>
+              <a:gd fmla="val 50000" name="adj1"/>
+              <a:gd fmla="val 50000" name="adj2"/>
+            </a:avLst>
           </a:prstGeom>
           <a:solidFill>
             <a:schemeClr val="lt2"/>
@@ -7435,21 +8392,21 @@
               <a:buNone/>
             </a:pPr>
             <a:r>
-              <a:rPr sz="900" lang="en"/>
-              <a:t>Class Password</a:t>
-            </a:r>
+              <a:t/>
+            </a:r>
+            <a:endParaRPr/>
           </a:p>
         </p:txBody>
       </p:sp>
       <p:sp>
         <p:nvSpPr>
-          <p:cNvPr id="137" name="Shape 137"/>
+          <p:cNvPr id="164" name="Shape 164"/>
           <p:cNvSpPr/>
           <p:nvPr/>
         </p:nvSpPr>
         <p:spPr>
           <a:xfrm>
-            <a:off y="3449475" x="2660225"/>
+            <a:off y="2446800" x="4565225"/>
             <a:ext cy="205499" cx="559499"/>
           </a:xfrm>
           <a:prstGeom prst="rightArrow">
@@ -7477,7 +8434,7 @@
           </a:bodyPr>
           <a:lstStyle/>
           <a:p>
-            <a:pPr>
+            <a:pPr rtl="0" lvl="0">
               <a:spcBef>
                 <a:spcPts val="0"/>
               </a:spcBef>
@@ -7490,15 +8447,142 @@
           </a:p>
         </p:txBody>
       </p:sp>
-      <p:sp>
-        <p:nvSpPr>
-          <p:cNvPr id="138" name="Shape 138"/>
+      <p:pic>
+        <p:nvPicPr>
+          <p:cNvPr id="165" name="Shape 165"/>
+          <p:cNvPicPr preferRelativeResize="0"/>
+          <p:nvPr/>
+        </p:nvPicPr>
+        <p:blipFill>
+          <a:blip r:embed="rId5">
+            <a:alphaModFix/>
+          </a:blip>
+          <a:stretch>
+            <a:fillRect/>
+          </a:stretch>
+        </p:blipFill>
+        <p:spPr>
+          <a:xfrm>
+            <a:off y="3011012" x="5279537"/>
+            <a:ext cy="780524" cx="780524"/>
+          </a:xfrm>
+          <a:prstGeom prst="rect">
+            <a:avLst/>
+          </a:prstGeom>
+          <a:noFill/>
+          <a:ln>
+            <a:noFill/>
+          </a:ln>
+        </p:spPr>
+      </p:pic>
+      <p:pic>
+        <p:nvPicPr>
+          <p:cNvPr id="166" name="Shape 166"/>
+          <p:cNvPicPr preferRelativeResize="0"/>
+          <p:nvPr/>
+        </p:nvPicPr>
+        <p:blipFill>
+          <a:blip r:embed="rId6">
+            <a:alphaModFix/>
+          </a:blip>
+          <a:stretch>
+            <a:fillRect/>
+          </a:stretch>
+        </p:blipFill>
+        <p:spPr>
+          <a:xfrm>
+            <a:off y="1430208" x="5812575"/>
+            <a:ext cy="559481" cx="559499"/>
+          </a:xfrm>
+          <a:prstGeom prst="rect">
+            <a:avLst/>
+          </a:prstGeom>
+          <a:noFill/>
+          <a:ln>
+            <a:noFill/>
+          </a:ln>
+        </p:spPr>
+      </p:pic>
+      <p:sp>
+        <p:nvSpPr>
+          <p:cNvPr id="167" name="Shape 167"/>
+          <p:cNvSpPr txBox="1"/>
+          <p:nvPr/>
+        </p:nvSpPr>
+        <p:spPr>
+          <a:xfrm>
+            <a:off y="2508725" x="6357250"/>
+            <a:ext cy="1430999" cx="2727600"/>
+          </a:xfrm>
+          <a:prstGeom prst="rect">
+            <a:avLst/>
+          </a:prstGeom>
+          <a:noFill/>
+          <a:ln>
+            <a:noFill/>
+          </a:ln>
+        </p:spPr>
+        <p:txBody>
+          <a:bodyPr bIns="91425" rIns="91425" lIns="91425" tIns="91425" anchor="t" anchorCtr="0">
+            <a:noAutofit/>
+          </a:bodyPr>
+          <a:lstStyle/>
+          <a:p>
+            <a:pPr rtl="0" lvl="0" indent="-285750" marL="457200">
+              <a:spcBef>
+                <a:spcPts val="0"/>
+              </a:spcBef>
+              <a:buClr>
+                <a:srgbClr val="000000"/>
+              </a:buClr>
+              <a:buSzPct val="100000"/>
+              <a:buFont typeface="Arial"/>
+              <a:buChar char="●"/>
+            </a:pPr>
+            <a:r>
+              <a:rPr sz="900" lang="en"/>
+              <a:t>Admin successfully deletes a teacher</a:t>
+            </a:r>
+          </a:p>
+        </p:txBody>
+      </p:sp>
+      <p:pic>
+        <p:nvPicPr>
+          <p:cNvPr id="168" name="Shape 168"/>
+          <p:cNvPicPr preferRelativeResize="0"/>
+          <p:nvPr/>
+        </p:nvPicPr>
+        <p:blipFill>
+          <a:blip r:embed="rId7">
+            <a:alphaModFix/>
+          </a:blip>
+          <a:stretch>
+            <a:fillRect/>
+          </a:stretch>
+        </p:blipFill>
+        <p:spPr>
+          <a:xfrm>
+            <a:off y="2568050" x="1814212"/>
+            <a:ext cy="817474" cx="964399"/>
+          </a:xfrm>
+          <a:prstGeom prst="rect">
+            <a:avLst/>
+          </a:prstGeom>
+          <a:noFill/>
+          <a:ln>
+            <a:noFill/>
+          </a:ln>
+        </p:spPr>
+      </p:pic>
+      <p:sp>
+        <p:nvSpPr>
+          <p:cNvPr id="169" name="Shape 169"/>
           <p:cNvSpPr/>
           <p:nvPr/>
         </p:nvSpPr>
         <p:spPr>
           <a:xfrm>
-            <a:off y="3468225" x="3392850"/>
+            <a:off y="2446800" x="3351712"/>
             <a:ext cy="205499" cx="1081500"/>
           </a:xfrm>
           <a:prstGeom prst="bevel">
@@ -7525,1359 +8609,6 @@
           </a:bodyPr>
           <a:lstStyle/>
           <a:p>
-            <a:pPr>
-              <a:spcBef>
-                <a:spcPts val="0"/>
-              </a:spcBef>
-              <a:buNone/>
-            </a:pPr>
-            <a:r>
-              <a:rPr b="1" sz="900" lang="en"/>
-              <a:t>Create Class</a:t>
-            </a:r>
-          </a:p>
-        </p:txBody>
-      </p:sp>
-      <p:sp>
-        <p:nvSpPr>
-          <p:cNvPr id="139" name="Shape 139"/>
-          <p:cNvSpPr txBox="1"/>
-          <p:nvPr/>
-        </p:nvSpPr>
-        <p:spPr>
-          <a:xfrm>
-            <a:off y="2508725" x="-164675"/>
-            <a:ext cy="1523100" cx="1905899"/>
-          </a:xfrm>
-          <a:prstGeom prst="rect">
-            <a:avLst/>
-          </a:prstGeom>
-          <a:noFill/>
-          <a:ln>
-            <a:noFill/>
-          </a:ln>
-        </p:spPr>
-        <p:txBody>
-          <a:bodyPr bIns="91425" rIns="91425" lIns="91425" tIns="91425" anchor="t" anchorCtr="0">
-            <a:noAutofit/>
-          </a:bodyPr>
-          <a:lstStyle/>
-          <a:p>
-            <a:pPr rtl="0" lvl="0" indent="-285750" marL="457200">
-              <a:spcBef>
-                <a:spcPts val="0"/>
-              </a:spcBef>
-              <a:buClr>
-                <a:srgbClr val="000000"/>
-              </a:buClr>
-              <a:buSzPct val="100000"/>
-              <a:buFont typeface="Arial"/>
-              <a:buChar char="●"/>
-            </a:pPr>
-            <a:r>
-              <a:rPr sz="900" lang="en"/>
-              <a:t>Existing Account</a:t>
-            </a:r>
-          </a:p>
-          <a:p>
-            <a:pPr rtl="0" lvl="0" indent="-285750" marL="457200">
-              <a:spcBef>
-                <a:spcPts val="0"/>
-              </a:spcBef>
-              <a:buClr>
-                <a:srgbClr val="000000"/>
-              </a:buClr>
-              <a:buSzPct val="100000"/>
-              <a:buFont typeface="Arial"/>
-              <a:buChar char="●"/>
-            </a:pPr>
-            <a:r>
-              <a:rPr sz="900" lang="en"/>
-              <a:t>Valid Session</a:t>
-            </a:r>
-          </a:p>
-          <a:p>
-            <a:pPr rtl="0" lvl="0" indent="-285750" marL="457200">
-              <a:spcBef>
-                <a:spcPts val="0"/>
-              </a:spcBef>
-              <a:buClr>
-                <a:srgbClr val="000000"/>
-              </a:buClr>
-              <a:buSzPct val="100000"/>
-              <a:buFont typeface="Arial"/>
-              <a:buChar char="●"/>
-            </a:pPr>
-            <a:r>
-              <a:rPr sz="900" lang="en"/>
-              <a:t>Using Chrome</a:t>
-            </a:r>
-          </a:p>
-          <a:p>
-            <a:pPr lvl="0" indent="-285750" marL="457200">
-              <a:spcBef>
-                <a:spcPts val="0"/>
-              </a:spcBef>
-              <a:buClr>
-                <a:srgbClr val="000000"/>
-              </a:buClr>
-              <a:buSzPct val="100000"/>
-              <a:buFont typeface="Arial"/>
-              <a:buChar char="●"/>
-            </a:pPr>
-            <a:r>
-              <a:rPr sz="900" lang="en"/>
-              <a:t>Internet Connection</a:t>
-            </a:r>
-          </a:p>
-        </p:txBody>
-      </p:sp>
-      <p:pic>
-        <p:nvPicPr>
-          <p:cNvPr id="140" name="Shape 140"/>
-          <p:cNvPicPr preferRelativeResize="0"/>
-          <p:nvPr/>
-        </p:nvPicPr>
-        <p:blipFill>
-          <a:blip r:embed="rId4">
-            <a:alphaModFix/>
-          </a:blip>
-          <a:stretch>
-            <a:fillRect/>
-          </a:stretch>
-        </p:blipFill>
-        <p:spPr>
-          <a:xfrm>
-            <a:off y="2443025" x="1392375"/>
-            <a:ext cy="263199" cx="263199"/>
-          </a:xfrm>
-          <a:prstGeom prst="rect">
-            <a:avLst/>
-          </a:prstGeom>
-          <a:noFill/>
-          <a:ln>
-            <a:noFill/>
-          </a:ln>
-        </p:spPr>
-      </p:pic>
-      <p:pic>
-        <p:nvPicPr>
-          <p:cNvPr id="141" name="Shape 141"/>
-          <p:cNvPicPr preferRelativeResize="0"/>
-          <p:nvPr/>
-        </p:nvPicPr>
-        <p:blipFill>
-          <a:blip r:embed="rId4">
-            <a:alphaModFix/>
-          </a:blip>
-          <a:stretch>
-            <a:fillRect/>
-          </a:stretch>
-        </p:blipFill>
-        <p:spPr>
-          <a:xfrm>
-            <a:off y="2595425" x="1392375"/>
-            <a:ext cy="263199" cx="263199"/>
-          </a:xfrm>
-          <a:prstGeom prst="rect">
-            <a:avLst/>
-          </a:prstGeom>
-          <a:noFill/>
-          <a:ln>
-            <a:noFill/>
-          </a:ln>
-        </p:spPr>
-      </p:pic>
-      <p:pic>
-        <p:nvPicPr>
-          <p:cNvPr id="142" name="Shape 142"/>
-          <p:cNvPicPr preferRelativeResize="0"/>
-          <p:nvPr/>
-        </p:nvPicPr>
-        <p:blipFill>
-          <a:blip r:embed="rId4">
-            <a:alphaModFix/>
-          </a:blip>
-          <a:stretch>
-            <a:fillRect/>
-          </a:stretch>
-        </p:blipFill>
-        <p:spPr>
-          <a:xfrm>
-            <a:off y="2747825" x="1392375"/>
-            <a:ext cy="263199" cx="263199"/>
-          </a:xfrm>
-          <a:prstGeom prst="rect">
-            <a:avLst/>
-          </a:prstGeom>
-          <a:noFill/>
-          <a:ln>
-            <a:noFill/>
-          </a:ln>
-        </p:spPr>
-      </p:pic>
-      <p:pic>
-        <p:nvPicPr>
-          <p:cNvPr id="143" name="Shape 143"/>
-          <p:cNvPicPr preferRelativeResize="0"/>
-          <p:nvPr/>
-        </p:nvPicPr>
-        <p:blipFill>
-          <a:blip r:embed="rId4">
-            <a:alphaModFix/>
-          </a:blip>
-          <a:stretch>
-            <a:fillRect/>
-          </a:stretch>
-        </p:blipFill>
-        <p:spPr>
-          <a:xfrm>
-            <a:off y="2900225" x="1392375"/>
-            <a:ext cy="263199" cx="263199"/>
-          </a:xfrm>
-          <a:prstGeom prst="rect">
-            <a:avLst/>
-          </a:prstGeom>
-          <a:noFill/>
-          <a:ln>
-            <a:noFill/>
-          </a:ln>
-        </p:spPr>
-      </p:pic>
-      <p:pic>
-        <p:nvPicPr>
-          <p:cNvPr id="144" name="Shape 144"/>
-          <p:cNvPicPr preferRelativeResize="0"/>
-          <p:nvPr/>
-        </p:nvPicPr>
-        <p:blipFill>
-          <a:blip r:embed="rId5">
-            <a:alphaModFix/>
-          </a:blip>
-          <a:stretch>
-            <a:fillRect/>
-          </a:stretch>
-        </p:blipFill>
-        <p:spPr>
-          <a:xfrm>
-            <a:off y="3538950" x="5171625"/>
-            <a:ext cy="780524" cx="780524"/>
-          </a:xfrm>
-          <a:prstGeom prst="rect">
-            <a:avLst/>
-          </a:prstGeom>
-          <a:noFill/>
-          <a:ln>
-            <a:noFill/>
-          </a:ln>
-        </p:spPr>
-      </p:pic>
-      <p:sp>
-        <p:nvSpPr>
-          <p:cNvPr id="145" name="Shape 145"/>
-          <p:cNvSpPr/>
-          <p:nvPr/>
-        </p:nvSpPr>
-        <p:spPr>
-          <a:xfrm>
-            <a:off y="2706225" x="2660225"/>
-            <a:ext cy="205499" cx="559499"/>
-          </a:xfrm>
-          <a:prstGeom prst="rightArrow">
-            <a:avLst>
-              <a:gd fmla="val 50000" name="adj1"/>
-              <a:gd fmla="val 50000" name="adj2"/>
-            </a:avLst>
-          </a:prstGeom>
-          <a:solidFill>
-            <a:schemeClr val="lt2"/>
-          </a:solidFill>
-          <a:ln w="19050" cap="flat">
-            <a:solidFill>
-              <a:schemeClr val="dk2"/>
-            </a:solidFill>
-            <a:prstDash val="solid"/>
-            <a:round/>
-            <a:headEnd w="med" len="med" type="none"/>
-            <a:tailEnd w="med" len="med" type="none"/>
-          </a:ln>
-        </p:spPr>
-        <p:txBody>
-          <a:bodyPr bIns="91425" rIns="91425" lIns="91425" tIns="91425" anchor="ctr" anchorCtr="0">
-            <a:noAutofit/>
-          </a:bodyPr>
-          <a:lstStyle/>
-          <a:p>
-            <a:pPr rtl="0" lvl="0">
-              <a:spcBef>
-                <a:spcPts val="0"/>
-              </a:spcBef>
-              <a:buNone/>
-            </a:pPr>
-            <a:r>
-              <a:t/>
-            </a:r>
-            <a:endParaRPr/>
-          </a:p>
-        </p:txBody>
-      </p:sp>
-      <p:sp>
-        <p:nvSpPr>
-          <p:cNvPr id="146" name="Shape 146"/>
-          <p:cNvSpPr/>
-          <p:nvPr/>
-        </p:nvSpPr>
-        <p:spPr>
-          <a:xfrm>
-            <a:off y="3468225" x="4612125"/>
-            <a:ext cy="205499" cx="559499"/>
-          </a:xfrm>
-          <a:prstGeom prst="rightArrow">
-            <a:avLst>
-              <a:gd fmla="val 50000" name="adj1"/>
-              <a:gd fmla="val 50000" name="adj2"/>
-            </a:avLst>
-          </a:prstGeom>
-          <a:solidFill>
-            <a:schemeClr val="lt2"/>
-          </a:solidFill>
-          <a:ln w="19050" cap="flat">
-            <a:solidFill>
-              <a:schemeClr val="dk2"/>
-            </a:solidFill>
-            <a:prstDash val="solid"/>
-            <a:round/>
-            <a:headEnd w="med" len="med" type="none"/>
-            <a:tailEnd w="med" len="med" type="none"/>
-          </a:ln>
-        </p:spPr>
-        <p:txBody>
-          <a:bodyPr bIns="91425" rIns="91425" lIns="91425" tIns="91425" anchor="ctr" anchorCtr="0">
-            <a:noAutofit/>
-          </a:bodyPr>
-          <a:lstStyle/>
-          <a:p>
-            <a:pPr rtl="0" lvl="0">
-              <a:spcBef>
-                <a:spcPts val="0"/>
-              </a:spcBef>
-              <a:buNone/>
-            </a:pPr>
-            <a:r>
-              <a:t/>
-            </a:r>
-            <a:endParaRPr/>
-          </a:p>
-        </p:txBody>
-      </p:sp>
-      <p:pic>
-        <p:nvPicPr>
-          <p:cNvPr id="147" name="Shape 147"/>
-          <p:cNvPicPr preferRelativeResize="0"/>
-          <p:nvPr/>
-        </p:nvPicPr>
-        <p:blipFill>
-          <a:blip r:embed="rId6">
-            <a:alphaModFix/>
-          </a:blip>
-          <a:stretch>
-            <a:fillRect/>
-          </a:stretch>
-        </p:blipFill>
-        <p:spPr>
-          <a:xfrm>
-            <a:off y="3978525" x="3564950"/>
-            <a:ext cy="780524" cx="780524"/>
-          </a:xfrm>
-          <a:prstGeom prst="rect">
-            <a:avLst/>
-          </a:prstGeom>
-          <a:noFill/>
-          <a:ln>
-            <a:noFill/>
-          </a:ln>
-        </p:spPr>
-      </p:pic>
-      <p:sp>
-        <p:nvSpPr>
-          <p:cNvPr id="148" name="Shape 148"/>
-          <p:cNvSpPr/>
-          <p:nvPr/>
-        </p:nvSpPr>
-        <p:spPr>
-          <a:xfrm rot="10800000">
-            <a:off y="4223537" x="2660225"/>
-            <a:ext cy="205499" cx="559499"/>
-          </a:xfrm>
-          <a:prstGeom prst="rightArrow">
-            <a:avLst>
-              <a:gd fmla="val 50000" name="adj1"/>
-              <a:gd fmla="val 50000" name="adj2"/>
-            </a:avLst>
-          </a:prstGeom>
-          <a:solidFill>
-            <a:schemeClr val="lt2"/>
-          </a:solidFill>
-          <a:ln w="19050" cap="flat">
-            <a:solidFill>
-              <a:schemeClr val="dk2"/>
-            </a:solidFill>
-            <a:prstDash val="solid"/>
-            <a:round/>
-            <a:headEnd w="med" len="med" type="none"/>
-            <a:tailEnd w="med" len="med" type="none"/>
-          </a:ln>
-        </p:spPr>
-        <p:txBody>
-          <a:bodyPr bIns="91425" rIns="91425" lIns="91425" tIns="91425" anchor="ctr" anchorCtr="0">
-            <a:noAutofit/>
-          </a:bodyPr>
-          <a:lstStyle/>
-          <a:p>
-            <a:pPr rtl="0" lvl="0">
-              <a:spcBef>
-                <a:spcPts val="0"/>
-              </a:spcBef>
-              <a:buNone/>
-            </a:pPr>
-            <a:r>
-              <a:t/>
-            </a:r>
-            <a:endParaRPr/>
-          </a:p>
-        </p:txBody>
-      </p:sp>
-      <p:sp>
-        <p:nvSpPr>
-          <p:cNvPr id="149" name="Shape 149"/>
-          <p:cNvSpPr/>
-          <p:nvPr/>
-        </p:nvSpPr>
-        <p:spPr>
-          <a:xfrm rot="10800000">
-            <a:off y="4233275" x="4598750"/>
-            <a:ext cy="205499" cx="559499"/>
-          </a:xfrm>
-          <a:prstGeom prst="rightArrow">
-            <a:avLst>
-              <a:gd fmla="val 50000" name="adj1"/>
-              <a:gd fmla="val 50000" name="adj2"/>
-            </a:avLst>
-          </a:prstGeom>
-          <a:solidFill>
-            <a:schemeClr val="lt2"/>
-          </a:solidFill>
-          <a:ln w="19050" cap="flat">
-            <a:solidFill>
-              <a:schemeClr val="dk2"/>
-            </a:solidFill>
-            <a:prstDash val="solid"/>
-            <a:round/>
-            <a:headEnd w="med" len="med" type="none"/>
-            <a:tailEnd w="med" len="med" type="none"/>
-          </a:ln>
-        </p:spPr>
-        <p:txBody>
-          <a:bodyPr bIns="91425" rIns="91425" lIns="91425" tIns="91425" anchor="ctr" anchorCtr="0">
-            <a:noAutofit/>
-          </a:bodyPr>
-          <a:lstStyle/>
-          <a:p>
-            <a:pPr rtl="0" lvl="0">
-              <a:spcBef>
-                <a:spcPts val="0"/>
-              </a:spcBef>
-              <a:buNone/>
-            </a:pPr>
-            <a:r>
-              <a:t/>
-            </a:r>
-            <a:endParaRPr/>
-          </a:p>
-        </p:txBody>
-      </p:sp>
-      <p:pic>
-        <p:nvPicPr>
-          <p:cNvPr id="150" name="Shape 150"/>
-          <p:cNvPicPr preferRelativeResize="0"/>
-          <p:nvPr/>
-        </p:nvPicPr>
-        <p:blipFill>
-          <a:blip r:embed="rId7">
-            <a:alphaModFix/>
-          </a:blip>
-          <a:stretch>
-            <a:fillRect/>
-          </a:stretch>
-        </p:blipFill>
-        <p:spPr>
-          <a:xfrm>
-            <a:off y="2825783" x="5743400"/>
-            <a:ext cy="559481" cx="559499"/>
-          </a:xfrm>
-          <a:prstGeom prst="rect">
-            <a:avLst/>
-          </a:prstGeom>
-          <a:noFill/>
-          <a:ln>
-            <a:noFill/>
-          </a:ln>
-        </p:spPr>
-      </p:pic>
-      <p:sp>
-        <p:nvSpPr>
-          <p:cNvPr id="151" name="Shape 151"/>
-          <p:cNvSpPr txBox="1"/>
-          <p:nvPr/>
-        </p:nvSpPr>
-        <p:spPr>
-          <a:xfrm>
-            <a:off y="2508725" x="6357250"/>
-            <a:ext cy="1430999" cx="2727600"/>
-          </a:xfrm>
-          <a:prstGeom prst="rect">
-            <a:avLst/>
-          </a:prstGeom>
-          <a:noFill/>
-          <a:ln>
-            <a:noFill/>
-          </a:ln>
-        </p:spPr>
-        <p:txBody>
-          <a:bodyPr bIns="91425" rIns="91425" lIns="91425" tIns="91425" anchor="t" anchorCtr="0">
-            <a:noAutofit/>
-          </a:bodyPr>
-          <a:lstStyle/>
-          <a:p>
-            <a:pPr lvl="0" indent="-285750" marL="457200">
-              <a:spcBef>
-                <a:spcPts val="0"/>
-              </a:spcBef>
-              <a:buClr>
-                <a:srgbClr val="000000"/>
-              </a:buClr>
-              <a:buSzPct val="100000"/>
-              <a:buFont typeface="Arial"/>
-              <a:buChar char="●"/>
-            </a:pPr>
-            <a:r>
-              <a:rPr sz="900" lang="en"/>
-              <a:t>Teacher successfully creates a class</a:t>
-            </a:r>
-          </a:p>
-        </p:txBody>
-      </p:sp>
-      <p:cxnSp>
-        <p:nvCxnSpPr>
-          <p:cNvPr id="152" name="Shape 152"/>
-          <p:cNvCxnSpPr>
-            <a:stCxn id="144" idx="0"/>
-          </p:cNvCxnSpPr>
-          <p:nvPr/>
-        </p:nvCxnSpPr>
-        <p:spPr>
-          <a:xfrm rot="10800000" flipH="1">
-            <a:off y="3343950" x="5561887"/>
-            <a:ext cy="195000" cx="212100"/>
-          </a:xfrm>
-          <a:prstGeom prst="straightConnector1">
-            <a:avLst/>
-          </a:prstGeom>
-          <a:noFill/>
-          <a:ln w="19050" cap="flat">
-            <a:solidFill>
-              <a:schemeClr val="dk2"/>
-            </a:solidFill>
-            <a:prstDash val="solid"/>
-            <a:round/>
-            <a:headEnd w="lg" len="lg" type="none"/>
-            <a:tailEnd w="lg" len="lg" type="triangle"/>
-          </a:ln>
-        </p:spPr>
-      </p:cxnSp>
-      <p:cxnSp>
-        <p:nvCxnSpPr>
-          <p:cNvPr id="153" name="Shape 153"/>
-          <p:cNvCxnSpPr>
-            <a:stCxn id="150" idx="2"/>
-          </p:cNvCxnSpPr>
-          <p:nvPr/>
-        </p:nvCxnSpPr>
-        <p:spPr>
-          <a:xfrm flipH="1">
-            <a:off y="3385265" x="5752849"/>
-            <a:ext cy="284700" cx="270300"/>
-          </a:xfrm>
-          <a:prstGeom prst="straightConnector1">
-            <a:avLst/>
-          </a:prstGeom>
-          <a:noFill/>
-          <a:ln w="19050" cap="flat">
-            <a:solidFill>
-              <a:schemeClr val="dk2"/>
-            </a:solidFill>
-            <a:prstDash val="solid"/>
-            <a:round/>
-            <a:headEnd w="lg" len="lg" type="none"/>
-            <a:tailEnd w="lg" len="lg" type="triangle"/>
-          </a:ln>
-        </p:spPr>
-      </p:cxnSp>
-    </p:spTree>
-  </p:cSld>
-  <p:clrMapOvr>
-    <a:masterClrMapping/>
-  </p:clrMapOvr>
-  <p:transition spd="slow">
-    <p:cut/>
-  </p:transition>
-</p:sld>
-</file>
-
-<file path=ppt/slides/slide16.xml><?xml version="1.0" encoding="utf-8"?>
-<p:sld xmlns:a="http://schemas.openxmlformats.org/drawingml/2006/main" xmlns:r="http://schemas.openxmlformats.org/officeDocument/2006/relationships" xmlns:mc="http://schemas.openxmlformats.org/markup-compatibility/2006" xmlns:mv="urn:schemas-microsoft-com:mac:vml" xmlns:p="http://schemas.openxmlformats.org/presentationml/2006/main" xmlns:c="http://schemas.openxmlformats.org/drawingml/2006/chart" xmlns:dgm="http://schemas.openxmlformats.org/drawingml/2006/diagram" xmlns:o="urn:schemas-microsoft-com:office:office" xmlns:v="urn:schemas-microsoft-com:vml" xmlns:pvml="urn:schemas-microsoft-com:office:powerpoint" xmlns:com="http://schemas.openxmlformats.org/drawingml/2006/compatibility" xmlns:p14="http://schemas.microsoft.com/office/powerpoint/2010/main">
-  <p:cSld>
-    <p:spTree>
-      <p:nvGrpSpPr>
-        <p:cNvPr id="157" name="Shape 157"/>
-        <p:cNvGrpSpPr/>
-        <p:nvPr/>
-      </p:nvGrpSpPr>
-      <p:grpSpPr>
-        <a:xfrm>
-          <a:off y="0" x="0"/>
-          <a:ext cy="0" cx="0"/>
-          <a:chOff y="0" x="0"/>
-          <a:chExt cy="0" cx="0"/>
-        </a:xfrm>
-      </p:grpSpPr>
-      <p:sp>
-        <p:nvSpPr>
-          <p:cNvPr id="158" name="Shape 158"/>
-          <p:cNvSpPr txBox="1"/>
-          <p:nvPr>
-            <p:ph type="title"/>
-          </p:nvPr>
-        </p:nvSpPr>
-        <p:spPr>
-          <a:xfrm>
-            <a:off y="205978" x="457200"/>
-            <a:ext cy="857400" cx="8229600"/>
-          </a:xfrm>
-          <a:prstGeom prst="rect">
-            <a:avLst/>
-          </a:prstGeom>
-        </p:spPr>
-        <p:txBody>
-          <a:bodyPr bIns="91425" rIns="91425" lIns="91425" tIns="91425" anchor="ctr" anchorCtr="0">
-            <a:noAutofit/>
-          </a:bodyPr>
-          <a:lstStyle/>
-          <a:p>
-            <a:pPr>
-              <a:spcBef>
-                <a:spcPts val="0"/>
-              </a:spcBef>
-              <a:buNone/>
-            </a:pPr>
-            <a:r>
-              <a:rPr lang="en"/>
-              <a:t>Admin Use Case</a:t>
-            </a:r>
-          </a:p>
-        </p:txBody>
-      </p:sp>
-      <p:sp>
-        <p:nvSpPr>
-          <p:cNvPr id="159" name="Shape 159"/>
-          <p:cNvSpPr txBox="1"/>
-          <p:nvPr/>
-        </p:nvSpPr>
-        <p:spPr>
-          <a:xfrm>
-            <a:off y="1854225" x="-27650"/>
-            <a:ext cy="580799" cx="8983499"/>
-          </a:xfrm>
-          <a:prstGeom prst="rect">
-            <a:avLst/>
-          </a:prstGeom>
-          <a:noFill/>
-          <a:ln>
-            <a:noFill/>
-          </a:ln>
-        </p:spPr>
-        <p:txBody>
-          <a:bodyPr bIns="91425" rIns="91425" lIns="91425" tIns="91425" anchor="t" anchorCtr="0">
-            <a:noAutofit/>
-          </a:bodyPr>
-          <a:lstStyle/>
-          <a:p>
-            <a:pPr rtl="0" lvl="0">
-              <a:spcBef>
-                <a:spcPts val="0"/>
-              </a:spcBef>
-              <a:buNone/>
-            </a:pPr>
-            <a:r>
-              <a:rPr sz="1200" lang="en"/>
-              <a:t>Preconditions:				Normal Flow:									Postconditions:</a:t>
-            </a:r>
-          </a:p>
-          <a:p>
-            <a:pPr rtl="0" lvl="0">
-              <a:spcBef>
-                <a:spcPts val="0"/>
-              </a:spcBef>
-              <a:buNone/>
-            </a:pPr>
-            <a:r>
-              <a:t/>
-            </a:r>
-            <a:endParaRPr/>
-          </a:p>
-        </p:txBody>
-      </p:sp>
-      <p:sp>
-        <p:nvSpPr>
-          <p:cNvPr id="160" name="Shape 160"/>
-          <p:cNvSpPr txBox="1"/>
-          <p:nvPr/>
-        </p:nvSpPr>
-        <p:spPr>
-          <a:xfrm>
-            <a:off y="1265425" x="48550"/>
-            <a:ext cy="580799" cx="2238600"/>
-          </a:xfrm>
-          <a:prstGeom prst="rect">
-            <a:avLst/>
-          </a:prstGeom>
-          <a:noFill/>
-          <a:ln>
-            <a:noFill/>
-          </a:ln>
-        </p:spPr>
-        <p:txBody>
-          <a:bodyPr bIns="91425" rIns="91425" lIns="91425" tIns="91425" anchor="t" anchorCtr="0">
-            <a:noAutofit/>
-          </a:bodyPr>
-          <a:lstStyle/>
-          <a:p>
-            <a:pPr rtl="0" lvl="0">
-              <a:spcBef>
-                <a:spcPts val="0"/>
-              </a:spcBef>
-              <a:buNone/>
-            </a:pPr>
-            <a:r>
-              <a:rPr u="sng" lang="en"/>
-              <a:t>Admin deletes a teacher:</a:t>
-            </a:r>
-          </a:p>
-          <a:p>
-            <a:pPr rtl="0" lvl="0">
-              <a:spcBef>
-                <a:spcPts val="0"/>
-              </a:spcBef>
-              <a:buNone/>
-            </a:pPr>
-            <a:r>
-              <a:t/>
-            </a:r>
-            <a:endParaRPr/>
-          </a:p>
-        </p:txBody>
-      </p:sp>
-      <p:sp>
-        <p:nvSpPr>
-          <p:cNvPr id="161" name="Shape 161"/>
-          <p:cNvSpPr/>
-          <p:nvPr/>
-        </p:nvSpPr>
-        <p:spPr>
-          <a:xfrm>
-            <a:off y="3854187" x="2617700"/>
-            <a:ext cy="205499" cx="559499"/>
-          </a:xfrm>
-          <a:prstGeom prst="rightArrow">
-            <a:avLst>
-              <a:gd fmla="val 50000" name="adj1"/>
-              <a:gd fmla="val 50000" name="adj2"/>
-            </a:avLst>
-          </a:prstGeom>
-          <a:solidFill>
-            <a:schemeClr val="lt2"/>
-          </a:solidFill>
-          <a:ln w="19050" cap="flat">
-            <a:solidFill>
-              <a:schemeClr val="dk2"/>
-            </a:solidFill>
-            <a:prstDash val="solid"/>
-            <a:round/>
-            <a:headEnd w="med" len="med" type="none"/>
-            <a:tailEnd w="med" len="med" type="none"/>
-          </a:ln>
-        </p:spPr>
-        <p:txBody>
-          <a:bodyPr bIns="91425" rIns="91425" lIns="91425" tIns="91425" anchor="ctr" anchorCtr="0">
-            <a:noAutofit/>
-          </a:bodyPr>
-          <a:lstStyle/>
-          <a:p>
-            <a:pPr rtl="0" lvl="0">
-              <a:spcBef>
-                <a:spcPts val="0"/>
-              </a:spcBef>
-              <a:buNone/>
-            </a:pPr>
-            <a:r>
-              <a:t/>
-            </a:r>
-            <a:endParaRPr/>
-          </a:p>
-        </p:txBody>
-      </p:sp>
-      <p:sp>
-        <p:nvSpPr>
-          <p:cNvPr id="162" name="Shape 162"/>
-          <p:cNvSpPr/>
-          <p:nvPr/>
-        </p:nvSpPr>
-        <p:spPr>
-          <a:xfrm>
-            <a:off y="3854200" x="3351725"/>
-            <a:ext cy="205499" cx="1081500"/>
-          </a:xfrm>
-          <a:prstGeom prst="bevel">
-            <a:avLst>
-              <a:gd fmla="val 12500" name="adj"/>
-            </a:avLst>
-          </a:prstGeom>
-          <a:solidFill>
-            <a:schemeClr val="lt2"/>
-          </a:solidFill>
-          <a:ln w="19050" cap="flat">
-            <a:solidFill>
-              <a:schemeClr val="dk2"/>
-            </a:solidFill>
-            <a:prstDash val="solid"/>
-            <a:round/>
-            <a:headEnd w="med" len="med" type="none"/>
-            <a:tailEnd w="med" len="med" type="none"/>
-          </a:ln>
-        </p:spPr>
-        <p:txBody>
-          <a:bodyPr bIns="91425" rIns="91425" lIns="91425" tIns="91425" anchor="ctr" anchorCtr="0">
-            <a:noAutofit/>
-          </a:bodyPr>
-          <a:lstStyle/>
-          <a:p>
-            <a:pPr rtl="0" lvl="0">
-              <a:spcBef>
-                <a:spcPts val="0"/>
-              </a:spcBef>
-              <a:buNone/>
-            </a:pPr>
-            <a:r>
-              <a:rPr b="1" sz="900" lang="en"/>
-              <a:t>Delete Teacher</a:t>
-            </a:r>
-          </a:p>
-        </p:txBody>
-      </p:sp>
-      <p:sp>
-        <p:nvSpPr>
-          <p:cNvPr id="163" name="Shape 163"/>
-          <p:cNvSpPr txBox="1"/>
-          <p:nvPr/>
-        </p:nvSpPr>
-        <p:spPr>
-          <a:xfrm>
-            <a:off y="2508725" x="-164675"/>
-            <a:ext cy="1523100" cx="1905899"/>
-          </a:xfrm>
-          <a:prstGeom prst="rect">
-            <a:avLst/>
-          </a:prstGeom>
-          <a:noFill/>
-          <a:ln>
-            <a:noFill/>
-          </a:ln>
-        </p:spPr>
-        <p:txBody>
-          <a:bodyPr bIns="91425" rIns="91425" lIns="91425" tIns="91425" anchor="t" anchorCtr="0">
-            <a:noAutofit/>
-          </a:bodyPr>
-          <a:lstStyle/>
-          <a:p>
-            <a:pPr rtl="0" lvl="0" indent="-285750" marL="457200">
-              <a:spcBef>
-                <a:spcPts val="0"/>
-              </a:spcBef>
-              <a:buClr>
-                <a:srgbClr val="000000"/>
-              </a:buClr>
-              <a:buSzPct val="100000"/>
-              <a:buFont typeface="Arial"/>
-              <a:buChar char="●"/>
-            </a:pPr>
-            <a:r>
-              <a:rPr sz="900" lang="en"/>
-              <a:t>Teacher Acc. Exists</a:t>
-            </a:r>
-          </a:p>
-          <a:p>
-            <a:pPr rtl="0" lvl="0" indent="-285750" marL="457200">
-              <a:spcBef>
-                <a:spcPts val="0"/>
-              </a:spcBef>
-              <a:buClr>
-                <a:srgbClr val="000000"/>
-              </a:buClr>
-              <a:buSzPct val="100000"/>
-              <a:buFont typeface="Arial"/>
-              <a:buChar char="●"/>
-            </a:pPr>
-            <a:r>
-              <a:rPr sz="900" lang="en"/>
-              <a:t>Valid Session</a:t>
-            </a:r>
-          </a:p>
-          <a:p>
-            <a:pPr rtl="0" lvl="0" indent="-285750" marL="457200">
-              <a:spcBef>
-                <a:spcPts val="0"/>
-              </a:spcBef>
-              <a:buClr>
-                <a:srgbClr val="000000"/>
-              </a:buClr>
-              <a:buSzPct val="100000"/>
-              <a:buFont typeface="Arial"/>
-              <a:buChar char="●"/>
-            </a:pPr>
-            <a:r>
-              <a:rPr sz="900" lang="en"/>
-              <a:t>Using Chrome</a:t>
-            </a:r>
-          </a:p>
-          <a:p>
-            <a:pPr rtl="0" lvl="0" indent="-285750" marL="457200">
-              <a:spcBef>
-                <a:spcPts val="0"/>
-              </a:spcBef>
-              <a:buClr>
-                <a:srgbClr val="000000"/>
-              </a:buClr>
-              <a:buSzPct val="100000"/>
-              <a:buFont typeface="Arial"/>
-              <a:buChar char="●"/>
-            </a:pPr>
-            <a:r>
-              <a:rPr sz="900" lang="en"/>
-              <a:t>Internet Connection</a:t>
-            </a:r>
-          </a:p>
-        </p:txBody>
-      </p:sp>
-      <p:pic>
-        <p:nvPicPr>
-          <p:cNvPr id="164" name="Shape 164"/>
-          <p:cNvPicPr preferRelativeResize="0"/>
-          <p:nvPr/>
-        </p:nvPicPr>
-        <p:blipFill>
-          <a:blip r:embed="rId3">
-            <a:alphaModFix/>
-          </a:blip>
-          <a:stretch>
-            <a:fillRect/>
-          </a:stretch>
-        </p:blipFill>
-        <p:spPr>
-          <a:xfrm>
-            <a:off y="2443025" x="1392375"/>
-            <a:ext cy="263199" cx="263199"/>
-          </a:xfrm>
-          <a:prstGeom prst="rect">
-            <a:avLst/>
-          </a:prstGeom>
-          <a:noFill/>
-          <a:ln>
-            <a:noFill/>
-          </a:ln>
-        </p:spPr>
-      </p:pic>
-      <p:pic>
-        <p:nvPicPr>
-          <p:cNvPr id="165" name="Shape 165"/>
-          <p:cNvPicPr preferRelativeResize="0"/>
-          <p:nvPr/>
-        </p:nvPicPr>
-        <p:blipFill>
-          <a:blip r:embed="rId3">
-            <a:alphaModFix/>
-          </a:blip>
-          <a:stretch>
-            <a:fillRect/>
-          </a:stretch>
-        </p:blipFill>
-        <p:spPr>
-          <a:xfrm>
-            <a:off y="2595425" x="1392375"/>
-            <a:ext cy="263199" cx="263199"/>
-          </a:xfrm>
-          <a:prstGeom prst="rect">
-            <a:avLst/>
-          </a:prstGeom>
-          <a:noFill/>
-          <a:ln>
-            <a:noFill/>
-          </a:ln>
-        </p:spPr>
-      </p:pic>
-      <p:pic>
-        <p:nvPicPr>
-          <p:cNvPr id="166" name="Shape 166"/>
-          <p:cNvPicPr preferRelativeResize="0"/>
-          <p:nvPr/>
-        </p:nvPicPr>
-        <p:blipFill>
-          <a:blip r:embed="rId3">
-            <a:alphaModFix/>
-          </a:blip>
-          <a:stretch>
-            <a:fillRect/>
-          </a:stretch>
-        </p:blipFill>
-        <p:spPr>
-          <a:xfrm>
-            <a:off y="2747825" x="1392375"/>
-            <a:ext cy="263199" cx="263199"/>
-          </a:xfrm>
-          <a:prstGeom prst="rect">
-            <a:avLst/>
-          </a:prstGeom>
-          <a:noFill/>
-          <a:ln>
-            <a:noFill/>
-          </a:ln>
-        </p:spPr>
-      </p:pic>
-      <p:pic>
-        <p:nvPicPr>
-          <p:cNvPr id="167" name="Shape 167"/>
-          <p:cNvPicPr preferRelativeResize="0"/>
-          <p:nvPr/>
-        </p:nvPicPr>
-        <p:blipFill>
-          <a:blip r:embed="rId3">
-            <a:alphaModFix/>
-          </a:blip>
-          <a:stretch>
-            <a:fillRect/>
-          </a:stretch>
-        </p:blipFill>
-        <p:spPr>
-          <a:xfrm>
-            <a:off y="2900225" x="1392375"/>
-            <a:ext cy="263199" cx="263199"/>
-          </a:xfrm>
-          <a:prstGeom prst="rect">
-            <a:avLst/>
-          </a:prstGeom>
-          <a:noFill/>
-          <a:ln>
-            <a:noFill/>
-          </a:ln>
-        </p:spPr>
-      </p:pic>
-      <p:pic>
-        <p:nvPicPr>
-          <p:cNvPr id="168" name="Shape 168"/>
-          <p:cNvPicPr preferRelativeResize="0"/>
-          <p:nvPr/>
-        </p:nvPicPr>
-        <p:blipFill>
-          <a:blip r:embed="rId4">
-            <a:alphaModFix/>
-          </a:blip>
-          <a:stretch>
-            <a:fillRect/>
-          </a:stretch>
-        </p:blipFill>
-        <p:spPr>
-          <a:xfrm>
-            <a:off y="2031962" x="5256712"/>
-            <a:ext cy="780524" cx="780524"/>
-          </a:xfrm>
-          <a:prstGeom prst="rect">
-            <a:avLst/>
-          </a:prstGeom>
-          <a:noFill/>
-          <a:ln>
-            <a:noFill/>
-          </a:ln>
-        </p:spPr>
-      </p:pic>
-      <p:sp>
-        <p:nvSpPr>
-          <p:cNvPr id="169" name="Shape 169"/>
-          <p:cNvSpPr/>
-          <p:nvPr/>
-        </p:nvSpPr>
-        <p:spPr>
-          <a:xfrm>
-            <a:off y="2446800" x="2660225"/>
-            <a:ext cy="205499" cx="559499"/>
-          </a:xfrm>
-          <a:prstGeom prst="rightArrow">
-            <a:avLst>
-              <a:gd fmla="val 50000" name="adj1"/>
-              <a:gd fmla="val 50000" name="adj2"/>
-            </a:avLst>
-          </a:prstGeom>
-          <a:solidFill>
-            <a:schemeClr val="lt2"/>
-          </a:solidFill>
-          <a:ln w="19050" cap="flat">
-            <a:solidFill>
-              <a:schemeClr val="dk2"/>
-            </a:solidFill>
-            <a:prstDash val="solid"/>
-            <a:round/>
-            <a:headEnd w="med" len="med" type="none"/>
-            <a:tailEnd w="med" len="med" type="none"/>
-          </a:ln>
-        </p:spPr>
-        <p:txBody>
-          <a:bodyPr bIns="91425" rIns="91425" lIns="91425" tIns="91425" anchor="ctr" anchorCtr="0">
-            <a:noAutofit/>
-          </a:bodyPr>
-          <a:lstStyle/>
-          <a:p>
-            <a:pPr rtl="0" lvl="0">
-              <a:spcBef>
-                <a:spcPts val="0"/>
-              </a:spcBef>
-              <a:buNone/>
-            </a:pPr>
-            <a:r>
-              <a:t/>
-            </a:r>
-            <a:endParaRPr/>
-          </a:p>
-        </p:txBody>
-      </p:sp>
-      <p:sp>
-        <p:nvSpPr>
-          <p:cNvPr id="170" name="Shape 170"/>
-          <p:cNvSpPr/>
-          <p:nvPr/>
-        </p:nvSpPr>
-        <p:spPr>
-          <a:xfrm>
-            <a:off y="2446800" x="4565225"/>
-            <a:ext cy="205499" cx="559499"/>
-          </a:xfrm>
-          <a:prstGeom prst="rightArrow">
-            <a:avLst>
-              <a:gd fmla="val 50000" name="adj1"/>
-              <a:gd fmla="val 50000" name="adj2"/>
-            </a:avLst>
-          </a:prstGeom>
-          <a:solidFill>
-            <a:schemeClr val="lt2"/>
-          </a:solidFill>
-          <a:ln w="19050" cap="flat">
-            <a:solidFill>
-              <a:schemeClr val="dk2"/>
-            </a:solidFill>
-            <a:prstDash val="solid"/>
-            <a:round/>
-            <a:headEnd w="med" len="med" type="none"/>
-            <a:tailEnd w="med" len="med" type="none"/>
-          </a:ln>
-        </p:spPr>
-        <p:txBody>
-          <a:bodyPr bIns="91425" rIns="91425" lIns="91425" tIns="91425" anchor="ctr" anchorCtr="0">
-            <a:noAutofit/>
-          </a:bodyPr>
-          <a:lstStyle/>
-          <a:p>
-            <a:pPr rtl="0" lvl="0">
-              <a:spcBef>
-                <a:spcPts val="0"/>
-              </a:spcBef>
-              <a:buNone/>
-            </a:pPr>
-            <a:r>
-              <a:t/>
-            </a:r>
-            <a:endParaRPr/>
-          </a:p>
-        </p:txBody>
-      </p:sp>
-      <p:pic>
-        <p:nvPicPr>
-          <p:cNvPr id="171" name="Shape 171"/>
-          <p:cNvPicPr preferRelativeResize="0"/>
-          <p:nvPr/>
-        </p:nvPicPr>
-        <p:blipFill>
-          <a:blip r:embed="rId5">
-            <a:alphaModFix/>
-          </a:blip>
-          <a:stretch>
-            <a:fillRect/>
-          </a:stretch>
-        </p:blipFill>
-        <p:spPr>
-          <a:xfrm>
-            <a:off y="3011012" x="5279537"/>
-            <a:ext cy="780524" cx="780524"/>
-          </a:xfrm>
-          <a:prstGeom prst="rect">
-            <a:avLst/>
-          </a:prstGeom>
-          <a:noFill/>
-          <a:ln>
-            <a:noFill/>
-          </a:ln>
-        </p:spPr>
-      </p:pic>
-      <p:pic>
-        <p:nvPicPr>
-          <p:cNvPr id="172" name="Shape 172"/>
-          <p:cNvPicPr preferRelativeResize="0"/>
-          <p:nvPr/>
-        </p:nvPicPr>
-        <p:blipFill>
-          <a:blip r:embed="rId6">
-            <a:alphaModFix/>
-          </a:blip>
-          <a:stretch>
-            <a:fillRect/>
-          </a:stretch>
-        </p:blipFill>
-        <p:spPr>
-          <a:xfrm>
-            <a:off y="1430208" x="5812575"/>
-            <a:ext cy="559481" cx="559499"/>
-          </a:xfrm>
-          <a:prstGeom prst="rect">
-            <a:avLst/>
-          </a:prstGeom>
-          <a:noFill/>
-          <a:ln>
-            <a:noFill/>
-          </a:ln>
-        </p:spPr>
-      </p:pic>
-      <p:sp>
-        <p:nvSpPr>
-          <p:cNvPr id="173" name="Shape 173"/>
-          <p:cNvSpPr txBox="1"/>
-          <p:nvPr/>
-        </p:nvSpPr>
-        <p:spPr>
-          <a:xfrm>
-            <a:off y="2508725" x="6357250"/>
-            <a:ext cy="1430999" cx="2727600"/>
-          </a:xfrm>
-          <a:prstGeom prst="rect">
-            <a:avLst/>
-          </a:prstGeom>
-          <a:noFill/>
-          <a:ln>
-            <a:noFill/>
-          </a:ln>
-        </p:spPr>
-        <p:txBody>
-          <a:bodyPr bIns="91425" rIns="91425" lIns="91425" tIns="91425" anchor="t" anchorCtr="0">
-            <a:noAutofit/>
-          </a:bodyPr>
-          <a:lstStyle/>
-          <a:p>
-            <a:pPr rtl="0" lvl="0" indent="-285750" marL="457200">
-              <a:spcBef>
-                <a:spcPts val="0"/>
-              </a:spcBef>
-              <a:buClr>
-                <a:srgbClr val="000000"/>
-              </a:buClr>
-              <a:buSzPct val="100000"/>
-              <a:buFont typeface="Arial"/>
-              <a:buChar char="●"/>
-            </a:pPr>
-            <a:r>
-              <a:rPr sz="900" lang="en"/>
-              <a:t>Admin successfully deletes a teacher</a:t>
-            </a:r>
-          </a:p>
-        </p:txBody>
-      </p:sp>
-      <p:pic>
-        <p:nvPicPr>
-          <p:cNvPr id="174" name="Shape 174"/>
-          <p:cNvPicPr preferRelativeResize="0"/>
-          <p:nvPr/>
-        </p:nvPicPr>
-        <p:blipFill>
-          <a:blip r:embed="rId7">
-            <a:alphaModFix/>
-          </a:blip>
-          <a:stretch>
-            <a:fillRect/>
-          </a:stretch>
-        </p:blipFill>
-        <p:spPr>
-          <a:xfrm>
-            <a:off y="2568050" x="1814212"/>
-            <a:ext cy="817474" cx="964399"/>
-          </a:xfrm>
-          <a:prstGeom prst="rect">
-            <a:avLst/>
-          </a:prstGeom>
-          <a:noFill/>
-          <a:ln>
-            <a:noFill/>
-          </a:ln>
-        </p:spPr>
-      </p:pic>
-      <p:sp>
-        <p:nvSpPr>
-          <p:cNvPr id="175" name="Shape 175"/>
-          <p:cNvSpPr/>
-          <p:nvPr/>
-        </p:nvSpPr>
-        <p:spPr>
-          <a:xfrm>
-            <a:off y="2446800" x="3351712"/>
-            <a:ext cy="205499" cx="1081500"/>
-          </a:xfrm>
-          <a:prstGeom prst="bevel">
-            <a:avLst>
-              <a:gd fmla="val 12500" name="adj"/>
-            </a:avLst>
-          </a:prstGeom>
-          <a:solidFill>
-            <a:schemeClr val="lt2"/>
-          </a:solidFill>
-          <a:ln w="19050" cap="flat">
-            <a:solidFill>
-              <a:schemeClr val="dk2"/>
-            </a:solidFill>
-            <a:prstDash val="solid"/>
-            <a:round/>
-            <a:headEnd w="med" len="med" type="none"/>
-            <a:tailEnd w="med" len="med" type="none"/>
-          </a:ln>
-        </p:spPr>
-        <p:txBody>
-          <a:bodyPr bIns="91425" rIns="91425" lIns="91425" tIns="91425" anchor="ctr" anchorCtr="0">
-            <a:noAutofit/>
-          </a:bodyPr>
-          <a:lstStyle/>
-          <a:p>
             <a:pPr rtl="0" lvl="0">
               <a:spcBef>
                 <a:spcPts val="0"/>
@@ -8893,7 +8624,7 @@
       </p:sp>
       <p:graphicFrame>
         <p:nvGraphicFramePr>
-          <p:cNvPr id="176" name="Shape 176"/>
+          <p:cNvPr id="170" name="Shape 170"/>
           <p:cNvGraphicFramePr/>
           <p:nvPr/>
         </p:nvGraphicFramePr>
@@ -8906,7 +8637,7 @@
             <a:tbl>
               <a:tblPr>
                 <a:noFill/>
-                <a:tableStyleId>{4552BF79-2D6B-4A42-BB8C-3DE9E400124F}</a:tableStyleId>
+                <a:tableStyleId>{33D25925-2ADC-46FC-A76C-BBB0214BBD2F}</a:tableStyleId>
               </a:tblPr>
               <a:tblGrid>
                 <a:gridCol w="532325"/>
@@ -9058,7 +8789,7 @@
       </p:graphicFrame>
       <p:sp>
         <p:nvSpPr>
-          <p:cNvPr id="177" name="Shape 177"/>
+          <p:cNvPr id="171" name="Shape 171"/>
           <p:cNvSpPr/>
           <p:nvPr/>
         </p:nvSpPr>
@@ -9107,9 +8838,9 @@
       </p:sp>
       <p:cxnSp>
         <p:nvCxnSpPr>
-          <p:cNvPr id="178" name="Shape 178"/>
+          <p:cNvPr id="172" name="Shape 172"/>
           <p:cNvCxnSpPr>
-            <a:stCxn id="168" idx="0"/>
+            <a:stCxn id="162" idx="0"/>
           </p:cNvCxnSpPr>
           <p:nvPr/>
         </p:nvCxnSpPr>
@@ -9135,7 +8866,7 @@
       </p:cxnSp>
       <p:cxnSp>
         <p:nvCxnSpPr>
-          <p:cNvPr id="179" name="Shape 179"/>
+          <p:cNvPr id="173" name="Shape 173"/>
           <p:cNvCxnSpPr/>
           <p:nvPr/>
         </p:nvCxnSpPr>
@@ -9161,7 +8892,7 @@
       </p:cxnSp>
       <p:cxnSp>
         <p:nvCxnSpPr>
-          <p:cNvPr id="180" name="Shape 180"/>
+          <p:cNvPr id="174" name="Shape 174"/>
           <p:cNvCxnSpPr/>
           <p:nvPr/>
         </p:nvCxnSpPr>
@@ -9187,7 +8918,7 @@
       </p:cxnSp>
       <p:cxnSp>
         <p:nvCxnSpPr>
-          <p:cNvPr id="181" name="Shape 181"/>
+          <p:cNvPr id="175" name="Shape 175"/>
           <p:cNvCxnSpPr/>
           <p:nvPr/>
         </p:nvCxnSpPr>
@@ -9213,7 +8944,7 @@
       </p:cxnSp>
       <p:sp>
         <p:nvSpPr>
-          <p:cNvPr id="182" name="Shape 182"/>
+          <p:cNvPr id="176" name="Shape 176"/>
           <p:cNvSpPr/>
           <p:nvPr/>
         </p:nvSpPr>
@@ -9259,9 +8990,9 @@
       </p:sp>
       <p:cxnSp>
         <p:nvCxnSpPr>
-          <p:cNvPr id="183" name="Shape 183"/>
+          <p:cNvPr id="177" name="Shape 177"/>
           <p:cNvCxnSpPr>
-            <a:endCxn id="182" idx="2"/>
+            <a:endCxn id="176" idx="2"/>
           </p:cNvCxnSpPr>
           <p:nvPr/>
         </p:nvCxnSpPr>
@@ -9287,7 +9018,7 @@
       </p:cxnSp>
       <p:sp>
         <p:nvSpPr>
-          <p:cNvPr id="184" name="Shape 184"/>
+          <p:cNvPr id="178" name="Shape 178"/>
           <p:cNvSpPr/>
           <p:nvPr/>
         </p:nvSpPr>
@@ -9331,6 +9062,860 @@
               <a:t/>
             </a:r>
             <a:endParaRPr/>
+          </a:p>
+        </p:txBody>
+      </p:sp>
+    </p:spTree>
+  </p:cSld>
+  <p:clrMapOvr>
+    <a:masterClrMapping/>
+  </p:clrMapOvr>
+  <p:transition spd="slow">
+    <p:cut/>
+  </p:transition>
+</p:sld>
+</file>
+
+<file path=ppt/slides/slide16.xml><?xml version="1.0" encoding="utf-8"?>
+<p:sld xmlns:a="http://schemas.openxmlformats.org/drawingml/2006/main" xmlns:r="http://schemas.openxmlformats.org/officeDocument/2006/relationships" xmlns:mc="http://schemas.openxmlformats.org/markup-compatibility/2006" xmlns:mv="urn:schemas-microsoft-com:mac:vml" xmlns:p="http://schemas.openxmlformats.org/presentationml/2006/main" xmlns:c="http://schemas.openxmlformats.org/drawingml/2006/chart" xmlns:dgm="http://schemas.openxmlformats.org/drawingml/2006/diagram" xmlns:o="urn:schemas-microsoft-com:office:office" xmlns:v="urn:schemas-microsoft-com:vml" xmlns:pvml="urn:schemas-microsoft-com:office:powerpoint" xmlns:com="http://schemas.openxmlformats.org/drawingml/2006/compatibility" xmlns:p14="http://schemas.microsoft.com/office/powerpoint/2010/main">
+  <p:cSld>
+    <p:spTree>
+      <p:nvGrpSpPr>
+        <p:cNvPr id="182" name="Shape 182"/>
+        <p:cNvGrpSpPr/>
+        <p:nvPr/>
+      </p:nvGrpSpPr>
+      <p:grpSpPr>
+        <a:xfrm>
+          <a:off y="0" x="0"/>
+          <a:ext cy="0" cx="0"/>
+          <a:chOff y="0" x="0"/>
+          <a:chExt cy="0" cx="0"/>
+        </a:xfrm>
+      </p:grpSpPr>
+      <p:sp>
+        <p:nvSpPr>
+          <p:cNvPr id="183" name="Shape 183"/>
+          <p:cNvSpPr txBox="1"/>
+          <p:nvPr>
+            <p:ph type="title"/>
+          </p:nvPr>
+        </p:nvSpPr>
+        <p:spPr>
+          <a:xfrm>
+            <a:off y="205978" x="457200"/>
+            <a:ext cy="857400" cx="8229600"/>
+          </a:xfrm>
+          <a:prstGeom prst="rect">
+            <a:avLst/>
+          </a:prstGeom>
+        </p:spPr>
+        <p:txBody>
+          <a:bodyPr bIns="91425" rIns="91425" lIns="91425" tIns="91425" anchor="ctr" anchorCtr="0">
+            <a:noAutofit/>
+          </a:bodyPr>
+          <a:lstStyle/>
+          <a:p>
+            <a:pPr>
+              <a:spcBef>
+                <a:spcPts val="0"/>
+              </a:spcBef>
+              <a:buNone/>
+            </a:pPr>
+            <a:r>
+              <a:rPr lang="en"/>
+              <a:t>Student Use Case</a:t>
+            </a:r>
+          </a:p>
+        </p:txBody>
+      </p:sp>
+      <p:sp>
+        <p:nvSpPr>
+          <p:cNvPr id="184" name="Shape 184"/>
+          <p:cNvSpPr txBox="1"/>
+          <p:nvPr/>
+        </p:nvSpPr>
+        <p:spPr>
+          <a:xfrm>
+            <a:off y="1854225" x="-27650"/>
+            <a:ext cy="580799" cx="8983499"/>
+          </a:xfrm>
+          <a:prstGeom prst="rect">
+            <a:avLst/>
+          </a:prstGeom>
+          <a:noFill/>
+          <a:ln>
+            <a:noFill/>
+          </a:ln>
+        </p:spPr>
+        <p:txBody>
+          <a:bodyPr bIns="91425" rIns="91425" lIns="91425" tIns="91425" anchor="t" anchorCtr="0">
+            <a:noAutofit/>
+          </a:bodyPr>
+          <a:lstStyle/>
+          <a:p>
+            <a:pPr rtl="0" lvl="0">
+              <a:spcBef>
+                <a:spcPts val="0"/>
+              </a:spcBef>
+              <a:buNone/>
+            </a:pPr>
+            <a:r>
+              <a:rPr sz="1200" lang="en"/>
+              <a:t>Preconditions:				Normal Flow:									Postconditions:</a:t>
+            </a:r>
+          </a:p>
+          <a:p>
+            <a:pPr rtl="0" lvl="0">
+              <a:spcBef>
+                <a:spcPts val="0"/>
+              </a:spcBef>
+              <a:buNone/>
+            </a:pPr>
+            <a:r>
+              <a:t/>
+            </a:r>
+            <a:endParaRPr/>
+          </a:p>
+        </p:txBody>
+      </p:sp>
+      <p:sp>
+        <p:nvSpPr>
+          <p:cNvPr id="185" name="Shape 185"/>
+          <p:cNvSpPr txBox="1"/>
+          <p:nvPr/>
+        </p:nvSpPr>
+        <p:spPr>
+          <a:xfrm>
+            <a:off y="1265425" x="48550"/>
+            <a:ext cy="580799" cx="3033300"/>
+          </a:xfrm>
+          <a:prstGeom prst="rect">
+            <a:avLst/>
+          </a:prstGeom>
+          <a:noFill/>
+          <a:ln>
+            <a:noFill/>
+          </a:ln>
+        </p:spPr>
+        <p:txBody>
+          <a:bodyPr bIns="91425" rIns="91425" lIns="91425" tIns="91425" anchor="t" anchorCtr="0">
+            <a:noAutofit/>
+          </a:bodyPr>
+          <a:lstStyle/>
+          <a:p>
+            <a:pPr rtl="0" lvl="0">
+              <a:spcBef>
+                <a:spcPts val="0"/>
+              </a:spcBef>
+              <a:buNone/>
+            </a:pPr>
+            <a:r>
+              <a:rPr u="sng" lang="en"/>
+              <a:t>Student Selects Practice Mode:</a:t>
+            </a:r>
+          </a:p>
+          <a:p>
+            <a:pPr rtl="0" lvl="0">
+              <a:spcBef>
+                <a:spcPts val="0"/>
+              </a:spcBef>
+              <a:buNone/>
+            </a:pPr>
+            <a:r>
+              <a:t/>
+            </a:r>
+            <a:endParaRPr/>
+          </a:p>
+        </p:txBody>
+      </p:sp>
+      <p:sp>
+        <p:nvSpPr>
+          <p:cNvPr id="186" name="Shape 186"/>
+          <p:cNvSpPr/>
+          <p:nvPr/>
+        </p:nvSpPr>
+        <p:spPr>
+          <a:xfrm>
+            <a:off y="3297075" x="2660225"/>
+            <a:ext cy="205499" cx="559499"/>
+          </a:xfrm>
+          <a:prstGeom prst="rightArrow">
+            <a:avLst>
+              <a:gd fmla="val 50000" name="adj1"/>
+              <a:gd fmla="val 50000" name="adj2"/>
+            </a:avLst>
+          </a:prstGeom>
+          <a:solidFill>
+            <a:schemeClr val="lt2"/>
+          </a:solidFill>
+          <a:ln w="19050" cap="flat">
+            <a:solidFill>
+              <a:schemeClr val="dk2"/>
+            </a:solidFill>
+            <a:prstDash val="solid"/>
+            <a:round/>
+            <a:headEnd w="med" len="med" type="none"/>
+            <a:tailEnd w="med" len="med" type="none"/>
+          </a:ln>
+        </p:spPr>
+        <p:txBody>
+          <a:bodyPr bIns="91425" rIns="91425" lIns="91425" tIns="91425" anchor="ctr" anchorCtr="0">
+            <a:noAutofit/>
+          </a:bodyPr>
+          <a:lstStyle/>
+          <a:p>
+            <a:pPr>
+              <a:spcBef>
+                <a:spcPts val="0"/>
+              </a:spcBef>
+              <a:buNone/>
+            </a:pPr>
+            <a:r>
+              <a:t/>
+            </a:r>
+            <a:endParaRPr/>
+          </a:p>
+        </p:txBody>
+      </p:sp>
+      <p:sp>
+        <p:nvSpPr>
+          <p:cNvPr id="187" name="Shape 187"/>
+          <p:cNvSpPr/>
+          <p:nvPr/>
+        </p:nvSpPr>
+        <p:spPr>
+          <a:xfrm>
+            <a:off y="3315825" x="3316650"/>
+            <a:ext cy="205499" cx="1081500"/>
+          </a:xfrm>
+          <a:prstGeom prst="bevel">
+            <a:avLst>
+              <a:gd fmla="val 12500" name="adj"/>
+            </a:avLst>
+          </a:prstGeom>
+          <a:solidFill>
+            <a:schemeClr val="lt2"/>
+          </a:solidFill>
+          <a:ln w="19050" cap="flat">
+            <a:solidFill>
+              <a:schemeClr val="dk2"/>
+            </a:solidFill>
+            <a:prstDash val="solid"/>
+            <a:round/>
+            <a:headEnd w="med" len="med" type="none"/>
+            <a:tailEnd w="med" len="med" type="none"/>
+          </a:ln>
+        </p:spPr>
+        <p:txBody>
+          <a:bodyPr bIns="91425" rIns="91425" lIns="91425" tIns="91425" anchor="ctr" anchorCtr="0">
+            <a:noAutofit/>
+          </a:bodyPr>
+          <a:lstStyle/>
+          <a:p>
+            <a:pPr rtl="0" lvl="0">
+              <a:spcBef>
+                <a:spcPts val="0"/>
+              </a:spcBef>
+              <a:buNone/>
+            </a:pPr>
+            <a:r>
+              <a:rPr b="1" sz="900" lang="en"/>
+              <a:t>Practice</a:t>
+            </a:r>
+          </a:p>
+        </p:txBody>
+      </p:sp>
+      <p:sp>
+        <p:nvSpPr>
+          <p:cNvPr id="188" name="Shape 188"/>
+          <p:cNvSpPr txBox="1"/>
+          <p:nvPr/>
+        </p:nvSpPr>
+        <p:spPr>
+          <a:xfrm>
+            <a:off y="2508725" x="-164675"/>
+            <a:ext cy="1523100" cx="1905899"/>
+          </a:xfrm>
+          <a:prstGeom prst="rect">
+            <a:avLst/>
+          </a:prstGeom>
+          <a:noFill/>
+          <a:ln>
+            <a:noFill/>
+          </a:ln>
+        </p:spPr>
+        <p:txBody>
+          <a:bodyPr bIns="91425" rIns="91425" lIns="91425" tIns="91425" anchor="t" anchorCtr="0">
+            <a:noAutofit/>
+          </a:bodyPr>
+          <a:lstStyle/>
+          <a:p>
+            <a:pPr rtl="0" lvl="0" indent="-285750" marL="457200">
+              <a:spcBef>
+                <a:spcPts val="0"/>
+              </a:spcBef>
+              <a:buClr>
+                <a:srgbClr val="000000"/>
+              </a:buClr>
+              <a:buSzPct val="100000"/>
+              <a:buFont typeface="Arial"/>
+              <a:buChar char="●"/>
+            </a:pPr>
+            <a:r>
+              <a:rPr sz="900" lang="en"/>
+              <a:t>Existing Account</a:t>
+            </a:r>
+          </a:p>
+          <a:p>
+            <a:pPr rtl="0" lvl="0" indent="-285750" marL="457200">
+              <a:spcBef>
+                <a:spcPts val="0"/>
+              </a:spcBef>
+              <a:buClr>
+                <a:srgbClr val="000000"/>
+              </a:buClr>
+              <a:buSzPct val="100000"/>
+              <a:buFont typeface="Arial"/>
+              <a:buChar char="●"/>
+            </a:pPr>
+            <a:r>
+              <a:rPr sz="900" lang="en"/>
+              <a:t>Valid Session</a:t>
+            </a:r>
+          </a:p>
+          <a:p>
+            <a:pPr rtl="0" lvl="0" indent="-285750" marL="457200">
+              <a:spcBef>
+                <a:spcPts val="0"/>
+              </a:spcBef>
+              <a:buClr>
+                <a:srgbClr val="000000"/>
+              </a:buClr>
+              <a:buSzPct val="100000"/>
+              <a:buFont typeface="Arial"/>
+              <a:buChar char="●"/>
+            </a:pPr>
+            <a:r>
+              <a:rPr sz="900" lang="en"/>
+              <a:t>Using iOS App</a:t>
+            </a:r>
+          </a:p>
+          <a:p>
+            <a:pPr rtl="0" lvl="0" indent="-285750" marL="457200">
+              <a:spcBef>
+                <a:spcPts val="0"/>
+              </a:spcBef>
+              <a:buClr>
+                <a:srgbClr val="000000"/>
+              </a:buClr>
+              <a:buSzPct val="100000"/>
+              <a:buFont typeface="Arial"/>
+              <a:buChar char="●"/>
+            </a:pPr>
+            <a:r>
+              <a:rPr sz="900" lang="en"/>
+              <a:t>Internet Connection</a:t>
+            </a:r>
+          </a:p>
+        </p:txBody>
+      </p:sp>
+      <p:pic>
+        <p:nvPicPr>
+          <p:cNvPr id="189" name="Shape 189"/>
+          <p:cNvPicPr preferRelativeResize="0"/>
+          <p:nvPr/>
+        </p:nvPicPr>
+        <p:blipFill>
+          <a:blip r:embed="rId3">
+            <a:alphaModFix/>
+          </a:blip>
+          <a:stretch>
+            <a:fillRect/>
+          </a:stretch>
+        </p:blipFill>
+        <p:spPr>
+          <a:xfrm>
+            <a:off y="2443025" x="1392375"/>
+            <a:ext cy="263199" cx="263199"/>
+          </a:xfrm>
+          <a:prstGeom prst="rect">
+            <a:avLst/>
+          </a:prstGeom>
+          <a:noFill/>
+          <a:ln>
+            <a:noFill/>
+          </a:ln>
+        </p:spPr>
+      </p:pic>
+      <p:pic>
+        <p:nvPicPr>
+          <p:cNvPr id="190" name="Shape 190"/>
+          <p:cNvPicPr preferRelativeResize="0"/>
+          <p:nvPr/>
+        </p:nvPicPr>
+        <p:blipFill>
+          <a:blip r:embed="rId3">
+            <a:alphaModFix/>
+          </a:blip>
+          <a:stretch>
+            <a:fillRect/>
+          </a:stretch>
+        </p:blipFill>
+        <p:spPr>
+          <a:xfrm>
+            <a:off y="2595425" x="1392375"/>
+            <a:ext cy="263199" cx="263199"/>
+          </a:xfrm>
+          <a:prstGeom prst="rect">
+            <a:avLst/>
+          </a:prstGeom>
+          <a:noFill/>
+          <a:ln>
+            <a:noFill/>
+          </a:ln>
+        </p:spPr>
+      </p:pic>
+      <p:pic>
+        <p:nvPicPr>
+          <p:cNvPr id="191" name="Shape 191"/>
+          <p:cNvPicPr preferRelativeResize="0"/>
+          <p:nvPr/>
+        </p:nvPicPr>
+        <p:blipFill>
+          <a:blip r:embed="rId3">
+            <a:alphaModFix/>
+          </a:blip>
+          <a:stretch>
+            <a:fillRect/>
+          </a:stretch>
+        </p:blipFill>
+        <p:spPr>
+          <a:xfrm>
+            <a:off y="2747825" x="1392375"/>
+            <a:ext cy="263199" cx="263199"/>
+          </a:xfrm>
+          <a:prstGeom prst="rect">
+            <a:avLst/>
+          </a:prstGeom>
+          <a:noFill/>
+          <a:ln>
+            <a:noFill/>
+          </a:ln>
+        </p:spPr>
+      </p:pic>
+      <p:pic>
+        <p:nvPicPr>
+          <p:cNvPr id="192" name="Shape 192"/>
+          <p:cNvPicPr preferRelativeResize="0"/>
+          <p:nvPr/>
+        </p:nvPicPr>
+        <p:blipFill>
+          <a:blip r:embed="rId3">
+            <a:alphaModFix/>
+          </a:blip>
+          <a:stretch>
+            <a:fillRect/>
+          </a:stretch>
+        </p:blipFill>
+        <p:spPr>
+          <a:xfrm>
+            <a:off y="2900225" x="1392375"/>
+            <a:ext cy="263199" cx="263199"/>
+          </a:xfrm>
+          <a:prstGeom prst="rect">
+            <a:avLst/>
+          </a:prstGeom>
+          <a:noFill/>
+          <a:ln>
+            <a:noFill/>
+          </a:ln>
+        </p:spPr>
+      </p:pic>
+      <p:sp>
+        <p:nvSpPr>
+          <p:cNvPr id="193" name="Shape 193"/>
+          <p:cNvSpPr/>
+          <p:nvPr/>
+        </p:nvSpPr>
+        <p:spPr>
+          <a:xfrm>
+            <a:off y="2706225" x="2660225"/>
+            <a:ext cy="205499" cx="559499"/>
+          </a:xfrm>
+          <a:prstGeom prst="rightArrow">
+            <a:avLst>
+              <a:gd fmla="val 50000" name="adj1"/>
+              <a:gd fmla="val 50000" name="adj2"/>
+            </a:avLst>
+          </a:prstGeom>
+          <a:solidFill>
+            <a:schemeClr val="lt2"/>
+          </a:solidFill>
+          <a:ln w="19050" cap="flat">
+            <a:solidFill>
+              <a:schemeClr val="dk2"/>
+            </a:solidFill>
+            <a:prstDash val="solid"/>
+            <a:round/>
+            <a:headEnd w="med" len="med" type="none"/>
+            <a:tailEnd w="med" len="med" type="none"/>
+          </a:ln>
+        </p:spPr>
+        <p:txBody>
+          <a:bodyPr bIns="91425" rIns="91425" lIns="91425" tIns="91425" anchor="ctr" anchorCtr="0">
+            <a:noAutofit/>
+          </a:bodyPr>
+          <a:lstStyle/>
+          <a:p>
+            <a:pPr rtl="0" lvl="0">
+              <a:spcBef>
+                <a:spcPts val="0"/>
+              </a:spcBef>
+              <a:buNone/>
+            </a:pPr>
+            <a:r>
+              <a:t/>
+            </a:r>
+            <a:endParaRPr/>
+          </a:p>
+        </p:txBody>
+      </p:sp>
+      <p:sp>
+        <p:nvSpPr>
+          <p:cNvPr id="194" name="Shape 194"/>
+          <p:cNvSpPr/>
+          <p:nvPr/>
+        </p:nvSpPr>
+        <p:spPr>
+          <a:xfrm>
+            <a:off y="3315825" x="4459725"/>
+            <a:ext cy="205499" cx="559499"/>
+          </a:xfrm>
+          <a:prstGeom prst="rightArrow">
+            <a:avLst>
+              <a:gd fmla="val 50000" name="adj1"/>
+              <a:gd fmla="val 50000" name="adj2"/>
+            </a:avLst>
+          </a:prstGeom>
+          <a:solidFill>
+            <a:schemeClr val="lt2"/>
+          </a:solidFill>
+          <a:ln w="19050" cap="flat">
+            <a:solidFill>
+              <a:schemeClr val="dk2"/>
+            </a:solidFill>
+            <a:prstDash val="solid"/>
+            <a:round/>
+            <a:headEnd w="med" len="med" type="none"/>
+            <a:tailEnd w="med" len="med" type="none"/>
+          </a:ln>
+        </p:spPr>
+        <p:txBody>
+          <a:bodyPr bIns="91425" rIns="91425" lIns="91425" tIns="91425" anchor="ctr" anchorCtr="0">
+            <a:noAutofit/>
+          </a:bodyPr>
+          <a:lstStyle/>
+          <a:p>
+            <a:pPr rtl="0" lvl="0">
+              <a:spcBef>
+                <a:spcPts val="0"/>
+              </a:spcBef>
+              <a:buNone/>
+            </a:pPr>
+            <a:r>
+              <a:t/>
+            </a:r>
+            <a:endParaRPr/>
+          </a:p>
+        </p:txBody>
+      </p:sp>
+      <p:pic>
+        <p:nvPicPr>
+          <p:cNvPr id="195" name="Shape 195"/>
+          <p:cNvPicPr preferRelativeResize="0"/>
+          <p:nvPr/>
+        </p:nvPicPr>
+        <p:blipFill>
+          <a:blip r:embed="rId4">
+            <a:alphaModFix/>
+          </a:blip>
+          <a:stretch>
+            <a:fillRect/>
+          </a:stretch>
+        </p:blipFill>
+        <p:spPr>
+          <a:xfrm flipH="1">
+            <a:off y="2689175" x="1751875"/>
+            <a:ext cy="857399" cx="867500"/>
+          </a:xfrm>
+          <a:prstGeom prst="rect">
+            <a:avLst/>
+          </a:prstGeom>
+          <a:noFill/>
+          <a:ln>
+            <a:noFill/>
+          </a:ln>
+        </p:spPr>
+      </p:pic>
+      <p:sp>
+        <p:nvSpPr>
+          <p:cNvPr id="196" name="Shape 196"/>
+          <p:cNvSpPr/>
+          <p:nvPr/>
+        </p:nvSpPr>
+        <p:spPr>
+          <a:xfrm>
+            <a:off y="2706225" x="3316650"/>
+            <a:ext cy="205499" cx="1081500"/>
+          </a:xfrm>
+          <a:prstGeom prst="bevel">
+            <a:avLst>
+              <a:gd fmla="val 12500" name="adj"/>
+            </a:avLst>
+          </a:prstGeom>
+          <a:solidFill>
+            <a:schemeClr val="lt2"/>
+          </a:solidFill>
+          <a:ln w="19050" cap="flat">
+            <a:solidFill>
+              <a:schemeClr val="dk2"/>
+            </a:solidFill>
+            <a:prstDash val="solid"/>
+            <a:round/>
+            <a:headEnd w="med" len="med" type="none"/>
+            <a:tailEnd w="med" len="med" type="none"/>
+          </a:ln>
+        </p:spPr>
+        <p:txBody>
+          <a:bodyPr bIns="91425" rIns="91425" lIns="91425" tIns="91425" anchor="ctr" anchorCtr="0">
+            <a:noAutofit/>
+          </a:bodyPr>
+          <a:lstStyle/>
+          <a:p>
+            <a:pPr rtl="0" lvl="0">
+              <a:spcBef>
+                <a:spcPts val="0"/>
+              </a:spcBef>
+              <a:buNone/>
+            </a:pPr>
+            <a:r>
+              <a:rPr b="1" sz="900" lang="en"/>
+              <a:t>Desired Level</a:t>
+            </a:r>
+          </a:p>
+        </p:txBody>
+      </p:sp>
+      <p:sp>
+        <p:nvSpPr>
+          <p:cNvPr id="197" name="Shape 197"/>
+          <p:cNvSpPr/>
+          <p:nvPr/>
+        </p:nvSpPr>
+        <p:spPr>
+          <a:xfrm>
+            <a:off y="2706225" x="5135550"/>
+            <a:ext cy="832799" cx="587999"/>
+          </a:xfrm>
+          <a:prstGeom prst="rect">
+            <a:avLst/>
+          </a:prstGeom>
+          <a:solidFill>
+            <a:schemeClr val="lt2"/>
+          </a:solidFill>
+          <a:ln w="19050" cap="flat">
+            <a:solidFill>
+              <a:schemeClr val="dk2"/>
+            </a:solidFill>
+            <a:prstDash val="solid"/>
+            <a:round/>
+            <a:headEnd w="med" len="med" type="none"/>
+            <a:tailEnd w="med" len="med" type="none"/>
+          </a:ln>
+        </p:spPr>
+        <p:txBody>
+          <a:bodyPr bIns="91425" rIns="91425" lIns="91425" tIns="91425" anchor="ctr" anchorCtr="0">
+            <a:noAutofit/>
+          </a:bodyPr>
+          <a:lstStyle/>
+          <a:p>
+            <a:pPr>
+              <a:spcBef>
+                <a:spcPts val="0"/>
+              </a:spcBef>
+              <a:buNone/>
+            </a:pPr>
+            <a:r>
+              <a:rPr sz="700" lang="en"/>
+              <a:t>Controller</a:t>
+            </a:r>
+          </a:p>
+        </p:txBody>
+      </p:sp>
+      <p:sp>
+        <p:nvSpPr>
+          <p:cNvPr id="198" name="Shape 198"/>
+          <p:cNvSpPr/>
+          <p:nvPr/>
+        </p:nvSpPr>
+        <p:spPr>
+          <a:xfrm>
+            <a:off y="2706225" x="4459725"/>
+            <a:ext cy="205499" cx="559499"/>
+          </a:xfrm>
+          <a:prstGeom prst="rightArrow">
+            <a:avLst>
+              <a:gd fmla="val 50000" name="adj1"/>
+              <a:gd fmla="val 50000" name="adj2"/>
+            </a:avLst>
+          </a:prstGeom>
+          <a:solidFill>
+            <a:schemeClr val="lt2"/>
+          </a:solidFill>
+          <a:ln w="19050" cap="flat">
+            <a:solidFill>
+              <a:schemeClr val="dk2"/>
+            </a:solidFill>
+            <a:prstDash val="solid"/>
+            <a:round/>
+            <a:headEnd w="med" len="med" type="none"/>
+            <a:tailEnd w="med" len="med" type="none"/>
+          </a:ln>
+        </p:spPr>
+        <p:txBody>
+          <a:bodyPr bIns="91425" rIns="91425" lIns="91425" tIns="91425" anchor="ctr" anchorCtr="0">
+            <a:noAutofit/>
+          </a:bodyPr>
+          <a:lstStyle/>
+          <a:p>
+            <a:pPr>
+              <a:spcBef>
+                <a:spcPts val="0"/>
+              </a:spcBef>
+              <a:buNone/>
+            </a:pPr>
+            <a:r>
+              <a:t/>
+            </a:r>
+            <a:endParaRPr/>
+          </a:p>
+        </p:txBody>
+      </p:sp>
+      <p:sp>
+        <p:nvSpPr>
+          <p:cNvPr id="199" name="Shape 199"/>
+          <p:cNvSpPr/>
+          <p:nvPr/>
+        </p:nvSpPr>
+        <p:spPr>
+          <a:xfrm>
+            <a:off y="2998425" x="6079951"/>
+            <a:ext cy="248400" cx="429899"/>
+          </a:xfrm>
+          <a:prstGeom prst="rect">
+            <a:avLst/>
+          </a:prstGeom>
+          <a:solidFill>
+            <a:schemeClr val="lt2"/>
+          </a:solidFill>
+          <a:ln w="19050" cap="flat">
+            <a:solidFill>
+              <a:schemeClr val="dk2"/>
+            </a:solidFill>
+            <a:prstDash val="solid"/>
+            <a:round/>
+            <a:headEnd w="med" len="med" type="none"/>
+            <a:tailEnd w="med" len="med" type="none"/>
+          </a:ln>
+        </p:spPr>
+        <p:txBody>
+          <a:bodyPr bIns="91425" rIns="91425" lIns="91425" tIns="91425" anchor="ctr" anchorCtr="0">
+            <a:noAutofit/>
+          </a:bodyPr>
+          <a:lstStyle/>
+          <a:p>
+            <a:pPr rtl="0" lvl="0">
+              <a:spcBef>
+                <a:spcPts val="0"/>
+              </a:spcBef>
+              <a:buNone/>
+            </a:pPr>
+            <a:r>
+              <a:rPr sz="700" lang="en"/>
+              <a:t>View</a:t>
+            </a:r>
+          </a:p>
+        </p:txBody>
+      </p:sp>
+      <p:cxnSp>
+        <p:nvCxnSpPr>
+          <p:cNvPr id="200" name="Shape 200"/>
+          <p:cNvCxnSpPr>
+            <a:stCxn id="197" idx="3"/>
+            <a:endCxn id="199" idx="1"/>
+          </p:cNvCxnSpPr>
+          <p:nvPr/>
+        </p:nvCxnSpPr>
+        <p:spPr>
+          <a:xfrm>
+            <a:off y="3122624" x="5723549"/>
+            <a:ext cy="0" cx="356400"/>
+          </a:xfrm>
+          <a:prstGeom prst="straightConnector1">
+            <a:avLst/>
+          </a:prstGeom>
+          <a:noFill/>
+          <a:ln w="19050" cap="flat">
+            <a:solidFill>
+              <a:schemeClr val="dk2"/>
+            </a:solidFill>
+            <a:prstDash val="solid"/>
+            <a:round/>
+            <a:headEnd w="lg" len="lg" type="none"/>
+            <a:tailEnd w="lg" len="lg" type="triangle"/>
+          </a:ln>
+        </p:spPr>
+      </p:cxnSp>
+      <p:sp>
+        <p:nvSpPr>
+          <p:cNvPr id="201" name="Shape 201"/>
+          <p:cNvSpPr txBox="1"/>
+          <p:nvPr/>
+        </p:nvSpPr>
+        <p:spPr>
+          <a:xfrm>
+            <a:off y="2508725" x="6357250"/>
+            <a:ext cy="1430999" cx="2727600"/>
+          </a:xfrm>
+          <a:prstGeom prst="rect">
+            <a:avLst/>
+          </a:prstGeom>
+          <a:noFill/>
+          <a:ln>
+            <a:noFill/>
+          </a:ln>
+        </p:spPr>
+        <p:txBody>
+          <a:bodyPr bIns="91425" rIns="91425" lIns="91425" tIns="91425" anchor="t" anchorCtr="0">
+            <a:noAutofit/>
+          </a:bodyPr>
+          <a:lstStyle/>
+          <a:p>
+            <a:pPr rtl="0" lvl="0" indent="-285750" marL="457200">
+              <a:spcBef>
+                <a:spcPts val="0"/>
+              </a:spcBef>
+              <a:buClr>
+                <a:srgbClr val="000000"/>
+              </a:buClr>
+              <a:buSzPct val="100000"/>
+              <a:buFont typeface="Arial"/>
+              <a:buChar char="●"/>
+            </a:pPr>
+            <a:r>
+              <a:rPr sz="900" lang="en"/>
+              <a:t>Student successfully enters the practice mode</a:t>
+            </a:r>
           </a:p>
         </p:txBody>
       </p:sp>
@@ -9350,7 +9935,7 @@
   <p:cSld>
     <p:spTree>
       <p:nvGrpSpPr>
-        <p:cNvPr id="188" name="Shape 188"/>
+        <p:cNvPr id="205" name="Shape 205"/>
         <p:cNvGrpSpPr/>
         <p:nvPr/>
       </p:nvGrpSpPr>
@@ -9364,7 +9949,7 @@
       </p:grpSpPr>
       <p:sp>
         <p:nvSpPr>
-          <p:cNvPr id="189" name="Shape 189"/>
+          <p:cNvPr id="206" name="Shape 206"/>
           <p:cNvSpPr txBox="1"/>
           <p:nvPr>
             <p:ph type="title"/>
@@ -9393,305 +9978,14 @@
             </a:pPr>
             <a:r>
               <a:rPr lang="en"/>
-              <a:t>Student Use Case</a:t>
-            </a:r>
-          </a:p>
-        </p:txBody>
-      </p:sp>
-      <p:sp>
-        <p:nvSpPr>
-          <p:cNvPr id="190" name="Shape 190"/>
-          <p:cNvSpPr txBox="1"/>
-          <p:nvPr/>
-        </p:nvSpPr>
-        <p:spPr>
-          <a:xfrm>
-            <a:off y="1854225" x="-27650"/>
-            <a:ext cy="580799" cx="8983499"/>
-          </a:xfrm>
-          <a:prstGeom prst="rect">
-            <a:avLst/>
-          </a:prstGeom>
-          <a:noFill/>
-          <a:ln>
-            <a:noFill/>
-          </a:ln>
-        </p:spPr>
-        <p:txBody>
-          <a:bodyPr bIns="91425" rIns="91425" lIns="91425" tIns="91425" anchor="t" anchorCtr="0">
-            <a:noAutofit/>
-          </a:bodyPr>
-          <a:lstStyle/>
-          <a:p>
-            <a:pPr rtl="0" lvl="0">
-              <a:spcBef>
-                <a:spcPts val="0"/>
-              </a:spcBef>
-              <a:buNone/>
-            </a:pPr>
-            <a:r>
-              <a:rPr sz="1200" lang="en"/>
-              <a:t>Preconditions:				Normal Flow:									Postconditions:</a:t>
-            </a:r>
-          </a:p>
-          <a:p>
-            <a:pPr rtl="0" lvl="0">
-              <a:spcBef>
-                <a:spcPts val="0"/>
-              </a:spcBef>
-              <a:buNone/>
-            </a:pPr>
-            <a:r>
-              <a:t/>
-            </a:r>
-            <a:endParaRPr/>
-          </a:p>
-        </p:txBody>
-      </p:sp>
-      <p:sp>
-        <p:nvSpPr>
-          <p:cNvPr id="191" name="Shape 191"/>
-          <p:cNvSpPr txBox="1"/>
-          <p:nvPr/>
-        </p:nvSpPr>
-        <p:spPr>
-          <a:xfrm>
-            <a:off y="1265425" x="48550"/>
-            <a:ext cy="580799" cx="3033300"/>
-          </a:xfrm>
-          <a:prstGeom prst="rect">
-            <a:avLst/>
-          </a:prstGeom>
-          <a:noFill/>
-          <a:ln>
-            <a:noFill/>
-          </a:ln>
-        </p:spPr>
-        <p:txBody>
-          <a:bodyPr bIns="91425" rIns="91425" lIns="91425" tIns="91425" anchor="t" anchorCtr="0">
-            <a:noAutofit/>
-          </a:bodyPr>
-          <a:lstStyle/>
-          <a:p>
-            <a:pPr rtl="0" lvl="0">
-              <a:spcBef>
-                <a:spcPts val="0"/>
-              </a:spcBef>
-              <a:buNone/>
-            </a:pPr>
-            <a:r>
-              <a:rPr u="sng" lang="en"/>
-              <a:t>Student Selects Practice Mode:</a:t>
-            </a:r>
-          </a:p>
-          <a:p>
-            <a:pPr rtl="0" lvl="0">
-              <a:spcBef>
-                <a:spcPts val="0"/>
-              </a:spcBef>
-              <a:buNone/>
-            </a:pPr>
-            <a:r>
-              <a:t/>
-            </a:r>
-            <a:endParaRPr/>
-          </a:p>
-        </p:txBody>
-      </p:sp>
-      <p:sp>
-        <p:nvSpPr>
-          <p:cNvPr id="192" name="Shape 192"/>
-          <p:cNvSpPr/>
-          <p:nvPr/>
-        </p:nvSpPr>
-        <p:spPr>
-          <a:xfrm>
-            <a:off y="3297075" x="2660225"/>
-            <a:ext cy="205499" cx="559499"/>
-          </a:xfrm>
-          <a:prstGeom prst="rightArrow">
-            <a:avLst>
-              <a:gd fmla="val 50000" name="adj1"/>
-              <a:gd fmla="val 50000" name="adj2"/>
-            </a:avLst>
-          </a:prstGeom>
-          <a:solidFill>
-            <a:schemeClr val="lt2"/>
-          </a:solidFill>
-          <a:ln w="19050" cap="flat">
-            <a:solidFill>
-              <a:schemeClr val="dk2"/>
-            </a:solidFill>
-            <a:prstDash val="solid"/>
-            <a:round/>
-            <a:headEnd w="med" len="med" type="none"/>
-            <a:tailEnd w="med" len="med" type="none"/>
-          </a:ln>
-        </p:spPr>
-        <p:txBody>
-          <a:bodyPr bIns="91425" rIns="91425" lIns="91425" tIns="91425" anchor="ctr" anchorCtr="0">
-            <a:noAutofit/>
-          </a:bodyPr>
-          <a:lstStyle/>
-          <a:p>
-            <a:pPr>
-              <a:spcBef>
-                <a:spcPts val="0"/>
-              </a:spcBef>
-              <a:buNone/>
-            </a:pPr>
-            <a:r>
-              <a:t/>
-            </a:r>
-            <a:endParaRPr/>
-          </a:p>
-        </p:txBody>
-      </p:sp>
-      <p:sp>
-        <p:nvSpPr>
-          <p:cNvPr id="193" name="Shape 193"/>
-          <p:cNvSpPr/>
-          <p:nvPr/>
-        </p:nvSpPr>
-        <p:spPr>
-          <a:xfrm>
-            <a:off y="3315825" x="3316650"/>
-            <a:ext cy="205499" cx="1081500"/>
-          </a:xfrm>
-          <a:prstGeom prst="bevel">
-            <a:avLst>
-              <a:gd fmla="val 12500" name="adj"/>
-            </a:avLst>
-          </a:prstGeom>
-          <a:solidFill>
-            <a:schemeClr val="lt2"/>
-          </a:solidFill>
-          <a:ln w="19050" cap="flat">
-            <a:solidFill>
-              <a:schemeClr val="dk2"/>
-            </a:solidFill>
-            <a:prstDash val="solid"/>
-            <a:round/>
-            <a:headEnd w="med" len="med" type="none"/>
-            <a:tailEnd w="med" len="med" type="none"/>
-          </a:ln>
-        </p:spPr>
-        <p:txBody>
-          <a:bodyPr bIns="91425" rIns="91425" lIns="91425" tIns="91425" anchor="ctr" anchorCtr="0">
-            <a:noAutofit/>
-          </a:bodyPr>
-          <a:lstStyle/>
-          <a:p>
-            <a:pPr rtl="0" lvl="0">
-              <a:spcBef>
-                <a:spcPts val="0"/>
-              </a:spcBef>
-              <a:buNone/>
-            </a:pPr>
-            <a:r>
-              <a:rPr b="1" sz="900" lang="en"/>
-              <a:t>Practice</a:t>
-            </a:r>
-          </a:p>
-        </p:txBody>
-      </p:sp>
-      <p:sp>
-        <p:nvSpPr>
-          <p:cNvPr id="194" name="Shape 194"/>
-          <p:cNvSpPr txBox="1"/>
-          <p:nvPr/>
-        </p:nvSpPr>
-        <p:spPr>
-          <a:xfrm>
-            <a:off y="2508725" x="-164675"/>
-            <a:ext cy="1523100" cx="1905899"/>
-          </a:xfrm>
-          <a:prstGeom prst="rect">
-            <a:avLst/>
-          </a:prstGeom>
-          <a:noFill/>
-          <a:ln>
-            <a:noFill/>
-          </a:ln>
-        </p:spPr>
-        <p:txBody>
-          <a:bodyPr bIns="91425" rIns="91425" lIns="91425" tIns="91425" anchor="t" anchorCtr="0">
-            <a:noAutofit/>
-          </a:bodyPr>
-          <a:lstStyle/>
-          <a:p>
-            <a:pPr rtl="0" lvl="0" indent="-285750" marL="457200">
-              <a:spcBef>
-                <a:spcPts val="0"/>
-              </a:spcBef>
-              <a:buClr>
-                <a:srgbClr val="000000"/>
-              </a:buClr>
-              <a:buSzPct val="100000"/>
-              <a:buFont typeface="Arial"/>
-              <a:buChar char="●"/>
-            </a:pPr>
-            <a:r>
-              <a:rPr sz="900" lang="en"/>
-              <a:t>Existing Account</a:t>
-            </a:r>
-          </a:p>
-          <a:p>
-            <a:pPr rtl="0" lvl="0" indent="-285750" marL="457200">
-              <a:spcBef>
-                <a:spcPts val="0"/>
-              </a:spcBef>
-              <a:buClr>
-                <a:srgbClr val="000000"/>
-              </a:buClr>
-              <a:buSzPct val="100000"/>
-              <a:buFont typeface="Arial"/>
-              <a:buChar char="●"/>
-            </a:pPr>
-            <a:r>
-              <a:rPr sz="900" lang="en"/>
-              <a:t>Valid Session</a:t>
-            </a:r>
-          </a:p>
-          <a:p>
-            <a:pPr rtl="0" lvl="0" indent="-285750" marL="457200">
-              <a:spcBef>
-                <a:spcPts val="0"/>
-              </a:spcBef>
-              <a:buClr>
-                <a:srgbClr val="000000"/>
-              </a:buClr>
-              <a:buSzPct val="100000"/>
-              <a:buFont typeface="Arial"/>
-              <a:buChar char="●"/>
-            </a:pPr>
-            <a:r>
-              <a:rPr sz="900" lang="en"/>
-              <a:t>Using Chrome</a:t>
-            </a:r>
-          </a:p>
-          <a:p>
-            <a:pPr rtl="0" lvl="0" indent="-285750" marL="457200">
-              <a:spcBef>
-                <a:spcPts val="0"/>
-              </a:spcBef>
-              <a:buClr>
-                <a:srgbClr val="000000"/>
-              </a:buClr>
-              <a:buSzPct val="100000"/>
-              <a:buFont typeface="Arial"/>
-              <a:buChar char="●"/>
-            </a:pPr>
-            <a:r>
-              <a:rPr sz="900" lang="en"/>
-              <a:t>Internet Connection</a:t>
+              <a:t>Sequence Diagram</a:t>
             </a:r>
           </a:p>
         </p:txBody>
       </p:sp>
       <p:pic>
         <p:nvPicPr>
-          <p:cNvPr id="195" name="Shape 195"/>
+          <p:cNvPr id="207" name="Shape 207"/>
           <p:cNvPicPr preferRelativeResize="0"/>
           <p:nvPr/>
         </p:nvPicPr>
@@ -9705,8 +9999,8 @@
         </p:blipFill>
         <p:spPr>
           <a:xfrm>
-            <a:off y="2443025" x="1392375"/>
-            <a:ext cy="263199" cx="263199"/>
+            <a:off y="1300425" x="1252212"/>
+            <a:ext cy="3544374" cx="6639576"/>
           </a:xfrm>
           <a:prstGeom prst="rect">
             <a:avLst/>
@@ -9717,477 +10011,6 @@
           </a:ln>
         </p:spPr>
       </p:pic>
-      <p:pic>
-        <p:nvPicPr>
-          <p:cNvPr id="196" name="Shape 196"/>
-          <p:cNvPicPr preferRelativeResize="0"/>
-          <p:nvPr/>
-        </p:nvPicPr>
-        <p:blipFill>
-          <a:blip r:embed="rId3">
-            <a:alphaModFix/>
-          </a:blip>
-          <a:stretch>
-            <a:fillRect/>
-          </a:stretch>
-        </p:blipFill>
-        <p:spPr>
-          <a:xfrm>
-            <a:off y="2595425" x="1392375"/>
-            <a:ext cy="263199" cx="263199"/>
-          </a:xfrm>
-          <a:prstGeom prst="rect">
-            <a:avLst/>
-          </a:prstGeom>
-          <a:noFill/>
-          <a:ln>
-            <a:noFill/>
-          </a:ln>
-        </p:spPr>
-      </p:pic>
-      <p:pic>
-        <p:nvPicPr>
-          <p:cNvPr id="197" name="Shape 197"/>
-          <p:cNvPicPr preferRelativeResize="0"/>
-          <p:nvPr/>
-        </p:nvPicPr>
-        <p:blipFill>
-          <a:blip r:embed="rId3">
-            <a:alphaModFix/>
-          </a:blip>
-          <a:stretch>
-            <a:fillRect/>
-          </a:stretch>
-        </p:blipFill>
-        <p:spPr>
-          <a:xfrm>
-            <a:off y="2747825" x="1392375"/>
-            <a:ext cy="263199" cx="263199"/>
-          </a:xfrm>
-          <a:prstGeom prst="rect">
-            <a:avLst/>
-          </a:prstGeom>
-          <a:noFill/>
-          <a:ln>
-            <a:noFill/>
-          </a:ln>
-        </p:spPr>
-      </p:pic>
-      <p:pic>
-        <p:nvPicPr>
-          <p:cNvPr id="198" name="Shape 198"/>
-          <p:cNvPicPr preferRelativeResize="0"/>
-          <p:nvPr/>
-        </p:nvPicPr>
-        <p:blipFill>
-          <a:blip r:embed="rId3">
-            <a:alphaModFix/>
-          </a:blip>
-          <a:stretch>
-            <a:fillRect/>
-          </a:stretch>
-        </p:blipFill>
-        <p:spPr>
-          <a:xfrm>
-            <a:off y="2900225" x="1392375"/>
-            <a:ext cy="263199" cx="263199"/>
-          </a:xfrm>
-          <a:prstGeom prst="rect">
-            <a:avLst/>
-          </a:prstGeom>
-          <a:noFill/>
-          <a:ln>
-            <a:noFill/>
-          </a:ln>
-        </p:spPr>
-      </p:pic>
-      <p:sp>
-        <p:nvSpPr>
-          <p:cNvPr id="199" name="Shape 199"/>
-          <p:cNvSpPr/>
-          <p:nvPr/>
-        </p:nvSpPr>
-        <p:spPr>
-          <a:xfrm>
-            <a:off y="2706225" x="2660225"/>
-            <a:ext cy="205499" cx="559499"/>
-          </a:xfrm>
-          <a:prstGeom prst="rightArrow">
-            <a:avLst>
-              <a:gd fmla="val 50000" name="adj1"/>
-              <a:gd fmla="val 50000" name="adj2"/>
-            </a:avLst>
-          </a:prstGeom>
-          <a:solidFill>
-            <a:schemeClr val="lt2"/>
-          </a:solidFill>
-          <a:ln w="19050" cap="flat">
-            <a:solidFill>
-              <a:schemeClr val="dk2"/>
-            </a:solidFill>
-            <a:prstDash val="solid"/>
-            <a:round/>
-            <a:headEnd w="med" len="med" type="none"/>
-            <a:tailEnd w="med" len="med" type="none"/>
-          </a:ln>
-        </p:spPr>
-        <p:txBody>
-          <a:bodyPr bIns="91425" rIns="91425" lIns="91425" tIns="91425" anchor="ctr" anchorCtr="0">
-            <a:noAutofit/>
-          </a:bodyPr>
-          <a:lstStyle/>
-          <a:p>
-            <a:pPr rtl="0" lvl="0">
-              <a:spcBef>
-                <a:spcPts val="0"/>
-              </a:spcBef>
-              <a:buNone/>
-            </a:pPr>
-            <a:r>
-              <a:t/>
-            </a:r>
-            <a:endParaRPr/>
-          </a:p>
-        </p:txBody>
-      </p:sp>
-      <p:sp>
-        <p:nvSpPr>
-          <p:cNvPr id="200" name="Shape 200"/>
-          <p:cNvSpPr/>
-          <p:nvPr/>
-        </p:nvSpPr>
-        <p:spPr>
-          <a:xfrm>
-            <a:off y="3315825" x="4459725"/>
-            <a:ext cy="205499" cx="559499"/>
-          </a:xfrm>
-          <a:prstGeom prst="rightArrow">
-            <a:avLst>
-              <a:gd fmla="val 50000" name="adj1"/>
-              <a:gd fmla="val 50000" name="adj2"/>
-            </a:avLst>
-          </a:prstGeom>
-          <a:solidFill>
-            <a:schemeClr val="lt2"/>
-          </a:solidFill>
-          <a:ln w="19050" cap="flat">
-            <a:solidFill>
-              <a:schemeClr val="dk2"/>
-            </a:solidFill>
-            <a:prstDash val="solid"/>
-            <a:round/>
-            <a:headEnd w="med" len="med" type="none"/>
-            <a:tailEnd w="med" len="med" type="none"/>
-          </a:ln>
-        </p:spPr>
-        <p:txBody>
-          <a:bodyPr bIns="91425" rIns="91425" lIns="91425" tIns="91425" anchor="ctr" anchorCtr="0">
-            <a:noAutofit/>
-          </a:bodyPr>
-          <a:lstStyle/>
-          <a:p>
-            <a:pPr rtl="0" lvl="0">
-              <a:spcBef>
-                <a:spcPts val="0"/>
-              </a:spcBef>
-              <a:buNone/>
-            </a:pPr>
-            <a:r>
-              <a:t/>
-            </a:r>
-            <a:endParaRPr/>
-          </a:p>
-        </p:txBody>
-      </p:sp>
-      <p:pic>
-        <p:nvPicPr>
-          <p:cNvPr id="201" name="Shape 201"/>
-          <p:cNvPicPr preferRelativeResize="0"/>
-          <p:nvPr/>
-        </p:nvPicPr>
-        <p:blipFill>
-          <a:blip r:embed="rId4">
-            <a:alphaModFix/>
-          </a:blip>
-          <a:stretch>
-            <a:fillRect/>
-          </a:stretch>
-        </p:blipFill>
-        <p:spPr>
-          <a:xfrm flipH="1">
-            <a:off y="2689175" x="1751875"/>
-            <a:ext cy="857399" cx="867500"/>
-          </a:xfrm>
-          <a:prstGeom prst="rect">
-            <a:avLst/>
-          </a:prstGeom>
-          <a:noFill/>
-          <a:ln>
-            <a:noFill/>
-          </a:ln>
-        </p:spPr>
-      </p:pic>
-      <p:sp>
-        <p:nvSpPr>
-          <p:cNvPr id="202" name="Shape 202"/>
-          <p:cNvSpPr/>
-          <p:nvPr/>
-        </p:nvSpPr>
-        <p:spPr>
-          <a:xfrm>
-            <a:off y="2706225" x="3316650"/>
-            <a:ext cy="205499" cx="1081500"/>
-          </a:xfrm>
-          <a:prstGeom prst="bevel">
-            <a:avLst>
-              <a:gd fmla="val 12500" name="adj"/>
-            </a:avLst>
-          </a:prstGeom>
-          <a:solidFill>
-            <a:schemeClr val="lt2"/>
-          </a:solidFill>
-          <a:ln w="19050" cap="flat">
-            <a:solidFill>
-              <a:schemeClr val="dk2"/>
-            </a:solidFill>
-            <a:prstDash val="solid"/>
-            <a:round/>
-            <a:headEnd w="med" len="med" type="none"/>
-            <a:tailEnd w="med" len="med" type="none"/>
-          </a:ln>
-        </p:spPr>
-        <p:txBody>
-          <a:bodyPr bIns="91425" rIns="91425" lIns="91425" tIns="91425" anchor="ctr" anchorCtr="0">
-            <a:noAutofit/>
-          </a:bodyPr>
-          <a:lstStyle/>
-          <a:p>
-            <a:pPr rtl="0" lvl="0">
-              <a:spcBef>
-                <a:spcPts val="0"/>
-              </a:spcBef>
-              <a:buNone/>
-            </a:pPr>
-            <a:r>
-              <a:rPr b="1" sz="900" lang="en"/>
-              <a:t>Desired Level</a:t>
-            </a:r>
-          </a:p>
-        </p:txBody>
-      </p:sp>
-      <p:sp>
-        <p:nvSpPr>
-          <p:cNvPr id="203" name="Shape 203"/>
-          <p:cNvSpPr/>
-          <p:nvPr/>
-        </p:nvSpPr>
-        <p:spPr>
-          <a:xfrm>
-            <a:off y="2706225" x="5135550"/>
-            <a:ext cy="832799" cx="587999"/>
-          </a:xfrm>
-          <a:prstGeom prst="rect">
-            <a:avLst/>
-          </a:prstGeom>
-          <a:solidFill>
-            <a:schemeClr val="lt2"/>
-          </a:solidFill>
-          <a:ln w="19050" cap="flat">
-            <a:solidFill>
-              <a:schemeClr val="dk2"/>
-            </a:solidFill>
-            <a:prstDash val="solid"/>
-            <a:round/>
-            <a:headEnd w="med" len="med" type="none"/>
-            <a:tailEnd w="med" len="med" type="none"/>
-          </a:ln>
-        </p:spPr>
-        <p:txBody>
-          <a:bodyPr bIns="91425" rIns="91425" lIns="91425" tIns="91425" anchor="ctr" anchorCtr="0">
-            <a:noAutofit/>
-          </a:bodyPr>
-          <a:lstStyle/>
-          <a:p>
-            <a:pPr>
-              <a:spcBef>
-                <a:spcPts val="0"/>
-              </a:spcBef>
-              <a:buNone/>
-            </a:pPr>
-            <a:r>
-              <a:rPr sz="700" lang="en"/>
-              <a:t>Controller</a:t>
-            </a:r>
-          </a:p>
-        </p:txBody>
-      </p:sp>
-      <p:sp>
-        <p:nvSpPr>
-          <p:cNvPr id="204" name="Shape 204"/>
-          <p:cNvSpPr/>
-          <p:nvPr/>
-        </p:nvSpPr>
-        <p:spPr>
-          <a:xfrm>
-            <a:off y="2706225" x="4459725"/>
-            <a:ext cy="205499" cx="559499"/>
-          </a:xfrm>
-          <a:prstGeom prst="rightArrow">
-            <a:avLst>
-              <a:gd fmla="val 50000" name="adj1"/>
-              <a:gd fmla="val 50000" name="adj2"/>
-            </a:avLst>
-          </a:prstGeom>
-          <a:solidFill>
-            <a:schemeClr val="lt2"/>
-          </a:solidFill>
-          <a:ln w="19050" cap="flat">
-            <a:solidFill>
-              <a:schemeClr val="dk2"/>
-            </a:solidFill>
-            <a:prstDash val="solid"/>
-            <a:round/>
-            <a:headEnd w="med" len="med" type="none"/>
-            <a:tailEnd w="med" len="med" type="none"/>
-          </a:ln>
-        </p:spPr>
-        <p:txBody>
-          <a:bodyPr bIns="91425" rIns="91425" lIns="91425" tIns="91425" anchor="ctr" anchorCtr="0">
-            <a:noAutofit/>
-          </a:bodyPr>
-          <a:lstStyle/>
-          <a:p>
-            <a:pPr>
-              <a:spcBef>
-                <a:spcPts val="0"/>
-              </a:spcBef>
-              <a:buNone/>
-            </a:pPr>
-            <a:r>
-              <a:t/>
-            </a:r>
-            <a:endParaRPr/>
-          </a:p>
-        </p:txBody>
-      </p:sp>
-      <p:sp>
-        <p:nvSpPr>
-          <p:cNvPr id="205" name="Shape 205"/>
-          <p:cNvSpPr/>
-          <p:nvPr/>
-        </p:nvSpPr>
-        <p:spPr>
-          <a:xfrm>
-            <a:off y="2998425" x="6079951"/>
-            <a:ext cy="248400" cx="429899"/>
-          </a:xfrm>
-          <a:prstGeom prst="rect">
-            <a:avLst/>
-          </a:prstGeom>
-          <a:solidFill>
-            <a:schemeClr val="lt2"/>
-          </a:solidFill>
-          <a:ln w="19050" cap="flat">
-            <a:solidFill>
-              <a:schemeClr val="dk2"/>
-            </a:solidFill>
-            <a:prstDash val="solid"/>
-            <a:round/>
-            <a:headEnd w="med" len="med" type="none"/>
-            <a:tailEnd w="med" len="med" type="none"/>
-          </a:ln>
-        </p:spPr>
-        <p:txBody>
-          <a:bodyPr bIns="91425" rIns="91425" lIns="91425" tIns="91425" anchor="ctr" anchorCtr="0">
-            <a:noAutofit/>
-          </a:bodyPr>
-          <a:lstStyle/>
-          <a:p>
-            <a:pPr rtl="0" lvl="0">
-              <a:spcBef>
-                <a:spcPts val="0"/>
-              </a:spcBef>
-              <a:buNone/>
-            </a:pPr>
-            <a:r>
-              <a:rPr sz="700" lang="en"/>
-              <a:t>View</a:t>
-            </a:r>
-          </a:p>
-        </p:txBody>
-      </p:sp>
-      <p:cxnSp>
-        <p:nvCxnSpPr>
-          <p:cNvPr id="206" name="Shape 206"/>
-          <p:cNvCxnSpPr>
-            <a:stCxn id="203" idx="3"/>
-            <a:endCxn id="205" idx="1"/>
-          </p:cNvCxnSpPr>
-          <p:nvPr/>
-        </p:nvCxnSpPr>
-        <p:spPr>
-          <a:xfrm>
-            <a:off y="3122624" x="5723549"/>
-            <a:ext cy="0" cx="356400"/>
-          </a:xfrm>
-          <a:prstGeom prst="straightConnector1">
-            <a:avLst/>
-          </a:prstGeom>
-          <a:noFill/>
-          <a:ln w="19050" cap="flat">
-            <a:solidFill>
-              <a:schemeClr val="dk2"/>
-            </a:solidFill>
-            <a:prstDash val="solid"/>
-            <a:round/>
-            <a:headEnd w="lg" len="lg" type="none"/>
-            <a:tailEnd w="lg" len="lg" type="triangle"/>
-          </a:ln>
-        </p:spPr>
-      </p:cxnSp>
-      <p:sp>
-        <p:nvSpPr>
-          <p:cNvPr id="207" name="Shape 207"/>
-          <p:cNvSpPr txBox="1"/>
-          <p:nvPr/>
-        </p:nvSpPr>
-        <p:spPr>
-          <a:xfrm>
-            <a:off y="2508725" x="6357250"/>
-            <a:ext cy="1430999" cx="2727600"/>
-          </a:xfrm>
-          <a:prstGeom prst="rect">
-            <a:avLst/>
-          </a:prstGeom>
-          <a:noFill/>
-          <a:ln>
-            <a:noFill/>
-          </a:ln>
-        </p:spPr>
-        <p:txBody>
-          <a:bodyPr bIns="91425" rIns="91425" lIns="91425" tIns="91425" anchor="t" anchorCtr="0">
-            <a:noAutofit/>
-          </a:bodyPr>
-          <a:lstStyle/>
-          <a:p>
-            <a:pPr rtl="0" lvl="0" indent="-285750" marL="457200">
-              <a:spcBef>
-                <a:spcPts val="0"/>
-              </a:spcBef>
-              <a:buClr>
-                <a:srgbClr val="000000"/>
-              </a:buClr>
-              <a:buSzPct val="100000"/>
-              <a:buFont typeface="Arial"/>
-              <a:buChar char="●"/>
-            </a:pPr>
-            <a:r>
-              <a:rPr sz="900" lang="en"/>
-              <a:t>Student successfully enters the practice mode</a:t>
-            </a:r>
-          </a:p>
-        </p:txBody>
-      </p:sp>
     </p:spTree>
   </p:cSld>
   <p:clrMapOvr>
@@ -10247,7 +10070,7 @@
             </a:pPr>
             <a:r>
               <a:rPr lang="en"/>
-              <a:t>Sequence Diagram</a:t>
+              <a:t>Teacher Data Flow Diagram</a:t>
             </a:r>
           </a:p>
         </p:txBody>
@@ -10268,8 +10091,8 @@
         </p:blipFill>
         <p:spPr>
           <a:xfrm>
-            <a:off y="1300425" x="1252212"/>
-            <a:ext cy="3544374" cx="6639576"/>
+            <a:off y="1168800" x="800575"/>
+            <a:ext cy="3837924" cx="6815476"/>
           </a:xfrm>
           <a:prstGeom prst="rect">
             <a:avLst/>
@@ -10339,7 +10162,7 @@
             </a:pPr>
             <a:r>
               <a:rPr lang="en"/>
-              <a:t>Teacher Data Flow Diagram</a:t>
+              <a:t>Database Design</a:t>
             </a:r>
           </a:p>
         </p:txBody>
@@ -10360,8 +10183,8 @@
         </p:blipFill>
         <p:spPr>
           <a:xfrm>
-            <a:off y="1168800" x="800575"/>
-            <a:ext cy="3837924" cx="6815476"/>
+            <a:off y="1217412" x="2521399"/>
+            <a:ext cy="3862800" cx="4101199"/>
           </a:xfrm>
           <a:prstGeom prst="rect">
             <a:avLst/>
@@ -10616,7 +10439,7 @@
             </a:pPr>
             <a:r>
               <a:rPr lang="en"/>
-              <a:t>Database Design</a:t>
+              <a:t>Class Diagram</a:t>
             </a:r>
           </a:p>
         </p:txBody>
@@ -10637,36 +10460,8 @@
         </p:blipFill>
         <p:spPr>
           <a:xfrm>
-            <a:off y="1214687" x="4577275"/>
-            <a:ext cy="3936875" cx="4524049"/>
-          </a:xfrm>
-          <a:prstGeom prst="rect">
-            <a:avLst/>
-          </a:prstGeom>
-          <a:noFill/>
-          <a:ln>
-            <a:noFill/>
-          </a:ln>
-        </p:spPr>
-      </p:pic>
-      <p:pic>
-        <p:nvPicPr>
-          <p:cNvPr id="226" name="Shape 226"/>
-          <p:cNvPicPr preferRelativeResize="0"/>
-          <p:nvPr/>
-        </p:nvPicPr>
-        <p:blipFill>
-          <a:blip r:embed="rId4">
-            <a:alphaModFix/>
-          </a:blip>
-          <a:stretch>
-            <a:fillRect/>
-          </a:stretch>
-        </p:blipFill>
-        <p:spPr>
-          <a:xfrm>
-            <a:off y="1251737" x="76199"/>
-            <a:ext cy="3862800" cx="4101199"/>
+            <a:off y="1228575" x="1028700"/>
+            <a:ext cy="3803675" cx="5311899"/>
           </a:xfrm>
           <a:prstGeom prst="rect">
             <a:avLst/>
@@ -10693,7 +10488,7 @@
   <p:cSld>
     <p:spTree>
       <p:nvGrpSpPr>
-        <p:cNvPr id="230" name="Shape 230"/>
+        <p:cNvPr id="229" name="Shape 229"/>
         <p:cNvGrpSpPr/>
         <p:nvPr/>
       </p:nvGrpSpPr>
@@ -10707,99 +10502,7 @@
       </p:grpSpPr>
       <p:sp>
         <p:nvSpPr>
-          <p:cNvPr id="231" name="Shape 231"/>
-          <p:cNvSpPr txBox="1"/>
-          <p:nvPr>
-            <p:ph type="title"/>
-          </p:nvPr>
-        </p:nvSpPr>
-        <p:spPr>
-          <a:xfrm>
-            <a:off y="205978" x="457200"/>
-            <a:ext cy="857400" cx="8229600"/>
-          </a:xfrm>
-          <a:prstGeom prst="rect">
-            <a:avLst/>
-          </a:prstGeom>
-        </p:spPr>
-        <p:txBody>
-          <a:bodyPr bIns="91425" rIns="91425" lIns="91425" tIns="91425" anchor="ctr" anchorCtr="0">
-            <a:noAutofit/>
-          </a:bodyPr>
-          <a:lstStyle/>
-          <a:p>
-            <a:pPr>
-              <a:spcBef>
-                <a:spcPts val="0"/>
-              </a:spcBef>
-              <a:buNone/>
-            </a:pPr>
-            <a:r>
-              <a:rPr lang="en"/>
-              <a:t>Class Diagram</a:t>
-            </a:r>
-          </a:p>
-        </p:txBody>
-      </p:sp>
-      <p:pic>
-        <p:nvPicPr>
-          <p:cNvPr id="232" name="Shape 232"/>
-          <p:cNvPicPr preferRelativeResize="0"/>
-          <p:nvPr/>
-        </p:nvPicPr>
-        <p:blipFill>
-          <a:blip r:embed="rId3">
-            <a:alphaModFix/>
-          </a:blip>
-          <a:stretch>
-            <a:fillRect/>
-          </a:stretch>
-        </p:blipFill>
-        <p:spPr>
-          <a:xfrm>
-            <a:off y="1228575" x="1028700"/>
-            <a:ext cy="3803675" cx="5311899"/>
-          </a:xfrm>
-          <a:prstGeom prst="rect">
-            <a:avLst/>
-          </a:prstGeom>
-          <a:noFill/>
-          <a:ln>
-            <a:noFill/>
-          </a:ln>
-        </p:spPr>
-      </p:pic>
-    </p:spTree>
-  </p:cSld>
-  <p:clrMapOvr>
-    <a:masterClrMapping/>
-  </p:clrMapOvr>
-  <p:transition spd="slow">
-    <p:cut/>
-  </p:transition>
-</p:sld>
-</file>
-
-<file path=ppt/slides/slide22.xml><?xml version="1.0" encoding="utf-8"?>
-<p:sld xmlns:a="http://schemas.openxmlformats.org/drawingml/2006/main" xmlns:r="http://schemas.openxmlformats.org/officeDocument/2006/relationships" xmlns:mc="http://schemas.openxmlformats.org/markup-compatibility/2006" xmlns:mv="urn:schemas-microsoft-com:mac:vml" xmlns:p="http://schemas.openxmlformats.org/presentationml/2006/main" xmlns:c="http://schemas.openxmlformats.org/drawingml/2006/chart" xmlns:dgm="http://schemas.openxmlformats.org/drawingml/2006/diagram" xmlns:o="urn:schemas-microsoft-com:office:office" xmlns:v="urn:schemas-microsoft-com:vml" xmlns:pvml="urn:schemas-microsoft-com:office:powerpoint" xmlns:com="http://schemas.openxmlformats.org/drawingml/2006/compatibility" xmlns:p14="http://schemas.microsoft.com/office/powerpoint/2010/main">
-  <p:cSld>
-    <p:spTree>
-      <p:nvGrpSpPr>
-        <p:cNvPr id="236" name="Shape 236"/>
-        <p:cNvGrpSpPr/>
-        <p:nvPr/>
-      </p:nvGrpSpPr>
-      <p:grpSpPr>
-        <a:xfrm>
-          <a:off y="0" x="0"/>
-          <a:ext cy="0" cx="0"/>
-          <a:chOff y="0" x="0"/>
-          <a:chExt cy="0" cx="0"/>
-        </a:xfrm>
-      </p:grpSpPr>
-      <p:sp>
-        <p:nvSpPr>
-          <p:cNvPr id="237" name="Shape 237"/>
+          <p:cNvPr id="230" name="Shape 230"/>
           <p:cNvSpPr txBox="1"/>
           <p:nvPr>
             <p:ph type="title"/>
@@ -11492,7 +11195,7 @@
             </a:pPr>
             <a:r>
               <a:rPr lang="en"/>
-              <a:t>iOS Send and Receive Data</a:t>
+              <a:t>Send and Receive Data</a:t>
             </a:r>
           </a:p>
         </p:txBody>
@@ -12370,7 +12073,7 @@
             </a:pPr>
             <a:r>
               <a:rPr lang="en"/>
-              <a:t>Portal Send and Receive Data</a:t>
+              <a:t>Security Architecture</a:t>
             </a:r>
           </a:p>
         </p:txBody>
@@ -12385,7 +12088,7 @@
         </p:nvSpPr>
         <p:spPr>
           <a:xfrm>
-            <a:off y="1200150" x="207525"/>
+            <a:off y="1200150" x="457200"/>
             <a:ext cy="3725699" cx="8229600"/>
           </a:xfrm>
           <a:prstGeom prst="rect">
@@ -12411,11 +12114,11 @@
             </a:pPr>
             <a:r>
               <a:rPr lang="en"/>
-              <a:t>Uses php instead of json</a:t>
-            </a:r>
-          </a:p>
-          <a:p>
-            <a:pPr rtl="0" lvl="0" indent="-419100" marL="457200">
+              <a:t>SSL Encryption/Identification</a:t>
+            </a:r>
+          </a:p>
+          <a:p>
+            <a:pPr lvl="0" indent="-419100" marL="457200">
               <a:spcBef>
                 <a:spcPts val="0"/>
               </a:spcBef>
@@ -12428,20 +12131,8 @@
             </a:pPr>
             <a:r>
               <a:rPr lang="en"/>
-              <a:t>Same principle as iOS application sending and reciving data</a:t>
-            </a:r>
-          </a:p>
-          <a:p>
-            <a:pPr lvl="0">
-              <a:spcBef>
-                <a:spcPts val="0"/>
-              </a:spcBef>
-              <a:buNone/>
-            </a:pPr>
-            <a:r>
-              <a:t/>
-            </a:r>
-            <a:endParaRPr/>
+              <a:t>Storing Credentials </a:t>
+            </a:r>
           </a:p>
         </p:txBody>
       </p:sp>
@@ -12457,560 +12148,6 @@
 </file>
 
 <file path=ppt/theme/theme1.xml><?xml version="1.0" encoding="utf-8"?>
-<a:theme xmlns:a="http://schemas.openxmlformats.org/drawingml/2006/main" xmlns:r="http://schemas.openxmlformats.org/officeDocument/2006/relationships" name="paper-plane">
-  <a:themeElements>
-    <a:clrScheme name="Custom 354">
-      <a:dk1>
-        <a:srgbClr val="000000"/>
-      </a:dk1>
-      <a:lt1>
-        <a:srgbClr val="FFFFFF"/>
-      </a:lt1>
-      <a:dk2>
-        <a:srgbClr val="30182B"/>
-      </a:dk2>
-      <a:lt2>
-        <a:srgbClr val="DFDFDF"/>
-      </a:lt2>
-      <a:accent1>
-        <a:srgbClr val="592D50"/>
-      </a:accent1>
-      <a:accent2>
-        <a:srgbClr val="D3A67A"/>
-      </a:accent2>
-      <a:accent3>
-        <a:srgbClr val="45485F"/>
-      </a:accent3>
-      <a:accent4>
-        <a:srgbClr val="6B9756"/>
-      </a:accent4>
-      <a:accent5>
-        <a:srgbClr val="7D576E"/>
-      </a:accent5>
-      <a:accent6>
-        <a:srgbClr val="4C1A23"/>
-      </a:accent6>
-      <a:hlink>
-        <a:srgbClr val="511E3E"/>
-      </a:hlink>
-      <a:folHlink>
-        <a:srgbClr val="9EA0A2"/>
-      </a:folHlink>
-    </a:clrScheme>
-    <a:fontScheme name="Office">
-      <a:majorFont>
-        <a:latin typeface="Arial"/>
-        <a:ea typeface=""/>
-        <a:cs typeface=""/>
-        <a:font typeface="ＭＳ Ｐゴシック" script="Jpan"/>
-        <a:font typeface="맑은 고딕" script="Hang"/>
-        <a:font typeface="宋体" script="Hans"/>
-        <a:font typeface="新細明體" script="Hant"/>
-        <a:font typeface="Times New Roman" script="Arab"/>
-        <a:font typeface="Times New Roman" script="Hebr"/>
-        <a:font typeface="Angsana New" script="Thai"/>
-        <a:font typeface="Nyala" script="Ethi"/>
-        <a:font typeface="Vrinda" script="Beng"/>
-        <a:font typeface="Shruti" script="Gujr"/>
-        <a:font typeface="MoolBoran" script="Khmr"/>
-        <a:font typeface="Tunga" script="Knda"/>
-        <a:font typeface="Raavi" script="Guru"/>
-        <a:font typeface="Euphemia" script="Cans"/>
-        <a:font typeface="Plantagenet Cherokee" script="Cher"/>
-        <a:font typeface="Microsoft Yi Baiti" script="Yiii"/>
-        <a:font typeface="Microsoft Himalaya" script="Tibt"/>
-        <a:font typeface="MV Boli" script="Thaa"/>
-        <a:font typeface="Mangal" script="Deva"/>
-        <a:font typeface="Gautami" script="Telu"/>
-        <a:font typeface="Latha" script="Taml"/>
-        <a:font typeface="Estrangelo Edessa" script="Syrc"/>
-        <a:font typeface="Kalinga" script="Orya"/>
-        <a:font typeface="Kartika" script="Mlym"/>
-        <a:font typeface="DokChampa" script="Laoo"/>
-        <a:font typeface="Iskoola Pota" script="Sinh"/>
-        <a:font typeface="Mongolian Baiti" script="Mong"/>
-        <a:font typeface="Times New Roman" script="Viet"/>
-        <a:font typeface="Microsoft Uighur" script="Uigh"/>
-      </a:majorFont>
-      <a:minorFont>
-        <a:latin typeface="Arial"/>
-        <a:ea typeface=""/>
-        <a:cs typeface=""/>
-        <a:font typeface="ＭＳ Ｐゴシック" script="Jpan"/>
-        <a:font typeface="맑은 고딕" script="Hang"/>
-        <a:font typeface="宋体" script="Hans"/>
-        <a:font typeface="新細明體" script="Hant"/>
-        <a:font typeface="Times New Roman" script="Arab"/>
-        <a:font typeface="Times New Roman" script="Hebr"/>
-        <a:font typeface="Angsana New" script="Thai"/>
-        <a:font typeface="Nyala" script="Ethi"/>
-        <a:font typeface="Vrinda" script="Beng"/>
-        <a:font typeface="Shruti" script="Gujr"/>
-        <a:font typeface="MoolBoran" script="Khmr"/>
-        <a:font typeface="Tunga" script="Knda"/>
-        <a:font typeface="Raavi" script="Guru"/>
-        <a:font typeface="Euphemia" script="Cans"/>
-        <a:font typeface="Plantagenet Cherokee" script="Cher"/>
-        <a:font typeface="Microsoft Yi Baiti" script="Yiii"/>
-        <a:font typeface="Microsoft Himalaya" script="Tibt"/>
-        <a:font typeface="MV Boli" script="Thaa"/>
-        <a:font typeface="Mangal" script="Deva"/>
-        <a:font typeface="Gautami" script="Telu"/>
-        <a:font typeface="Latha" script="Taml"/>
-        <a:font typeface="Estrangelo Edessa" script="Syrc"/>
-        <a:font typeface="Kalinga" script="Orya"/>
-        <a:font typeface="Kartika" script="Mlym"/>
-        <a:font typeface="DokChampa" script="Laoo"/>
-        <a:font typeface="Iskoola Pota" script="Sinh"/>
-        <a:font typeface="Mongolian Baiti" script="Mong"/>
-        <a:font typeface="Times New Roman" script="Viet"/>
-        <a:font typeface="Microsoft Uighur" script="Uigh"/>
-      </a:minorFont>
-    </a:fontScheme>
-    <a:fmtScheme name="Office">
-      <a:fillStyleLst>
-        <a:solidFill>
-          <a:schemeClr val="phClr"/>
-        </a:solidFill>
-        <a:gradFill rotWithShape="1">
-          <a:gsLst>
-            <a:gs pos="0">
-              <a:schemeClr val="phClr">
-                <a:tint val="50000"/>
-                <a:satMod val="300000"/>
-              </a:schemeClr>
-            </a:gs>
-            <a:gs pos="35000">
-              <a:schemeClr val="phClr">
-                <a:tint val="37000"/>
-                <a:satMod val="300000"/>
-              </a:schemeClr>
-            </a:gs>
-            <a:gs pos="100000">
-              <a:schemeClr val="phClr">
-                <a:tint val="15000"/>
-                <a:satMod val="350000"/>
-              </a:schemeClr>
-            </a:gs>
-          </a:gsLst>
-          <a:lin ang="16200000" scaled="1"/>
-        </a:gradFill>
-        <a:gradFill rotWithShape="1">
-          <a:gsLst>
-            <a:gs pos="0">
-              <a:schemeClr val="phClr">
-                <a:tint val="100000"/>
-                <a:shade val="100000"/>
-                <a:satMod val="130000"/>
-              </a:schemeClr>
-            </a:gs>
-            <a:gs pos="100000">
-              <a:schemeClr val="phClr">
-                <a:tint val="50000"/>
-                <a:shade val="100000"/>
-                <a:satMod val="350000"/>
-              </a:schemeClr>
-            </a:gs>
-          </a:gsLst>
-          <a:lin ang="16200000" scaled="0"/>
-        </a:gradFill>
-      </a:fillStyleLst>
-      <a:lnStyleLst>
-        <a:ln w="9525" algn="ctr" cap="flat" cmpd="sng">
-          <a:solidFill>
-            <a:schemeClr val="phClr">
-              <a:shade val="95000"/>
-              <a:satMod val="105000"/>
-            </a:schemeClr>
-          </a:solidFill>
-          <a:prstDash val="solid"/>
-        </a:ln>
-        <a:ln w="25400" algn="ctr" cap="flat" cmpd="sng">
-          <a:solidFill>
-            <a:schemeClr val="phClr"/>
-          </a:solidFill>
-          <a:prstDash val="solid"/>
-        </a:ln>
-        <a:ln w="38100" algn="ctr" cap="flat" cmpd="sng">
-          <a:solidFill>
-            <a:schemeClr val="phClr"/>
-          </a:solidFill>
-          <a:prstDash val="solid"/>
-        </a:ln>
-      </a:lnStyleLst>
-      <a:effectStyleLst>
-        <a:effectStyle>
-          <a:effectLst>
-            <a:outerShdw rotWithShape="0" dir="5400000" blurRad="40000" dist="20000">
-              <a:srgbClr val="000000">
-                <a:alpha val="38000"/>
-              </a:srgbClr>
-            </a:outerShdw>
-          </a:effectLst>
-        </a:effectStyle>
-        <a:effectStyle>
-          <a:effectLst>
-            <a:outerShdw rotWithShape="0" dir="5400000" blurRad="40000" dist="23000">
-              <a:srgbClr val="000000">
-                <a:alpha val="35000"/>
-              </a:srgbClr>
-            </a:outerShdw>
-          </a:effectLst>
-        </a:effectStyle>
-        <a:effectStyle>
-          <a:effectLst>
-            <a:outerShdw rotWithShape="0" dir="5400000" blurRad="40000" dist="23000">
-              <a:srgbClr val="000000">
-                <a:alpha val="35000"/>
-              </a:srgbClr>
-            </a:outerShdw>
-          </a:effectLst>
-          <a:scene3d>
-            <a:camera prst="orthographicFront">
-              <a:rot rev="0" lon="0" lat="0"/>
-            </a:camera>
-            <a:lightRig dir="t" rig="threePt">
-              <a:rot rev="1200000" lon="0" lat="0"/>
-            </a:lightRig>
-          </a:scene3d>
-          <a:sp3d>
-            <a:bevelT w="63500" h="25400"/>
-          </a:sp3d>
-        </a:effectStyle>
-      </a:effectStyleLst>
-      <a:bgFillStyleLst>
-        <a:solidFill>
-          <a:schemeClr val="phClr"/>
-        </a:solidFill>
-        <a:gradFill rotWithShape="1">
-          <a:gsLst>
-            <a:gs pos="0">
-              <a:schemeClr val="phClr">
-                <a:tint val="40000"/>
-                <a:satMod val="350000"/>
-              </a:schemeClr>
-            </a:gs>
-            <a:gs pos="40000">
-              <a:schemeClr val="phClr">
-                <a:tint val="45000"/>
-                <a:shade val="99000"/>
-                <a:satMod val="350000"/>
-              </a:schemeClr>
-            </a:gs>
-            <a:gs pos="100000">
-              <a:schemeClr val="phClr">
-                <a:shade val="20000"/>
-                <a:satMod val="255000"/>
-              </a:schemeClr>
-            </a:gs>
-          </a:gsLst>
-          <a:path path="circle">
-            <a:fillToRect t="-80000" b="180000" r="50000" l="50000"/>
-          </a:path>
-        </a:gradFill>
-        <a:gradFill rotWithShape="1">
-          <a:gsLst>
-            <a:gs pos="0">
-              <a:schemeClr val="phClr">
-                <a:tint val="80000"/>
-                <a:satMod val="300000"/>
-              </a:schemeClr>
-            </a:gs>
-            <a:gs pos="100000">
-              <a:schemeClr val="phClr">
-                <a:shade val="30000"/>
-                <a:satMod val="200000"/>
-              </a:schemeClr>
-            </a:gs>
-          </a:gsLst>
-          <a:path path="circle">
-            <a:fillToRect t="50000" b="50000" r="50000" l="50000"/>
-          </a:path>
-        </a:gradFill>
-      </a:bgFillStyleLst>
-    </a:fmtScheme>
-  </a:themeElements>
-</a:theme>
-</file>
-
-<file path=ppt/theme/theme2.xml><?xml version="1.0" encoding="utf-8"?>
-<a:theme xmlns:a="http://schemas.openxmlformats.org/drawingml/2006/main" xmlns:r="http://schemas.openxmlformats.org/officeDocument/2006/relationships" name="Custom Theme">
-  <a:themeElements>
-    <a:clrScheme name="Default">
-      <a:dk1>
-        <a:srgbClr val="000000"/>
-      </a:dk1>
-      <a:lt1>
-        <a:srgbClr val="FFFFFF"/>
-      </a:lt1>
-      <a:dk2>
-        <a:srgbClr val="158158"/>
-      </a:dk2>
-      <a:lt2>
-        <a:srgbClr val="F3F3F3"/>
-      </a:lt2>
-      <a:accent1>
-        <a:srgbClr val="058DC7"/>
-      </a:accent1>
-      <a:accent2>
-        <a:srgbClr val="50B432"/>
-      </a:accent2>
-      <a:accent3>
-        <a:srgbClr val="ED561B"/>
-      </a:accent3>
-      <a:accent4>
-        <a:srgbClr val="EDEF00"/>
-      </a:accent4>
-      <a:accent5>
-        <a:srgbClr val="24CBE5"/>
-      </a:accent5>
-      <a:accent6>
-        <a:srgbClr val="64E572"/>
-      </a:accent6>
-      <a:hlink>
-        <a:srgbClr val="2200CC"/>
-      </a:hlink>
-      <a:folHlink>
-        <a:srgbClr val="551A8B"/>
-      </a:folHlink>
-    </a:clrScheme>
-    <a:fontScheme name="Office">
-      <a:majorFont>
-        <a:latin typeface="Arial"/>
-        <a:ea typeface=""/>
-        <a:cs typeface=""/>
-        <a:font typeface="ＭＳ Ｐゴシック" script="Jpan"/>
-        <a:font typeface="맑은 고딕" script="Hang"/>
-        <a:font typeface="宋体" script="Hans"/>
-        <a:font typeface="新細明體" script="Hant"/>
-        <a:font typeface="Times New Roman" script="Arab"/>
-        <a:font typeface="Times New Roman" script="Hebr"/>
-        <a:font typeface="Angsana New" script="Thai"/>
-        <a:font typeface="Nyala" script="Ethi"/>
-        <a:font typeface="Vrinda" script="Beng"/>
-        <a:font typeface="Shruti" script="Gujr"/>
-        <a:font typeface="MoolBoran" script="Khmr"/>
-        <a:font typeface="Tunga" script="Knda"/>
-        <a:font typeface="Raavi" script="Guru"/>
-        <a:font typeface="Euphemia" script="Cans"/>
-        <a:font typeface="Plantagenet Cherokee" script="Cher"/>
-        <a:font typeface="Microsoft Yi Baiti" script="Yiii"/>
-        <a:font typeface="Microsoft Himalaya" script="Tibt"/>
-        <a:font typeface="MV Boli" script="Thaa"/>
-        <a:font typeface="Mangal" script="Deva"/>
-        <a:font typeface="Gautami" script="Telu"/>
-        <a:font typeface="Latha" script="Taml"/>
-        <a:font typeface="Estrangelo Edessa" script="Syrc"/>
-        <a:font typeface="Kalinga" script="Orya"/>
-        <a:font typeface="Kartika" script="Mlym"/>
-        <a:font typeface="DokChampa" script="Laoo"/>
-        <a:font typeface="Iskoola Pota" script="Sinh"/>
-        <a:font typeface="Mongolian Baiti" script="Mong"/>
-        <a:font typeface="Times New Roman" script="Viet"/>
-        <a:font typeface="Microsoft Uighur" script="Uigh"/>
-      </a:majorFont>
-      <a:minorFont>
-        <a:latin typeface="Arial"/>
-        <a:ea typeface=""/>
-        <a:cs typeface=""/>
-        <a:font typeface="ＭＳ Ｐゴシック" script="Jpan"/>
-        <a:font typeface="맑은 고딕" script="Hang"/>
-        <a:font typeface="宋体" script="Hans"/>
-        <a:font typeface="新細明體" script="Hant"/>
-        <a:font typeface="Times New Roman" script="Arab"/>
-        <a:font typeface="Times New Roman" script="Hebr"/>
-        <a:font typeface="Angsana New" script="Thai"/>
-        <a:font typeface="Nyala" script="Ethi"/>
-        <a:font typeface="Vrinda" script="Beng"/>
-        <a:font typeface="Shruti" script="Gujr"/>
-        <a:font typeface="MoolBoran" script="Khmr"/>
-        <a:font typeface="Tunga" script="Knda"/>
-        <a:font typeface="Raavi" script="Guru"/>
-        <a:font typeface="Euphemia" script="Cans"/>
-        <a:font typeface="Plantagenet Cherokee" script="Cher"/>
-        <a:font typeface="Microsoft Yi Baiti" script="Yiii"/>
-        <a:font typeface="Microsoft Himalaya" script="Tibt"/>
-        <a:font typeface="MV Boli" script="Thaa"/>
-        <a:font typeface="Mangal" script="Deva"/>
-        <a:font typeface="Gautami" script="Telu"/>
-        <a:font typeface="Latha" script="Taml"/>
-        <a:font typeface="Estrangelo Edessa" script="Syrc"/>
-        <a:font typeface="Kalinga" script="Orya"/>
-        <a:font typeface="Kartika" script="Mlym"/>
-        <a:font typeface="DokChampa" script="Laoo"/>
-        <a:font typeface="Iskoola Pota" script="Sinh"/>
-        <a:font typeface="Mongolian Baiti" script="Mong"/>
-        <a:font typeface="Times New Roman" script="Viet"/>
-        <a:font typeface="Microsoft Uighur" script="Uigh"/>
-      </a:minorFont>
-    </a:fontScheme>
-    <a:fmtScheme name="Office">
-      <a:fillStyleLst>
-        <a:solidFill>
-          <a:schemeClr val="phClr"/>
-        </a:solidFill>
-        <a:gradFill rotWithShape="1">
-          <a:gsLst>
-            <a:gs pos="0">
-              <a:schemeClr val="phClr">
-                <a:tint val="50000"/>
-                <a:satMod val="300000"/>
-              </a:schemeClr>
-            </a:gs>
-            <a:gs pos="35000">
-              <a:schemeClr val="phClr">
-                <a:tint val="37000"/>
-                <a:satMod val="300000"/>
-              </a:schemeClr>
-            </a:gs>
-            <a:gs pos="100000">
-              <a:schemeClr val="phClr">
-                <a:tint val="15000"/>
-                <a:satMod val="350000"/>
-              </a:schemeClr>
-            </a:gs>
-          </a:gsLst>
-          <a:lin ang="16200000" scaled="1"/>
-        </a:gradFill>
-        <a:gradFill rotWithShape="1">
-          <a:gsLst>
-            <a:gs pos="0">
-              <a:schemeClr val="phClr">
-                <a:tint val="100000"/>
-                <a:shade val="100000"/>
-                <a:satMod val="130000"/>
-              </a:schemeClr>
-            </a:gs>
-            <a:gs pos="100000">
-              <a:schemeClr val="phClr">
-                <a:tint val="50000"/>
-                <a:shade val="100000"/>
-                <a:satMod val="350000"/>
-              </a:schemeClr>
-            </a:gs>
-          </a:gsLst>
-          <a:lin ang="16200000" scaled="0"/>
-        </a:gradFill>
-      </a:fillStyleLst>
-      <a:lnStyleLst>
-        <a:ln w="9525" algn="ctr" cap="flat" cmpd="sng">
-          <a:solidFill>
-            <a:schemeClr val="phClr">
-              <a:shade val="95000"/>
-              <a:satMod val="105000"/>
-            </a:schemeClr>
-          </a:solidFill>
-          <a:prstDash val="solid"/>
-        </a:ln>
-        <a:ln w="25400" algn="ctr" cap="flat" cmpd="sng">
-          <a:solidFill>
-            <a:schemeClr val="phClr"/>
-          </a:solidFill>
-          <a:prstDash val="solid"/>
-        </a:ln>
-        <a:ln w="38100" algn="ctr" cap="flat" cmpd="sng">
-          <a:solidFill>
-            <a:schemeClr val="phClr"/>
-          </a:solidFill>
-          <a:prstDash val="solid"/>
-        </a:ln>
-      </a:lnStyleLst>
-      <a:effectStyleLst>
-        <a:effectStyle>
-          <a:effectLst>
-            <a:outerShdw rotWithShape="0" dir="5400000" blurRad="40000" dist="20000">
-              <a:srgbClr val="000000">
-                <a:alpha val="38000"/>
-              </a:srgbClr>
-            </a:outerShdw>
-          </a:effectLst>
-        </a:effectStyle>
-        <a:effectStyle>
-          <a:effectLst>
-            <a:outerShdw rotWithShape="0" dir="5400000" blurRad="40000" dist="23000">
-              <a:srgbClr val="000000">
-                <a:alpha val="35000"/>
-              </a:srgbClr>
-            </a:outerShdw>
-          </a:effectLst>
-        </a:effectStyle>
-        <a:effectStyle>
-          <a:effectLst>
-            <a:outerShdw rotWithShape="0" dir="5400000" blurRad="40000" dist="23000">
-              <a:srgbClr val="000000">
-                <a:alpha val="35000"/>
-              </a:srgbClr>
-            </a:outerShdw>
-          </a:effectLst>
-          <a:scene3d>
-            <a:camera prst="orthographicFront">
-              <a:rot rev="0" lon="0" lat="0"/>
-            </a:camera>
-            <a:lightRig dir="t" rig="threePt">
-              <a:rot rev="1200000" lon="0" lat="0"/>
-            </a:lightRig>
-          </a:scene3d>
-          <a:sp3d>
-            <a:bevelT w="63500" h="25400"/>
-          </a:sp3d>
-        </a:effectStyle>
-      </a:effectStyleLst>
-      <a:bgFillStyleLst>
-        <a:solidFill>
-          <a:schemeClr val="phClr"/>
-        </a:solidFill>
-        <a:gradFill rotWithShape="1">
-          <a:gsLst>
-            <a:gs pos="0">
-              <a:schemeClr val="phClr">
-                <a:tint val="40000"/>
-                <a:satMod val="350000"/>
-              </a:schemeClr>
-            </a:gs>
-            <a:gs pos="40000">
-              <a:schemeClr val="phClr">
-                <a:tint val="45000"/>
-                <a:shade val="99000"/>
-                <a:satMod val="350000"/>
-              </a:schemeClr>
-            </a:gs>
-            <a:gs pos="100000">
-              <a:schemeClr val="phClr">
-                <a:shade val="20000"/>
-                <a:satMod val="255000"/>
-              </a:schemeClr>
-            </a:gs>
-          </a:gsLst>
-          <a:path path="circle">
-            <a:fillToRect t="-80000" b="180000" r="50000" l="50000"/>
-          </a:path>
-        </a:gradFill>
-        <a:gradFill rotWithShape="1">
-          <a:gsLst>
-            <a:gs pos="0">
-              <a:schemeClr val="phClr">
-                <a:tint val="80000"/>
-                <a:satMod val="300000"/>
-              </a:schemeClr>
-            </a:gs>
-            <a:gs pos="100000">
-              <a:schemeClr val="phClr">
-                <a:shade val="30000"/>
-                <a:satMod val="200000"/>
-              </a:schemeClr>
-            </a:gs>
-          </a:gsLst>
-          <a:path path="circle">
-            <a:fillToRect t="50000" b="50000" r="50000" l="50000"/>
-          </a:path>
-        </a:gradFill>
-      </a:bgFillStyleLst>
-    </a:fmtScheme>
-  </a:themeElements>
-</a:theme>
-</file>
-
-<file path=ppt/theme/theme3.xml><?xml version="1.0" encoding="utf-8"?>
 <a:theme xmlns:a="http://schemas.openxmlformats.org/drawingml/2006/main" xmlns:r="http://schemas.openxmlformats.org/officeDocument/2006/relationships" name="Office Theme">
   <a:themeElements>
     <a:clrScheme name="Office">
@@ -13325,4 +12462,558 @@
     </a:lnDef>
   </a:objectDefaults>
 </a:theme>
+</file>
+
+<file path=ppt/theme/theme2.xml><?xml version="1.0" encoding="utf-8"?>
+<a:theme xmlns:a="http://schemas.openxmlformats.org/drawingml/2006/main" xmlns:r="http://schemas.openxmlformats.org/officeDocument/2006/relationships" name="paper-plane">
+  <a:themeElements>
+    <a:clrScheme name="Custom 354">
+      <a:dk1>
+        <a:srgbClr val="000000"/>
+      </a:dk1>
+      <a:lt1>
+        <a:srgbClr val="FFFFFF"/>
+      </a:lt1>
+      <a:dk2>
+        <a:srgbClr val="30182B"/>
+      </a:dk2>
+      <a:lt2>
+        <a:srgbClr val="DFDFDF"/>
+      </a:lt2>
+      <a:accent1>
+        <a:srgbClr val="592D50"/>
+      </a:accent1>
+      <a:accent2>
+        <a:srgbClr val="D3A67A"/>
+      </a:accent2>
+      <a:accent3>
+        <a:srgbClr val="45485F"/>
+      </a:accent3>
+      <a:accent4>
+        <a:srgbClr val="6B9756"/>
+      </a:accent4>
+      <a:accent5>
+        <a:srgbClr val="7D576E"/>
+      </a:accent5>
+      <a:accent6>
+        <a:srgbClr val="4C1A23"/>
+      </a:accent6>
+      <a:hlink>
+        <a:srgbClr val="511E3E"/>
+      </a:hlink>
+      <a:folHlink>
+        <a:srgbClr val="9EA0A2"/>
+      </a:folHlink>
+    </a:clrScheme>
+    <a:fontScheme name="Office">
+      <a:majorFont>
+        <a:latin typeface="Arial"/>
+        <a:ea typeface=""/>
+        <a:cs typeface=""/>
+        <a:font typeface="ＭＳ Ｐゴシック" script="Jpan"/>
+        <a:font typeface="맑은 고딕" script="Hang"/>
+        <a:font typeface="宋体" script="Hans"/>
+        <a:font typeface="新細明體" script="Hant"/>
+        <a:font typeface="Times New Roman" script="Arab"/>
+        <a:font typeface="Times New Roman" script="Hebr"/>
+        <a:font typeface="Angsana New" script="Thai"/>
+        <a:font typeface="Nyala" script="Ethi"/>
+        <a:font typeface="Vrinda" script="Beng"/>
+        <a:font typeface="Shruti" script="Gujr"/>
+        <a:font typeface="MoolBoran" script="Khmr"/>
+        <a:font typeface="Tunga" script="Knda"/>
+        <a:font typeface="Raavi" script="Guru"/>
+        <a:font typeface="Euphemia" script="Cans"/>
+        <a:font typeface="Plantagenet Cherokee" script="Cher"/>
+        <a:font typeface="Microsoft Yi Baiti" script="Yiii"/>
+        <a:font typeface="Microsoft Himalaya" script="Tibt"/>
+        <a:font typeface="MV Boli" script="Thaa"/>
+        <a:font typeface="Mangal" script="Deva"/>
+        <a:font typeface="Gautami" script="Telu"/>
+        <a:font typeface="Latha" script="Taml"/>
+        <a:font typeface="Estrangelo Edessa" script="Syrc"/>
+        <a:font typeface="Kalinga" script="Orya"/>
+        <a:font typeface="Kartika" script="Mlym"/>
+        <a:font typeface="DokChampa" script="Laoo"/>
+        <a:font typeface="Iskoola Pota" script="Sinh"/>
+        <a:font typeface="Mongolian Baiti" script="Mong"/>
+        <a:font typeface="Times New Roman" script="Viet"/>
+        <a:font typeface="Microsoft Uighur" script="Uigh"/>
+      </a:majorFont>
+      <a:minorFont>
+        <a:latin typeface="Arial"/>
+        <a:ea typeface=""/>
+        <a:cs typeface=""/>
+        <a:font typeface="ＭＳ Ｐゴシック" script="Jpan"/>
+        <a:font typeface="맑은 고딕" script="Hang"/>
+        <a:font typeface="宋体" script="Hans"/>
+        <a:font typeface="新細明體" script="Hant"/>
+        <a:font typeface="Times New Roman" script="Arab"/>
+        <a:font typeface="Times New Roman" script="Hebr"/>
+        <a:font typeface="Angsana New" script="Thai"/>
+        <a:font typeface="Nyala" script="Ethi"/>
+        <a:font typeface="Vrinda" script="Beng"/>
+        <a:font typeface="Shruti" script="Gujr"/>
+        <a:font typeface="MoolBoran" script="Khmr"/>
+        <a:font typeface="Tunga" script="Knda"/>
+        <a:font typeface="Raavi" script="Guru"/>
+        <a:font typeface="Euphemia" script="Cans"/>
+        <a:font typeface="Plantagenet Cherokee" script="Cher"/>
+        <a:font typeface="Microsoft Yi Baiti" script="Yiii"/>
+        <a:font typeface="Microsoft Himalaya" script="Tibt"/>
+        <a:font typeface="MV Boli" script="Thaa"/>
+        <a:font typeface="Mangal" script="Deva"/>
+        <a:font typeface="Gautami" script="Telu"/>
+        <a:font typeface="Latha" script="Taml"/>
+        <a:font typeface="Estrangelo Edessa" script="Syrc"/>
+        <a:font typeface="Kalinga" script="Orya"/>
+        <a:font typeface="Kartika" script="Mlym"/>
+        <a:font typeface="DokChampa" script="Laoo"/>
+        <a:font typeface="Iskoola Pota" script="Sinh"/>
+        <a:font typeface="Mongolian Baiti" script="Mong"/>
+        <a:font typeface="Times New Roman" script="Viet"/>
+        <a:font typeface="Microsoft Uighur" script="Uigh"/>
+      </a:minorFont>
+    </a:fontScheme>
+    <a:fmtScheme name="Office">
+      <a:fillStyleLst>
+        <a:solidFill>
+          <a:schemeClr val="phClr"/>
+        </a:solidFill>
+        <a:gradFill rotWithShape="1">
+          <a:gsLst>
+            <a:gs pos="0">
+              <a:schemeClr val="phClr">
+                <a:tint val="50000"/>
+                <a:satMod val="300000"/>
+              </a:schemeClr>
+            </a:gs>
+            <a:gs pos="35000">
+              <a:schemeClr val="phClr">
+                <a:tint val="37000"/>
+                <a:satMod val="300000"/>
+              </a:schemeClr>
+            </a:gs>
+            <a:gs pos="100000">
+              <a:schemeClr val="phClr">
+                <a:tint val="15000"/>
+                <a:satMod val="350000"/>
+              </a:schemeClr>
+            </a:gs>
+          </a:gsLst>
+          <a:lin ang="16200000" scaled="1"/>
+        </a:gradFill>
+        <a:gradFill rotWithShape="1">
+          <a:gsLst>
+            <a:gs pos="0">
+              <a:schemeClr val="phClr">
+                <a:tint val="100000"/>
+                <a:shade val="100000"/>
+                <a:satMod val="130000"/>
+              </a:schemeClr>
+            </a:gs>
+            <a:gs pos="100000">
+              <a:schemeClr val="phClr">
+                <a:tint val="50000"/>
+                <a:shade val="100000"/>
+                <a:satMod val="350000"/>
+              </a:schemeClr>
+            </a:gs>
+          </a:gsLst>
+          <a:lin ang="16200000" scaled="0"/>
+        </a:gradFill>
+      </a:fillStyleLst>
+      <a:lnStyleLst>
+        <a:ln w="9525" algn="ctr" cap="flat" cmpd="sng">
+          <a:solidFill>
+            <a:schemeClr val="phClr">
+              <a:shade val="95000"/>
+              <a:satMod val="105000"/>
+            </a:schemeClr>
+          </a:solidFill>
+          <a:prstDash val="solid"/>
+        </a:ln>
+        <a:ln w="25400" algn="ctr" cap="flat" cmpd="sng">
+          <a:solidFill>
+            <a:schemeClr val="phClr"/>
+          </a:solidFill>
+          <a:prstDash val="solid"/>
+        </a:ln>
+        <a:ln w="38100" algn="ctr" cap="flat" cmpd="sng">
+          <a:solidFill>
+            <a:schemeClr val="phClr"/>
+          </a:solidFill>
+          <a:prstDash val="solid"/>
+        </a:ln>
+      </a:lnStyleLst>
+      <a:effectStyleLst>
+        <a:effectStyle>
+          <a:effectLst>
+            <a:outerShdw rotWithShape="0" dir="5400000" blurRad="40000" dist="20000">
+              <a:srgbClr val="000000">
+                <a:alpha val="38000"/>
+              </a:srgbClr>
+            </a:outerShdw>
+          </a:effectLst>
+        </a:effectStyle>
+        <a:effectStyle>
+          <a:effectLst>
+            <a:outerShdw rotWithShape="0" dir="5400000" blurRad="40000" dist="23000">
+              <a:srgbClr val="000000">
+                <a:alpha val="35000"/>
+              </a:srgbClr>
+            </a:outerShdw>
+          </a:effectLst>
+        </a:effectStyle>
+        <a:effectStyle>
+          <a:effectLst>
+            <a:outerShdw rotWithShape="0" dir="5400000" blurRad="40000" dist="23000">
+              <a:srgbClr val="000000">
+                <a:alpha val="35000"/>
+              </a:srgbClr>
+            </a:outerShdw>
+          </a:effectLst>
+          <a:scene3d>
+            <a:camera prst="orthographicFront">
+              <a:rot rev="0" lon="0" lat="0"/>
+            </a:camera>
+            <a:lightRig dir="t" rig="threePt">
+              <a:rot rev="1200000" lon="0" lat="0"/>
+            </a:lightRig>
+          </a:scene3d>
+          <a:sp3d>
+            <a:bevelT w="63500" h="25400"/>
+          </a:sp3d>
+        </a:effectStyle>
+      </a:effectStyleLst>
+      <a:bgFillStyleLst>
+        <a:solidFill>
+          <a:schemeClr val="phClr"/>
+        </a:solidFill>
+        <a:gradFill rotWithShape="1">
+          <a:gsLst>
+            <a:gs pos="0">
+              <a:schemeClr val="phClr">
+                <a:tint val="40000"/>
+                <a:satMod val="350000"/>
+              </a:schemeClr>
+            </a:gs>
+            <a:gs pos="40000">
+              <a:schemeClr val="phClr">
+                <a:tint val="45000"/>
+                <a:shade val="99000"/>
+                <a:satMod val="350000"/>
+              </a:schemeClr>
+            </a:gs>
+            <a:gs pos="100000">
+              <a:schemeClr val="phClr">
+                <a:shade val="20000"/>
+                <a:satMod val="255000"/>
+              </a:schemeClr>
+            </a:gs>
+          </a:gsLst>
+          <a:path path="circle">
+            <a:fillToRect t="-80000" b="180000" r="50000" l="50000"/>
+          </a:path>
+        </a:gradFill>
+        <a:gradFill rotWithShape="1">
+          <a:gsLst>
+            <a:gs pos="0">
+              <a:schemeClr val="phClr">
+                <a:tint val="80000"/>
+                <a:satMod val="300000"/>
+              </a:schemeClr>
+            </a:gs>
+            <a:gs pos="100000">
+              <a:schemeClr val="phClr">
+                <a:shade val="30000"/>
+                <a:satMod val="200000"/>
+              </a:schemeClr>
+            </a:gs>
+          </a:gsLst>
+          <a:path path="circle">
+            <a:fillToRect t="50000" b="50000" r="50000" l="50000"/>
+          </a:path>
+        </a:gradFill>
+      </a:bgFillStyleLst>
+    </a:fmtScheme>
+  </a:themeElements>
+</a:theme>
+</file>
+
+<file path=ppt/theme/theme3.xml><?xml version="1.0" encoding="utf-8"?>
+<a:theme xmlns:a="http://schemas.openxmlformats.org/drawingml/2006/main" xmlns:r="http://schemas.openxmlformats.org/officeDocument/2006/relationships" name="Custom Theme">
+  <a:themeElements>
+    <a:clrScheme name="Default">
+      <a:dk1>
+        <a:srgbClr val="000000"/>
+      </a:dk1>
+      <a:lt1>
+        <a:srgbClr val="FFFFFF"/>
+      </a:lt1>
+      <a:dk2>
+        <a:srgbClr val="158158"/>
+      </a:dk2>
+      <a:lt2>
+        <a:srgbClr val="F3F3F3"/>
+      </a:lt2>
+      <a:accent1>
+        <a:srgbClr val="058DC7"/>
+      </a:accent1>
+      <a:accent2>
+        <a:srgbClr val="50B432"/>
+      </a:accent2>
+      <a:accent3>
+        <a:srgbClr val="ED561B"/>
+      </a:accent3>
+      <a:accent4>
+        <a:srgbClr val="EDEF00"/>
+      </a:accent4>
+      <a:accent5>
+        <a:srgbClr val="24CBE5"/>
+      </a:accent5>
+      <a:accent6>
+        <a:srgbClr val="64E572"/>
+      </a:accent6>
+      <a:hlink>
+        <a:srgbClr val="2200CC"/>
+      </a:hlink>
+      <a:folHlink>
+        <a:srgbClr val="551A8B"/>
+      </a:folHlink>
+    </a:clrScheme>
+    <a:fontScheme name="Office">
+      <a:majorFont>
+        <a:latin typeface="Arial"/>
+        <a:ea typeface=""/>
+        <a:cs typeface=""/>
+        <a:font typeface="ＭＳ Ｐゴシック" script="Jpan"/>
+        <a:font typeface="맑은 고딕" script="Hang"/>
+        <a:font typeface="宋体" script="Hans"/>
+        <a:font typeface="新細明體" script="Hant"/>
+        <a:font typeface="Times New Roman" script="Arab"/>
+        <a:font typeface="Times New Roman" script="Hebr"/>
+        <a:font typeface="Angsana New" script="Thai"/>
+        <a:font typeface="Nyala" script="Ethi"/>
+        <a:font typeface="Vrinda" script="Beng"/>
+        <a:font typeface="Shruti" script="Gujr"/>
+        <a:font typeface="MoolBoran" script="Khmr"/>
+        <a:font typeface="Tunga" script="Knda"/>
+        <a:font typeface="Raavi" script="Guru"/>
+        <a:font typeface="Euphemia" script="Cans"/>
+        <a:font typeface="Plantagenet Cherokee" script="Cher"/>
+        <a:font typeface="Microsoft Yi Baiti" script="Yiii"/>
+        <a:font typeface="Microsoft Himalaya" script="Tibt"/>
+        <a:font typeface="MV Boli" script="Thaa"/>
+        <a:font typeface="Mangal" script="Deva"/>
+        <a:font typeface="Gautami" script="Telu"/>
+        <a:font typeface="Latha" script="Taml"/>
+        <a:font typeface="Estrangelo Edessa" script="Syrc"/>
+        <a:font typeface="Kalinga" script="Orya"/>
+        <a:font typeface="Kartika" script="Mlym"/>
+        <a:font typeface="DokChampa" script="Laoo"/>
+        <a:font typeface="Iskoola Pota" script="Sinh"/>
+        <a:font typeface="Mongolian Baiti" script="Mong"/>
+        <a:font typeface="Times New Roman" script="Viet"/>
+        <a:font typeface="Microsoft Uighur" script="Uigh"/>
+      </a:majorFont>
+      <a:minorFont>
+        <a:latin typeface="Arial"/>
+        <a:ea typeface=""/>
+        <a:cs typeface=""/>
+        <a:font typeface="ＭＳ Ｐゴシック" script="Jpan"/>
+        <a:font typeface="맑은 고딕" script="Hang"/>
+        <a:font typeface="宋体" script="Hans"/>
+        <a:font typeface="新細明體" script="Hant"/>
+        <a:font typeface="Times New Roman" script="Arab"/>
+        <a:font typeface="Times New Roman" script="Hebr"/>
+        <a:font typeface="Angsana New" script="Thai"/>
+        <a:font typeface="Nyala" script="Ethi"/>
+        <a:font typeface="Vrinda" script="Beng"/>
+        <a:font typeface="Shruti" script="Gujr"/>
+        <a:font typeface="MoolBoran" script="Khmr"/>
+        <a:font typeface="Tunga" script="Knda"/>
+        <a:font typeface="Raavi" script="Guru"/>
+        <a:font typeface="Euphemia" script="Cans"/>
+        <a:font typeface="Plantagenet Cherokee" script="Cher"/>
+        <a:font typeface="Microsoft Yi Baiti" script="Yiii"/>
+        <a:font typeface="Microsoft Himalaya" script="Tibt"/>
+        <a:font typeface="MV Boli" script="Thaa"/>
+        <a:font typeface="Mangal" script="Deva"/>
+        <a:font typeface="Gautami" script="Telu"/>
+        <a:font typeface="Latha" script="Taml"/>
+        <a:font typeface="Estrangelo Edessa" script="Syrc"/>
+        <a:font typeface="Kalinga" script="Orya"/>
+        <a:font typeface="Kartika" script="Mlym"/>
+        <a:font typeface="DokChampa" script="Laoo"/>
+        <a:font typeface="Iskoola Pota" script="Sinh"/>
+        <a:font typeface="Mongolian Baiti" script="Mong"/>
+        <a:font typeface="Times New Roman" script="Viet"/>
+        <a:font typeface="Microsoft Uighur" script="Uigh"/>
+      </a:minorFont>
+    </a:fontScheme>
+    <a:fmtScheme name="Office">
+      <a:fillStyleLst>
+        <a:solidFill>
+          <a:schemeClr val="phClr"/>
+        </a:solidFill>
+        <a:gradFill rotWithShape="1">
+          <a:gsLst>
+            <a:gs pos="0">
+              <a:schemeClr val="phClr">
+                <a:tint val="50000"/>
+                <a:satMod val="300000"/>
+              </a:schemeClr>
+            </a:gs>
+            <a:gs pos="35000">
+              <a:schemeClr val="phClr">
+                <a:tint val="37000"/>
+                <a:satMod val="300000"/>
+              </a:schemeClr>
+            </a:gs>
+            <a:gs pos="100000">
+              <a:schemeClr val="phClr">
+                <a:tint val="15000"/>
+                <a:satMod val="350000"/>
+              </a:schemeClr>
+            </a:gs>
+          </a:gsLst>
+          <a:lin ang="16200000" scaled="1"/>
+        </a:gradFill>
+        <a:gradFill rotWithShape="1">
+          <a:gsLst>
+            <a:gs pos="0">
+              <a:schemeClr val="phClr">
+                <a:tint val="100000"/>
+                <a:shade val="100000"/>
+                <a:satMod val="130000"/>
+              </a:schemeClr>
+            </a:gs>
+            <a:gs pos="100000">
+              <a:schemeClr val="phClr">
+                <a:tint val="50000"/>
+                <a:shade val="100000"/>
+                <a:satMod val="350000"/>
+              </a:schemeClr>
+            </a:gs>
+          </a:gsLst>
+          <a:lin ang="16200000" scaled="0"/>
+        </a:gradFill>
+      </a:fillStyleLst>
+      <a:lnStyleLst>
+        <a:ln w="9525" algn="ctr" cap="flat" cmpd="sng">
+          <a:solidFill>
+            <a:schemeClr val="phClr">
+              <a:shade val="95000"/>
+              <a:satMod val="105000"/>
+            </a:schemeClr>
+          </a:solidFill>
+          <a:prstDash val="solid"/>
+        </a:ln>
+        <a:ln w="25400" algn="ctr" cap="flat" cmpd="sng">
+          <a:solidFill>
+            <a:schemeClr val="phClr"/>
+          </a:solidFill>
+          <a:prstDash val="solid"/>
+        </a:ln>
+        <a:ln w="38100" algn="ctr" cap="flat" cmpd="sng">
+          <a:solidFill>
+            <a:schemeClr val="phClr"/>
+          </a:solidFill>
+          <a:prstDash val="solid"/>
+        </a:ln>
+      </a:lnStyleLst>
+      <a:effectStyleLst>
+        <a:effectStyle>
+          <a:effectLst>
+            <a:outerShdw rotWithShape="0" dir="5400000" blurRad="40000" dist="20000">
+              <a:srgbClr val="000000">
+                <a:alpha val="38000"/>
+              </a:srgbClr>
+            </a:outerShdw>
+          </a:effectLst>
+        </a:effectStyle>
+        <a:effectStyle>
+          <a:effectLst>
+            <a:outerShdw rotWithShape="0" dir="5400000" blurRad="40000" dist="23000">
+              <a:srgbClr val="000000">
+                <a:alpha val="35000"/>
+              </a:srgbClr>
+            </a:outerShdw>
+          </a:effectLst>
+        </a:effectStyle>
+        <a:effectStyle>
+          <a:effectLst>
+            <a:outerShdw rotWithShape="0" dir="5400000" blurRad="40000" dist="23000">
+              <a:srgbClr val="000000">
+                <a:alpha val="35000"/>
+              </a:srgbClr>
+            </a:outerShdw>
+          </a:effectLst>
+          <a:scene3d>
+            <a:camera prst="orthographicFront">
+              <a:rot rev="0" lon="0" lat="0"/>
+            </a:camera>
+            <a:lightRig dir="t" rig="threePt">
+              <a:rot rev="1200000" lon="0" lat="0"/>
+            </a:lightRig>
+          </a:scene3d>
+          <a:sp3d>
+            <a:bevelT w="63500" h="25400"/>
+          </a:sp3d>
+        </a:effectStyle>
+      </a:effectStyleLst>
+      <a:bgFillStyleLst>
+        <a:solidFill>
+          <a:schemeClr val="phClr"/>
+        </a:solidFill>
+        <a:gradFill rotWithShape="1">
+          <a:gsLst>
+            <a:gs pos="0">
+              <a:schemeClr val="phClr">
+                <a:tint val="40000"/>
+                <a:satMod val="350000"/>
+              </a:schemeClr>
+            </a:gs>
+            <a:gs pos="40000">
+              <a:schemeClr val="phClr">
+                <a:tint val="45000"/>
+                <a:shade val="99000"/>
+                <a:satMod val="350000"/>
+              </a:schemeClr>
+            </a:gs>
+            <a:gs pos="100000">
+              <a:schemeClr val="phClr">
+                <a:shade val="20000"/>
+                <a:satMod val="255000"/>
+              </a:schemeClr>
+            </a:gs>
+          </a:gsLst>
+          <a:path path="circle">
+            <a:fillToRect t="-80000" b="180000" r="50000" l="50000"/>
+          </a:path>
+        </a:gradFill>
+        <a:gradFill rotWithShape="1">
+          <a:gsLst>
+            <a:gs pos="0">
+              <a:schemeClr val="phClr">
+                <a:tint val="80000"/>
+                <a:satMod val="300000"/>
+              </a:schemeClr>
+            </a:gs>
+            <a:gs pos="100000">
+              <a:schemeClr val="phClr">
+                <a:shade val="30000"/>
+                <a:satMod val="200000"/>
+              </a:schemeClr>
+            </a:gs>
+          </a:gsLst>
+          <a:path path="circle">
+            <a:fillToRect t="50000" b="50000" r="50000" l="50000"/>
+          </a:path>
+        </a:gradFill>
+      </a:bgFillStyleLst>
+    </a:fmtScheme>
+  </a:themeElements>
+</a:theme>
 </file>
--- a/Documentation/Design Specification/Design Specification Powerpoint.pptx
+++ b/Documentation/Design Specification/Design Specification Powerpoint.pptx
@@ -29,6 +29,7 @@
     <p:sldId id="274" r:id="rId24"/>
     <p:sldId id="275" r:id="rId25"/>
     <p:sldId id="276" r:id="rId26"/>
+    <p:sldId id="277" r:id="rId27"/>
   </p:sldIdLst>
   <p:sldSz cy="5143500" cx="9144000"/>
   <p:notesSz cy="9144000" cx="6858000"/>
@@ -592,7 +593,7 @@
             </a:pPr>
             <a:r>
               <a:rPr lang="en"/>
-              <a:t>For our use cases, we have 3 user types.</a:t>
+              <a:t>SSL(Secure Sockets Layer) If the web portal is communicating with the server or the iOS application is communicating with the server, the encryption and identification process will be the same.</a:t>
             </a:r>
           </a:p>
           <a:p>
@@ -616,7 +617,7 @@
             </a:pPr>
             <a:r>
               <a:rPr lang="en"/>
-              <a:t>Administrator: Is created by default and will have access to the whole system.</a:t>
+              <a:t>Encryption steps: </a:t>
             </a:r>
           </a:p>
           <a:p>
@@ -627,6 +628,66 @@
               <a:buNone/>
             </a:pPr>
             <a:r>
+              <a:rPr lang="en"/>
+              <a:t>1) Server and device agree on encryption</a:t>
+            </a:r>
+          </a:p>
+          <a:p>
+            <a:pPr rtl="0">
+              <a:spcBef>
+                <a:spcPts val="0"/>
+              </a:spcBef>
+              <a:buNone/>
+            </a:pPr>
+            <a:r>
+              <a:rPr lang="en"/>
+              <a:t>2)Server sends certificate</a:t>
+            </a:r>
+          </a:p>
+          <a:p>
+            <a:pPr rtl="0">
+              <a:spcBef>
+                <a:spcPts val="0"/>
+              </a:spcBef>
+              <a:buNone/>
+            </a:pPr>
+            <a:r>
+              <a:rPr lang="en"/>
+              <a:t>3)Device requests to start encrypting</a:t>
+            </a:r>
+          </a:p>
+          <a:p>
+            <a:pPr rtl="0">
+              <a:spcBef>
+                <a:spcPts val="0"/>
+              </a:spcBef>
+              <a:buNone/>
+            </a:pPr>
+            <a:r>
+              <a:rPr lang="en"/>
+              <a:t>4) Server requests the device to start encrypting</a:t>
+            </a:r>
+          </a:p>
+          <a:p>
+            <a:pPr rtl="0">
+              <a:spcBef>
+                <a:spcPts val="0"/>
+              </a:spcBef>
+              <a:buNone/>
+            </a:pPr>
+            <a:r>
+              <a:rPr lang="en"/>
+              <a:t>5) Final, total encryption  </a:t>
+            </a:r>
+          </a:p>
+          <a:p>
+            <a:pPr rtl="0">
+              <a:spcBef>
+                <a:spcPts val="0"/>
+              </a:spcBef>
+              <a:buNone/>
+            </a:pPr>
+            <a:r>
               <a:t/>
             </a:r>
             <a:endParaRPr/>
@@ -640,7 +701,127 @@
             </a:pPr>
             <a:r>
               <a:rPr lang="en"/>
-              <a:t>Teacher: Assigned teacher role by creating account</a:t>
+              <a:t>Identification steps:</a:t>
+            </a:r>
+          </a:p>
+          <a:p>
+            <a:pPr rtl="0" lvl="0">
+              <a:lnSpc>
+                <a:spcPct val="115000"/>
+              </a:lnSpc>
+              <a:spcBef>
+                <a:spcPts val="0"/>
+              </a:spcBef>
+              <a:buClr>
+                <a:schemeClr val="dk1"/>
+              </a:buClr>
+              <a:buSzPct val="100000"/>
+              <a:buFont typeface="Arial"/>
+              <a:buNone/>
+            </a:pPr>
+            <a:r>
+              <a:rPr lang="en">
+                <a:solidFill>
+                  <a:schemeClr val="dk1"/>
+                </a:solidFill>
+              </a:rPr>
+              <a:t>1) Company asks CA for a certificate</a:t>
+            </a:r>
+          </a:p>
+          <a:p>
+            <a:pPr rtl="0" lvl="0">
+              <a:lnSpc>
+                <a:spcPct val="115000"/>
+              </a:lnSpc>
+              <a:spcBef>
+                <a:spcPts val="0"/>
+              </a:spcBef>
+              <a:buClr>
+                <a:schemeClr val="dk1"/>
+              </a:buClr>
+              <a:buSzPct val="100000"/>
+              <a:buFont typeface="Arial"/>
+              <a:buNone/>
+            </a:pPr>
+            <a:r>
+              <a:rPr lang="en">
+                <a:solidFill>
+                  <a:schemeClr val="dk1"/>
+                </a:solidFill>
+              </a:rPr>
+              <a:t>2) CA creates certificate and signs it</a:t>
+            </a:r>
+          </a:p>
+          <a:p>
+            <a:pPr rtl="0" lvl="0">
+              <a:lnSpc>
+                <a:spcPct val="115000"/>
+              </a:lnSpc>
+              <a:spcBef>
+                <a:spcPts val="0"/>
+              </a:spcBef>
+              <a:buClr>
+                <a:schemeClr val="dk1"/>
+              </a:buClr>
+              <a:buSzPct val="100000"/>
+              <a:buFont typeface="Arial"/>
+              <a:buNone/>
+            </a:pPr>
+            <a:r>
+              <a:rPr lang="en">
+                <a:solidFill>
+                  <a:schemeClr val="dk1"/>
+                </a:solidFill>
+              </a:rPr>
+              <a:t>3) Certificate installed in server</a:t>
+            </a:r>
+          </a:p>
+          <a:p>
+            <a:pPr rtl="0" lvl="0">
+              <a:lnSpc>
+                <a:spcPct val="115000"/>
+              </a:lnSpc>
+              <a:spcBef>
+                <a:spcPts val="0"/>
+              </a:spcBef>
+              <a:buClr>
+                <a:schemeClr val="dk1"/>
+              </a:buClr>
+              <a:buSzPct val="100000"/>
+              <a:buFont typeface="Arial"/>
+              <a:buNone/>
+            </a:pPr>
+            <a:r>
+              <a:rPr lang="en">
+                <a:solidFill>
+                  <a:schemeClr val="dk1"/>
+                </a:solidFill>
+              </a:rPr>
+              <a:t>4) Browser issued with root certificates</a:t>
+            </a:r>
+          </a:p>
+          <a:p>
+            <a:pPr rtl="0" lvl="0">
+              <a:lnSpc>
+                <a:spcPct val="115000"/>
+              </a:lnSpc>
+              <a:spcBef>
+                <a:spcPts val="0"/>
+              </a:spcBef>
+              <a:buClr>
+                <a:schemeClr val="dk1"/>
+              </a:buClr>
+              <a:buSzPct val="100000"/>
+              <a:buFont typeface="Arial"/>
+              <a:buNone/>
+            </a:pPr>
+            <a:r>
+              <a:rPr lang="en">
+                <a:solidFill>
+                  <a:schemeClr val="dk1"/>
+                </a:solidFill>
+              </a:rPr>
+              <a:t>5) Browser trust correctly signed certs</a:t>
             </a:r>
           </a:p>
           <a:p>
@@ -663,21 +844,21 @@
               <a:buNone/>
             </a:pPr>
             <a:r>
+              <a:t/>
+            </a:r>
+            <a:endParaRPr/>
+          </a:p>
+          <a:p>
+            <a:pPr>
+              <a:spcBef>
+                <a:spcPts val="0"/>
+              </a:spcBef>
+              <a:buNone/>
+            </a:pPr>
+            <a:r>
               <a:rPr lang="en"/>
-              <a:t>Student: Assigned student role by teacher creating student account.</a:t>
-            </a:r>
-          </a:p>
-          <a:p>
-            <a:pPr>
-              <a:spcBef>
-                <a:spcPts val="0"/>
-              </a:spcBef>
-              <a:buNone/>
-            </a:pPr>
-            <a:r>
-              <a:t/>
-            </a:r>
-            <a:endParaRPr/>
+              <a:t>Storing Credentials: All credentials will be stored in database using salting and hashing on the password to ensure security.</a:t>
+            </a:r>
           </a:p>
         </p:txBody>
       </p:sp>
@@ -773,6 +954,90 @@
           </a:bodyPr>
           <a:lstStyle/>
           <a:p>
+            <a:pPr rtl="0">
+              <a:spcBef>
+                <a:spcPts val="0"/>
+              </a:spcBef>
+              <a:buNone/>
+            </a:pPr>
+            <a:r>
+              <a:rPr lang="en"/>
+              <a:t>For our use cases, we have 3 user types.</a:t>
+            </a:r>
+          </a:p>
+          <a:p>
+            <a:pPr rtl="0">
+              <a:spcBef>
+                <a:spcPts val="0"/>
+              </a:spcBef>
+              <a:buNone/>
+            </a:pPr>
+            <a:r>
+              <a:t/>
+            </a:r>
+            <a:endParaRPr/>
+          </a:p>
+          <a:p>
+            <a:pPr rtl="0">
+              <a:spcBef>
+                <a:spcPts val="0"/>
+              </a:spcBef>
+              <a:buNone/>
+            </a:pPr>
+            <a:r>
+              <a:rPr lang="en"/>
+              <a:t>Administrator: Is created by default and will have access to the whole system.</a:t>
+            </a:r>
+          </a:p>
+          <a:p>
+            <a:pPr rtl="0">
+              <a:spcBef>
+                <a:spcPts val="0"/>
+              </a:spcBef>
+              <a:buNone/>
+            </a:pPr>
+            <a:r>
+              <a:t/>
+            </a:r>
+            <a:endParaRPr/>
+          </a:p>
+          <a:p>
+            <a:pPr rtl="0">
+              <a:spcBef>
+                <a:spcPts val="0"/>
+              </a:spcBef>
+              <a:buNone/>
+            </a:pPr>
+            <a:r>
+              <a:rPr lang="en"/>
+              <a:t>Teacher: Assigned teacher role by creating account</a:t>
+            </a:r>
+          </a:p>
+          <a:p>
+            <a:pPr rtl="0">
+              <a:spcBef>
+                <a:spcPts val="0"/>
+              </a:spcBef>
+              <a:buNone/>
+            </a:pPr>
+            <a:r>
+              <a:t/>
+            </a:r>
+            <a:endParaRPr/>
+          </a:p>
+          <a:p>
+            <a:pPr rtl="0">
+              <a:spcBef>
+                <a:spcPts val="0"/>
+              </a:spcBef>
+              <a:buNone/>
+            </a:pPr>
+            <a:r>
+              <a:rPr lang="en"/>
+              <a:t>Student: Assigned student role by teacher creating student account.</a:t>
+            </a:r>
+          </a:p>
+          <a:p>
             <a:pPr>
               <a:spcBef>
                 <a:spcPts val="0"/>
@@ -780,9 +1045,9 @@
               <a:buNone/>
             </a:pPr>
             <a:r>
-              <a:rPr lang="en"/>
-              <a:t>An administrator will be able to delete a specific teacher, wipe the database, or block new teachers from creating accounts.</a:t>
-            </a:r>
+              <a:t/>
+            </a:r>
+            <a:endParaRPr/>
           </a:p>
         </p:txBody>
       </p:sp>
@@ -886,7 +1151,7 @@
             </a:pPr>
             <a:r>
               <a:rPr lang="en"/>
-              <a:t>A teacher will have the ability to create/delete classes, as well as adding or removing students from those classes. Teachers will also be able to add/remove levels and questions, and view the progress of their students.</a:t>
+              <a:t>An administrator will be able to delete a specific teacher, wipe the database, or block new teachers from creating accounts.</a:t>
             </a:r>
           </a:p>
         </p:txBody>
@@ -991,7 +1256,7 @@
             </a:pPr>
             <a:r>
               <a:rPr lang="en"/>
-              <a:t>A student will be able to view levels, select the type of level, and then actually play the level where the enter answers.</a:t>
+              <a:t>A teacher will have the ability to create/delete classes, as well as adding or removing students from those classes. Teachers will also be able to add/remove levels and questions, and view the progress of their students.</a:t>
             </a:r>
           </a:p>
         </p:txBody>
@@ -1009,7 +1274,7 @@
   <p:cSld>
     <p:spTree>
       <p:nvGrpSpPr>
-        <p:cNvPr id="148" name="Shape 148"/>
+        <p:cNvPr id="126" name="Shape 126"/>
         <p:cNvGrpSpPr/>
         <p:nvPr/>
       </p:nvGrpSpPr>
@@ -1023,7 +1288,7 @@
       </p:grpSpPr>
       <p:sp>
         <p:nvSpPr>
-          <p:cNvPr id="149" name="Shape 149"/>
+          <p:cNvPr id="127" name="Shape 127"/>
           <p:cNvSpPr/>
           <p:nvPr>
             <p:ph idx="2" type="sldImg"/>
@@ -1067,7 +1332,7 @@
       </p:sp>
       <p:sp>
         <p:nvSpPr>
-          <p:cNvPr id="150" name="Shape 150"/>
+          <p:cNvPr id="128" name="Shape 128"/>
           <p:cNvSpPr txBox="1"/>
           <p:nvPr>
             <p:ph idx="1" type="body"/>
@@ -1096,7 +1361,7 @@
             </a:pPr>
             <a:r>
               <a:rPr lang="en"/>
-              <a:t>So lets go through one of the uses cases for each of the different users.</a:t>
+              <a:t>A student will be able to view levels, select the type of level, and then actually play the level where the enter answers.</a:t>
             </a:r>
           </a:p>
         </p:txBody>
@@ -1114,7 +1379,7 @@
   <p:cSld>
     <p:spTree>
       <p:nvGrpSpPr>
-        <p:cNvPr id="179" name="Shape 179"/>
+        <p:cNvPr id="154" name="Shape 154"/>
         <p:cNvGrpSpPr/>
         <p:nvPr/>
       </p:nvGrpSpPr>
@@ -1128,7 +1393,7 @@
       </p:grpSpPr>
       <p:sp>
         <p:nvSpPr>
-          <p:cNvPr id="180" name="Shape 180"/>
+          <p:cNvPr id="155" name="Shape 155"/>
           <p:cNvSpPr/>
           <p:nvPr>
             <p:ph idx="2" type="sldImg"/>
@@ -1172,7 +1437,7 @@
       </p:sp>
       <p:sp>
         <p:nvSpPr>
-          <p:cNvPr id="181" name="Shape 181"/>
+          <p:cNvPr id="156" name="Shape 156"/>
           <p:cNvSpPr txBox="1"/>
           <p:nvPr>
             <p:ph idx="1" type="body"/>
@@ -1200,9 +1465,9 @@
               <a:buNone/>
             </a:pPr>
             <a:r>
-              <a:t/>
-            </a:r>
-            <a:endParaRPr/>
+              <a:rPr lang="en"/>
+              <a:t>So lets go through one of the uses cases for each of the different users.</a:t>
+            </a:r>
           </a:p>
         </p:txBody>
       </p:sp>
@@ -1219,7 +1484,7 @@
   <p:cSld>
     <p:spTree>
       <p:nvGrpSpPr>
-        <p:cNvPr id="202" name="Shape 202"/>
+        <p:cNvPr id="185" name="Shape 185"/>
         <p:cNvGrpSpPr/>
         <p:nvPr/>
       </p:nvGrpSpPr>
@@ -1233,7 +1498,7 @@
       </p:grpSpPr>
       <p:sp>
         <p:nvSpPr>
-          <p:cNvPr id="203" name="Shape 203"/>
+          <p:cNvPr id="186" name="Shape 186"/>
           <p:cNvSpPr/>
           <p:nvPr>
             <p:ph idx="2" type="sldImg"/>
@@ -1277,7 +1542,7 @@
       </p:sp>
       <p:sp>
         <p:nvSpPr>
-          <p:cNvPr id="204" name="Shape 204"/>
+          <p:cNvPr id="187" name="Shape 187"/>
           <p:cNvSpPr txBox="1"/>
           <p:nvPr>
             <p:ph idx="1" type="body"/>
@@ -1410,9 +1675,9 @@
               <a:buNone/>
             </a:pPr>
             <a:r>
-              <a:rPr lang="en"/>
-              <a:t>Teacher creates a class sequence diagram</a:t>
-            </a:r>
+              <a:t/>
+            </a:r>
+            <a:endParaRPr/>
           </a:p>
         </p:txBody>
       </p:sp>
@@ -1515,9 +1780,9 @@
               <a:buNone/>
             </a:pPr>
             <a:r>
-              <a:t/>
-            </a:r>
-            <a:endParaRPr/>
+              <a:rPr lang="en"/>
+              <a:t>Teacher creates a class sequence diagram</a:t>
+            </a:r>
           </a:p>
         </p:txBody>
       </p:sp>
@@ -1756,7 +2021,7 @@
   <p:cSld>
     <p:spTree>
       <p:nvGrpSpPr>
-        <p:cNvPr id="226" name="Shape 226"/>
+        <p:cNvPr id="227" name="Shape 227"/>
         <p:cNvGrpSpPr/>
         <p:nvPr/>
       </p:nvGrpSpPr>
@@ -1770,7 +2035,7 @@
       </p:grpSpPr>
       <p:sp>
         <p:nvSpPr>
-          <p:cNvPr id="227" name="Shape 227"/>
+          <p:cNvPr id="228" name="Shape 228"/>
           <p:cNvSpPr/>
           <p:nvPr>
             <p:ph idx="2" type="sldImg"/>
@@ -1814,7 +2079,7 @@
       </p:sp>
       <p:sp>
         <p:nvSpPr>
-          <p:cNvPr id="228" name="Shape 228"/>
+          <p:cNvPr id="229" name="Shape 229"/>
           <p:cNvSpPr txBox="1"/>
           <p:nvPr>
             <p:ph idx="1" type="body"/>
@@ -1834,18 +2099,6 @@
             <a:noAutofit/>
           </a:bodyPr>
           <a:lstStyle/>
-          <a:p>
-            <a:pPr rtl="0">
-              <a:spcBef>
-                <a:spcPts val="0"/>
-              </a:spcBef>
-              <a:buNone/>
-            </a:pPr>
-            <a:r>
-              <a:rPr lang="en"/>
-              <a:t>This is the class diagram for the web portal. For all users its standard to have a database, session, data and to use functions such as create, find, or login. This is common among teachers, students and administrators.</a:t>
-            </a:r>
-          </a:p>
           <a:p>
             <a:pPr>
               <a:spcBef>
@@ -1873,7 +2126,7 @@
   <p:cSld>
     <p:spTree>
       <p:nvGrpSpPr>
-        <p:cNvPr id="231" name="Shape 231"/>
+        <p:cNvPr id="233" name="Shape 233"/>
         <p:cNvGrpSpPr/>
         <p:nvPr/>
       </p:nvGrpSpPr>
@@ -1887,7 +2140,7 @@
       </p:grpSpPr>
       <p:sp>
         <p:nvSpPr>
-          <p:cNvPr id="232" name="Shape 232"/>
+          <p:cNvPr id="234" name="Shape 234"/>
           <p:cNvSpPr/>
           <p:nvPr>
             <p:ph idx="2" type="sldImg"/>
@@ -1931,7 +2184,7 @@
       </p:sp>
       <p:sp>
         <p:nvSpPr>
-          <p:cNvPr id="233" name="Shape 233"/>
+          <p:cNvPr id="235" name="Shape 235"/>
           <p:cNvSpPr txBox="1"/>
           <p:nvPr>
             <p:ph idx="1" type="body"/>
@@ -1951,6 +2204,18 @@
             <a:noAutofit/>
           </a:bodyPr>
           <a:lstStyle/>
+          <a:p>
+            <a:pPr rtl="0">
+              <a:spcBef>
+                <a:spcPts val="0"/>
+              </a:spcBef>
+              <a:buNone/>
+            </a:pPr>
+            <a:r>
+              <a:rPr lang="en"/>
+              <a:t>This is the class diagram for the web portal. For all users its standard to have a database, session, data and to use functions such as create, find, or login. This is common among teachers, students and administrators.</a:t>
+            </a:r>
+          </a:p>
           <a:p>
             <a:pPr>
               <a:spcBef>
@@ -1973,12 +2238,12 @@
 </p:notes>
 </file>
 
-<file path=ppt/notesSlides/notesSlide3.xml><?xml version="1.0" encoding="utf-8"?>
+<file path=ppt/notesSlides/notesSlide22.xml><?xml version="1.0" encoding="utf-8"?>
 <p:notes xmlns:a="http://schemas.openxmlformats.org/drawingml/2006/main" xmlns:r="http://schemas.openxmlformats.org/officeDocument/2006/relationships" xmlns:mc="http://schemas.openxmlformats.org/markup-compatibility/2006" xmlns:mv="urn:schemas-microsoft-com:mac:vml" xmlns:p="http://schemas.openxmlformats.org/presentationml/2006/main" xmlns:c="http://schemas.openxmlformats.org/drawingml/2006/chart" xmlns:dgm="http://schemas.openxmlformats.org/drawingml/2006/diagram" xmlns:o="urn:schemas-microsoft-com:office:office" xmlns:v="urn:schemas-microsoft-com:vml" xmlns:pvml="urn:schemas-microsoft-com:office:powerpoint" xmlns:com="http://schemas.openxmlformats.org/drawingml/2006/compatibility" xmlns:p14="http://schemas.microsoft.com/office/powerpoint/2010/main" showMasterSp="0" showMasterPhAnim="0">
   <p:cSld>
     <p:spTree>
       <p:nvGrpSpPr>
-        <p:cNvPr id="60" name="Shape 60"/>
+        <p:cNvPr id="238" name="Shape 238"/>
         <p:cNvGrpSpPr/>
         <p:nvPr/>
       </p:nvGrpSpPr>
@@ -1992,7 +2257,7 @@
       </p:grpSpPr>
       <p:sp>
         <p:nvSpPr>
-          <p:cNvPr id="61" name="Shape 61"/>
+          <p:cNvPr id="239" name="Shape 239"/>
           <p:cNvSpPr/>
           <p:nvPr>
             <p:ph idx="2" type="sldImg"/>
@@ -2036,7 +2301,7 @@
       </p:sp>
       <p:sp>
         <p:nvSpPr>
-          <p:cNvPr id="62" name="Shape 62"/>
+          <p:cNvPr id="240" name="Shape 240"/>
           <p:cNvSpPr txBox="1"/>
           <p:nvPr>
             <p:ph idx="1" type="body"/>
@@ -2057,19 +2322,7 @@
           </a:bodyPr>
           <a:lstStyle/>
           <a:p>
-            <a:pPr rtl="0">
-              <a:spcBef>
-                <a:spcPts val="0"/>
-              </a:spcBef>
-              <a:buNone/>
-            </a:pPr>
-            <a:r>
-              <a:rPr lang="en"/>
-              <a:t>Some of the features for the iOS application are navigation through different levels and having the ability to chose between practice and test sections. </a:t>
-            </a:r>
-          </a:p>
-          <a:p>
-            <a:pPr rtl="0">
+            <a:pPr>
               <a:spcBef>
                 <a:spcPts val="0"/>
               </a:spcBef>
@@ -2079,42 +2332,6 @@
               <a:t/>
             </a:r>
             <a:endParaRPr/>
-          </a:p>
-          <a:p>
-            <a:pPr rtl="0">
-              <a:spcBef>
-                <a:spcPts val="0"/>
-              </a:spcBef>
-              <a:buNone/>
-            </a:pPr>
-            <a:r>
-              <a:rPr lang="en"/>
-              <a:t>Some of the features for the web portal that the teacher will be using are, creating a class, viewing students progress and adding new levels and questions to the iOS application.</a:t>
-            </a:r>
-          </a:p>
-          <a:p>
-            <a:pPr rtl="0">
-              <a:spcBef>
-                <a:spcPts val="0"/>
-              </a:spcBef>
-              <a:buNone/>
-            </a:pPr>
-            <a:r>
-              <a:t/>
-            </a:r>
-            <a:endParaRPr/>
-          </a:p>
-          <a:p>
-            <a:pPr>
-              <a:spcBef>
-                <a:spcPts val="0"/>
-              </a:spcBef>
-              <a:buNone/>
-            </a:pPr>
-            <a:r>
-              <a:rPr lang="en"/>
-              <a:t>Features for the web portal that the administrator will be using are, deleting/denying teacher accounts. As well as, clearing the whole system. </a:t>
-            </a:r>
           </a:p>
         </p:txBody>
       </p:sp>
@@ -2126,12 +2343,12 @@
 </p:notes>
 </file>
 
-<file path=ppt/notesSlides/notesSlide4.xml><?xml version="1.0" encoding="utf-8"?>
+<file path=ppt/notesSlides/notesSlide3.xml><?xml version="1.0" encoding="utf-8"?>
 <p:notes xmlns:a="http://schemas.openxmlformats.org/drawingml/2006/main" xmlns:r="http://schemas.openxmlformats.org/officeDocument/2006/relationships" xmlns:mc="http://schemas.openxmlformats.org/markup-compatibility/2006" xmlns:mv="urn:schemas-microsoft-com:mac:vml" xmlns:p="http://schemas.openxmlformats.org/presentationml/2006/main" xmlns:c="http://schemas.openxmlformats.org/drawingml/2006/chart" xmlns:dgm="http://schemas.openxmlformats.org/drawingml/2006/diagram" xmlns:o="urn:schemas-microsoft-com:office:office" xmlns:v="urn:schemas-microsoft-com:vml" xmlns:pvml="urn:schemas-microsoft-com:office:powerpoint" xmlns:com="http://schemas.openxmlformats.org/drawingml/2006/compatibility" xmlns:p14="http://schemas.microsoft.com/office/powerpoint/2010/main" showMasterSp="0" showMasterPhAnim="0">
   <p:cSld>
     <p:spTree>
       <p:nvGrpSpPr>
-        <p:cNvPr id="66" name="Shape 66"/>
+        <p:cNvPr id="60" name="Shape 60"/>
         <p:cNvGrpSpPr/>
         <p:nvPr/>
       </p:nvGrpSpPr>
@@ -2145,7 +2362,7 @@
       </p:grpSpPr>
       <p:sp>
         <p:nvSpPr>
-          <p:cNvPr id="67" name="Shape 67"/>
+          <p:cNvPr id="61" name="Shape 61"/>
           <p:cNvSpPr/>
           <p:nvPr>
             <p:ph idx="2" type="sldImg"/>
@@ -2189,7 +2406,7 @@
       </p:sp>
       <p:sp>
         <p:nvSpPr>
-          <p:cNvPr id="68" name="Shape 68"/>
+          <p:cNvPr id="62" name="Shape 62"/>
           <p:cNvSpPr txBox="1"/>
           <p:nvPr>
             <p:ph idx="1" type="body"/>
@@ -2218,7 +2435,7 @@
             </a:pPr>
             <a:r>
               <a:rPr lang="en"/>
-              <a:t>Assumptions: </a:t>
+              <a:t>Some of the features for the iOS application are navigation through different levels and having the ability to chose between practice and test sections. </a:t>
             </a:r>
           </a:p>
           <a:p>
@@ -2229,8 +2446,20 @@
               <a:buNone/>
             </a:pPr>
             <a:r>
+              <a:t/>
+            </a:r>
+            <a:endParaRPr/>
+          </a:p>
+          <a:p>
+            <a:pPr rtl="0">
+              <a:spcBef>
+                <a:spcPts val="0"/>
+              </a:spcBef>
+              <a:buNone/>
+            </a:pPr>
+            <a:r>
               <a:rPr lang="en"/>
-              <a:t>Teachers may have limited technological skill set so the web portal must be easy to use and user friendly.</a:t>
+              <a:t>Some of the features for the web portal that the teacher will be using are, creating a class, viewing students progress and adding new levels and questions to the iOS application.</a:t>
             </a:r>
           </a:p>
           <a:p>
@@ -2241,105 +2470,21 @@
               <a:buNone/>
             </a:pPr>
             <a:r>
+              <a:t/>
+            </a:r>
+            <a:endParaRPr/>
+          </a:p>
+          <a:p>
+            <a:pPr>
+              <a:spcBef>
+                <a:spcPts val="0"/>
+              </a:spcBef>
+              <a:buNone/>
+            </a:pPr>
+            <a:r>
               <a:rPr lang="en"/>
-              <a:t>First graders rely on patterns and visual cues to learn so the iOS application must be visually appealing and easy to use.</a:t>
-            </a:r>
-          </a:p>
-          <a:p>
-            <a:pPr rtl="0">
-              <a:spcBef>
-                <a:spcPts val="0"/>
-              </a:spcBef>
-              <a:buNone/>
-            </a:pPr>
-            <a:r>
-              <a:t/>
-            </a:r>
-            <a:endParaRPr/>
-          </a:p>
-          <a:p>
-            <a:pPr rtl="0">
-              <a:spcBef>
-                <a:spcPts val="0"/>
-              </a:spcBef>
-              <a:buNone/>
-            </a:pPr>
-            <a:r>
-              <a:rPr lang="en"/>
-              <a:t>Business Constraints: </a:t>
-            </a:r>
-          </a:p>
-          <a:p>
-            <a:pPr rtl="0">
-              <a:spcBef>
-                <a:spcPts val="0"/>
-              </a:spcBef>
-              <a:buNone/>
-            </a:pPr>
-            <a:r>
-              <a:rPr lang="en"/>
-              <a:t>If our final product has a server hosted at wayne state university as opposed to server being hosted at graylings school. The communication between the application and web portal could be slow.</a:t>
-            </a:r>
-          </a:p>
-          <a:p>
-            <a:pPr rtl="0">
-              <a:spcBef>
-                <a:spcPts val="0"/>
-              </a:spcBef>
-              <a:buNone/>
-            </a:pPr>
-            <a:r>
-              <a:t/>
-            </a:r>
-            <a:endParaRPr/>
-          </a:p>
-          <a:p>
-            <a:pPr rtl="0">
-              <a:spcBef>
-                <a:spcPts val="0"/>
-              </a:spcBef>
-              <a:buNone/>
-            </a:pPr>
-            <a:r>
-              <a:rPr lang="en"/>
-              <a:t>Technical Constraints: Application will work on iPads with iOS 8 and the web portal will function on google chrome. We will not have a huge server so if there are a lot of users for the system this could slow our system down.</a:t>
-            </a:r>
-          </a:p>
-          <a:p>
-            <a:pPr rtl="0">
-              <a:spcBef>
-                <a:spcPts val="0"/>
-              </a:spcBef>
-              <a:buNone/>
-            </a:pPr>
-            <a:r>
-              <a:t/>
-            </a:r>
-            <a:endParaRPr/>
-          </a:p>
-          <a:p>
-            <a:pPr rtl="0">
-              <a:spcBef>
-                <a:spcPts val="0"/>
-              </a:spcBef>
-              <a:buNone/>
-            </a:pPr>
-            <a:r>
-              <a:t/>
-            </a:r>
-            <a:endParaRPr/>
-          </a:p>
-          <a:p>
-            <a:pPr>
-              <a:spcBef>
-                <a:spcPts val="0"/>
-              </a:spcBef>
-              <a:buNone/>
-            </a:pPr>
-            <a:r>
-              <a:t/>
-            </a:r>
-            <a:endParaRPr/>
+              <a:t>Features for the web portal that the administrator will be using are, deleting/denying teacher accounts. As well as, clearing the whole system. </a:t>
+            </a:r>
           </a:p>
         </p:txBody>
       </p:sp>
@@ -2351,12 +2496,12 @@
 </p:notes>
 </file>
 
-<file path=ppt/notesSlides/notesSlide5.xml><?xml version="1.0" encoding="utf-8"?>
+<file path=ppt/notesSlides/notesSlide4.xml><?xml version="1.0" encoding="utf-8"?>
 <p:notes xmlns:a="http://schemas.openxmlformats.org/drawingml/2006/main" xmlns:r="http://schemas.openxmlformats.org/officeDocument/2006/relationships" xmlns:mc="http://schemas.openxmlformats.org/markup-compatibility/2006" xmlns:mv="urn:schemas-microsoft-com:mac:vml" xmlns:p="http://schemas.openxmlformats.org/presentationml/2006/main" xmlns:c="http://schemas.openxmlformats.org/drawingml/2006/chart" xmlns:dgm="http://schemas.openxmlformats.org/drawingml/2006/diagram" xmlns:o="urn:schemas-microsoft-com:office:office" xmlns:v="urn:schemas-microsoft-com:vml" xmlns:pvml="urn:schemas-microsoft-com:office:powerpoint" xmlns:com="http://schemas.openxmlformats.org/drawingml/2006/compatibility" xmlns:p14="http://schemas.microsoft.com/office/powerpoint/2010/main" showMasterSp="0" showMasterPhAnim="0">
   <p:cSld>
     <p:spTree>
       <p:nvGrpSpPr>
-        <p:cNvPr id="72" name="Shape 72"/>
+        <p:cNvPr id="66" name="Shape 66"/>
         <p:cNvGrpSpPr/>
         <p:nvPr/>
       </p:nvGrpSpPr>
@@ -2370,7 +2515,7 @@
       </p:grpSpPr>
       <p:sp>
         <p:nvSpPr>
-          <p:cNvPr id="73" name="Shape 73"/>
+          <p:cNvPr id="67" name="Shape 67"/>
           <p:cNvSpPr/>
           <p:nvPr>
             <p:ph idx="2" type="sldImg"/>
@@ -2414,7 +2559,7 @@
       </p:sp>
       <p:sp>
         <p:nvSpPr>
-          <p:cNvPr id="74" name="Shape 74"/>
+          <p:cNvPr id="68" name="Shape 68"/>
           <p:cNvSpPr txBox="1"/>
           <p:nvPr>
             <p:ph idx="1" type="body"/>
@@ -2435,6 +2580,126 @@
           </a:bodyPr>
           <a:lstStyle/>
           <a:p>
+            <a:pPr rtl="0">
+              <a:spcBef>
+                <a:spcPts val="0"/>
+              </a:spcBef>
+              <a:buNone/>
+            </a:pPr>
+            <a:r>
+              <a:rPr lang="en"/>
+              <a:t>Assumptions: </a:t>
+            </a:r>
+          </a:p>
+          <a:p>
+            <a:pPr rtl="0">
+              <a:spcBef>
+                <a:spcPts val="0"/>
+              </a:spcBef>
+              <a:buNone/>
+            </a:pPr>
+            <a:r>
+              <a:rPr lang="en"/>
+              <a:t>Teachers may have limited technological skill set so the web portal must be easy to use and user friendly.</a:t>
+            </a:r>
+          </a:p>
+          <a:p>
+            <a:pPr rtl="0">
+              <a:spcBef>
+                <a:spcPts val="0"/>
+              </a:spcBef>
+              <a:buNone/>
+            </a:pPr>
+            <a:r>
+              <a:rPr lang="en"/>
+              <a:t>First graders rely on patterns and visual cues to learn so the iOS application must be visually appealing and easy to use.</a:t>
+            </a:r>
+          </a:p>
+          <a:p>
+            <a:pPr rtl="0">
+              <a:spcBef>
+                <a:spcPts val="0"/>
+              </a:spcBef>
+              <a:buNone/>
+            </a:pPr>
+            <a:r>
+              <a:t/>
+            </a:r>
+            <a:endParaRPr/>
+          </a:p>
+          <a:p>
+            <a:pPr rtl="0">
+              <a:spcBef>
+                <a:spcPts val="0"/>
+              </a:spcBef>
+              <a:buNone/>
+            </a:pPr>
+            <a:r>
+              <a:rPr lang="en"/>
+              <a:t>Business Constraints: </a:t>
+            </a:r>
+          </a:p>
+          <a:p>
+            <a:pPr rtl="0">
+              <a:spcBef>
+                <a:spcPts val="0"/>
+              </a:spcBef>
+              <a:buNone/>
+            </a:pPr>
+            <a:r>
+              <a:rPr lang="en"/>
+              <a:t>If our final product has a server hosted at wayne state university as opposed to server being hosted at graylings school. The communication between the application and web portal could be slow.</a:t>
+            </a:r>
+          </a:p>
+          <a:p>
+            <a:pPr rtl="0">
+              <a:spcBef>
+                <a:spcPts val="0"/>
+              </a:spcBef>
+              <a:buNone/>
+            </a:pPr>
+            <a:r>
+              <a:t/>
+            </a:r>
+            <a:endParaRPr/>
+          </a:p>
+          <a:p>
+            <a:pPr rtl="0">
+              <a:spcBef>
+                <a:spcPts val="0"/>
+              </a:spcBef>
+              <a:buNone/>
+            </a:pPr>
+            <a:r>
+              <a:rPr lang="en"/>
+              <a:t>Technical Constraints: Application will work on iPads with iOS 8 and the web portal will function on google chrome. We will not have a huge server so if there are a lot of users for the system this could slow our system down.</a:t>
+            </a:r>
+          </a:p>
+          <a:p>
+            <a:pPr rtl="0">
+              <a:spcBef>
+                <a:spcPts val="0"/>
+              </a:spcBef>
+              <a:buNone/>
+            </a:pPr>
+            <a:r>
+              <a:t/>
+            </a:r>
+            <a:endParaRPr/>
+          </a:p>
+          <a:p>
+            <a:pPr rtl="0">
+              <a:spcBef>
+                <a:spcPts val="0"/>
+              </a:spcBef>
+              <a:buNone/>
+            </a:pPr>
+            <a:r>
+              <a:t/>
+            </a:r>
+            <a:endParaRPr/>
+          </a:p>
+          <a:p>
             <a:pPr>
               <a:spcBef>
                 <a:spcPts val="0"/>
@@ -2442,9 +2707,9 @@
               <a:buNone/>
             </a:pPr>
             <a:r>
-              <a:rPr lang="en"/>
-              <a:t>Math system is set up on public network where the iOS application and web portal will be connected to the same server.  </a:t>
-            </a:r>
+              <a:t/>
+            </a:r>
+            <a:endParaRPr/>
           </a:p>
         </p:txBody>
       </p:sp>
@@ -2456,12 +2721,12 @@
 </p:notes>
 </file>
 
-<file path=ppt/notesSlides/notesSlide6.xml><?xml version="1.0" encoding="utf-8"?>
+<file path=ppt/notesSlides/notesSlide5.xml><?xml version="1.0" encoding="utf-8"?>
 <p:notes xmlns:a="http://schemas.openxmlformats.org/drawingml/2006/main" xmlns:r="http://schemas.openxmlformats.org/officeDocument/2006/relationships" xmlns:mc="http://schemas.openxmlformats.org/markup-compatibility/2006" xmlns:mv="urn:schemas-microsoft-com:mac:vml" xmlns:p="http://schemas.openxmlformats.org/presentationml/2006/main" xmlns:c="http://schemas.openxmlformats.org/drawingml/2006/chart" xmlns:dgm="http://schemas.openxmlformats.org/drawingml/2006/diagram" xmlns:o="urn:schemas-microsoft-com:office:office" xmlns:v="urn:schemas-microsoft-com:vml" xmlns:pvml="urn:schemas-microsoft-com:office:powerpoint" xmlns:com="http://schemas.openxmlformats.org/drawingml/2006/compatibility" xmlns:p14="http://schemas.microsoft.com/office/powerpoint/2010/main" showMasterSp="0" showMasterPhAnim="0">
   <p:cSld>
     <p:spTree>
       <p:nvGrpSpPr>
-        <p:cNvPr id="78" name="Shape 78"/>
+        <p:cNvPr id="72" name="Shape 72"/>
         <p:cNvGrpSpPr/>
         <p:nvPr/>
       </p:nvGrpSpPr>
@@ -2475,7 +2740,7 @@
       </p:grpSpPr>
       <p:sp>
         <p:nvSpPr>
-          <p:cNvPr id="79" name="Shape 79"/>
+          <p:cNvPr id="73" name="Shape 73"/>
           <p:cNvSpPr/>
           <p:nvPr>
             <p:ph idx="2" type="sldImg"/>
@@ -2519,7 +2784,7 @@
       </p:sp>
       <p:sp>
         <p:nvSpPr>
-          <p:cNvPr id="80" name="Shape 80"/>
+          <p:cNvPr id="74" name="Shape 74"/>
           <p:cNvSpPr txBox="1"/>
           <p:nvPr>
             <p:ph idx="1" type="body"/>
@@ -2540,7 +2805,7 @@
           </a:bodyPr>
           <a:lstStyle/>
           <a:p>
-            <a:pPr rtl="0">
+            <a:pPr>
               <a:spcBef>
                 <a:spcPts val="0"/>
               </a:spcBef>
@@ -2548,79 +2813,7 @@
             </a:pPr>
             <a:r>
               <a:rPr lang="en"/>
-              <a:t>Section 3.3.1</a:t>
-            </a:r>
-          </a:p>
-          <a:p>
-            <a:pPr rtl="0">
-              <a:spcBef>
-                <a:spcPts val="0"/>
-              </a:spcBef>
-              <a:buNone/>
-            </a:pPr>
-            <a:r>
-              <a:t/>
-            </a:r>
-            <a:endParaRPr/>
-          </a:p>
-          <a:p>
-            <a:pPr rtl="0">
-              <a:spcBef>
-                <a:spcPts val="0"/>
-              </a:spcBef>
-              <a:buNone/>
-            </a:pPr>
-            <a:r>
-              <a:rPr lang="en"/>
-              <a:t>iOS application is built using xCode which using a MVC design pattern. MVC stands for Model, View and Controllers. </a:t>
-            </a:r>
-          </a:p>
-          <a:p>
-            <a:pPr rtl="0">
-              <a:spcBef>
-                <a:spcPts val="0"/>
-              </a:spcBef>
-              <a:buNone/>
-            </a:pPr>
-            <a:r>
-              <a:t/>
-            </a:r>
-            <a:endParaRPr/>
-          </a:p>
-          <a:p>
-            <a:pPr rtl="0">
-              <a:spcBef>
-                <a:spcPts val="0"/>
-              </a:spcBef>
-              <a:buNone/>
-            </a:pPr>
-            <a:r>
-              <a:rPr lang="en"/>
-              <a:t>The controllers communicate between the model and view layers and also, requests data from service layer. </a:t>
-            </a:r>
-          </a:p>
-          <a:p>
-            <a:pPr rtl="0">
-              <a:spcBef>
-                <a:spcPts val="0"/>
-              </a:spcBef>
-              <a:buNone/>
-            </a:pPr>
-            <a:r>
-              <a:t/>
-            </a:r>
-            <a:endParaRPr/>
-          </a:p>
-          <a:p>
-            <a:pPr>
-              <a:spcBef>
-                <a:spcPts val="0"/>
-              </a:spcBef>
-              <a:buNone/>
-            </a:pPr>
-            <a:r>
-              <a:rPr lang="en"/>
-              <a:t>Model stores and provides methods for data. While the view is responsible for UI.</a:t>
+              <a:t>Math system is set up on public network where the iOS application and web portal will be connected to the same server.  </a:t>
             </a:r>
           </a:p>
         </p:txBody>
@@ -2633,12 +2826,12 @@
 </p:notes>
 </file>
 
-<file path=ppt/notesSlides/notesSlide7.xml><?xml version="1.0" encoding="utf-8"?>
+<file path=ppt/notesSlides/notesSlide6.xml><?xml version="1.0" encoding="utf-8"?>
 <p:notes xmlns:a="http://schemas.openxmlformats.org/drawingml/2006/main" xmlns:r="http://schemas.openxmlformats.org/officeDocument/2006/relationships" xmlns:mc="http://schemas.openxmlformats.org/markup-compatibility/2006" xmlns:mv="urn:schemas-microsoft-com:mac:vml" xmlns:p="http://schemas.openxmlformats.org/presentationml/2006/main" xmlns:c="http://schemas.openxmlformats.org/drawingml/2006/chart" xmlns:dgm="http://schemas.openxmlformats.org/drawingml/2006/diagram" xmlns:o="urn:schemas-microsoft-com:office:office" xmlns:v="urn:schemas-microsoft-com:vml" xmlns:pvml="urn:schemas-microsoft-com:office:powerpoint" xmlns:com="http://schemas.openxmlformats.org/drawingml/2006/compatibility" xmlns:p14="http://schemas.microsoft.com/office/powerpoint/2010/main" showMasterSp="0" showMasterPhAnim="0">
   <p:cSld>
     <p:spTree>
       <p:nvGrpSpPr>
-        <p:cNvPr id="84" name="Shape 84"/>
+        <p:cNvPr id="78" name="Shape 78"/>
         <p:cNvGrpSpPr/>
         <p:nvPr/>
       </p:nvGrpSpPr>
@@ -2652,7 +2845,7 @@
       </p:grpSpPr>
       <p:sp>
         <p:nvSpPr>
-          <p:cNvPr id="85" name="Shape 85"/>
+          <p:cNvPr id="79" name="Shape 79"/>
           <p:cNvSpPr/>
           <p:nvPr>
             <p:ph idx="2" type="sldImg"/>
@@ -2696,7 +2889,7 @@
       </p:sp>
       <p:sp>
         <p:nvSpPr>
-          <p:cNvPr id="86" name="Shape 86"/>
+          <p:cNvPr id="80" name="Shape 80"/>
           <p:cNvSpPr txBox="1"/>
           <p:nvPr>
             <p:ph idx="1" type="body"/>
@@ -2725,7 +2918,7 @@
             </a:pPr>
             <a:r>
               <a:rPr lang="en"/>
-              <a:t>Section 3.3.2</a:t>
+              <a:t>Section 3.3.1</a:t>
             </a:r>
           </a:p>
           <a:p>
@@ -2741,6 +2934,54 @@
             <a:endParaRPr/>
           </a:p>
           <a:p>
+            <a:pPr rtl="0">
+              <a:spcBef>
+                <a:spcPts val="0"/>
+              </a:spcBef>
+              <a:buNone/>
+            </a:pPr>
+            <a:r>
+              <a:rPr lang="en"/>
+              <a:t>iOS application is built using xCode which using a MVC design pattern. MVC stands for Model, View and Controllers. </a:t>
+            </a:r>
+          </a:p>
+          <a:p>
+            <a:pPr rtl="0">
+              <a:spcBef>
+                <a:spcPts val="0"/>
+              </a:spcBef>
+              <a:buNone/>
+            </a:pPr>
+            <a:r>
+              <a:t/>
+            </a:r>
+            <a:endParaRPr/>
+          </a:p>
+          <a:p>
+            <a:pPr rtl="0">
+              <a:spcBef>
+                <a:spcPts val="0"/>
+              </a:spcBef>
+              <a:buNone/>
+            </a:pPr>
+            <a:r>
+              <a:rPr lang="en"/>
+              <a:t>The controllers communicate between the model and view layers and also, requests data from service layer. </a:t>
+            </a:r>
+          </a:p>
+          <a:p>
+            <a:pPr rtl="0">
+              <a:spcBef>
+                <a:spcPts val="0"/>
+              </a:spcBef>
+              <a:buNone/>
+            </a:pPr>
+            <a:r>
+              <a:t/>
+            </a:r>
+            <a:endParaRPr/>
+          </a:p>
+          <a:p>
             <a:pPr>
               <a:spcBef>
                 <a:spcPts val="0"/>
@@ -2749,7 +2990,7 @@
             </a:pPr>
             <a:r>
               <a:rPr lang="en"/>
-              <a:t>Similar MVC design as the iOS application. ADD MORE NOTES</a:t>
+              <a:t>Model stores and provides methods for data. While the view is responsible for UI.</a:t>
             </a:r>
           </a:p>
         </p:txBody>
@@ -2762,12 +3003,12 @@
 </p:notes>
 </file>
 
-<file path=ppt/notesSlides/notesSlide8.xml><?xml version="1.0" encoding="utf-8"?>
+<file path=ppt/notesSlides/notesSlide7.xml><?xml version="1.0" encoding="utf-8"?>
 <p:notes xmlns:a="http://schemas.openxmlformats.org/drawingml/2006/main" xmlns:r="http://schemas.openxmlformats.org/officeDocument/2006/relationships" xmlns:mc="http://schemas.openxmlformats.org/markup-compatibility/2006" xmlns:mv="urn:schemas-microsoft-com:mac:vml" xmlns:p="http://schemas.openxmlformats.org/presentationml/2006/main" xmlns:c="http://schemas.openxmlformats.org/drawingml/2006/chart" xmlns:dgm="http://schemas.openxmlformats.org/drawingml/2006/diagram" xmlns:o="urn:schemas-microsoft-com:office:office" xmlns:v="urn:schemas-microsoft-com:vml" xmlns:pvml="urn:schemas-microsoft-com:office:powerpoint" xmlns:com="http://schemas.openxmlformats.org/drawingml/2006/compatibility" xmlns:p14="http://schemas.microsoft.com/office/powerpoint/2010/main" showMasterSp="0" showMasterPhAnim="0">
   <p:cSld>
     <p:spTree>
       <p:nvGrpSpPr>
-        <p:cNvPr id="90" name="Shape 90"/>
+        <p:cNvPr id="84" name="Shape 84"/>
         <p:cNvGrpSpPr/>
         <p:nvPr/>
       </p:nvGrpSpPr>
@@ -2781,7 +3022,7 @@
       </p:grpSpPr>
       <p:sp>
         <p:nvSpPr>
-          <p:cNvPr id="91" name="Shape 91"/>
+          <p:cNvPr id="85" name="Shape 85"/>
           <p:cNvSpPr/>
           <p:nvPr>
             <p:ph idx="2" type="sldImg"/>
@@ -2825,7 +3066,7 @@
       </p:sp>
       <p:sp>
         <p:nvSpPr>
-          <p:cNvPr id="92" name="Shape 92"/>
+          <p:cNvPr id="86" name="Shape 86"/>
           <p:cNvSpPr txBox="1"/>
           <p:nvPr>
             <p:ph idx="1" type="body"/>
@@ -2854,7 +3095,7 @@
             </a:pPr>
             <a:r>
               <a:rPr lang="en"/>
-              <a:t>Our system will be using JSON objects to format data when sending and receiving data. So what is JSON? JSON stands for JavaScript Object Notation and is basically just a string notation for a dictionary. Its lightweight and its easy for us humans to understand. Its also not difficult for machines to parse through.</a:t>
+              <a:t>Section 3.3.2</a:t>
             </a:r>
           </a:p>
           <a:p>
@@ -2870,7 +3111,7 @@
             <a:endParaRPr/>
           </a:p>
           <a:p>
-            <a:pPr rtl="0">
+            <a:pPr>
               <a:spcBef>
                 <a:spcPts val="0"/>
               </a:spcBef>
@@ -2878,19 +3119,7 @@
             </a:pPr>
             <a:r>
               <a:rPr lang="en"/>
-              <a:t>As you can see above, if we were to store a database table information it would look like the above notation. It begins with table name then inside of the brackets there are columns in red and the stored information in blue. For an example we will be sending level information to and from the iOS application, it would look like this. Level, level_id, name….</a:t>
-            </a:r>
-          </a:p>
-          <a:p>
-            <a:pPr>
-              <a:spcBef>
-                <a:spcPts val="0"/>
-              </a:spcBef>
-              <a:buNone/>
-            </a:pPr>
-            <a:r>
-              <a:rPr lang="en"/>
-              <a:t>What's nice about using JSON is PHP has a built in json_encode an json_decode function which will take in array or a json object and output the reverse.</a:t>
+              <a:t>Similar MVC design as the iOS application. ADD MORE NOTES</a:t>
             </a:r>
           </a:p>
         </p:txBody>
@@ -2903,12 +3132,12 @@
 </p:notes>
 </file>
 
-<file path=ppt/notesSlides/notesSlide9.xml><?xml version="1.0" encoding="utf-8"?>
+<file path=ppt/notesSlides/notesSlide8.xml><?xml version="1.0" encoding="utf-8"?>
 <p:notes xmlns:a="http://schemas.openxmlformats.org/drawingml/2006/main" xmlns:r="http://schemas.openxmlformats.org/officeDocument/2006/relationships" xmlns:mc="http://schemas.openxmlformats.org/markup-compatibility/2006" xmlns:mv="urn:schemas-microsoft-com:mac:vml" xmlns:p="http://schemas.openxmlformats.org/presentationml/2006/main" xmlns:c="http://schemas.openxmlformats.org/drawingml/2006/chart" xmlns:dgm="http://schemas.openxmlformats.org/drawingml/2006/diagram" xmlns:o="urn:schemas-microsoft-com:office:office" xmlns:v="urn:schemas-microsoft-com:vml" xmlns:pvml="urn:schemas-microsoft-com:office:powerpoint" xmlns:com="http://schemas.openxmlformats.org/drawingml/2006/compatibility" xmlns:p14="http://schemas.microsoft.com/office/powerpoint/2010/main" showMasterSp="0" showMasterPhAnim="0">
   <p:cSld>
     <p:spTree>
       <p:nvGrpSpPr>
-        <p:cNvPr id="96" name="Shape 96"/>
+        <p:cNvPr id="90" name="Shape 90"/>
         <p:cNvGrpSpPr/>
         <p:nvPr/>
       </p:nvGrpSpPr>
@@ -2922,7 +3151,7 @@
       </p:grpSpPr>
       <p:sp>
         <p:nvSpPr>
-          <p:cNvPr id="97" name="Shape 97"/>
+          <p:cNvPr id="91" name="Shape 91"/>
           <p:cNvSpPr/>
           <p:nvPr>
             <p:ph idx="2" type="sldImg"/>
@@ -2966,6 +3195,147 @@
       </p:sp>
       <p:sp>
         <p:nvSpPr>
+          <p:cNvPr id="92" name="Shape 92"/>
+          <p:cNvSpPr txBox="1"/>
+          <p:nvPr>
+            <p:ph idx="1" type="body"/>
+          </p:nvPr>
+        </p:nvSpPr>
+        <p:spPr>
+          <a:xfrm>
+            <a:off y="4343400" x="685800"/>
+            <a:ext cy="4114800" cx="5486399"/>
+          </a:xfrm>
+          <a:prstGeom prst="rect">
+            <a:avLst/>
+          </a:prstGeom>
+        </p:spPr>
+        <p:txBody>
+          <a:bodyPr bIns="91425" rIns="91425" lIns="91425" tIns="91425" anchor="t" anchorCtr="0">
+            <a:noAutofit/>
+          </a:bodyPr>
+          <a:lstStyle/>
+          <a:p>
+            <a:pPr rtl="0">
+              <a:spcBef>
+                <a:spcPts val="0"/>
+              </a:spcBef>
+              <a:buNone/>
+            </a:pPr>
+            <a:r>
+              <a:rPr lang="en"/>
+              <a:t>Our system will be using JSON objects to format data when sending and receiving data. So what is JSON? JSON stands for JavaScript Object Notation and is basically just a string notation for a dictionary. Its lightweight and its easy for us humans to understand. Its also not difficult for machines to parse through.</a:t>
+            </a:r>
+          </a:p>
+          <a:p>
+            <a:pPr rtl="0">
+              <a:spcBef>
+                <a:spcPts val="0"/>
+              </a:spcBef>
+              <a:buNone/>
+            </a:pPr>
+            <a:r>
+              <a:t/>
+            </a:r>
+            <a:endParaRPr/>
+          </a:p>
+          <a:p>
+            <a:pPr rtl="0">
+              <a:spcBef>
+                <a:spcPts val="0"/>
+              </a:spcBef>
+              <a:buNone/>
+            </a:pPr>
+            <a:r>
+              <a:rPr lang="en"/>
+              <a:t>As you can see above, if we were to store a database table information it would look like the above notation. It begins with table name then inside of the brackets there are columns in red and the stored information in blue. For an example we will be sending level information to and from the iOS application, it would look like this. Level, level_id, name….</a:t>
+            </a:r>
+          </a:p>
+          <a:p>
+            <a:pPr>
+              <a:spcBef>
+                <a:spcPts val="0"/>
+              </a:spcBef>
+              <a:buNone/>
+            </a:pPr>
+            <a:r>
+              <a:rPr lang="en"/>
+              <a:t>What's nice about using JSON is PHP has a built in json_encode an json_decode function which will take in array or a json object and output the reverse.</a:t>
+            </a:r>
+          </a:p>
+        </p:txBody>
+      </p:sp>
+    </p:spTree>
+  </p:cSld>
+  <p:clrMapOvr>
+    <a:masterClrMapping/>
+  </p:clrMapOvr>
+</p:notes>
+</file>
+
+<file path=ppt/notesSlides/notesSlide9.xml><?xml version="1.0" encoding="utf-8"?>
+<p:notes xmlns:a="http://schemas.openxmlformats.org/drawingml/2006/main" xmlns:r="http://schemas.openxmlformats.org/officeDocument/2006/relationships" xmlns:mc="http://schemas.openxmlformats.org/markup-compatibility/2006" xmlns:mv="urn:schemas-microsoft-com:mac:vml" xmlns:p="http://schemas.openxmlformats.org/presentationml/2006/main" xmlns:c="http://schemas.openxmlformats.org/drawingml/2006/chart" xmlns:dgm="http://schemas.openxmlformats.org/drawingml/2006/diagram" xmlns:o="urn:schemas-microsoft-com:office:office" xmlns:v="urn:schemas-microsoft-com:vml" xmlns:pvml="urn:schemas-microsoft-com:office:powerpoint" xmlns:com="http://schemas.openxmlformats.org/drawingml/2006/compatibility" xmlns:p14="http://schemas.microsoft.com/office/powerpoint/2010/main" showMasterSp="0" showMasterPhAnim="0">
+  <p:cSld>
+    <p:spTree>
+      <p:nvGrpSpPr>
+        <p:cNvPr id="96" name="Shape 96"/>
+        <p:cNvGrpSpPr/>
+        <p:nvPr/>
+      </p:nvGrpSpPr>
+      <p:grpSpPr>
+        <a:xfrm>
+          <a:off y="0" x="0"/>
+          <a:ext cy="0" cx="0"/>
+          <a:chOff y="0" x="0"/>
+          <a:chExt cy="0" cx="0"/>
+        </a:xfrm>
+      </p:grpSpPr>
+      <p:sp>
+        <p:nvSpPr>
+          <p:cNvPr id="97" name="Shape 97"/>
+          <p:cNvSpPr/>
+          <p:nvPr>
+            <p:ph idx="2" type="sldImg"/>
+          </p:nvPr>
+        </p:nvSpPr>
+        <p:spPr>
+          <a:xfrm>
+            <a:off y="685800" x="381187"/>
+            <a:ext cy="3429000" cx="6096299"/>
+          </a:xfrm>
+          <a:custGeom>
+            <a:pathLst>
+              <a:path w="120000" extrusionOk="0" h="120000">
+                <a:moveTo>
+                  <a:pt y="0" x="0"/>
+                </a:moveTo>
+                <a:lnTo>
+                  <a:pt y="0" x="120000"/>
+                </a:lnTo>
+                <a:lnTo>
+                  <a:pt y="120000" x="120000"/>
+                </a:lnTo>
+                <a:lnTo>
+                  <a:pt y="120000" x="0"/>
+                </a:lnTo>
+                <a:close/>
+              </a:path>
+            </a:pathLst>
+          </a:custGeom>
+          <a:noFill/>
+          <a:ln w="9525" cap="flat">
+            <a:solidFill>
+              <a:srgbClr val="000000"/>
+            </a:solidFill>
+            <a:prstDash val="solid"/>
+            <a:round/>
+            <a:headEnd w="med" len="med" type="none"/>
+            <a:tailEnd w="med" len="med" type="none"/>
+          </a:ln>
+        </p:spPr>
+      </p:sp>
+      <p:sp>
+        <p:nvSpPr>
           <p:cNvPr id="98" name="Shape 98"/>
           <p:cNvSpPr txBox="1"/>
           <p:nvPr>
@@ -2987,126 +3357,6 @@
           </a:bodyPr>
           <a:lstStyle/>
           <a:p>
-            <a:pPr rtl="0">
-              <a:spcBef>
-                <a:spcPts val="0"/>
-              </a:spcBef>
-              <a:buNone/>
-            </a:pPr>
-            <a:r>
-              <a:rPr lang="en"/>
-              <a:t>SSL(Secure Sockets Layer) If the web portal is communicating with the server or the iOS application is communicating with the server, the encryption and identification process will be the same.</a:t>
-            </a:r>
-          </a:p>
-          <a:p>
-            <a:pPr rtl="0">
-              <a:spcBef>
-                <a:spcPts val="0"/>
-              </a:spcBef>
-              <a:buNone/>
-            </a:pPr>
-            <a:r>
-              <a:t/>
-            </a:r>
-            <a:endParaRPr/>
-          </a:p>
-          <a:p>
-            <a:pPr rtl="0">
-              <a:spcBef>
-                <a:spcPts val="0"/>
-              </a:spcBef>
-              <a:buNone/>
-            </a:pPr>
-            <a:r>
-              <a:rPr lang="en"/>
-              <a:t>Encryption steps: </a:t>
-            </a:r>
-          </a:p>
-          <a:p>
-            <a:pPr rtl="0">
-              <a:spcBef>
-                <a:spcPts val="0"/>
-              </a:spcBef>
-              <a:buNone/>
-            </a:pPr>
-            <a:r>
-              <a:rPr lang="en"/>
-              <a:t>1) Server and device agree on encryption</a:t>
-            </a:r>
-          </a:p>
-          <a:p>
-            <a:pPr rtl="0">
-              <a:spcBef>
-                <a:spcPts val="0"/>
-              </a:spcBef>
-              <a:buNone/>
-            </a:pPr>
-            <a:r>
-              <a:rPr lang="en"/>
-              <a:t>2)Server sends certificate</a:t>
-            </a:r>
-          </a:p>
-          <a:p>
-            <a:pPr rtl="0">
-              <a:spcBef>
-                <a:spcPts val="0"/>
-              </a:spcBef>
-              <a:buNone/>
-            </a:pPr>
-            <a:r>
-              <a:rPr lang="en"/>
-              <a:t>3)Device requests to start encrypting</a:t>
-            </a:r>
-          </a:p>
-          <a:p>
-            <a:pPr rtl="0">
-              <a:spcBef>
-                <a:spcPts val="0"/>
-              </a:spcBef>
-              <a:buNone/>
-            </a:pPr>
-            <a:r>
-              <a:rPr lang="en"/>
-              <a:t>4) Server requests the device to start encrypting</a:t>
-            </a:r>
-          </a:p>
-          <a:p>
-            <a:pPr rtl="0">
-              <a:spcBef>
-                <a:spcPts val="0"/>
-              </a:spcBef>
-              <a:buNone/>
-            </a:pPr>
-            <a:r>
-              <a:rPr lang="en"/>
-              <a:t>5) Final, total encryption  </a:t>
-            </a:r>
-          </a:p>
-          <a:p>
-            <a:pPr rtl="0">
-              <a:spcBef>
-                <a:spcPts val="0"/>
-              </a:spcBef>
-              <a:buNone/>
-            </a:pPr>
-            <a:r>
-              <a:t/>
-            </a:r>
-            <a:endParaRPr/>
-          </a:p>
-          <a:p>
-            <a:pPr rtl="0">
-              <a:spcBef>
-                <a:spcPts val="0"/>
-              </a:spcBef>
-              <a:buNone/>
-            </a:pPr>
-            <a:r>
-              <a:rPr lang="en"/>
-              <a:t>Identification steps:</a:t>
-            </a:r>
-          </a:p>
-          <a:p>
             <a:pPr rtl="0" lvl="0">
               <a:lnSpc>
                 <a:spcPct val="115000"/>
@@ -3117,117 +3367,21 @@
               <a:buClr>
                 <a:schemeClr val="dk1"/>
               </a:buClr>
-              <a:buSzPct val="100000"/>
+              <a:buSzPct val="91666"/>
               <a:buFont typeface="Arial"/>
               <a:buNone/>
             </a:pPr>
             <a:r>
-              <a:rPr lang="en">
+              <a:rPr sz="1200" lang="en">
                 <a:solidFill>
                   <a:schemeClr val="dk1"/>
                 </a:solidFill>
               </a:rPr>
-              <a:t>1) Company asks CA for a certificate</a:t>
-            </a:r>
-          </a:p>
-          <a:p>
-            <a:pPr rtl="0" lvl="0">
-              <a:lnSpc>
-                <a:spcPct val="115000"/>
-              </a:lnSpc>
-              <a:spcBef>
-                <a:spcPts val="0"/>
-              </a:spcBef>
-              <a:buClr>
-                <a:schemeClr val="dk1"/>
-              </a:buClr>
-              <a:buSzPct val="100000"/>
-              <a:buFont typeface="Arial"/>
-              <a:buNone/>
-            </a:pPr>
-            <a:r>
-              <a:rPr lang="en">
-                <a:solidFill>
-                  <a:schemeClr val="dk1"/>
-                </a:solidFill>
-              </a:rPr>
-              <a:t>2) CA creates certificate and signs it</a:t>
-            </a:r>
-          </a:p>
-          <a:p>
-            <a:pPr rtl="0" lvl="0">
-              <a:lnSpc>
-                <a:spcPct val="115000"/>
-              </a:lnSpc>
-              <a:spcBef>
-                <a:spcPts val="0"/>
-              </a:spcBef>
-              <a:buClr>
-                <a:schemeClr val="dk1"/>
-              </a:buClr>
-              <a:buSzPct val="100000"/>
-              <a:buFont typeface="Arial"/>
-              <a:buNone/>
-            </a:pPr>
-            <a:r>
-              <a:rPr lang="en">
-                <a:solidFill>
-                  <a:schemeClr val="dk1"/>
-                </a:solidFill>
-              </a:rPr>
-              <a:t>3) Certificate installed in server</a:t>
-            </a:r>
-          </a:p>
-          <a:p>
-            <a:pPr rtl="0" lvl="0">
-              <a:lnSpc>
-                <a:spcPct val="115000"/>
-              </a:lnSpc>
-              <a:spcBef>
-                <a:spcPts val="0"/>
-              </a:spcBef>
-              <a:buClr>
-                <a:schemeClr val="dk1"/>
-              </a:buClr>
-              <a:buSzPct val="100000"/>
-              <a:buFont typeface="Arial"/>
-              <a:buNone/>
-            </a:pPr>
-            <a:r>
-              <a:rPr lang="en">
-                <a:solidFill>
-                  <a:schemeClr val="dk1"/>
-                </a:solidFill>
-              </a:rPr>
-              <a:t>4) Browser issued with root certificates</a:t>
-            </a:r>
-          </a:p>
-          <a:p>
-            <a:pPr rtl="0" lvl="0">
-              <a:lnSpc>
-                <a:spcPct val="115000"/>
-              </a:lnSpc>
-              <a:spcBef>
-                <a:spcPts val="0"/>
-              </a:spcBef>
-              <a:buClr>
-                <a:schemeClr val="dk1"/>
-              </a:buClr>
-              <a:buSzPct val="100000"/>
-              <a:buFont typeface="Arial"/>
-              <a:buNone/>
-            </a:pPr>
-            <a:r>
-              <a:rPr lang="en">
-                <a:solidFill>
-                  <a:schemeClr val="dk1"/>
-                </a:solidFill>
-              </a:rPr>
-              <a:t>5) Browser trust correctly signed certs</a:t>
-            </a:r>
-          </a:p>
-          <a:p>
-            <a:pPr rtl="0">
+              <a:t>The web portal will also send and receive level, question, and student level progress information. However, the web portal will not be using JSON formatting, since querying the database will written in PHP, the web portal will eliminate the JSON formatting step and just store result sets in a string or an array.</a:t>
+            </a:r>
+          </a:p>
+          <a:p>
+            <a:pPr>
               <a:spcBef>
                 <a:spcPts val="0"/>
               </a:spcBef>
@@ -3237,30 +3391,6 @@
               <a:t/>
             </a:r>
             <a:endParaRPr/>
-          </a:p>
-          <a:p>
-            <a:pPr rtl="0">
-              <a:spcBef>
-                <a:spcPts val="0"/>
-              </a:spcBef>
-              <a:buNone/>
-            </a:pPr>
-            <a:r>
-              <a:t/>
-            </a:r>
-            <a:endParaRPr/>
-          </a:p>
-          <a:p>
-            <a:pPr>
-              <a:spcBef>
-                <a:spcPts val="0"/>
-              </a:spcBef>
-              <a:buNone/>
-            </a:pPr>
-            <a:r>
-              <a:rPr lang="en"/>
-              <a:t>Storing Credentials: All credentials will be stored in database using salting and hashing on the password to ensure security.</a:t>
-            </a:r>
           </a:p>
         </p:txBody>
       </p:sp>
@@ -6474,7 +6604,7 @@
             </a:pPr>
             <a:r>
               <a:rPr lang="en"/>
-              <a:t>User Roles</a:t>
+              <a:t>Security Architecture</a:t>
             </a:r>
           </a:p>
         </p:txBody>
@@ -6501,18 +6631,6 @@
             <a:noAutofit/>
           </a:bodyPr>
           <a:lstStyle/>
-          <a:p>
-            <a:pPr rtl="0" lvl="0">
-              <a:spcBef>
-                <a:spcPts val="0"/>
-              </a:spcBef>
-              <a:buNone/>
-            </a:pPr>
-            <a:r>
-              <a:rPr u="sng" lang="en"/>
-              <a:t>Actors:</a:t>
-            </a:r>
-          </a:p>
           <a:p>
             <a:pPr rtl="0" lvl="0" indent="-419100" marL="457200">
               <a:spcBef>
@@ -6527,7 +6645,7 @@
             </a:pPr>
             <a:r>
               <a:rPr lang="en"/>
-              <a:t>Administrator</a:t>
+              <a:t>SSL Encryption</a:t>
             </a:r>
           </a:p>
           <a:p>
@@ -6544,7 +6662,7 @@
             </a:pPr>
             <a:r>
               <a:rPr lang="en"/>
-              <a:t>Teacher</a:t>
+              <a:t>Identification</a:t>
             </a:r>
           </a:p>
           <a:p>
@@ -6561,7 +6679,7 @@
             </a:pPr>
             <a:r>
               <a:rPr lang="en"/>
-              <a:t>Student</a:t>
+              <a:t>Storing Credentials </a:t>
             </a:r>
           </a:p>
         </p:txBody>
@@ -6625,39 +6743,98 @@
             </a:pPr>
             <a:r>
               <a:rPr lang="en"/>
-              <a:t>Administrator Role</a:t>
+              <a:t>User Roles</a:t>
             </a:r>
           </a:p>
         </p:txBody>
       </p:sp>
-      <p:pic>
-        <p:nvPicPr>
+      <p:sp>
+        <p:nvSpPr>
           <p:cNvPr id="107" name="Shape 107"/>
-          <p:cNvPicPr preferRelativeResize="0"/>
-          <p:nvPr/>
-        </p:nvPicPr>
-        <p:blipFill>
-          <a:blip r:embed="rId3">
-            <a:alphaModFix/>
-          </a:blip>
-          <a:stretch>
-            <a:fillRect/>
-          </a:stretch>
-        </p:blipFill>
-        <p:spPr>
-          <a:xfrm>
-            <a:off y="1662200" x="1269800"/>
-            <a:ext cy="2771775" cx="3209925"/>
+          <p:cNvSpPr txBox="1"/>
+          <p:nvPr>
+            <p:ph idx="1" type="body"/>
+          </p:nvPr>
+        </p:nvSpPr>
+        <p:spPr>
+          <a:xfrm>
+            <a:off y="1200150" x="457200"/>
+            <a:ext cy="3725699" cx="8229600"/>
           </a:xfrm>
           <a:prstGeom prst="rect">
             <a:avLst/>
           </a:prstGeom>
-          <a:noFill/>
-          <a:ln>
-            <a:noFill/>
-          </a:ln>
-        </p:spPr>
-      </p:pic>
+        </p:spPr>
+        <p:txBody>
+          <a:bodyPr bIns="91425" rIns="91425" lIns="91425" tIns="91425" anchor="t" anchorCtr="0">
+            <a:noAutofit/>
+          </a:bodyPr>
+          <a:lstStyle/>
+          <a:p>
+            <a:pPr rtl="0" lvl="0">
+              <a:spcBef>
+                <a:spcPts val="0"/>
+              </a:spcBef>
+              <a:buNone/>
+            </a:pPr>
+            <a:r>
+              <a:rPr u="sng" lang="en"/>
+              <a:t>Actors:</a:t>
+            </a:r>
+          </a:p>
+          <a:p>
+            <a:pPr rtl="0" lvl="0" indent="-419100" marL="457200">
+              <a:spcBef>
+                <a:spcPts val="0"/>
+              </a:spcBef>
+              <a:buClr>
+                <a:schemeClr val="dk1"/>
+              </a:buClr>
+              <a:buSzPct val="100000"/>
+              <a:buFont typeface="Arial"/>
+              <a:buChar char="●"/>
+            </a:pPr>
+            <a:r>
+              <a:rPr lang="en"/>
+              <a:t>Administrator</a:t>
+            </a:r>
+          </a:p>
+          <a:p>
+            <a:pPr rtl="0" lvl="0" indent="-419100" marL="457200">
+              <a:spcBef>
+                <a:spcPts val="0"/>
+              </a:spcBef>
+              <a:buClr>
+                <a:schemeClr val="dk1"/>
+              </a:buClr>
+              <a:buSzPct val="100000"/>
+              <a:buFont typeface="Arial"/>
+              <a:buChar char="●"/>
+            </a:pPr>
+            <a:r>
+              <a:rPr lang="en"/>
+              <a:t>Teacher</a:t>
+            </a:r>
+          </a:p>
+          <a:p>
+            <a:pPr lvl="0" indent="-419100" marL="457200">
+              <a:spcBef>
+                <a:spcPts val="0"/>
+              </a:spcBef>
+              <a:buClr>
+                <a:schemeClr val="dk1"/>
+              </a:buClr>
+              <a:buSzPct val="100000"/>
+              <a:buFont typeface="Arial"/>
+              <a:buChar char="●"/>
+            </a:pPr>
+            <a:r>
+              <a:rPr lang="en"/>
+              <a:t>Student</a:t>
+            </a:r>
+          </a:p>
+        </p:txBody>
+      </p:sp>
     </p:spTree>
   </p:cSld>
   <p:clrMapOvr>
@@ -6717,7 +6894,7 @@
             </a:pPr>
             <a:r>
               <a:rPr lang="en"/>
-              <a:t>Teacher Role</a:t>
+              <a:t>Administrator Role</a:t>
             </a:r>
           </a:p>
         </p:txBody>
@@ -6738,8 +6915,8 @@
         </p:blipFill>
         <p:spPr>
           <a:xfrm>
-            <a:off y="1567648" x="91575"/>
-            <a:ext cy="3519425" cx="7475550"/>
+            <a:off y="1662200" x="1269800"/>
+            <a:ext cy="2771775" cx="3209925"/>
           </a:xfrm>
           <a:prstGeom prst="rect">
             <a:avLst/>
@@ -6809,7 +6986,7 @@
             </a:pPr>
             <a:r>
               <a:rPr lang="en"/>
-              <a:t>Student Role</a:t>
+              <a:t>Teacher Role</a:t>
             </a:r>
           </a:p>
         </p:txBody>
@@ -6830,8 +7007,8 @@
         </p:blipFill>
         <p:spPr>
           <a:xfrm>
-            <a:off y="1533700" x="220075"/>
-            <a:ext cy="3438525" cx="5772150"/>
+            <a:off y="1567648" x="91575"/>
+            <a:ext cy="3519425" cx="7475550"/>
           </a:xfrm>
           <a:prstGeom prst="rect">
             <a:avLst/>
@@ -6901,7 +7078,7 @@
             </a:pPr>
             <a:r>
               <a:rPr lang="en"/>
-              <a:t>Teacher Use Case</a:t>
+              <a:t>Student Role</a:t>
             </a:r>
           </a:p>
         </p:txBody>
@@ -6922,8 +7099,8 @@
         </p:blipFill>
         <p:spPr>
           <a:xfrm>
-            <a:off y="2590425" x="1906150"/>
-            <a:ext cy="772724" cx="780524"/>
+            <a:off y="1533700" x="220075"/>
+            <a:ext cy="3438525" cx="5772150"/>
           </a:xfrm>
           <a:prstGeom prst="rect">
             <a:avLst/>
@@ -6934,926 +7111,6 @@
           </a:ln>
         </p:spPr>
       </p:pic>
-      <p:sp>
-        <p:nvSpPr>
-          <p:cNvPr id="126" name="Shape 126"/>
-          <p:cNvSpPr txBox="1"/>
-          <p:nvPr/>
-        </p:nvSpPr>
-        <p:spPr>
-          <a:xfrm>
-            <a:off y="1854225" x="-27650"/>
-            <a:ext cy="580799" cx="8983499"/>
-          </a:xfrm>
-          <a:prstGeom prst="rect">
-            <a:avLst/>
-          </a:prstGeom>
-          <a:noFill/>
-          <a:ln>
-            <a:noFill/>
-          </a:ln>
-        </p:spPr>
-        <p:txBody>
-          <a:bodyPr bIns="91425" rIns="91425" lIns="91425" tIns="91425" anchor="t" anchorCtr="0">
-            <a:noAutofit/>
-          </a:bodyPr>
-          <a:lstStyle/>
-          <a:p>
-            <a:pPr rtl="0" lvl="0">
-              <a:spcBef>
-                <a:spcPts val="0"/>
-              </a:spcBef>
-              <a:buNone/>
-            </a:pPr>
-            <a:r>
-              <a:rPr sz="1200" lang="en"/>
-              <a:t>Preconditions:				Normal Flow:									Postconditions:</a:t>
-            </a:r>
-          </a:p>
-          <a:p>
-            <a:pPr rtl="0" lvl="0">
-              <a:spcBef>
-                <a:spcPts val="0"/>
-              </a:spcBef>
-              <a:buNone/>
-            </a:pPr>
-            <a:r>
-              <a:t/>
-            </a:r>
-            <a:endParaRPr/>
-          </a:p>
-        </p:txBody>
-      </p:sp>
-      <p:sp>
-        <p:nvSpPr>
-          <p:cNvPr id="127" name="Shape 127"/>
-          <p:cNvSpPr/>
-          <p:nvPr/>
-        </p:nvSpPr>
-        <p:spPr>
-          <a:xfrm>
-            <a:off y="2590425" x="3379800"/>
-            <a:ext cy="115800" cx="1081500"/>
-          </a:xfrm>
-          <a:prstGeom prst="rect">
-            <a:avLst/>
-          </a:prstGeom>
-          <a:solidFill>
-            <a:schemeClr val="lt2"/>
-          </a:solidFill>
-          <a:ln w="19050" cap="flat">
-            <a:solidFill>
-              <a:schemeClr val="dk2"/>
-            </a:solidFill>
-            <a:prstDash val="solid"/>
-            <a:round/>
-            <a:headEnd w="med" len="med" type="none"/>
-            <a:tailEnd w="med" len="med" type="none"/>
-          </a:ln>
-        </p:spPr>
-        <p:txBody>
-          <a:bodyPr bIns="91425" rIns="91425" lIns="91425" tIns="91425" anchor="ctr" anchorCtr="0">
-            <a:noAutofit/>
-          </a:bodyPr>
-          <a:lstStyle/>
-          <a:p>
-            <a:pPr>
-              <a:spcBef>
-                <a:spcPts val="0"/>
-              </a:spcBef>
-              <a:buNone/>
-            </a:pPr>
-            <a:r>
-              <a:rPr sz="900" lang="en"/>
-              <a:t>Teacher Name</a:t>
-            </a:r>
-          </a:p>
-        </p:txBody>
-      </p:sp>
-      <p:sp>
-        <p:nvSpPr>
-          <p:cNvPr id="128" name="Shape 128"/>
-          <p:cNvSpPr txBox="1"/>
-          <p:nvPr/>
-        </p:nvSpPr>
-        <p:spPr>
-          <a:xfrm>
-            <a:off y="1265425" x="48550"/>
-            <a:ext cy="580799" cx="2238600"/>
-          </a:xfrm>
-          <a:prstGeom prst="rect">
-            <a:avLst/>
-          </a:prstGeom>
-          <a:noFill/>
-          <a:ln>
-            <a:noFill/>
-          </a:ln>
-        </p:spPr>
-        <p:txBody>
-          <a:bodyPr bIns="91425" rIns="91425" lIns="91425" tIns="91425" anchor="t" anchorCtr="0">
-            <a:noAutofit/>
-          </a:bodyPr>
-          <a:lstStyle/>
-          <a:p>
-            <a:pPr rtl="0" lvl="0">
-              <a:spcBef>
-                <a:spcPts val="0"/>
-              </a:spcBef>
-              <a:buNone/>
-            </a:pPr>
-            <a:r>
-              <a:rPr u="sng" lang="en"/>
-              <a:t>Teacher creates a class:</a:t>
-            </a:r>
-          </a:p>
-          <a:p>
-            <a:pPr rtl="0" lvl="0">
-              <a:spcBef>
-                <a:spcPts val="0"/>
-              </a:spcBef>
-              <a:buNone/>
-            </a:pPr>
-            <a:r>
-              <a:t/>
-            </a:r>
-            <a:endParaRPr/>
-          </a:p>
-        </p:txBody>
-      </p:sp>
-      <p:sp>
-        <p:nvSpPr>
-          <p:cNvPr id="129" name="Shape 129"/>
-          <p:cNvSpPr/>
-          <p:nvPr/>
-        </p:nvSpPr>
-        <p:spPr>
-          <a:xfrm>
-            <a:off y="2819025" x="3379800"/>
-            <a:ext cy="115800" cx="1081500"/>
-          </a:xfrm>
-          <a:prstGeom prst="rect">
-            <a:avLst/>
-          </a:prstGeom>
-          <a:solidFill>
-            <a:schemeClr val="lt2"/>
-          </a:solidFill>
-          <a:ln w="19050" cap="flat">
-            <a:solidFill>
-              <a:schemeClr val="dk2"/>
-            </a:solidFill>
-            <a:prstDash val="solid"/>
-            <a:round/>
-            <a:headEnd w="med" len="med" type="none"/>
-            <a:tailEnd w="med" len="med" type="none"/>
-          </a:ln>
-        </p:spPr>
-        <p:txBody>
-          <a:bodyPr bIns="91425" rIns="91425" lIns="91425" tIns="91425" anchor="ctr" anchorCtr="0">
-            <a:noAutofit/>
-          </a:bodyPr>
-          <a:lstStyle/>
-          <a:p>
-            <a:pPr rtl="0" lvl="0">
-              <a:spcBef>
-                <a:spcPts val="0"/>
-              </a:spcBef>
-              <a:buNone/>
-            </a:pPr>
-            <a:r>
-              <a:rPr sz="900" lang="en"/>
-              <a:t>ClassName</a:t>
-            </a:r>
-          </a:p>
-        </p:txBody>
-      </p:sp>
-      <p:sp>
-        <p:nvSpPr>
-          <p:cNvPr id="130" name="Shape 130"/>
-          <p:cNvSpPr/>
-          <p:nvPr/>
-        </p:nvSpPr>
-        <p:spPr>
-          <a:xfrm>
-            <a:off y="3047625" x="3379800"/>
-            <a:ext cy="115800" cx="1081500"/>
-          </a:xfrm>
-          <a:prstGeom prst="rect">
-            <a:avLst/>
-          </a:prstGeom>
-          <a:solidFill>
-            <a:schemeClr val="lt2"/>
-          </a:solidFill>
-          <a:ln w="19050" cap="flat">
-            <a:solidFill>
-              <a:schemeClr val="dk2"/>
-            </a:solidFill>
-            <a:prstDash val="solid"/>
-            <a:round/>
-            <a:headEnd w="med" len="med" type="none"/>
-            <a:tailEnd w="med" len="med" type="none"/>
-          </a:ln>
-        </p:spPr>
-        <p:txBody>
-          <a:bodyPr bIns="91425" rIns="91425" lIns="91425" tIns="91425" anchor="ctr" anchorCtr="0">
-            <a:noAutofit/>
-          </a:bodyPr>
-          <a:lstStyle/>
-          <a:p>
-            <a:pPr rtl="0" lvl="0">
-              <a:spcBef>
-                <a:spcPts val="0"/>
-              </a:spcBef>
-              <a:buNone/>
-            </a:pPr>
-            <a:r>
-              <a:rPr sz="900" lang="en"/>
-              <a:t>Class Password</a:t>
-            </a:r>
-          </a:p>
-        </p:txBody>
-      </p:sp>
-      <p:sp>
-        <p:nvSpPr>
-          <p:cNvPr id="131" name="Shape 131"/>
-          <p:cNvSpPr/>
-          <p:nvPr/>
-        </p:nvSpPr>
-        <p:spPr>
-          <a:xfrm>
-            <a:off y="3449475" x="2660225"/>
-            <a:ext cy="205499" cx="559499"/>
-          </a:xfrm>
-          <a:prstGeom prst="rightArrow">
-            <a:avLst>
-              <a:gd fmla="val 50000" name="adj1"/>
-              <a:gd fmla="val 50000" name="adj2"/>
-            </a:avLst>
-          </a:prstGeom>
-          <a:solidFill>
-            <a:schemeClr val="lt2"/>
-          </a:solidFill>
-          <a:ln w="19050" cap="flat">
-            <a:solidFill>
-              <a:schemeClr val="dk2"/>
-            </a:solidFill>
-            <a:prstDash val="solid"/>
-            <a:round/>
-            <a:headEnd w="med" len="med" type="none"/>
-            <a:tailEnd w="med" len="med" type="none"/>
-          </a:ln>
-        </p:spPr>
-        <p:txBody>
-          <a:bodyPr bIns="91425" rIns="91425" lIns="91425" tIns="91425" anchor="ctr" anchorCtr="0">
-            <a:noAutofit/>
-          </a:bodyPr>
-          <a:lstStyle/>
-          <a:p>
-            <a:pPr>
-              <a:spcBef>
-                <a:spcPts val="0"/>
-              </a:spcBef>
-              <a:buNone/>
-            </a:pPr>
-            <a:r>
-              <a:t/>
-            </a:r>
-            <a:endParaRPr/>
-          </a:p>
-        </p:txBody>
-      </p:sp>
-      <p:sp>
-        <p:nvSpPr>
-          <p:cNvPr id="132" name="Shape 132"/>
-          <p:cNvSpPr/>
-          <p:nvPr/>
-        </p:nvSpPr>
-        <p:spPr>
-          <a:xfrm>
-            <a:off y="3468225" x="3392850"/>
-            <a:ext cy="205499" cx="1081500"/>
-          </a:xfrm>
-          <a:prstGeom prst="bevel">
-            <a:avLst>
-              <a:gd fmla="val 12500" name="adj"/>
-            </a:avLst>
-          </a:prstGeom>
-          <a:solidFill>
-            <a:schemeClr val="lt2"/>
-          </a:solidFill>
-          <a:ln w="19050" cap="flat">
-            <a:solidFill>
-              <a:schemeClr val="dk2"/>
-            </a:solidFill>
-            <a:prstDash val="solid"/>
-            <a:round/>
-            <a:headEnd w="med" len="med" type="none"/>
-            <a:tailEnd w="med" len="med" type="none"/>
-          </a:ln>
-        </p:spPr>
-        <p:txBody>
-          <a:bodyPr bIns="91425" rIns="91425" lIns="91425" tIns="91425" anchor="ctr" anchorCtr="0">
-            <a:noAutofit/>
-          </a:bodyPr>
-          <a:lstStyle/>
-          <a:p>
-            <a:pPr>
-              <a:spcBef>
-                <a:spcPts val="0"/>
-              </a:spcBef>
-              <a:buNone/>
-            </a:pPr>
-            <a:r>
-              <a:rPr b="1" sz="900" lang="en"/>
-              <a:t>Create Class</a:t>
-            </a:r>
-          </a:p>
-        </p:txBody>
-      </p:sp>
-      <p:sp>
-        <p:nvSpPr>
-          <p:cNvPr id="133" name="Shape 133"/>
-          <p:cNvSpPr txBox="1"/>
-          <p:nvPr/>
-        </p:nvSpPr>
-        <p:spPr>
-          <a:xfrm>
-            <a:off y="2508725" x="-164675"/>
-            <a:ext cy="1523100" cx="1905899"/>
-          </a:xfrm>
-          <a:prstGeom prst="rect">
-            <a:avLst/>
-          </a:prstGeom>
-          <a:noFill/>
-          <a:ln>
-            <a:noFill/>
-          </a:ln>
-        </p:spPr>
-        <p:txBody>
-          <a:bodyPr bIns="91425" rIns="91425" lIns="91425" tIns="91425" anchor="t" anchorCtr="0">
-            <a:noAutofit/>
-          </a:bodyPr>
-          <a:lstStyle/>
-          <a:p>
-            <a:pPr rtl="0" lvl="0" indent="-285750" marL="457200">
-              <a:spcBef>
-                <a:spcPts val="0"/>
-              </a:spcBef>
-              <a:buClr>
-                <a:srgbClr val="000000"/>
-              </a:buClr>
-              <a:buSzPct val="100000"/>
-              <a:buFont typeface="Arial"/>
-              <a:buChar char="●"/>
-            </a:pPr>
-            <a:r>
-              <a:rPr sz="900" lang="en"/>
-              <a:t>Existing Account</a:t>
-            </a:r>
-          </a:p>
-          <a:p>
-            <a:pPr rtl="0" lvl="0" indent="-285750" marL="457200">
-              <a:spcBef>
-                <a:spcPts val="0"/>
-              </a:spcBef>
-              <a:buClr>
-                <a:srgbClr val="000000"/>
-              </a:buClr>
-              <a:buSzPct val="100000"/>
-              <a:buFont typeface="Arial"/>
-              <a:buChar char="●"/>
-            </a:pPr>
-            <a:r>
-              <a:rPr sz="900" lang="en"/>
-              <a:t>Valid Session</a:t>
-            </a:r>
-          </a:p>
-          <a:p>
-            <a:pPr rtl="0" lvl="0" indent="-285750" marL="457200">
-              <a:spcBef>
-                <a:spcPts val="0"/>
-              </a:spcBef>
-              <a:buClr>
-                <a:srgbClr val="000000"/>
-              </a:buClr>
-              <a:buSzPct val="100000"/>
-              <a:buFont typeface="Arial"/>
-              <a:buChar char="●"/>
-            </a:pPr>
-            <a:r>
-              <a:rPr sz="900" lang="en"/>
-              <a:t>Using Chrome</a:t>
-            </a:r>
-          </a:p>
-          <a:p>
-            <a:pPr lvl="0" indent="-285750" marL="457200">
-              <a:spcBef>
-                <a:spcPts val="0"/>
-              </a:spcBef>
-              <a:buClr>
-                <a:srgbClr val="000000"/>
-              </a:buClr>
-              <a:buSzPct val="100000"/>
-              <a:buFont typeface="Arial"/>
-              <a:buChar char="●"/>
-            </a:pPr>
-            <a:r>
-              <a:rPr sz="900" lang="en"/>
-              <a:t>Internet Connection</a:t>
-            </a:r>
-          </a:p>
-        </p:txBody>
-      </p:sp>
-      <p:pic>
-        <p:nvPicPr>
-          <p:cNvPr id="134" name="Shape 134"/>
-          <p:cNvPicPr preferRelativeResize="0"/>
-          <p:nvPr/>
-        </p:nvPicPr>
-        <p:blipFill>
-          <a:blip r:embed="rId4">
-            <a:alphaModFix/>
-          </a:blip>
-          <a:stretch>
-            <a:fillRect/>
-          </a:stretch>
-        </p:blipFill>
-        <p:spPr>
-          <a:xfrm>
-            <a:off y="2443025" x="1392375"/>
-            <a:ext cy="263199" cx="263199"/>
-          </a:xfrm>
-          <a:prstGeom prst="rect">
-            <a:avLst/>
-          </a:prstGeom>
-          <a:noFill/>
-          <a:ln>
-            <a:noFill/>
-          </a:ln>
-        </p:spPr>
-      </p:pic>
-      <p:pic>
-        <p:nvPicPr>
-          <p:cNvPr id="135" name="Shape 135"/>
-          <p:cNvPicPr preferRelativeResize="0"/>
-          <p:nvPr/>
-        </p:nvPicPr>
-        <p:blipFill>
-          <a:blip r:embed="rId4">
-            <a:alphaModFix/>
-          </a:blip>
-          <a:stretch>
-            <a:fillRect/>
-          </a:stretch>
-        </p:blipFill>
-        <p:spPr>
-          <a:xfrm>
-            <a:off y="2595425" x="1392375"/>
-            <a:ext cy="263199" cx="263199"/>
-          </a:xfrm>
-          <a:prstGeom prst="rect">
-            <a:avLst/>
-          </a:prstGeom>
-          <a:noFill/>
-          <a:ln>
-            <a:noFill/>
-          </a:ln>
-        </p:spPr>
-      </p:pic>
-      <p:pic>
-        <p:nvPicPr>
-          <p:cNvPr id="136" name="Shape 136"/>
-          <p:cNvPicPr preferRelativeResize="0"/>
-          <p:nvPr/>
-        </p:nvPicPr>
-        <p:blipFill>
-          <a:blip r:embed="rId4">
-            <a:alphaModFix/>
-          </a:blip>
-          <a:stretch>
-            <a:fillRect/>
-          </a:stretch>
-        </p:blipFill>
-        <p:spPr>
-          <a:xfrm>
-            <a:off y="2747825" x="1392375"/>
-            <a:ext cy="263199" cx="263199"/>
-          </a:xfrm>
-          <a:prstGeom prst="rect">
-            <a:avLst/>
-          </a:prstGeom>
-          <a:noFill/>
-          <a:ln>
-            <a:noFill/>
-          </a:ln>
-        </p:spPr>
-      </p:pic>
-      <p:pic>
-        <p:nvPicPr>
-          <p:cNvPr id="137" name="Shape 137"/>
-          <p:cNvPicPr preferRelativeResize="0"/>
-          <p:nvPr/>
-        </p:nvPicPr>
-        <p:blipFill>
-          <a:blip r:embed="rId4">
-            <a:alphaModFix/>
-          </a:blip>
-          <a:stretch>
-            <a:fillRect/>
-          </a:stretch>
-        </p:blipFill>
-        <p:spPr>
-          <a:xfrm>
-            <a:off y="2900225" x="1392375"/>
-            <a:ext cy="263199" cx="263199"/>
-          </a:xfrm>
-          <a:prstGeom prst="rect">
-            <a:avLst/>
-          </a:prstGeom>
-          <a:noFill/>
-          <a:ln>
-            <a:noFill/>
-          </a:ln>
-        </p:spPr>
-      </p:pic>
-      <p:pic>
-        <p:nvPicPr>
-          <p:cNvPr id="138" name="Shape 138"/>
-          <p:cNvPicPr preferRelativeResize="0"/>
-          <p:nvPr/>
-        </p:nvPicPr>
-        <p:blipFill>
-          <a:blip r:embed="rId5">
-            <a:alphaModFix/>
-          </a:blip>
-          <a:stretch>
-            <a:fillRect/>
-          </a:stretch>
-        </p:blipFill>
-        <p:spPr>
-          <a:xfrm>
-            <a:off y="3538950" x="5171625"/>
-            <a:ext cy="780524" cx="780524"/>
-          </a:xfrm>
-          <a:prstGeom prst="rect">
-            <a:avLst/>
-          </a:prstGeom>
-          <a:noFill/>
-          <a:ln>
-            <a:noFill/>
-          </a:ln>
-        </p:spPr>
-      </p:pic>
-      <p:sp>
-        <p:nvSpPr>
-          <p:cNvPr id="139" name="Shape 139"/>
-          <p:cNvSpPr/>
-          <p:nvPr/>
-        </p:nvSpPr>
-        <p:spPr>
-          <a:xfrm>
-            <a:off y="2706225" x="2660225"/>
-            <a:ext cy="205499" cx="559499"/>
-          </a:xfrm>
-          <a:prstGeom prst="rightArrow">
-            <a:avLst>
-              <a:gd fmla="val 50000" name="adj1"/>
-              <a:gd fmla="val 50000" name="adj2"/>
-            </a:avLst>
-          </a:prstGeom>
-          <a:solidFill>
-            <a:schemeClr val="lt2"/>
-          </a:solidFill>
-          <a:ln w="19050" cap="flat">
-            <a:solidFill>
-              <a:schemeClr val="dk2"/>
-            </a:solidFill>
-            <a:prstDash val="solid"/>
-            <a:round/>
-            <a:headEnd w="med" len="med" type="none"/>
-            <a:tailEnd w="med" len="med" type="none"/>
-          </a:ln>
-        </p:spPr>
-        <p:txBody>
-          <a:bodyPr bIns="91425" rIns="91425" lIns="91425" tIns="91425" anchor="ctr" anchorCtr="0">
-            <a:noAutofit/>
-          </a:bodyPr>
-          <a:lstStyle/>
-          <a:p>
-            <a:pPr rtl="0" lvl="0">
-              <a:spcBef>
-                <a:spcPts val="0"/>
-              </a:spcBef>
-              <a:buNone/>
-            </a:pPr>
-            <a:r>
-              <a:t/>
-            </a:r>
-            <a:endParaRPr/>
-          </a:p>
-        </p:txBody>
-      </p:sp>
-      <p:sp>
-        <p:nvSpPr>
-          <p:cNvPr id="140" name="Shape 140"/>
-          <p:cNvSpPr/>
-          <p:nvPr/>
-        </p:nvSpPr>
-        <p:spPr>
-          <a:xfrm>
-            <a:off y="3468225" x="4612125"/>
-            <a:ext cy="205499" cx="559499"/>
-          </a:xfrm>
-          <a:prstGeom prst="rightArrow">
-            <a:avLst>
-              <a:gd fmla="val 50000" name="adj1"/>
-              <a:gd fmla="val 50000" name="adj2"/>
-            </a:avLst>
-          </a:prstGeom>
-          <a:solidFill>
-            <a:schemeClr val="lt2"/>
-          </a:solidFill>
-          <a:ln w="19050" cap="flat">
-            <a:solidFill>
-              <a:schemeClr val="dk2"/>
-            </a:solidFill>
-            <a:prstDash val="solid"/>
-            <a:round/>
-            <a:headEnd w="med" len="med" type="none"/>
-            <a:tailEnd w="med" len="med" type="none"/>
-          </a:ln>
-        </p:spPr>
-        <p:txBody>
-          <a:bodyPr bIns="91425" rIns="91425" lIns="91425" tIns="91425" anchor="ctr" anchorCtr="0">
-            <a:noAutofit/>
-          </a:bodyPr>
-          <a:lstStyle/>
-          <a:p>
-            <a:pPr rtl="0" lvl="0">
-              <a:spcBef>
-                <a:spcPts val="0"/>
-              </a:spcBef>
-              <a:buNone/>
-            </a:pPr>
-            <a:r>
-              <a:t/>
-            </a:r>
-            <a:endParaRPr/>
-          </a:p>
-        </p:txBody>
-      </p:sp>
-      <p:pic>
-        <p:nvPicPr>
-          <p:cNvPr id="141" name="Shape 141"/>
-          <p:cNvPicPr preferRelativeResize="0"/>
-          <p:nvPr/>
-        </p:nvPicPr>
-        <p:blipFill>
-          <a:blip r:embed="rId6">
-            <a:alphaModFix/>
-          </a:blip>
-          <a:stretch>
-            <a:fillRect/>
-          </a:stretch>
-        </p:blipFill>
-        <p:spPr>
-          <a:xfrm>
-            <a:off y="3978525" x="3564950"/>
-            <a:ext cy="780524" cx="780524"/>
-          </a:xfrm>
-          <a:prstGeom prst="rect">
-            <a:avLst/>
-          </a:prstGeom>
-          <a:noFill/>
-          <a:ln>
-            <a:noFill/>
-          </a:ln>
-        </p:spPr>
-      </p:pic>
-      <p:sp>
-        <p:nvSpPr>
-          <p:cNvPr id="142" name="Shape 142"/>
-          <p:cNvSpPr/>
-          <p:nvPr/>
-        </p:nvSpPr>
-        <p:spPr>
-          <a:xfrm rot="10800000">
-            <a:off y="4223537" x="2660225"/>
-            <a:ext cy="205499" cx="559499"/>
-          </a:xfrm>
-          <a:prstGeom prst="rightArrow">
-            <a:avLst>
-              <a:gd fmla="val 50000" name="adj1"/>
-              <a:gd fmla="val 50000" name="adj2"/>
-            </a:avLst>
-          </a:prstGeom>
-          <a:solidFill>
-            <a:schemeClr val="lt2"/>
-          </a:solidFill>
-          <a:ln w="19050" cap="flat">
-            <a:solidFill>
-              <a:schemeClr val="dk2"/>
-            </a:solidFill>
-            <a:prstDash val="solid"/>
-            <a:round/>
-            <a:headEnd w="med" len="med" type="none"/>
-            <a:tailEnd w="med" len="med" type="none"/>
-          </a:ln>
-        </p:spPr>
-        <p:txBody>
-          <a:bodyPr bIns="91425" rIns="91425" lIns="91425" tIns="91425" anchor="ctr" anchorCtr="0">
-            <a:noAutofit/>
-          </a:bodyPr>
-          <a:lstStyle/>
-          <a:p>
-            <a:pPr rtl="0" lvl="0">
-              <a:spcBef>
-                <a:spcPts val="0"/>
-              </a:spcBef>
-              <a:buNone/>
-            </a:pPr>
-            <a:r>
-              <a:t/>
-            </a:r>
-            <a:endParaRPr/>
-          </a:p>
-        </p:txBody>
-      </p:sp>
-      <p:sp>
-        <p:nvSpPr>
-          <p:cNvPr id="143" name="Shape 143"/>
-          <p:cNvSpPr/>
-          <p:nvPr/>
-        </p:nvSpPr>
-        <p:spPr>
-          <a:xfrm rot="10800000">
-            <a:off y="4233275" x="4598750"/>
-            <a:ext cy="205499" cx="559499"/>
-          </a:xfrm>
-          <a:prstGeom prst="rightArrow">
-            <a:avLst>
-              <a:gd fmla="val 50000" name="adj1"/>
-              <a:gd fmla="val 50000" name="adj2"/>
-            </a:avLst>
-          </a:prstGeom>
-          <a:solidFill>
-            <a:schemeClr val="lt2"/>
-          </a:solidFill>
-          <a:ln w="19050" cap="flat">
-            <a:solidFill>
-              <a:schemeClr val="dk2"/>
-            </a:solidFill>
-            <a:prstDash val="solid"/>
-            <a:round/>
-            <a:headEnd w="med" len="med" type="none"/>
-            <a:tailEnd w="med" len="med" type="none"/>
-          </a:ln>
-        </p:spPr>
-        <p:txBody>
-          <a:bodyPr bIns="91425" rIns="91425" lIns="91425" tIns="91425" anchor="ctr" anchorCtr="0">
-            <a:noAutofit/>
-          </a:bodyPr>
-          <a:lstStyle/>
-          <a:p>
-            <a:pPr rtl="0" lvl="0">
-              <a:spcBef>
-                <a:spcPts val="0"/>
-              </a:spcBef>
-              <a:buNone/>
-            </a:pPr>
-            <a:r>
-              <a:t/>
-            </a:r>
-            <a:endParaRPr/>
-          </a:p>
-        </p:txBody>
-      </p:sp>
-      <p:pic>
-        <p:nvPicPr>
-          <p:cNvPr id="144" name="Shape 144"/>
-          <p:cNvPicPr preferRelativeResize="0"/>
-          <p:nvPr/>
-        </p:nvPicPr>
-        <p:blipFill>
-          <a:blip r:embed="rId7">
-            <a:alphaModFix/>
-          </a:blip>
-          <a:stretch>
-            <a:fillRect/>
-          </a:stretch>
-        </p:blipFill>
-        <p:spPr>
-          <a:xfrm>
-            <a:off y="2825783" x="5743400"/>
-            <a:ext cy="559481" cx="559499"/>
-          </a:xfrm>
-          <a:prstGeom prst="rect">
-            <a:avLst/>
-          </a:prstGeom>
-          <a:noFill/>
-          <a:ln>
-            <a:noFill/>
-          </a:ln>
-        </p:spPr>
-      </p:pic>
-      <p:sp>
-        <p:nvSpPr>
-          <p:cNvPr id="145" name="Shape 145"/>
-          <p:cNvSpPr txBox="1"/>
-          <p:nvPr/>
-        </p:nvSpPr>
-        <p:spPr>
-          <a:xfrm>
-            <a:off y="2508725" x="6357250"/>
-            <a:ext cy="1430999" cx="2727600"/>
-          </a:xfrm>
-          <a:prstGeom prst="rect">
-            <a:avLst/>
-          </a:prstGeom>
-          <a:noFill/>
-          <a:ln>
-            <a:noFill/>
-          </a:ln>
-        </p:spPr>
-        <p:txBody>
-          <a:bodyPr bIns="91425" rIns="91425" lIns="91425" tIns="91425" anchor="t" anchorCtr="0">
-            <a:noAutofit/>
-          </a:bodyPr>
-          <a:lstStyle/>
-          <a:p>
-            <a:pPr lvl="0" indent="-285750" marL="457200">
-              <a:spcBef>
-                <a:spcPts val="0"/>
-              </a:spcBef>
-              <a:buClr>
-                <a:srgbClr val="000000"/>
-              </a:buClr>
-              <a:buSzPct val="100000"/>
-              <a:buFont typeface="Arial"/>
-              <a:buChar char="●"/>
-            </a:pPr>
-            <a:r>
-              <a:rPr sz="900" lang="en"/>
-              <a:t>Teacher successfully creates a class</a:t>
-            </a:r>
-          </a:p>
-        </p:txBody>
-      </p:sp>
-      <p:cxnSp>
-        <p:nvCxnSpPr>
-          <p:cNvPr id="146" name="Shape 146"/>
-          <p:cNvCxnSpPr>
-            <a:stCxn id="138" idx="0"/>
-          </p:cNvCxnSpPr>
-          <p:nvPr/>
-        </p:nvCxnSpPr>
-        <p:spPr>
-          <a:xfrm rot="10800000" flipH="1">
-            <a:off y="3343950" x="5561887"/>
-            <a:ext cy="195000" cx="212100"/>
-          </a:xfrm>
-          <a:prstGeom prst="straightConnector1">
-            <a:avLst/>
-          </a:prstGeom>
-          <a:noFill/>
-          <a:ln w="19050" cap="flat">
-            <a:solidFill>
-              <a:schemeClr val="dk2"/>
-            </a:solidFill>
-            <a:prstDash val="solid"/>
-            <a:round/>
-            <a:headEnd w="lg" len="lg" type="none"/>
-            <a:tailEnd w="lg" len="lg" type="triangle"/>
-          </a:ln>
-        </p:spPr>
-      </p:cxnSp>
-      <p:cxnSp>
-        <p:nvCxnSpPr>
-          <p:cNvPr id="147" name="Shape 147"/>
-          <p:cNvCxnSpPr>
-            <a:stCxn id="144" idx="2"/>
-          </p:cNvCxnSpPr>
-          <p:nvPr/>
-        </p:nvCxnSpPr>
-        <p:spPr>
-          <a:xfrm flipH="1">
-            <a:off y="3385265" x="5752849"/>
-            <a:ext cy="284700" cx="270300"/>
-          </a:xfrm>
-          <a:prstGeom prst="straightConnector1">
-            <a:avLst/>
-          </a:prstGeom>
-          <a:noFill/>
-          <a:ln w="19050" cap="flat">
-            <a:solidFill>
-              <a:schemeClr val="dk2"/>
-            </a:solidFill>
-            <a:prstDash val="solid"/>
-            <a:round/>
-            <a:headEnd w="lg" len="lg" type="none"/>
-            <a:tailEnd w="lg" len="lg" type="triangle"/>
-          </a:ln>
-        </p:spPr>
-      </p:cxnSp>
     </p:spTree>
   </p:cSld>
   <p:clrMapOvr>
@@ -7870,7 +7127,7 @@
   <p:cSld>
     <p:spTree>
       <p:nvGrpSpPr>
-        <p:cNvPr id="151" name="Shape 151"/>
+        <p:cNvPr id="129" name="Shape 129"/>
         <p:cNvGrpSpPr/>
         <p:nvPr/>
       </p:nvGrpSpPr>
@@ -7884,7 +7141,7 @@
       </p:grpSpPr>
       <p:sp>
         <p:nvSpPr>
-          <p:cNvPr id="152" name="Shape 152"/>
+          <p:cNvPr id="130" name="Shape 130"/>
           <p:cNvSpPr txBox="1"/>
           <p:nvPr>
             <p:ph type="title"/>
@@ -7913,14 +7170,42 @@
             </a:pPr>
             <a:r>
               <a:rPr lang="en"/>
-              <a:t>Admin Use Case</a:t>
+              <a:t>Teacher Use Case</a:t>
             </a:r>
           </a:p>
         </p:txBody>
       </p:sp>
-      <p:sp>
-        <p:nvSpPr>
-          <p:cNvPr id="153" name="Shape 153"/>
+      <p:pic>
+        <p:nvPicPr>
+          <p:cNvPr id="131" name="Shape 131"/>
+          <p:cNvPicPr preferRelativeResize="0"/>
+          <p:nvPr/>
+        </p:nvPicPr>
+        <p:blipFill>
+          <a:blip r:embed="rId3">
+            <a:alphaModFix/>
+          </a:blip>
+          <a:stretch>
+            <a:fillRect/>
+          </a:stretch>
+        </p:blipFill>
+        <p:spPr>
+          <a:xfrm>
+            <a:off y="2590425" x="1906150"/>
+            <a:ext cy="772724" cx="780524"/>
+          </a:xfrm>
+          <a:prstGeom prst="rect">
+            <a:avLst/>
+          </a:prstGeom>
+          <a:noFill/>
+          <a:ln>
+            <a:noFill/>
+          </a:ln>
+        </p:spPr>
+      </p:pic>
+      <p:sp>
+        <p:nvSpPr>
+          <p:cNvPr id="132" name="Shape 132"/>
           <p:cNvSpPr txBox="1"/>
           <p:nvPr/>
         </p:nvSpPr>
@@ -7970,70 +7255,17 @@
       </p:sp>
       <p:sp>
         <p:nvSpPr>
-          <p:cNvPr id="154" name="Shape 154"/>
-          <p:cNvSpPr txBox="1"/>
+          <p:cNvPr id="133" name="Shape 133"/>
+          <p:cNvSpPr/>
           <p:nvPr/>
         </p:nvSpPr>
         <p:spPr>
           <a:xfrm>
-            <a:off y="1265425" x="48550"/>
-            <a:ext cy="580799" cx="2238600"/>
+            <a:off y="2590425" x="3379800"/>
+            <a:ext cy="115800" cx="1081500"/>
           </a:xfrm>
           <a:prstGeom prst="rect">
             <a:avLst/>
-          </a:prstGeom>
-          <a:noFill/>
-          <a:ln>
-            <a:noFill/>
-          </a:ln>
-        </p:spPr>
-        <p:txBody>
-          <a:bodyPr bIns="91425" rIns="91425" lIns="91425" tIns="91425" anchor="t" anchorCtr="0">
-            <a:noAutofit/>
-          </a:bodyPr>
-          <a:lstStyle/>
-          <a:p>
-            <a:pPr rtl="0" lvl="0">
-              <a:spcBef>
-                <a:spcPts val="0"/>
-              </a:spcBef>
-              <a:buNone/>
-            </a:pPr>
-            <a:r>
-              <a:rPr u="sng" lang="en"/>
-              <a:t>Admin deletes a teacher:</a:t>
-            </a:r>
-          </a:p>
-          <a:p>
-            <a:pPr rtl="0" lvl="0">
-              <a:spcBef>
-                <a:spcPts val="0"/>
-              </a:spcBef>
-              <a:buNone/>
-            </a:pPr>
-            <a:r>
-              <a:t/>
-            </a:r>
-            <a:endParaRPr/>
-          </a:p>
-        </p:txBody>
-      </p:sp>
-      <p:sp>
-        <p:nvSpPr>
-          <p:cNvPr id="155" name="Shape 155"/>
-          <p:cNvSpPr/>
-          <p:nvPr/>
-        </p:nvSpPr>
-        <p:spPr>
-          <a:xfrm>
-            <a:off y="3854187" x="2617700"/>
-            <a:ext cy="205499" cx="559499"/>
-          </a:xfrm>
-          <a:prstGeom prst="rightArrow">
-            <a:avLst>
-              <a:gd fmla="val 50000" name="adj1"/>
-              <a:gd fmla="val 50000" name="adj2"/>
-            </a:avLst>
           </a:prstGeom>
           <a:solidFill>
             <a:schemeClr val="lt2"/>
@@ -8054,6 +7286,44 @@
           </a:bodyPr>
           <a:lstStyle/>
           <a:p>
+            <a:pPr>
+              <a:spcBef>
+                <a:spcPts val="0"/>
+              </a:spcBef>
+              <a:buNone/>
+            </a:pPr>
+            <a:r>
+              <a:rPr sz="900" lang="en"/>
+              <a:t>Teacher Name</a:t>
+            </a:r>
+          </a:p>
+        </p:txBody>
+      </p:sp>
+      <p:sp>
+        <p:nvSpPr>
+          <p:cNvPr id="134" name="Shape 134"/>
+          <p:cNvSpPr txBox="1"/>
+          <p:nvPr/>
+        </p:nvSpPr>
+        <p:spPr>
+          <a:xfrm>
+            <a:off y="1265425" x="48550"/>
+            <a:ext cy="580799" cx="2238600"/>
+          </a:xfrm>
+          <a:prstGeom prst="rect">
+            <a:avLst/>
+          </a:prstGeom>
+          <a:noFill/>
+          <a:ln>
+            <a:noFill/>
+          </a:ln>
+        </p:spPr>
+        <p:txBody>
+          <a:bodyPr bIns="91425" rIns="91425" lIns="91425" tIns="91425" anchor="t" anchorCtr="0">
+            <a:noAutofit/>
+          </a:bodyPr>
+          <a:lstStyle/>
+          <a:p>
             <a:pPr rtl="0" lvl="0">
               <a:spcBef>
                 <a:spcPts val="0"/>
@@ -8061,6 +7331,18 @@
               <a:buNone/>
             </a:pPr>
             <a:r>
+              <a:rPr u="sng" lang="en"/>
+              <a:t>Teacher creates a class:</a:t>
+            </a:r>
+          </a:p>
+          <a:p>
+            <a:pPr rtl="0" lvl="0">
+              <a:spcBef>
+                <a:spcPts val="0"/>
+              </a:spcBef>
+              <a:buNone/>
+            </a:pPr>
+            <a:r>
               <a:t/>
             </a:r>
             <a:endParaRPr/>
@@ -8069,19 +7351,17 @@
       </p:sp>
       <p:sp>
         <p:nvSpPr>
-          <p:cNvPr id="156" name="Shape 156"/>
+          <p:cNvPr id="135" name="Shape 135"/>
           <p:cNvSpPr/>
           <p:nvPr/>
         </p:nvSpPr>
         <p:spPr>
           <a:xfrm>
-            <a:off y="3854200" x="3351725"/>
-            <a:ext cy="205499" cx="1081500"/>
-          </a:xfrm>
-          <a:prstGeom prst="bevel">
-            <a:avLst>
-              <a:gd fmla="val 12500" name="adj"/>
-            </a:avLst>
+            <a:off y="2819025" x="3379800"/>
+            <a:ext cy="115800" cx="1081500"/>
+          </a:xfrm>
+          <a:prstGeom prst="rect">
+            <a:avLst/>
           </a:prstGeom>
           <a:solidFill>
             <a:schemeClr val="lt2"/>
@@ -8109,262 +7389,25 @@
               <a:buNone/>
             </a:pPr>
             <a:r>
-              <a:rPr b="1" sz="900" lang="en"/>
-              <a:t>Delete Teacher</a:t>
+              <a:rPr sz="900" lang="en"/>
+              <a:t>ClassName</a:t>
             </a:r>
           </a:p>
         </p:txBody>
       </p:sp>
       <p:sp>
         <p:nvSpPr>
-          <p:cNvPr id="157" name="Shape 157"/>
-          <p:cNvSpPr txBox="1"/>
+          <p:cNvPr id="136" name="Shape 136"/>
+          <p:cNvSpPr/>
           <p:nvPr/>
         </p:nvSpPr>
         <p:spPr>
           <a:xfrm>
-            <a:off y="2508725" x="-164675"/>
-            <a:ext cy="1523100" cx="1905899"/>
+            <a:off y="3047625" x="3379800"/>
+            <a:ext cy="115800" cx="1081500"/>
           </a:xfrm>
           <a:prstGeom prst="rect">
             <a:avLst/>
-          </a:prstGeom>
-          <a:noFill/>
-          <a:ln>
-            <a:noFill/>
-          </a:ln>
-        </p:spPr>
-        <p:txBody>
-          <a:bodyPr bIns="91425" rIns="91425" lIns="91425" tIns="91425" anchor="t" anchorCtr="0">
-            <a:noAutofit/>
-          </a:bodyPr>
-          <a:lstStyle/>
-          <a:p>
-            <a:pPr rtl="0" lvl="0" indent="-285750" marL="457200">
-              <a:spcBef>
-                <a:spcPts val="0"/>
-              </a:spcBef>
-              <a:buClr>
-                <a:srgbClr val="000000"/>
-              </a:buClr>
-              <a:buSzPct val="100000"/>
-              <a:buFont typeface="Arial"/>
-              <a:buChar char="●"/>
-            </a:pPr>
-            <a:r>
-              <a:rPr sz="900" lang="en"/>
-              <a:t>Teacher Acc. Exists</a:t>
-            </a:r>
-          </a:p>
-          <a:p>
-            <a:pPr rtl="0" lvl="0" indent="-285750" marL="457200">
-              <a:spcBef>
-                <a:spcPts val="0"/>
-              </a:spcBef>
-              <a:buClr>
-                <a:srgbClr val="000000"/>
-              </a:buClr>
-              <a:buSzPct val="100000"/>
-              <a:buFont typeface="Arial"/>
-              <a:buChar char="●"/>
-            </a:pPr>
-            <a:r>
-              <a:rPr sz="900" lang="en"/>
-              <a:t>Valid Session</a:t>
-            </a:r>
-          </a:p>
-          <a:p>
-            <a:pPr rtl="0" lvl="0" indent="-285750" marL="457200">
-              <a:spcBef>
-                <a:spcPts val="0"/>
-              </a:spcBef>
-              <a:buClr>
-                <a:srgbClr val="000000"/>
-              </a:buClr>
-              <a:buSzPct val="100000"/>
-              <a:buFont typeface="Arial"/>
-              <a:buChar char="●"/>
-            </a:pPr>
-            <a:r>
-              <a:rPr sz="900" lang="en"/>
-              <a:t>Using Chrome</a:t>
-            </a:r>
-          </a:p>
-          <a:p>
-            <a:pPr rtl="0" lvl="0" indent="-285750" marL="457200">
-              <a:spcBef>
-                <a:spcPts val="0"/>
-              </a:spcBef>
-              <a:buClr>
-                <a:srgbClr val="000000"/>
-              </a:buClr>
-              <a:buSzPct val="100000"/>
-              <a:buFont typeface="Arial"/>
-              <a:buChar char="●"/>
-            </a:pPr>
-            <a:r>
-              <a:rPr sz="900" lang="en"/>
-              <a:t>Internet Connection</a:t>
-            </a:r>
-          </a:p>
-        </p:txBody>
-      </p:sp>
-      <p:pic>
-        <p:nvPicPr>
-          <p:cNvPr id="158" name="Shape 158"/>
-          <p:cNvPicPr preferRelativeResize="0"/>
-          <p:nvPr/>
-        </p:nvPicPr>
-        <p:blipFill>
-          <a:blip r:embed="rId3">
-            <a:alphaModFix/>
-          </a:blip>
-          <a:stretch>
-            <a:fillRect/>
-          </a:stretch>
-        </p:blipFill>
-        <p:spPr>
-          <a:xfrm>
-            <a:off y="2443025" x="1392375"/>
-            <a:ext cy="263199" cx="263199"/>
-          </a:xfrm>
-          <a:prstGeom prst="rect">
-            <a:avLst/>
-          </a:prstGeom>
-          <a:noFill/>
-          <a:ln>
-            <a:noFill/>
-          </a:ln>
-        </p:spPr>
-      </p:pic>
-      <p:pic>
-        <p:nvPicPr>
-          <p:cNvPr id="159" name="Shape 159"/>
-          <p:cNvPicPr preferRelativeResize="0"/>
-          <p:nvPr/>
-        </p:nvPicPr>
-        <p:blipFill>
-          <a:blip r:embed="rId3">
-            <a:alphaModFix/>
-          </a:blip>
-          <a:stretch>
-            <a:fillRect/>
-          </a:stretch>
-        </p:blipFill>
-        <p:spPr>
-          <a:xfrm>
-            <a:off y="2595425" x="1392375"/>
-            <a:ext cy="263199" cx="263199"/>
-          </a:xfrm>
-          <a:prstGeom prst="rect">
-            <a:avLst/>
-          </a:prstGeom>
-          <a:noFill/>
-          <a:ln>
-            <a:noFill/>
-          </a:ln>
-        </p:spPr>
-      </p:pic>
-      <p:pic>
-        <p:nvPicPr>
-          <p:cNvPr id="160" name="Shape 160"/>
-          <p:cNvPicPr preferRelativeResize="0"/>
-          <p:nvPr/>
-        </p:nvPicPr>
-        <p:blipFill>
-          <a:blip r:embed="rId3">
-            <a:alphaModFix/>
-          </a:blip>
-          <a:stretch>
-            <a:fillRect/>
-          </a:stretch>
-        </p:blipFill>
-        <p:spPr>
-          <a:xfrm>
-            <a:off y="2747825" x="1392375"/>
-            <a:ext cy="263199" cx="263199"/>
-          </a:xfrm>
-          <a:prstGeom prst="rect">
-            <a:avLst/>
-          </a:prstGeom>
-          <a:noFill/>
-          <a:ln>
-            <a:noFill/>
-          </a:ln>
-        </p:spPr>
-      </p:pic>
-      <p:pic>
-        <p:nvPicPr>
-          <p:cNvPr id="161" name="Shape 161"/>
-          <p:cNvPicPr preferRelativeResize="0"/>
-          <p:nvPr/>
-        </p:nvPicPr>
-        <p:blipFill>
-          <a:blip r:embed="rId3">
-            <a:alphaModFix/>
-          </a:blip>
-          <a:stretch>
-            <a:fillRect/>
-          </a:stretch>
-        </p:blipFill>
-        <p:spPr>
-          <a:xfrm>
-            <a:off y="2900225" x="1392375"/>
-            <a:ext cy="263199" cx="263199"/>
-          </a:xfrm>
-          <a:prstGeom prst="rect">
-            <a:avLst/>
-          </a:prstGeom>
-          <a:noFill/>
-          <a:ln>
-            <a:noFill/>
-          </a:ln>
-        </p:spPr>
-      </p:pic>
-      <p:pic>
-        <p:nvPicPr>
-          <p:cNvPr id="162" name="Shape 162"/>
-          <p:cNvPicPr preferRelativeResize="0"/>
-          <p:nvPr/>
-        </p:nvPicPr>
-        <p:blipFill>
-          <a:blip r:embed="rId4">
-            <a:alphaModFix/>
-          </a:blip>
-          <a:stretch>
-            <a:fillRect/>
-          </a:stretch>
-        </p:blipFill>
-        <p:spPr>
-          <a:xfrm>
-            <a:off y="2031962" x="5256712"/>
-            <a:ext cy="780524" cx="780524"/>
-          </a:xfrm>
-          <a:prstGeom prst="rect">
-            <a:avLst/>
-          </a:prstGeom>
-          <a:noFill/>
-          <a:ln>
-            <a:noFill/>
-          </a:ln>
-        </p:spPr>
-      </p:pic>
-      <p:sp>
-        <p:nvSpPr>
-          <p:cNvPr id="163" name="Shape 163"/>
-          <p:cNvSpPr/>
-          <p:nvPr/>
-        </p:nvSpPr>
-        <p:spPr>
-          <a:xfrm>
-            <a:off y="2446800" x="2660225"/>
-            <a:ext cy="205499" cx="559499"/>
-          </a:xfrm>
-          <a:prstGeom prst="rightArrow">
-            <a:avLst>
-              <a:gd fmla="val 50000" name="adj1"/>
-              <a:gd fmla="val 50000" name="adj2"/>
-            </a:avLst>
           </a:prstGeom>
           <a:solidFill>
             <a:schemeClr val="lt2"/>
@@ -8392,21 +7435,21 @@
               <a:buNone/>
             </a:pPr>
             <a:r>
-              <a:t/>
-            </a:r>
-            <a:endParaRPr/>
+              <a:rPr sz="900" lang="en"/>
+              <a:t>Class Password</a:t>
+            </a:r>
           </a:p>
         </p:txBody>
       </p:sp>
       <p:sp>
         <p:nvSpPr>
-          <p:cNvPr id="164" name="Shape 164"/>
+          <p:cNvPr id="137" name="Shape 137"/>
           <p:cNvSpPr/>
           <p:nvPr/>
         </p:nvSpPr>
         <p:spPr>
           <a:xfrm>
-            <a:off y="2446800" x="4565225"/>
+            <a:off y="3449475" x="2660225"/>
             <a:ext cy="205499" cx="559499"/>
           </a:xfrm>
           <a:prstGeom prst="rightArrow">
@@ -8434,7 +7477,7 @@
           </a:bodyPr>
           <a:lstStyle/>
           <a:p>
-            <a:pPr rtl="0" lvl="0">
+            <a:pPr>
               <a:spcBef>
                 <a:spcPts val="0"/>
               </a:spcBef>
@@ -8447,142 +7490,15 @@
           </a:p>
         </p:txBody>
       </p:sp>
-      <p:pic>
-        <p:nvPicPr>
-          <p:cNvPr id="165" name="Shape 165"/>
-          <p:cNvPicPr preferRelativeResize="0"/>
-          <p:nvPr/>
-        </p:nvPicPr>
-        <p:blipFill>
-          <a:blip r:embed="rId5">
-            <a:alphaModFix/>
-          </a:blip>
-          <a:stretch>
-            <a:fillRect/>
-          </a:stretch>
-        </p:blipFill>
-        <p:spPr>
-          <a:xfrm>
-            <a:off y="3011012" x="5279537"/>
-            <a:ext cy="780524" cx="780524"/>
-          </a:xfrm>
-          <a:prstGeom prst="rect">
-            <a:avLst/>
-          </a:prstGeom>
-          <a:noFill/>
-          <a:ln>
-            <a:noFill/>
-          </a:ln>
-        </p:spPr>
-      </p:pic>
-      <p:pic>
-        <p:nvPicPr>
-          <p:cNvPr id="166" name="Shape 166"/>
-          <p:cNvPicPr preferRelativeResize="0"/>
-          <p:nvPr/>
-        </p:nvPicPr>
-        <p:blipFill>
-          <a:blip r:embed="rId6">
-            <a:alphaModFix/>
-          </a:blip>
-          <a:stretch>
-            <a:fillRect/>
-          </a:stretch>
-        </p:blipFill>
-        <p:spPr>
-          <a:xfrm>
-            <a:off y="1430208" x="5812575"/>
-            <a:ext cy="559481" cx="559499"/>
-          </a:xfrm>
-          <a:prstGeom prst="rect">
-            <a:avLst/>
-          </a:prstGeom>
-          <a:noFill/>
-          <a:ln>
-            <a:noFill/>
-          </a:ln>
-        </p:spPr>
-      </p:pic>
-      <p:sp>
-        <p:nvSpPr>
-          <p:cNvPr id="167" name="Shape 167"/>
-          <p:cNvSpPr txBox="1"/>
-          <p:nvPr/>
-        </p:nvSpPr>
-        <p:spPr>
-          <a:xfrm>
-            <a:off y="2508725" x="6357250"/>
-            <a:ext cy="1430999" cx="2727600"/>
-          </a:xfrm>
-          <a:prstGeom prst="rect">
-            <a:avLst/>
-          </a:prstGeom>
-          <a:noFill/>
-          <a:ln>
-            <a:noFill/>
-          </a:ln>
-        </p:spPr>
-        <p:txBody>
-          <a:bodyPr bIns="91425" rIns="91425" lIns="91425" tIns="91425" anchor="t" anchorCtr="0">
-            <a:noAutofit/>
-          </a:bodyPr>
-          <a:lstStyle/>
-          <a:p>
-            <a:pPr rtl="0" lvl="0" indent="-285750" marL="457200">
-              <a:spcBef>
-                <a:spcPts val="0"/>
-              </a:spcBef>
-              <a:buClr>
-                <a:srgbClr val="000000"/>
-              </a:buClr>
-              <a:buSzPct val="100000"/>
-              <a:buFont typeface="Arial"/>
-              <a:buChar char="●"/>
-            </a:pPr>
-            <a:r>
-              <a:rPr sz="900" lang="en"/>
-              <a:t>Admin successfully deletes a teacher</a:t>
-            </a:r>
-          </a:p>
-        </p:txBody>
-      </p:sp>
-      <p:pic>
-        <p:nvPicPr>
-          <p:cNvPr id="168" name="Shape 168"/>
-          <p:cNvPicPr preferRelativeResize="0"/>
-          <p:nvPr/>
-        </p:nvPicPr>
-        <p:blipFill>
-          <a:blip r:embed="rId7">
-            <a:alphaModFix/>
-          </a:blip>
-          <a:stretch>
-            <a:fillRect/>
-          </a:stretch>
-        </p:blipFill>
-        <p:spPr>
-          <a:xfrm>
-            <a:off y="2568050" x="1814212"/>
-            <a:ext cy="817474" cx="964399"/>
-          </a:xfrm>
-          <a:prstGeom prst="rect">
-            <a:avLst/>
-          </a:prstGeom>
-          <a:noFill/>
-          <a:ln>
-            <a:noFill/>
-          </a:ln>
-        </p:spPr>
-      </p:pic>
-      <p:sp>
-        <p:nvSpPr>
-          <p:cNvPr id="169" name="Shape 169"/>
+      <p:sp>
+        <p:nvSpPr>
+          <p:cNvPr id="138" name="Shape 138"/>
           <p:cNvSpPr/>
           <p:nvPr/>
         </p:nvSpPr>
         <p:spPr>
           <a:xfrm>
-            <a:off y="2446800" x="3351712"/>
+            <a:off y="3468225" x="3392850"/>
             <a:ext cy="205499" cx="1081500"/>
           </a:xfrm>
           <a:prstGeom prst="bevel">
@@ -8609,6 +7525,1359 @@
           </a:bodyPr>
           <a:lstStyle/>
           <a:p>
+            <a:pPr>
+              <a:spcBef>
+                <a:spcPts val="0"/>
+              </a:spcBef>
+              <a:buNone/>
+            </a:pPr>
+            <a:r>
+              <a:rPr b="1" sz="900" lang="en"/>
+              <a:t>Create Class</a:t>
+            </a:r>
+          </a:p>
+        </p:txBody>
+      </p:sp>
+      <p:sp>
+        <p:nvSpPr>
+          <p:cNvPr id="139" name="Shape 139"/>
+          <p:cNvSpPr txBox="1"/>
+          <p:nvPr/>
+        </p:nvSpPr>
+        <p:spPr>
+          <a:xfrm>
+            <a:off y="2508725" x="-164675"/>
+            <a:ext cy="1523100" cx="1905899"/>
+          </a:xfrm>
+          <a:prstGeom prst="rect">
+            <a:avLst/>
+          </a:prstGeom>
+          <a:noFill/>
+          <a:ln>
+            <a:noFill/>
+          </a:ln>
+        </p:spPr>
+        <p:txBody>
+          <a:bodyPr bIns="91425" rIns="91425" lIns="91425" tIns="91425" anchor="t" anchorCtr="0">
+            <a:noAutofit/>
+          </a:bodyPr>
+          <a:lstStyle/>
+          <a:p>
+            <a:pPr rtl="0" lvl="0" indent="-285750" marL="457200">
+              <a:spcBef>
+                <a:spcPts val="0"/>
+              </a:spcBef>
+              <a:buClr>
+                <a:srgbClr val="000000"/>
+              </a:buClr>
+              <a:buSzPct val="100000"/>
+              <a:buFont typeface="Arial"/>
+              <a:buChar char="●"/>
+            </a:pPr>
+            <a:r>
+              <a:rPr sz="900" lang="en"/>
+              <a:t>Existing Account</a:t>
+            </a:r>
+          </a:p>
+          <a:p>
+            <a:pPr rtl="0" lvl="0" indent="-285750" marL="457200">
+              <a:spcBef>
+                <a:spcPts val="0"/>
+              </a:spcBef>
+              <a:buClr>
+                <a:srgbClr val="000000"/>
+              </a:buClr>
+              <a:buSzPct val="100000"/>
+              <a:buFont typeface="Arial"/>
+              <a:buChar char="●"/>
+            </a:pPr>
+            <a:r>
+              <a:rPr sz="900" lang="en"/>
+              <a:t>Valid Session</a:t>
+            </a:r>
+          </a:p>
+          <a:p>
+            <a:pPr rtl="0" lvl="0" indent="-285750" marL="457200">
+              <a:spcBef>
+                <a:spcPts val="0"/>
+              </a:spcBef>
+              <a:buClr>
+                <a:srgbClr val="000000"/>
+              </a:buClr>
+              <a:buSzPct val="100000"/>
+              <a:buFont typeface="Arial"/>
+              <a:buChar char="●"/>
+            </a:pPr>
+            <a:r>
+              <a:rPr sz="900" lang="en"/>
+              <a:t>Using Chrome</a:t>
+            </a:r>
+          </a:p>
+          <a:p>
+            <a:pPr lvl="0" indent="-285750" marL="457200">
+              <a:spcBef>
+                <a:spcPts val="0"/>
+              </a:spcBef>
+              <a:buClr>
+                <a:srgbClr val="000000"/>
+              </a:buClr>
+              <a:buSzPct val="100000"/>
+              <a:buFont typeface="Arial"/>
+              <a:buChar char="●"/>
+            </a:pPr>
+            <a:r>
+              <a:rPr sz="900" lang="en"/>
+              <a:t>Internet Connection</a:t>
+            </a:r>
+          </a:p>
+        </p:txBody>
+      </p:sp>
+      <p:pic>
+        <p:nvPicPr>
+          <p:cNvPr id="140" name="Shape 140"/>
+          <p:cNvPicPr preferRelativeResize="0"/>
+          <p:nvPr/>
+        </p:nvPicPr>
+        <p:blipFill>
+          <a:blip r:embed="rId4">
+            <a:alphaModFix/>
+          </a:blip>
+          <a:stretch>
+            <a:fillRect/>
+          </a:stretch>
+        </p:blipFill>
+        <p:spPr>
+          <a:xfrm>
+            <a:off y="2443025" x="1392375"/>
+            <a:ext cy="263199" cx="263199"/>
+          </a:xfrm>
+          <a:prstGeom prst="rect">
+            <a:avLst/>
+          </a:prstGeom>
+          <a:noFill/>
+          <a:ln>
+            <a:noFill/>
+          </a:ln>
+        </p:spPr>
+      </p:pic>
+      <p:pic>
+        <p:nvPicPr>
+          <p:cNvPr id="141" name="Shape 141"/>
+          <p:cNvPicPr preferRelativeResize="0"/>
+          <p:nvPr/>
+        </p:nvPicPr>
+        <p:blipFill>
+          <a:blip r:embed="rId4">
+            <a:alphaModFix/>
+          </a:blip>
+          <a:stretch>
+            <a:fillRect/>
+          </a:stretch>
+        </p:blipFill>
+        <p:spPr>
+          <a:xfrm>
+            <a:off y="2595425" x="1392375"/>
+            <a:ext cy="263199" cx="263199"/>
+          </a:xfrm>
+          <a:prstGeom prst="rect">
+            <a:avLst/>
+          </a:prstGeom>
+          <a:noFill/>
+          <a:ln>
+            <a:noFill/>
+          </a:ln>
+        </p:spPr>
+      </p:pic>
+      <p:pic>
+        <p:nvPicPr>
+          <p:cNvPr id="142" name="Shape 142"/>
+          <p:cNvPicPr preferRelativeResize="0"/>
+          <p:nvPr/>
+        </p:nvPicPr>
+        <p:blipFill>
+          <a:blip r:embed="rId4">
+            <a:alphaModFix/>
+          </a:blip>
+          <a:stretch>
+            <a:fillRect/>
+          </a:stretch>
+        </p:blipFill>
+        <p:spPr>
+          <a:xfrm>
+            <a:off y="2747825" x="1392375"/>
+            <a:ext cy="263199" cx="263199"/>
+          </a:xfrm>
+          <a:prstGeom prst="rect">
+            <a:avLst/>
+          </a:prstGeom>
+          <a:noFill/>
+          <a:ln>
+            <a:noFill/>
+          </a:ln>
+        </p:spPr>
+      </p:pic>
+      <p:pic>
+        <p:nvPicPr>
+          <p:cNvPr id="143" name="Shape 143"/>
+          <p:cNvPicPr preferRelativeResize="0"/>
+          <p:nvPr/>
+        </p:nvPicPr>
+        <p:blipFill>
+          <a:blip r:embed="rId4">
+            <a:alphaModFix/>
+          </a:blip>
+          <a:stretch>
+            <a:fillRect/>
+          </a:stretch>
+        </p:blipFill>
+        <p:spPr>
+          <a:xfrm>
+            <a:off y="2900225" x="1392375"/>
+            <a:ext cy="263199" cx="263199"/>
+          </a:xfrm>
+          <a:prstGeom prst="rect">
+            <a:avLst/>
+          </a:prstGeom>
+          <a:noFill/>
+          <a:ln>
+            <a:noFill/>
+          </a:ln>
+        </p:spPr>
+      </p:pic>
+      <p:pic>
+        <p:nvPicPr>
+          <p:cNvPr id="144" name="Shape 144"/>
+          <p:cNvPicPr preferRelativeResize="0"/>
+          <p:nvPr/>
+        </p:nvPicPr>
+        <p:blipFill>
+          <a:blip r:embed="rId5">
+            <a:alphaModFix/>
+          </a:blip>
+          <a:stretch>
+            <a:fillRect/>
+          </a:stretch>
+        </p:blipFill>
+        <p:spPr>
+          <a:xfrm>
+            <a:off y="3538950" x="5171625"/>
+            <a:ext cy="780524" cx="780524"/>
+          </a:xfrm>
+          <a:prstGeom prst="rect">
+            <a:avLst/>
+          </a:prstGeom>
+          <a:noFill/>
+          <a:ln>
+            <a:noFill/>
+          </a:ln>
+        </p:spPr>
+      </p:pic>
+      <p:sp>
+        <p:nvSpPr>
+          <p:cNvPr id="145" name="Shape 145"/>
+          <p:cNvSpPr/>
+          <p:nvPr/>
+        </p:nvSpPr>
+        <p:spPr>
+          <a:xfrm>
+            <a:off y="2706225" x="2660225"/>
+            <a:ext cy="205499" cx="559499"/>
+          </a:xfrm>
+          <a:prstGeom prst="rightArrow">
+            <a:avLst>
+              <a:gd fmla="val 50000" name="adj1"/>
+              <a:gd fmla="val 50000" name="adj2"/>
+            </a:avLst>
+          </a:prstGeom>
+          <a:solidFill>
+            <a:schemeClr val="lt2"/>
+          </a:solidFill>
+          <a:ln w="19050" cap="flat">
+            <a:solidFill>
+              <a:schemeClr val="dk2"/>
+            </a:solidFill>
+            <a:prstDash val="solid"/>
+            <a:round/>
+            <a:headEnd w="med" len="med" type="none"/>
+            <a:tailEnd w="med" len="med" type="none"/>
+          </a:ln>
+        </p:spPr>
+        <p:txBody>
+          <a:bodyPr bIns="91425" rIns="91425" lIns="91425" tIns="91425" anchor="ctr" anchorCtr="0">
+            <a:noAutofit/>
+          </a:bodyPr>
+          <a:lstStyle/>
+          <a:p>
+            <a:pPr rtl="0" lvl="0">
+              <a:spcBef>
+                <a:spcPts val="0"/>
+              </a:spcBef>
+              <a:buNone/>
+            </a:pPr>
+            <a:r>
+              <a:t/>
+            </a:r>
+            <a:endParaRPr/>
+          </a:p>
+        </p:txBody>
+      </p:sp>
+      <p:sp>
+        <p:nvSpPr>
+          <p:cNvPr id="146" name="Shape 146"/>
+          <p:cNvSpPr/>
+          <p:nvPr/>
+        </p:nvSpPr>
+        <p:spPr>
+          <a:xfrm>
+            <a:off y="3468225" x="4612125"/>
+            <a:ext cy="205499" cx="559499"/>
+          </a:xfrm>
+          <a:prstGeom prst="rightArrow">
+            <a:avLst>
+              <a:gd fmla="val 50000" name="adj1"/>
+              <a:gd fmla="val 50000" name="adj2"/>
+            </a:avLst>
+          </a:prstGeom>
+          <a:solidFill>
+            <a:schemeClr val="lt2"/>
+          </a:solidFill>
+          <a:ln w="19050" cap="flat">
+            <a:solidFill>
+              <a:schemeClr val="dk2"/>
+            </a:solidFill>
+            <a:prstDash val="solid"/>
+            <a:round/>
+            <a:headEnd w="med" len="med" type="none"/>
+            <a:tailEnd w="med" len="med" type="none"/>
+          </a:ln>
+        </p:spPr>
+        <p:txBody>
+          <a:bodyPr bIns="91425" rIns="91425" lIns="91425" tIns="91425" anchor="ctr" anchorCtr="0">
+            <a:noAutofit/>
+          </a:bodyPr>
+          <a:lstStyle/>
+          <a:p>
+            <a:pPr rtl="0" lvl="0">
+              <a:spcBef>
+                <a:spcPts val="0"/>
+              </a:spcBef>
+              <a:buNone/>
+            </a:pPr>
+            <a:r>
+              <a:t/>
+            </a:r>
+            <a:endParaRPr/>
+          </a:p>
+        </p:txBody>
+      </p:sp>
+      <p:pic>
+        <p:nvPicPr>
+          <p:cNvPr id="147" name="Shape 147"/>
+          <p:cNvPicPr preferRelativeResize="0"/>
+          <p:nvPr/>
+        </p:nvPicPr>
+        <p:blipFill>
+          <a:blip r:embed="rId6">
+            <a:alphaModFix/>
+          </a:blip>
+          <a:stretch>
+            <a:fillRect/>
+          </a:stretch>
+        </p:blipFill>
+        <p:spPr>
+          <a:xfrm>
+            <a:off y="3978525" x="3564950"/>
+            <a:ext cy="780524" cx="780524"/>
+          </a:xfrm>
+          <a:prstGeom prst="rect">
+            <a:avLst/>
+          </a:prstGeom>
+          <a:noFill/>
+          <a:ln>
+            <a:noFill/>
+          </a:ln>
+        </p:spPr>
+      </p:pic>
+      <p:sp>
+        <p:nvSpPr>
+          <p:cNvPr id="148" name="Shape 148"/>
+          <p:cNvSpPr/>
+          <p:nvPr/>
+        </p:nvSpPr>
+        <p:spPr>
+          <a:xfrm rot="10800000">
+            <a:off y="4223537" x="2660225"/>
+            <a:ext cy="205499" cx="559499"/>
+          </a:xfrm>
+          <a:prstGeom prst="rightArrow">
+            <a:avLst>
+              <a:gd fmla="val 50000" name="adj1"/>
+              <a:gd fmla="val 50000" name="adj2"/>
+            </a:avLst>
+          </a:prstGeom>
+          <a:solidFill>
+            <a:schemeClr val="lt2"/>
+          </a:solidFill>
+          <a:ln w="19050" cap="flat">
+            <a:solidFill>
+              <a:schemeClr val="dk2"/>
+            </a:solidFill>
+            <a:prstDash val="solid"/>
+            <a:round/>
+            <a:headEnd w="med" len="med" type="none"/>
+            <a:tailEnd w="med" len="med" type="none"/>
+          </a:ln>
+        </p:spPr>
+        <p:txBody>
+          <a:bodyPr bIns="91425" rIns="91425" lIns="91425" tIns="91425" anchor="ctr" anchorCtr="0">
+            <a:noAutofit/>
+          </a:bodyPr>
+          <a:lstStyle/>
+          <a:p>
+            <a:pPr rtl="0" lvl="0">
+              <a:spcBef>
+                <a:spcPts val="0"/>
+              </a:spcBef>
+              <a:buNone/>
+            </a:pPr>
+            <a:r>
+              <a:t/>
+            </a:r>
+            <a:endParaRPr/>
+          </a:p>
+        </p:txBody>
+      </p:sp>
+      <p:sp>
+        <p:nvSpPr>
+          <p:cNvPr id="149" name="Shape 149"/>
+          <p:cNvSpPr/>
+          <p:nvPr/>
+        </p:nvSpPr>
+        <p:spPr>
+          <a:xfrm rot="10800000">
+            <a:off y="4233275" x="4598750"/>
+            <a:ext cy="205499" cx="559499"/>
+          </a:xfrm>
+          <a:prstGeom prst="rightArrow">
+            <a:avLst>
+              <a:gd fmla="val 50000" name="adj1"/>
+              <a:gd fmla="val 50000" name="adj2"/>
+            </a:avLst>
+          </a:prstGeom>
+          <a:solidFill>
+            <a:schemeClr val="lt2"/>
+          </a:solidFill>
+          <a:ln w="19050" cap="flat">
+            <a:solidFill>
+              <a:schemeClr val="dk2"/>
+            </a:solidFill>
+            <a:prstDash val="solid"/>
+            <a:round/>
+            <a:headEnd w="med" len="med" type="none"/>
+            <a:tailEnd w="med" len="med" type="none"/>
+          </a:ln>
+        </p:spPr>
+        <p:txBody>
+          <a:bodyPr bIns="91425" rIns="91425" lIns="91425" tIns="91425" anchor="ctr" anchorCtr="0">
+            <a:noAutofit/>
+          </a:bodyPr>
+          <a:lstStyle/>
+          <a:p>
+            <a:pPr rtl="0" lvl="0">
+              <a:spcBef>
+                <a:spcPts val="0"/>
+              </a:spcBef>
+              <a:buNone/>
+            </a:pPr>
+            <a:r>
+              <a:t/>
+            </a:r>
+            <a:endParaRPr/>
+          </a:p>
+        </p:txBody>
+      </p:sp>
+      <p:pic>
+        <p:nvPicPr>
+          <p:cNvPr id="150" name="Shape 150"/>
+          <p:cNvPicPr preferRelativeResize="0"/>
+          <p:nvPr/>
+        </p:nvPicPr>
+        <p:blipFill>
+          <a:blip r:embed="rId7">
+            <a:alphaModFix/>
+          </a:blip>
+          <a:stretch>
+            <a:fillRect/>
+          </a:stretch>
+        </p:blipFill>
+        <p:spPr>
+          <a:xfrm>
+            <a:off y="2825783" x="5743400"/>
+            <a:ext cy="559481" cx="559499"/>
+          </a:xfrm>
+          <a:prstGeom prst="rect">
+            <a:avLst/>
+          </a:prstGeom>
+          <a:noFill/>
+          <a:ln>
+            <a:noFill/>
+          </a:ln>
+        </p:spPr>
+      </p:pic>
+      <p:sp>
+        <p:nvSpPr>
+          <p:cNvPr id="151" name="Shape 151"/>
+          <p:cNvSpPr txBox="1"/>
+          <p:nvPr/>
+        </p:nvSpPr>
+        <p:spPr>
+          <a:xfrm>
+            <a:off y="2508725" x="6357250"/>
+            <a:ext cy="1430999" cx="2727600"/>
+          </a:xfrm>
+          <a:prstGeom prst="rect">
+            <a:avLst/>
+          </a:prstGeom>
+          <a:noFill/>
+          <a:ln>
+            <a:noFill/>
+          </a:ln>
+        </p:spPr>
+        <p:txBody>
+          <a:bodyPr bIns="91425" rIns="91425" lIns="91425" tIns="91425" anchor="t" anchorCtr="0">
+            <a:noAutofit/>
+          </a:bodyPr>
+          <a:lstStyle/>
+          <a:p>
+            <a:pPr lvl="0" indent="-285750" marL="457200">
+              <a:spcBef>
+                <a:spcPts val="0"/>
+              </a:spcBef>
+              <a:buClr>
+                <a:srgbClr val="000000"/>
+              </a:buClr>
+              <a:buSzPct val="100000"/>
+              <a:buFont typeface="Arial"/>
+              <a:buChar char="●"/>
+            </a:pPr>
+            <a:r>
+              <a:rPr sz="900" lang="en"/>
+              <a:t>Teacher successfully creates a class</a:t>
+            </a:r>
+          </a:p>
+        </p:txBody>
+      </p:sp>
+      <p:cxnSp>
+        <p:nvCxnSpPr>
+          <p:cNvPr id="152" name="Shape 152"/>
+          <p:cNvCxnSpPr>
+            <a:stCxn id="144" idx="0"/>
+          </p:cNvCxnSpPr>
+          <p:nvPr/>
+        </p:nvCxnSpPr>
+        <p:spPr>
+          <a:xfrm rot="10800000" flipH="1">
+            <a:off y="3343950" x="5561887"/>
+            <a:ext cy="195000" cx="212100"/>
+          </a:xfrm>
+          <a:prstGeom prst="straightConnector1">
+            <a:avLst/>
+          </a:prstGeom>
+          <a:noFill/>
+          <a:ln w="19050" cap="flat">
+            <a:solidFill>
+              <a:schemeClr val="dk2"/>
+            </a:solidFill>
+            <a:prstDash val="solid"/>
+            <a:round/>
+            <a:headEnd w="lg" len="lg" type="none"/>
+            <a:tailEnd w="lg" len="lg" type="triangle"/>
+          </a:ln>
+        </p:spPr>
+      </p:cxnSp>
+      <p:cxnSp>
+        <p:nvCxnSpPr>
+          <p:cNvPr id="153" name="Shape 153"/>
+          <p:cNvCxnSpPr>
+            <a:stCxn id="150" idx="2"/>
+          </p:cNvCxnSpPr>
+          <p:nvPr/>
+        </p:nvCxnSpPr>
+        <p:spPr>
+          <a:xfrm flipH="1">
+            <a:off y="3385265" x="5752849"/>
+            <a:ext cy="284700" cx="270300"/>
+          </a:xfrm>
+          <a:prstGeom prst="straightConnector1">
+            <a:avLst/>
+          </a:prstGeom>
+          <a:noFill/>
+          <a:ln w="19050" cap="flat">
+            <a:solidFill>
+              <a:schemeClr val="dk2"/>
+            </a:solidFill>
+            <a:prstDash val="solid"/>
+            <a:round/>
+            <a:headEnd w="lg" len="lg" type="none"/>
+            <a:tailEnd w="lg" len="lg" type="triangle"/>
+          </a:ln>
+        </p:spPr>
+      </p:cxnSp>
+    </p:spTree>
+  </p:cSld>
+  <p:clrMapOvr>
+    <a:masterClrMapping/>
+  </p:clrMapOvr>
+  <p:transition spd="slow">
+    <p:cut/>
+  </p:transition>
+</p:sld>
+</file>
+
+<file path=ppt/slides/slide16.xml><?xml version="1.0" encoding="utf-8"?>
+<p:sld xmlns:a="http://schemas.openxmlformats.org/drawingml/2006/main" xmlns:r="http://schemas.openxmlformats.org/officeDocument/2006/relationships" xmlns:mc="http://schemas.openxmlformats.org/markup-compatibility/2006" xmlns:mv="urn:schemas-microsoft-com:mac:vml" xmlns:p="http://schemas.openxmlformats.org/presentationml/2006/main" xmlns:c="http://schemas.openxmlformats.org/drawingml/2006/chart" xmlns:dgm="http://schemas.openxmlformats.org/drawingml/2006/diagram" xmlns:o="urn:schemas-microsoft-com:office:office" xmlns:v="urn:schemas-microsoft-com:vml" xmlns:pvml="urn:schemas-microsoft-com:office:powerpoint" xmlns:com="http://schemas.openxmlformats.org/drawingml/2006/compatibility" xmlns:p14="http://schemas.microsoft.com/office/powerpoint/2010/main">
+  <p:cSld>
+    <p:spTree>
+      <p:nvGrpSpPr>
+        <p:cNvPr id="157" name="Shape 157"/>
+        <p:cNvGrpSpPr/>
+        <p:nvPr/>
+      </p:nvGrpSpPr>
+      <p:grpSpPr>
+        <a:xfrm>
+          <a:off y="0" x="0"/>
+          <a:ext cy="0" cx="0"/>
+          <a:chOff y="0" x="0"/>
+          <a:chExt cy="0" cx="0"/>
+        </a:xfrm>
+      </p:grpSpPr>
+      <p:sp>
+        <p:nvSpPr>
+          <p:cNvPr id="158" name="Shape 158"/>
+          <p:cNvSpPr txBox="1"/>
+          <p:nvPr>
+            <p:ph type="title"/>
+          </p:nvPr>
+        </p:nvSpPr>
+        <p:spPr>
+          <a:xfrm>
+            <a:off y="205978" x="457200"/>
+            <a:ext cy="857400" cx="8229600"/>
+          </a:xfrm>
+          <a:prstGeom prst="rect">
+            <a:avLst/>
+          </a:prstGeom>
+        </p:spPr>
+        <p:txBody>
+          <a:bodyPr bIns="91425" rIns="91425" lIns="91425" tIns="91425" anchor="ctr" anchorCtr="0">
+            <a:noAutofit/>
+          </a:bodyPr>
+          <a:lstStyle/>
+          <a:p>
+            <a:pPr>
+              <a:spcBef>
+                <a:spcPts val="0"/>
+              </a:spcBef>
+              <a:buNone/>
+            </a:pPr>
+            <a:r>
+              <a:rPr lang="en"/>
+              <a:t>Admin Use Case</a:t>
+            </a:r>
+          </a:p>
+        </p:txBody>
+      </p:sp>
+      <p:sp>
+        <p:nvSpPr>
+          <p:cNvPr id="159" name="Shape 159"/>
+          <p:cNvSpPr txBox="1"/>
+          <p:nvPr/>
+        </p:nvSpPr>
+        <p:spPr>
+          <a:xfrm>
+            <a:off y="1854225" x="-27650"/>
+            <a:ext cy="580799" cx="8983499"/>
+          </a:xfrm>
+          <a:prstGeom prst="rect">
+            <a:avLst/>
+          </a:prstGeom>
+          <a:noFill/>
+          <a:ln>
+            <a:noFill/>
+          </a:ln>
+        </p:spPr>
+        <p:txBody>
+          <a:bodyPr bIns="91425" rIns="91425" lIns="91425" tIns="91425" anchor="t" anchorCtr="0">
+            <a:noAutofit/>
+          </a:bodyPr>
+          <a:lstStyle/>
+          <a:p>
+            <a:pPr rtl="0" lvl="0">
+              <a:spcBef>
+                <a:spcPts val="0"/>
+              </a:spcBef>
+              <a:buNone/>
+            </a:pPr>
+            <a:r>
+              <a:rPr sz="1200" lang="en"/>
+              <a:t>Preconditions:				Normal Flow:									Postconditions:</a:t>
+            </a:r>
+          </a:p>
+          <a:p>
+            <a:pPr rtl="0" lvl="0">
+              <a:spcBef>
+                <a:spcPts val="0"/>
+              </a:spcBef>
+              <a:buNone/>
+            </a:pPr>
+            <a:r>
+              <a:t/>
+            </a:r>
+            <a:endParaRPr/>
+          </a:p>
+        </p:txBody>
+      </p:sp>
+      <p:sp>
+        <p:nvSpPr>
+          <p:cNvPr id="160" name="Shape 160"/>
+          <p:cNvSpPr txBox="1"/>
+          <p:nvPr/>
+        </p:nvSpPr>
+        <p:spPr>
+          <a:xfrm>
+            <a:off y="1265425" x="48550"/>
+            <a:ext cy="580799" cx="2238600"/>
+          </a:xfrm>
+          <a:prstGeom prst="rect">
+            <a:avLst/>
+          </a:prstGeom>
+          <a:noFill/>
+          <a:ln>
+            <a:noFill/>
+          </a:ln>
+        </p:spPr>
+        <p:txBody>
+          <a:bodyPr bIns="91425" rIns="91425" lIns="91425" tIns="91425" anchor="t" anchorCtr="0">
+            <a:noAutofit/>
+          </a:bodyPr>
+          <a:lstStyle/>
+          <a:p>
+            <a:pPr rtl="0" lvl="0">
+              <a:spcBef>
+                <a:spcPts val="0"/>
+              </a:spcBef>
+              <a:buNone/>
+            </a:pPr>
+            <a:r>
+              <a:rPr u="sng" lang="en"/>
+              <a:t>Admin deletes a teacher:</a:t>
+            </a:r>
+          </a:p>
+          <a:p>
+            <a:pPr rtl="0" lvl="0">
+              <a:spcBef>
+                <a:spcPts val="0"/>
+              </a:spcBef>
+              <a:buNone/>
+            </a:pPr>
+            <a:r>
+              <a:t/>
+            </a:r>
+            <a:endParaRPr/>
+          </a:p>
+        </p:txBody>
+      </p:sp>
+      <p:sp>
+        <p:nvSpPr>
+          <p:cNvPr id="161" name="Shape 161"/>
+          <p:cNvSpPr/>
+          <p:nvPr/>
+        </p:nvSpPr>
+        <p:spPr>
+          <a:xfrm>
+            <a:off y="3854187" x="2617700"/>
+            <a:ext cy="205499" cx="559499"/>
+          </a:xfrm>
+          <a:prstGeom prst="rightArrow">
+            <a:avLst>
+              <a:gd fmla="val 50000" name="adj1"/>
+              <a:gd fmla="val 50000" name="adj2"/>
+            </a:avLst>
+          </a:prstGeom>
+          <a:solidFill>
+            <a:schemeClr val="lt2"/>
+          </a:solidFill>
+          <a:ln w="19050" cap="flat">
+            <a:solidFill>
+              <a:schemeClr val="dk2"/>
+            </a:solidFill>
+            <a:prstDash val="solid"/>
+            <a:round/>
+            <a:headEnd w="med" len="med" type="none"/>
+            <a:tailEnd w="med" len="med" type="none"/>
+          </a:ln>
+        </p:spPr>
+        <p:txBody>
+          <a:bodyPr bIns="91425" rIns="91425" lIns="91425" tIns="91425" anchor="ctr" anchorCtr="0">
+            <a:noAutofit/>
+          </a:bodyPr>
+          <a:lstStyle/>
+          <a:p>
+            <a:pPr rtl="0" lvl="0">
+              <a:spcBef>
+                <a:spcPts val="0"/>
+              </a:spcBef>
+              <a:buNone/>
+            </a:pPr>
+            <a:r>
+              <a:t/>
+            </a:r>
+            <a:endParaRPr/>
+          </a:p>
+        </p:txBody>
+      </p:sp>
+      <p:sp>
+        <p:nvSpPr>
+          <p:cNvPr id="162" name="Shape 162"/>
+          <p:cNvSpPr/>
+          <p:nvPr/>
+        </p:nvSpPr>
+        <p:spPr>
+          <a:xfrm>
+            <a:off y="3854200" x="3351725"/>
+            <a:ext cy="205499" cx="1081500"/>
+          </a:xfrm>
+          <a:prstGeom prst="bevel">
+            <a:avLst>
+              <a:gd fmla="val 12500" name="adj"/>
+            </a:avLst>
+          </a:prstGeom>
+          <a:solidFill>
+            <a:schemeClr val="lt2"/>
+          </a:solidFill>
+          <a:ln w="19050" cap="flat">
+            <a:solidFill>
+              <a:schemeClr val="dk2"/>
+            </a:solidFill>
+            <a:prstDash val="solid"/>
+            <a:round/>
+            <a:headEnd w="med" len="med" type="none"/>
+            <a:tailEnd w="med" len="med" type="none"/>
+          </a:ln>
+        </p:spPr>
+        <p:txBody>
+          <a:bodyPr bIns="91425" rIns="91425" lIns="91425" tIns="91425" anchor="ctr" anchorCtr="0">
+            <a:noAutofit/>
+          </a:bodyPr>
+          <a:lstStyle/>
+          <a:p>
+            <a:pPr rtl="0" lvl="0">
+              <a:spcBef>
+                <a:spcPts val="0"/>
+              </a:spcBef>
+              <a:buNone/>
+            </a:pPr>
+            <a:r>
+              <a:rPr b="1" sz="900" lang="en"/>
+              <a:t>Delete Teacher</a:t>
+            </a:r>
+          </a:p>
+        </p:txBody>
+      </p:sp>
+      <p:sp>
+        <p:nvSpPr>
+          <p:cNvPr id="163" name="Shape 163"/>
+          <p:cNvSpPr txBox="1"/>
+          <p:nvPr/>
+        </p:nvSpPr>
+        <p:spPr>
+          <a:xfrm>
+            <a:off y="2508725" x="-164675"/>
+            <a:ext cy="1523100" cx="1905899"/>
+          </a:xfrm>
+          <a:prstGeom prst="rect">
+            <a:avLst/>
+          </a:prstGeom>
+          <a:noFill/>
+          <a:ln>
+            <a:noFill/>
+          </a:ln>
+        </p:spPr>
+        <p:txBody>
+          <a:bodyPr bIns="91425" rIns="91425" lIns="91425" tIns="91425" anchor="t" anchorCtr="0">
+            <a:noAutofit/>
+          </a:bodyPr>
+          <a:lstStyle/>
+          <a:p>
+            <a:pPr rtl="0" lvl="0" indent="-285750" marL="457200">
+              <a:spcBef>
+                <a:spcPts val="0"/>
+              </a:spcBef>
+              <a:buClr>
+                <a:srgbClr val="000000"/>
+              </a:buClr>
+              <a:buSzPct val="100000"/>
+              <a:buFont typeface="Arial"/>
+              <a:buChar char="●"/>
+            </a:pPr>
+            <a:r>
+              <a:rPr sz="900" lang="en"/>
+              <a:t>Teacher Acc. Exists</a:t>
+            </a:r>
+          </a:p>
+          <a:p>
+            <a:pPr rtl="0" lvl="0" indent="-285750" marL="457200">
+              <a:spcBef>
+                <a:spcPts val="0"/>
+              </a:spcBef>
+              <a:buClr>
+                <a:srgbClr val="000000"/>
+              </a:buClr>
+              <a:buSzPct val="100000"/>
+              <a:buFont typeface="Arial"/>
+              <a:buChar char="●"/>
+            </a:pPr>
+            <a:r>
+              <a:rPr sz="900" lang="en"/>
+              <a:t>Valid Session</a:t>
+            </a:r>
+          </a:p>
+          <a:p>
+            <a:pPr rtl="0" lvl="0" indent="-285750" marL="457200">
+              <a:spcBef>
+                <a:spcPts val="0"/>
+              </a:spcBef>
+              <a:buClr>
+                <a:srgbClr val="000000"/>
+              </a:buClr>
+              <a:buSzPct val="100000"/>
+              <a:buFont typeface="Arial"/>
+              <a:buChar char="●"/>
+            </a:pPr>
+            <a:r>
+              <a:rPr sz="900" lang="en"/>
+              <a:t>Using Chrome</a:t>
+            </a:r>
+          </a:p>
+          <a:p>
+            <a:pPr rtl="0" lvl="0" indent="-285750" marL="457200">
+              <a:spcBef>
+                <a:spcPts val="0"/>
+              </a:spcBef>
+              <a:buClr>
+                <a:srgbClr val="000000"/>
+              </a:buClr>
+              <a:buSzPct val="100000"/>
+              <a:buFont typeface="Arial"/>
+              <a:buChar char="●"/>
+            </a:pPr>
+            <a:r>
+              <a:rPr sz="900" lang="en"/>
+              <a:t>Internet Connection</a:t>
+            </a:r>
+          </a:p>
+        </p:txBody>
+      </p:sp>
+      <p:pic>
+        <p:nvPicPr>
+          <p:cNvPr id="164" name="Shape 164"/>
+          <p:cNvPicPr preferRelativeResize="0"/>
+          <p:nvPr/>
+        </p:nvPicPr>
+        <p:blipFill>
+          <a:blip r:embed="rId3">
+            <a:alphaModFix/>
+          </a:blip>
+          <a:stretch>
+            <a:fillRect/>
+          </a:stretch>
+        </p:blipFill>
+        <p:spPr>
+          <a:xfrm>
+            <a:off y="2443025" x="1392375"/>
+            <a:ext cy="263199" cx="263199"/>
+          </a:xfrm>
+          <a:prstGeom prst="rect">
+            <a:avLst/>
+          </a:prstGeom>
+          <a:noFill/>
+          <a:ln>
+            <a:noFill/>
+          </a:ln>
+        </p:spPr>
+      </p:pic>
+      <p:pic>
+        <p:nvPicPr>
+          <p:cNvPr id="165" name="Shape 165"/>
+          <p:cNvPicPr preferRelativeResize="0"/>
+          <p:nvPr/>
+        </p:nvPicPr>
+        <p:blipFill>
+          <a:blip r:embed="rId3">
+            <a:alphaModFix/>
+          </a:blip>
+          <a:stretch>
+            <a:fillRect/>
+          </a:stretch>
+        </p:blipFill>
+        <p:spPr>
+          <a:xfrm>
+            <a:off y="2595425" x="1392375"/>
+            <a:ext cy="263199" cx="263199"/>
+          </a:xfrm>
+          <a:prstGeom prst="rect">
+            <a:avLst/>
+          </a:prstGeom>
+          <a:noFill/>
+          <a:ln>
+            <a:noFill/>
+          </a:ln>
+        </p:spPr>
+      </p:pic>
+      <p:pic>
+        <p:nvPicPr>
+          <p:cNvPr id="166" name="Shape 166"/>
+          <p:cNvPicPr preferRelativeResize="0"/>
+          <p:nvPr/>
+        </p:nvPicPr>
+        <p:blipFill>
+          <a:blip r:embed="rId3">
+            <a:alphaModFix/>
+          </a:blip>
+          <a:stretch>
+            <a:fillRect/>
+          </a:stretch>
+        </p:blipFill>
+        <p:spPr>
+          <a:xfrm>
+            <a:off y="2747825" x="1392375"/>
+            <a:ext cy="263199" cx="263199"/>
+          </a:xfrm>
+          <a:prstGeom prst="rect">
+            <a:avLst/>
+          </a:prstGeom>
+          <a:noFill/>
+          <a:ln>
+            <a:noFill/>
+          </a:ln>
+        </p:spPr>
+      </p:pic>
+      <p:pic>
+        <p:nvPicPr>
+          <p:cNvPr id="167" name="Shape 167"/>
+          <p:cNvPicPr preferRelativeResize="0"/>
+          <p:nvPr/>
+        </p:nvPicPr>
+        <p:blipFill>
+          <a:blip r:embed="rId3">
+            <a:alphaModFix/>
+          </a:blip>
+          <a:stretch>
+            <a:fillRect/>
+          </a:stretch>
+        </p:blipFill>
+        <p:spPr>
+          <a:xfrm>
+            <a:off y="2900225" x="1392375"/>
+            <a:ext cy="263199" cx="263199"/>
+          </a:xfrm>
+          <a:prstGeom prst="rect">
+            <a:avLst/>
+          </a:prstGeom>
+          <a:noFill/>
+          <a:ln>
+            <a:noFill/>
+          </a:ln>
+        </p:spPr>
+      </p:pic>
+      <p:pic>
+        <p:nvPicPr>
+          <p:cNvPr id="168" name="Shape 168"/>
+          <p:cNvPicPr preferRelativeResize="0"/>
+          <p:nvPr/>
+        </p:nvPicPr>
+        <p:blipFill>
+          <a:blip r:embed="rId4">
+            <a:alphaModFix/>
+          </a:blip>
+          <a:stretch>
+            <a:fillRect/>
+          </a:stretch>
+        </p:blipFill>
+        <p:spPr>
+          <a:xfrm>
+            <a:off y="2031962" x="5256712"/>
+            <a:ext cy="780524" cx="780524"/>
+          </a:xfrm>
+          <a:prstGeom prst="rect">
+            <a:avLst/>
+          </a:prstGeom>
+          <a:noFill/>
+          <a:ln>
+            <a:noFill/>
+          </a:ln>
+        </p:spPr>
+      </p:pic>
+      <p:sp>
+        <p:nvSpPr>
+          <p:cNvPr id="169" name="Shape 169"/>
+          <p:cNvSpPr/>
+          <p:nvPr/>
+        </p:nvSpPr>
+        <p:spPr>
+          <a:xfrm>
+            <a:off y="2446800" x="2660225"/>
+            <a:ext cy="205499" cx="559499"/>
+          </a:xfrm>
+          <a:prstGeom prst="rightArrow">
+            <a:avLst>
+              <a:gd fmla="val 50000" name="adj1"/>
+              <a:gd fmla="val 50000" name="adj2"/>
+            </a:avLst>
+          </a:prstGeom>
+          <a:solidFill>
+            <a:schemeClr val="lt2"/>
+          </a:solidFill>
+          <a:ln w="19050" cap="flat">
+            <a:solidFill>
+              <a:schemeClr val="dk2"/>
+            </a:solidFill>
+            <a:prstDash val="solid"/>
+            <a:round/>
+            <a:headEnd w="med" len="med" type="none"/>
+            <a:tailEnd w="med" len="med" type="none"/>
+          </a:ln>
+        </p:spPr>
+        <p:txBody>
+          <a:bodyPr bIns="91425" rIns="91425" lIns="91425" tIns="91425" anchor="ctr" anchorCtr="0">
+            <a:noAutofit/>
+          </a:bodyPr>
+          <a:lstStyle/>
+          <a:p>
+            <a:pPr rtl="0" lvl="0">
+              <a:spcBef>
+                <a:spcPts val="0"/>
+              </a:spcBef>
+              <a:buNone/>
+            </a:pPr>
+            <a:r>
+              <a:t/>
+            </a:r>
+            <a:endParaRPr/>
+          </a:p>
+        </p:txBody>
+      </p:sp>
+      <p:sp>
+        <p:nvSpPr>
+          <p:cNvPr id="170" name="Shape 170"/>
+          <p:cNvSpPr/>
+          <p:nvPr/>
+        </p:nvSpPr>
+        <p:spPr>
+          <a:xfrm>
+            <a:off y="2446800" x="4565225"/>
+            <a:ext cy="205499" cx="559499"/>
+          </a:xfrm>
+          <a:prstGeom prst="rightArrow">
+            <a:avLst>
+              <a:gd fmla="val 50000" name="adj1"/>
+              <a:gd fmla="val 50000" name="adj2"/>
+            </a:avLst>
+          </a:prstGeom>
+          <a:solidFill>
+            <a:schemeClr val="lt2"/>
+          </a:solidFill>
+          <a:ln w="19050" cap="flat">
+            <a:solidFill>
+              <a:schemeClr val="dk2"/>
+            </a:solidFill>
+            <a:prstDash val="solid"/>
+            <a:round/>
+            <a:headEnd w="med" len="med" type="none"/>
+            <a:tailEnd w="med" len="med" type="none"/>
+          </a:ln>
+        </p:spPr>
+        <p:txBody>
+          <a:bodyPr bIns="91425" rIns="91425" lIns="91425" tIns="91425" anchor="ctr" anchorCtr="0">
+            <a:noAutofit/>
+          </a:bodyPr>
+          <a:lstStyle/>
+          <a:p>
+            <a:pPr rtl="0" lvl="0">
+              <a:spcBef>
+                <a:spcPts val="0"/>
+              </a:spcBef>
+              <a:buNone/>
+            </a:pPr>
+            <a:r>
+              <a:t/>
+            </a:r>
+            <a:endParaRPr/>
+          </a:p>
+        </p:txBody>
+      </p:sp>
+      <p:pic>
+        <p:nvPicPr>
+          <p:cNvPr id="171" name="Shape 171"/>
+          <p:cNvPicPr preferRelativeResize="0"/>
+          <p:nvPr/>
+        </p:nvPicPr>
+        <p:blipFill>
+          <a:blip r:embed="rId5">
+            <a:alphaModFix/>
+          </a:blip>
+          <a:stretch>
+            <a:fillRect/>
+          </a:stretch>
+        </p:blipFill>
+        <p:spPr>
+          <a:xfrm>
+            <a:off y="3011012" x="5279537"/>
+            <a:ext cy="780524" cx="780524"/>
+          </a:xfrm>
+          <a:prstGeom prst="rect">
+            <a:avLst/>
+          </a:prstGeom>
+          <a:noFill/>
+          <a:ln>
+            <a:noFill/>
+          </a:ln>
+        </p:spPr>
+      </p:pic>
+      <p:pic>
+        <p:nvPicPr>
+          <p:cNvPr id="172" name="Shape 172"/>
+          <p:cNvPicPr preferRelativeResize="0"/>
+          <p:nvPr/>
+        </p:nvPicPr>
+        <p:blipFill>
+          <a:blip r:embed="rId6">
+            <a:alphaModFix/>
+          </a:blip>
+          <a:stretch>
+            <a:fillRect/>
+          </a:stretch>
+        </p:blipFill>
+        <p:spPr>
+          <a:xfrm>
+            <a:off y="1430208" x="5812575"/>
+            <a:ext cy="559481" cx="559499"/>
+          </a:xfrm>
+          <a:prstGeom prst="rect">
+            <a:avLst/>
+          </a:prstGeom>
+          <a:noFill/>
+          <a:ln>
+            <a:noFill/>
+          </a:ln>
+        </p:spPr>
+      </p:pic>
+      <p:sp>
+        <p:nvSpPr>
+          <p:cNvPr id="173" name="Shape 173"/>
+          <p:cNvSpPr txBox="1"/>
+          <p:nvPr/>
+        </p:nvSpPr>
+        <p:spPr>
+          <a:xfrm>
+            <a:off y="2508725" x="6357250"/>
+            <a:ext cy="1430999" cx="2727600"/>
+          </a:xfrm>
+          <a:prstGeom prst="rect">
+            <a:avLst/>
+          </a:prstGeom>
+          <a:noFill/>
+          <a:ln>
+            <a:noFill/>
+          </a:ln>
+        </p:spPr>
+        <p:txBody>
+          <a:bodyPr bIns="91425" rIns="91425" lIns="91425" tIns="91425" anchor="t" anchorCtr="0">
+            <a:noAutofit/>
+          </a:bodyPr>
+          <a:lstStyle/>
+          <a:p>
+            <a:pPr rtl="0" lvl="0" indent="-285750" marL="457200">
+              <a:spcBef>
+                <a:spcPts val="0"/>
+              </a:spcBef>
+              <a:buClr>
+                <a:srgbClr val="000000"/>
+              </a:buClr>
+              <a:buSzPct val="100000"/>
+              <a:buFont typeface="Arial"/>
+              <a:buChar char="●"/>
+            </a:pPr>
+            <a:r>
+              <a:rPr sz="900" lang="en"/>
+              <a:t>Admin successfully deletes a teacher</a:t>
+            </a:r>
+          </a:p>
+        </p:txBody>
+      </p:sp>
+      <p:pic>
+        <p:nvPicPr>
+          <p:cNvPr id="174" name="Shape 174"/>
+          <p:cNvPicPr preferRelativeResize="0"/>
+          <p:nvPr/>
+        </p:nvPicPr>
+        <p:blipFill>
+          <a:blip r:embed="rId7">
+            <a:alphaModFix/>
+          </a:blip>
+          <a:stretch>
+            <a:fillRect/>
+          </a:stretch>
+        </p:blipFill>
+        <p:spPr>
+          <a:xfrm>
+            <a:off y="2568050" x="1814212"/>
+            <a:ext cy="817474" cx="964399"/>
+          </a:xfrm>
+          <a:prstGeom prst="rect">
+            <a:avLst/>
+          </a:prstGeom>
+          <a:noFill/>
+          <a:ln>
+            <a:noFill/>
+          </a:ln>
+        </p:spPr>
+      </p:pic>
+      <p:sp>
+        <p:nvSpPr>
+          <p:cNvPr id="175" name="Shape 175"/>
+          <p:cNvSpPr/>
+          <p:nvPr/>
+        </p:nvSpPr>
+        <p:spPr>
+          <a:xfrm>
+            <a:off y="2446800" x="3351712"/>
+            <a:ext cy="205499" cx="1081500"/>
+          </a:xfrm>
+          <a:prstGeom prst="bevel">
+            <a:avLst>
+              <a:gd fmla="val 12500" name="adj"/>
+            </a:avLst>
+          </a:prstGeom>
+          <a:solidFill>
+            <a:schemeClr val="lt2"/>
+          </a:solidFill>
+          <a:ln w="19050" cap="flat">
+            <a:solidFill>
+              <a:schemeClr val="dk2"/>
+            </a:solidFill>
+            <a:prstDash val="solid"/>
+            <a:round/>
+            <a:headEnd w="med" len="med" type="none"/>
+            <a:tailEnd w="med" len="med" type="none"/>
+          </a:ln>
+        </p:spPr>
+        <p:txBody>
+          <a:bodyPr bIns="91425" rIns="91425" lIns="91425" tIns="91425" anchor="ctr" anchorCtr="0">
+            <a:noAutofit/>
+          </a:bodyPr>
+          <a:lstStyle/>
+          <a:p>
             <a:pPr rtl="0" lvl="0">
               <a:spcBef>
                 <a:spcPts val="0"/>
@@ -8624,7 +8893,7 @@
       </p:sp>
       <p:graphicFrame>
         <p:nvGraphicFramePr>
-          <p:cNvPr id="170" name="Shape 170"/>
+          <p:cNvPr id="176" name="Shape 176"/>
           <p:cNvGraphicFramePr/>
           <p:nvPr/>
         </p:nvGraphicFramePr>
@@ -8637,7 +8906,7 @@
             <a:tbl>
               <a:tblPr>
                 <a:noFill/>
-                <a:tableStyleId>{33D25925-2ADC-46FC-A76C-BBB0214BBD2F}</a:tableStyleId>
+                <a:tableStyleId>{4552BF79-2D6B-4A42-BB8C-3DE9E400124F}</a:tableStyleId>
               </a:tblPr>
               <a:tblGrid>
                 <a:gridCol w="532325"/>
@@ -8789,7 +9058,7 @@
       </p:graphicFrame>
       <p:sp>
         <p:nvSpPr>
-          <p:cNvPr id="171" name="Shape 171"/>
+          <p:cNvPr id="177" name="Shape 177"/>
           <p:cNvSpPr/>
           <p:nvPr/>
         </p:nvSpPr>
@@ -8838,9 +9107,9 @@
       </p:sp>
       <p:cxnSp>
         <p:nvCxnSpPr>
-          <p:cNvPr id="172" name="Shape 172"/>
+          <p:cNvPr id="178" name="Shape 178"/>
           <p:cNvCxnSpPr>
-            <a:stCxn id="162" idx="0"/>
+            <a:stCxn id="168" idx="0"/>
           </p:cNvCxnSpPr>
           <p:nvPr/>
         </p:nvCxnSpPr>
@@ -8866,7 +9135,7 @@
       </p:cxnSp>
       <p:cxnSp>
         <p:nvCxnSpPr>
-          <p:cNvPr id="173" name="Shape 173"/>
+          <p:cNvPr id="179" name="Shape 179"/>
           <p:cNvCxnSpPr/>
           <p:nvPr/>
         </p:nvCxnSpPr>
@@ -8892,7 +9161,7 @@
       </p:cxnSp>
       <p:cxnSp>
         <p:nvCxnSpPr>
-          <p:cNvPr id="174" name="Shape 174"/>
+          <p:cNvPr id="180" name="Shape 180"/>
           <p:cNvCxnSpPr/>
           <p:nvPr/>
         </p:nvCxnSpPr>
@@ -8918,7 +9187,7 @@
       </p:cxnSp>
       <p:cxnSp>
         <p:nvCxnSpPr>
-          <p:cNvPr id="175" name="Shape 175"/>
+          <p:cNvPr id="181" name="Shape 181"/>
           <p:cNvCxnSpPr/>
           <p:nvPr/>
         </p:nvCxnSpPr>
@@ -8944,7 +9213,7 @@
       </p:cxnSp>
       <p:sp>
         <p:nvSpPr>
-          <p:cNvPr id="176" name="Shape 176"/>
+          <p:cNvPr id="182" name="Shape 182"/>
           <p:cNvSpPr/>
           <p:nvPr/>
         </p:nvSpPr>
@@ -8990,9 +9259,9 @@
       </p:sp>
       <p:cxnSp>
         <p:nvCxnSpPr>
-          <p:cNvPr id="177" name="Shape 177"/>
+          <p:cNvPr id="183" name="Shape 183"/>
           <p:cNvCxnSpPr>
-            <a:endCxn id="176" idx="2"/>
+            <a:endCxn id="182" idx="2"/>
           </p:cNvCxnSpPr>
           <p:nvPr/>
         </p:nvCxnSpPr>
@@ -9018,7 +9287,7 @@
       </p:cxnSp>
       <p:sp>
         <p:nvSpPr>
-          <p:cNvPr id="178" name="Shape 178"/>
+          <p:cNvPr id="184" name="Shape 184"/>
           <p:cNvSpPr/>
           <p:nvPr/>
         </p:nvSpPr>
@@ -9062,860 +9331,6 @@
               <a:t/>
             </a:r>
             <a:endParaRPr/>
-          </a:p>
-        </p:txBody>
-      </p:sp>
-    </p:spTree>
-  </p:cSld>
-  <p:clrMapOvr>
-    <a:masterClrMapping/>
-  </p:clrMapOvr>
-  <p:transition spd="slow">
-    <p:cut/>
-  </p:transition>
-</p:sld>
-</file>
-
-<file path=ppt/slides/slide16.xml><?xml version="1.0" encoding="utf-8"?>
-<p:sld xmlns:a="http://schemas.openxmlformats.org/drawingml/2006/main" xmlns:r="http://schemas.openxmlformats.org/officeDocument/2006/relationships" xmlns:mc="http://schemas.openxmlformats.org/markup-compatibility/2006" xmlns:mv="urn:schemas-microsoft-com:mac:vml" xmlns:p="http://schemas.openxmlformats.org/presentationml/2006/main" xmlns:c="http://schemas.openxmlformats.org/drawingml/2006/chart" xmlns:dgm="http://schemas.openxmlformats.org/drawingml/2006/diagram" xmlns:o="urn:schemas-microsoft-com:office:office" xmlns:v="urn:schemas-microsoft-com:vml" xmlns:pvml="urn:schemas-microsoft-com:office:powerpoint" xmlns:com="http://schemas.openxmlformats.org/drawingml/2006/compatibility" xmlns:p14="http://schemas.microsoft.com/office/powerpoint/2010/main">
-  <p:cSld>
-    <p:spTree>
-      <p:nvGrpSpPr>
-        <p:cNvPr id="182" name="Shape 182"/>
-        <p:cNvGrpSpPr/>
-        <p:nvPr/>
-      </p:nvGrpSpPr>
-      <p:grpSpPr>
-        <a:xfrm>
-          <a:off y="0" x="0"/>
-          <a:ext cy="0" cx="0"/>
-          <a:chOff y="0" x="0"/>
-          <a:chExt cy="0" cx="0"/>
-        </a:xfrm>
-      </p:grpSpPr>
-      <p:sp>
-        <p:nvSpPr>
-          <p:cNvPr id="183" name="Shape 183"/>
-          <p:cNvSpPr txBox="1"/>
-          <p:nvPr>
-            <p:ph type="title"/>
-          </p:nvPr>
-        </p:nvSpPr>
-        <p:spPr>
-          <a:xfrm>
-            <a:off y="205978" x="457200"/>
-            <a:ext cy="857400" cx="8229600"/>
-          </a:xfrm>
-          <a:prstGeom prst="rect">
-            <a:avLst/>
-          </a:prstGeom>
-        </p:spPr>
-        <p:txBody>
-          <a:bodyPr bIns="91425" rIns="91425" lIns="91425" tIns="91425" anchor="ctr" anchorCtr="0">
-            <a:noAutofit/>
-          </a:bodyPr>
-          <a:lstStyle/>
-          <a:p>
-            <a:pPr>
-              <a:spcBef>
-                <a:spcPts val="0"/>
-              </a:spcBef>
-              <a:buNone/>
-            </a:pPr>
-            <a:r>
-              <a:rPr lang="en"/>
-              <a:t>Student Use Case</a:t>
-            </a:r>
-          </a:p>
-        </p:txBody>
-      </p:sp>
-      <p:sp>
-        <p:nvSpPr>
-          <p:cNvPr id="184" name="Shape 184"/>
-          <p:cNvSpPr txBox="1"/>
-          <p:nvPr/>
-        </p:nvSpPr>
-        <p:spPr>
-          <a:xfrm>
-            <a:off y="1854225" x="-27650"/>
-            <a:ext cy="580799" cx="8983499"/>
-          </a:xfrm>
-          <a:prstGeom prst="rect">
-            <a:avLst/>
-          </a:prstGeom>
-          <a:noFill/>
-          <a:ln>
-            <a:noFill/>
-          </a:ln>
-        </p:spPr>
-        <p:txBody>
-          <a:bodyPr bIns="91425" rIns="91425" lIns="91425" tIns="91425" anchor="t" anchorCtr="0">
-            <a:noAutofit/>
-          </a:bodyPr>
-          <a:lstStyle/>
-          <a:p>
-            <a:pPr rtl="0" lvl="0">
-              <a:spcBef>
-                <a:spcPts val="0"/>
-              </a:spcBef>
-              <a:buNone/>
-            </a:pPr>
-            <a:r>
-              <a:rPr sz="1200" lang="en"/>
-              <a:t>Preconditions:				Normal Flow:									Postconditions:</a:t>
-            </a:r>
-          </a:p>
-          <a:p>
-            <a:pPr rtl="0" lvl="0">
-              <a:spcBef>
-                <a:spcPts val="0"/>
-              </a:spcBef>
-              <a:buNone/>
-            </a:pPr>
-            <a:r>
-              <a:t/>
-            </a:r>
-            <a:endParaRPr/>
-          </a:p>
-        </p:txBody>
-      </p:sp>
-      <p:sp>
-        <p:nvSpPr>
-          <p:cNvPr id="185" name="Shape 185"/>
-          <p:cNvSpPr txBox="1"/>
-          <p:nvPr/>
-        </p:nvSpPr>
-        <p:spPr>
-          <a:xfrm>
-            <a:off y="1265425" x="48550"/>
-            <a:ext cy="580799" cx="3033300"/>
-          </a:xfrm>
-          <a:prstGeom prst="rect">
-            <a:avLst/>
-          </a:prstGeom>
-          <a:noFill/>
-          <a:ln>
-            <a:noFill/>
-          </a:ln>
-        </p:spPr>
-        <p:txBody>
-          <a:bodyPr bIns="91425" rIns="91425" lIns="91425" tIns="91425" anchor="t" anchorCtr="0">
-            <a:noAutofit/>
-          </a:bodyPr>
-          <a:lstStyle/>
-          <a:p>
-            <a:pPr rtl="0" lvl="0">
-              <a:spcBef>
-                <a:spcPts val="0"/>
-              </a:spcBef>
-              <a:buNone/>
-            </a:pPr>
-            <a:r>
-              <a:rPr u="sng" lang="en"/>
-              <a:t>Student Selects Practice Mode:</a:t>
-            </a:r>
-          </a:p>
-          <a:p>
-            <a:pPr rtl="0" lvl="0">
-              <a:spcBef>
-                <a:spcPts val="0"/>
-              </a:spcBef>
-              <a:buNone/>
-            </a:pPr>
-            <a:r>
-              <a:t/>
-            </a:r>
-            <a:endParaRPr/>
-          </a:p>
-        </p:txBody>
-      </p:sp>
-      <p:sp>
-        <p:nvSpPr>
-          <p:cNvPr id="186" name="Shape 186"/>
-          <p:cNvSpPr/>
-          <p:nvPr/>
-        </p:nvSpPr>
-        <p:spPr>
-          <a:xfrm>
-            <a:off y="3297075" x="2660225"/>
-            <a:ext cy="205499" cx="559499"/>
-          </a:xfrm>
-          <a:prstGeom prst="rightArrow">
-            <a:avLst>
-              <a:gd fmla="val 50000" name="adj1"/>
-              <a:gd fmla="val 50000" name="adj2"/>
-            </a:avLst>
-          </a:prstGeom>
-          <a:solidFill>
-            <a:schemeClr val="lt2"/>
-          </a:solidFill>
-          <a:ln w="19050" cap="flat">
-            <a:solidFill>
-              <a:schemeClr val="dk2"/>
-            </a:solidFill>
-            <a:prstDash val="solid"/>
-            <a:round/>
-            <a:headEnd w="med" len="med" type="none"/>
-            <a:tailEnd w="med" len="med" type="none"/>
-          </a:ln>
-        </p:spPr>
-        <p:txBody>
-          <a:bodyPr bIns="91425" rIns="91425" lIns="91425" tIns="91425" anchor="ctr" anchorCtr="0">
-            <a:noAutofit/>
-          </a:bodyPr>
-          <a:lstStyle/>
-          <a:p>
-            <a:pPr>
-              <a:spcBef>
-                <a:spcPts val="0"/>
-              </a:spcBef>
-              <a:buNone/>
-            </a:pPr>
-            <a:r>
-              <a:t/>
-            </a:r>
-            <a:endParaRPr/>
-          </a:p>
-        </p:txBody>
-      </p:sp>
-      <p:sp>
-        <p:nvSpPr>
-          <p:cNvPr id="187" name="Shape 187"/>
-          <p:cNvSpPr/>
-          <p:nvPr/>
-        </p:nvSpPr>
-        <p:spPr>
-          <a:xfrm>
-            <a:off y="3315825" x="3316650"/>
-            <a:ext cy="205499" cx="1081500"/>
-          </a:xfrm>
-          <a:prstGeom prst="bevel">
-            <a:avLst>
-              <a:gd fmla="val 12500" name="adj"/>
-            </a:avLst>
-          </a:prstGeom>
-          <a:solidFill>
-            <a:schemeClr val="lt2"/>
-          </a:solidFill>
-          <a:ln w="19050" cap="flat">
-            <a:solidFill>
-              <a:schemeClr val="dk2"/>
-            </a:solidFill>
-            <a:prstDash val="solid"/>
-            <a:round/>
-            <a:headEnd w="med" len="med" type="none"/>
-            <a:tailEnd w="med" len="med" type="none"/>
-          </a:ln>
-        </p:spPr>
-        <p:txBody>
-          <a:bodyPr bIns="91425" rIns="91425" lIns="91425" tIns="91425" anchor="ctr" anchorCtr="0">
-            <a:noAutofit/>
-          </a:bodyPr>
-          <a:lstStyle/>
-          <a:p>
-            <a:pPr rtl="0" lvl="0">
-              <a:spcBef>
-                <a:spcPts val="0"/>
-              </a:spcBef>
-              <a:buNone/>
-            </a:pPr>
-            <a:r>
-              <a:rPr b="1" sz="900" lang="en"/>
-              <a:t>Practice</a:t>
-            </a:r>
-          </a:p>
-        </p:txBody>
-      </p:sp>
-      <p:sp>
-        <p:nvSpPr>
-          <p:cNvPr id="188" name="Shape 188"/>
-          <p:cNvSpPr txBox="1"/>
-          <p:nvPr/>
-        </p:nvSpPr>
-        <p:spPr>
-          <a:xfrm>
-            <a:off y="2508725" x="-164675"/>
-            <a:ext cy="1523100" cx="1905899"/>
-          </a:xfrm>
-          <a:prstGeom prst="rect">
-            <a:avLst/>
-          </a:prstGeom>
-          <a:noFill/>
-          <a:ln>
-            <a:noFill/>
-          </a:ln>
-        </p:spPr>
-        <p:txBody>
-          <a:bodyPr bIns="91425" rIns="91425" lIns="91425" tIns="91425" anchor="t" anchorCtr="0">
-            <a:noAutofit/>
-          </a:bodyPr>
-          <a:lstStyle/>
-          <a:p>
-            <a:pPr rtl="0" lvl="0" indent="-285750" marL="457200">
-              <a:spcBef>
-                <a:spcPts val="0"/>
-              </a:spcBef>
-              <a:buClr>
-                <a:srgbClr val="000000"/>
-              </a:buClr>
-              <a:buSzPct val="100000"/>
-              <a:buFont typeface="Arial"/>
-              <a:buChar char="●"/>
-            </a:pPr>
-            <a:r>
-              <a:rPr sz="900" lang="en"/>
-              <a:t>Existing Account</a:t>
-            </a:r>
-          </a:p>
-          <a:p>
-            <a:pPr rtl="0" lvl="0" indent="-285750" marL="457200">
-              <a:spcBef>
-                <a:spcPts val="0"/>
-              </a:spcBef>
-              <a:buClr>
-                <a:srgbClr val="000000"/>
-              </a:buClr>
-              <a:buSzPct val="100000"/>
-              <a:buFont typeface="Arial"/>
-              <a:buChar char="●"/>
-            </a:pPr>
-            <a:r>
-              <a:rPr sz="900" lang="en"/>
-              <a:t>Valid Session</a:t>
-            </a:r>
-          </a:p>
-          <a:p>
-            <a:pPr rtl="0" lvl="0" indent="-285750" marL="457200">
-              <a:spcBef>
-                <a:spcPts val="0"/>
-              </a:spcBef>
-              <a:buClr>
-                <a:srgbClr val="000000"/>
-              </a:buClr>
-              <a:buSzPct val="100000"/>
-              <a:buFont typeface="Arial"/>
-              <a:buChar char="●"/>
-            </a:pPr>
-            <a:r>
-              <a:rPr sz="900" lang="en"/>
-              <a:t>Using iOS App</a:t>
-            </a:r>
-          </a:p>
-          <a:p>
-            <a:pPr rtl="0" lvl="0" indent="-285750" marL="457200">
-              <a:spcBef>
-                <a:spcPts val="0"/>
-              </a:spcBef>
-              <a:buClr>
-                <a:srgbClr val="000000"/>
-              </a:buClr>
-              <a:buSzPct val="100000"/>
-              <a:buFont typeface="Arial"/>
-              <a:buChar char="●"/>
-            </a:pPr>
-            <a:r>
-              <a:rPr sz="900" lang="en"/>
-              <a:t>Internet Connection</a:t>
-            </a:r>
-          </a:p>
-        </p:txBody>
-      </p:sp>
-      <p:pic>
-        <p:nvPicPr>
-          <p:cNvPr id="189" name="Shape 189"/>
-          <p:cNvPicPr preferRelativeResize="0"/>
-          <p:nvPr/>
-        </p:nvPicPr>
-        <p:blipFill>
-          <a:blip r:embed="rId3">
-            <a:alphaModFix/>
-          </a:blip>
-          <a:stretch>
-            <a:fillRect/>
-          </a:stretch>
-        </p:blipFill>
-        <p:spPr>
-          <a:xfrm>
-            <a:off y="2443025" x="1392375"/>
-            <a:ext cy="263199" cx="263199"/>
-          </a:xfrm>
-          <a:prstGeom prst="rect">
-            <a:avLst/>
-          </a:prstGeom>
-          <a:noFill/>
-          <a:ln>
-            <a:noFill/>
-          </a:ln>
-        </p:spPr>
-      </p:pic>
-      <p:pic>
-        <p:nvPicPr>
-          <p:cNvPr id="190" name="Shape 190"/>
-          <p:cNvPicPr preferRelativeResize="0"/>
-          <p:nvPr/>
-        </p:nvPicPr>
-        <p:blipFill>
-          <a:blip r:embed="rId3">
-            <a:alphaModFix/>
-          </a:blip>
-          <a:stretch>
-            <a:fillRect/>
-          </a:stretch>
-        </p:blipFill>
-        <p:spPr>
-          <a:xfrm>
-            <a:off y="2595425" x="1392375"/>
-            <a:ext cy="263199" cx="263199"/>
-          </a:xfrm>
-          <a:prstGeom prst="rect">
-            <a:avLst/>
-          </a:prstGeom>
-          <a:noFill/>
-          <a:ln>
-            <a:noFill/>
-          </a:ln>
-        </p:spPr>
-      </p:pic>
-      <p:pic>
-        <p:nvPicPr>
-          <p:cNvPr id="191" name="Shape 191"/>
-          <p:cNvPicPr preferRelativeResize="0"/>
-          <p:nvPr/>
-        </p:nvPicPr>
-        <p:blipFill>
-          <a:blip r:embed="rId3">
-            <a:alphaModFix/>
-          </a:blip>
-          <a:stretch>
-            <a:fillRect/>
-          </a:stretch>
-        </p:blipFill>
-        <p:spPr>
-          <a:xfrm>
-            <a:off y="2747825" x="1392375"/>
-            <a:ext cy="263199" cx="263199"/>
-          </a:xfrm>
-          <a:prstGeom prst="rect">
-            <a:avLst/>
-          </a:prstGeom>
-          <a:noFill/>
-          <a:ln>
-            <a:noFill/>
-          </a:ln>
-        </p:spPr>
-      </p:pic>
-      <p:pic>
-        <p:nvPicPr>
-          <p:cNvPr id="192" name="Shape 192"/>
-          <p:cNvPicPr preferRelativeResize="0"/>
-          <p:nvPr/>
-        </p:nvPicPr>
-        <p:blipFill>
-          <a:blip r:embed="rId3">
-            <a:alphaModFix/>
-          </a:blip>
-          <a:stretch>
-            <a:fillRect/>
-          </a:stretch>
-        </p:blipFill>
-        <p:spPr>
-          <a:xfrm>
-            <a:off y="2900225" x="1392375"/>
-            <a:ext cy="263199" cx="263199"/>
-          </a:xfrm>
-          <a:prstGeom prst="rect">
-            <a:avLst/>
-          </a:prstGeom>
-          <a:noFill/>
-          <a:ln>
-            <a:noFill/>
-          </a:ln>
-        </p:spPr>
-      </p:pic>
-      <p:sp>
-        <p:nvSpPr>
-          <p:cNvPr id="193" name="Shape 193"/>
-          <p:cNvSpPr/>
-          <p:nvPr/>
-        </p:nvSpPr>
-        <p:spPr>
-          <a:xfrm>
-            <a:off y="2706225" x="2660225"/>
-            <a:ext cy="205499" cx="559499"/>
-          </a:xfrm>
-          <a:prstGeom prst="rightArrow">
-            <a:avLst>
-              <a:gd fmla="val 50000" name="adj1"/>
-              <a:gd fmla="val 50000" name="adj2"/>
-            </a:avLst>
-          </a:prstGeom>
-          <a:solidFill>
-            <a:schemeClr val="lt2"/>
-          </a:solidFill>
-          <a:ln w="19050" cap="flat">
-            <a:solidFill>
-              <a:schemeClr val="dk2"/>
-            </a:solidFill>
-            <a:prstDash val="solid"/>
-            <a:round/>
-            <a:headEnd w="med" len="med" type="none"/>
-            <a:tailEnd w="med" len="med" type="none"/>
-          </a:ln>
-        </p:spPr>
-        <p:txBody>
-          <a:bodyPr bIns="91425" rIns="91425" lIns="91425" tIns="91425" anchor="ctr" anchorCtr="0">
-            <a:noAutofit/>
-          </a:bodyPr>
-          <a:lstStyle/>
-          <a:p>
-            <a:pPr rtl="0" lvl="0">
-              <a:spcBef>
-                <a:spcPts val="0"/>
-              </a:spcBef>
-              <a:buNone/>
-            </a:pPr>
-            <a:r>
-              <a:t/>
-            </a:r>
-            <a:endParaRPr/>
-          </a:p>
-        </p:txBody>
-      </p:sp>
-      <p:sp>
-        <p:nvSpPr>
-          <p:cNvPr id="194" name="Shape 194"/>
-          <p:cNvSpPr/>
-          <p:nvPr/>
-        </p:nvSpPr>
-        <p:spPr>
-          <a:xfrm>
-            <a:off y="3315825" x="4459725"/>
-            <a:ext cy="205499" cx="559499"/>
-          </a:xfrm>
-          <a:prstGeom prst="rightArrow">
-            <a:avLst>
-              <a:gd fmla="val 50000" name="adj1"/>
-              <a:gd fmla="val 50000" name="adj2"/>
-            </a:avLst>
-          </a:prstGeom>
-          <a:solidFill>
-            <a:schemeClr val="lt2"/>
-          </a:solidFill>
-          <a:ln w="19050" cap="flat">
-            <a:solidFill>
-              <a:schemeClr val="dk2"/>
-            </a:solidFill>
-            <a:prstDash val="solid"/>
-            <a:round/>
-            <a:headEnd w="med" len="med" type="none"/>
-            <a:tailEnd w="med" len="med" type="none"/>
-          </a:ln>
-        </p:spPr>
-        <p:txBody>
-          <a:bodyPr bIns="91425" rIns="91425" lIns="91425" tIns="91425" anchor="ctr" anchorCtr="0">
-            <a:noAutofit/>
-          </a:bodyPr>
-          <a:lstStyle/>
-          <a:p>
-            <a:pPr rtl="0" lvl="0">
-              <a:spcBef>
-                <a:spcPts val="0"/>
-              </a:spcBef>
-              <a:buNone/>
-            </a:pPr>
-            <a:r>
-              <a:t/>
-            </a:r>
-            <a:endParaRPr/>
-          </a:p>
-        </p:txBody>
-      </p:sp>
-      <p:pic>
-        <p:nvPicPr>
-          <p:cNvPr id="195" name="Shape 195"/>
-          <p:cNvPicPr preferRelativeResize="0"/>
-          <p:nvPr/>
-        </p:nvPicPr>
-        <p:blipFill>
-          <a:blip r:embed="rId4">
-            <a:alphaModFix/>
-          </a:blip>
-          <a:stretch>
-            <a:fillRect/>
-          </a:stretch>
-        </p:blipFill>
-        <p:spPr>
-          <a:xfrm flipH="1">
-            <a:off y="2689175" x="1751875"/>
-            <a:ext cy="857399" cx="867500"/>
-          </a:xfrm>
-          <a:prstGeom prst="rect">
-            <a:avLst/>
-          </a:prstGeom>
-          <a:noFill/>
-          <a:ln>
-            <a:noFill/>
-          </a:ln>
-        </p:spPr>
-      </p:pic>
-      <p:sp>
-        <p:nvSpPr>
-          <p:cNvPr id="196" name="Shape 196"/>
-          <p:cNvSpPr/>
-          <p:nvPr/>
-        </p:nvSpPr>
-        <p:spPr>
-          <a:xfrm>
-            <a:off y="2706225" x="3316650"/>
-            <a:ext cy="205499" cx="1081500"/>
-          </a:xfrm>
-          <a:prstGeom prst="bevel">
-            <a:avLst>
-              <a:gd fmla="val 12500" name="adj"/>
-            </a:avLst>
-          </a:prstGeom>
-          <a:solidFill>
-            <a:schemeClr val="lt2"/>
-          </a:solidFill>
-          <a:ln w="19050" cap="flat">
-            <a:solidFill>
-              <a:schemeClr val="dk2"/>
-            </a:solidFill>
-            <a:prstDash val="solid"/>
-            <a:round/>
-            <a:headEnd w="med" len="med" type="none"/>
-            <a:tailEnd w="med" len="med" type="none"/>
-          </a:ln>
-        </p:spPr>
-        <p:txBody>
-          <a:bodyPr bIns="91425" rIns="91425" lIns="91425" tIns="91425" anchor="ctr" anchorCtr="0">
-            <a:noAutofit/>
-          </a:bodyPr>
-          <a:lstStyle/>
-          <a:p>
-            <a:pPr rtl="0" lvl="0">
-              <a:spcBef>
-                <a:spcPts val="0"/>
-              </a:spcBef>
-              <a:buNone/>
-            </a:pPr>
-            <a:r>
-              <a:rPr b="1" sz="900" lang="en"/>
-              <a:t>Desired Level</a:t>
-            </a:r>
-          </a:p>
-        </p:txBody>
-      </p:sp>
-      <p:sp>
-        <p:nvSpPr>
-          <p:cNvPr id="197" name="Shape 197"/>
-          <p:cNvSpPr/>
-          <p:nvPr/>
-        </p:nvSpPr>
-        <p:spPr>
-          <a:xfrm>
-            <a:off y="2706225" x="5135550"/>
-            <a:ext cy="832799" cx="587999"/>
-          </a:xfrm>
-          <a:prstGeom prst="rect">
-            <a:avLst/>
-          </a:prstGeom>
-          <a:solidFill>
-            <a:schemeClr val="lt2"/>
-          </a:solidFill>
-          <a:ln w="19050" cap="flat">
-            <a:solidFill>
-              <a:schemeClr val="dk2"/>
-            </a:solidFill>
-            <a:prstDash val="solid"/>
-            <a:round/>
-            <a:headEnd w="med" len="med" type="none"/>
-            <a:tailEnd w="med" len="med" type="none"/>
-          </a:ln>
-        </p:spPr>
-        <p:txBody>
-          <a:bodyPr bIns="91425" rIns="91425" lIns="91425" tIns="91425" anchor="ctr" anchorCtr="0">
-            <a:noAutofit/>
-          </a:bodyPr>
-          <a:lstStyle/>
-          <a:p>
-            <a:pPr>
-              <a:spcBef>
-                <a:spcPts val="0"/>
-              </a:spcBef>
-              <a:buNone/>
-            </a:pPr>
-            <a:r>
-              <a:rPr sz="700" lang="en"/>
-              <a:t>Controller</a:t>
-            </a:r>
-          </a:p>
-        </p:txBody>
-      </p:sp>
-      <p:sp>
-        <p:nvSpPr>
-          <p:cNvPr id="198" name="Shape 198"/>
-          <p:cNvSpPr/>
-          <p:nvPr/>
-        </p:nvSpPr>
-        <p:spPr>
-          <a:xfrm>
-            <a:off y="2706225" x="4459725"/>
-            <a:ext cy="205499" cx="559499"/>
-          </a:xfrm>
-          <a:prstGeom prst="rightArrow">
-            <a:avLst>
-              <a:gd fmla="val 50000" name="adj1"/>
-              <a:gd fmla="val 50000" name="adj2"/>
-            </a:avLst>
-          </a:prstGeom>
-          <a:solidFill>
-            <a:schemeClr val="lt2"/>
-          </a:solidFill>
-          <a:ln w="19050" cap="flat">
-            <a:solidFill>
-              <a:schemeClr val="dk2"/>
-            </a:solidFill>
-            <a:prstDash val="solid"/>
-            <a:round/>
-            <a:headEnd w="med" len="med" type="none"/>
-            <a:tailEnd w="med" len="med" type="none"/>
-          </a:ln>
-        </p:spPr>
-        <p:txBody>
-          <a:bodyPr bIns="91425" rIns="91425" lIns="91425" tIns="91425" anchor="ctr" anchorCtr="0">
-            <a:noAutofit/>
-          </a:bodyPr>
-          <a:lstStyle/>
-          <a:p>
-            <a:pPr>
-              <a:spcBef>
-                <a:spcPts val="0"/>
-              </a:spcBef>
-              <a:buNone/>
-            </a:pPr>
-            <a:r>
-              <a:t/>
-            </a:r>
-            <a:endParaRPr/>
-          </a:p>
-        </p:txBody>
-      </p:sp>
-      <p:sp>
-        <p:nvSpPr>
-          <p:cNvPr id="199" name="Shape 199"/>
-          <p:cNvSpPr/>
-          <p:nvPr/>
-        </p:nvSpPr>
-        <p:spPr>
-          <a:xfrm>
-            <a:off y="2998425" x="6079951"/>
-            <a:ext cy="248400" cx="429899"/>
-          </a:xfrm>
-          <a:prstGeom prst="rect">
-            <a:avLst/>
-          </a:prstGeom>
-          <a:solidFill>
-            <a:schemeClr val="lt2"/>
-          </a:solidFill>
-          <a:ln w="19050" cap="flat">
-            <a:solidFill>
-              <a:schemeClr val="dk2"/>
-            </a:solidFill>
-            <a:prstDash val="solid"/>
-            <a:round/>
-            <a:headEnd w="med" len="med" type="none"/>
-            <a:tailEnd w="med" len="med" type="none"/>
-          </a:ln>
-        </p:spPr>
-        <p:txBody>
-          <a:bodyPr bIns="91425" rIns="91425" lIns="91425" tIns="91425" anchor="ctr" anchorCtr="0">
-            <a:noAutofit/>
-          </a:bodyPr>
-          <a:lstStyle/>
-          <a:p>
-            <a:pPr rtl="0" lvl="0">
-              <a:spcBef>
-                <a:spcPts val="0"/>
-              </a:spcBef>
-              <a:buNone/>
-            </a:pPr>
-            <a:r>
-              <a:rPr sz="700" lang="en"/>
-              <a:t>View</a:t>
-            </a:r>
-          </a:p>
-        </p:txBody>
-      </p:sp>
-      <p:cxnSp>
-        <p:nvCxnSpPr>
-          <p:cNvPr id="200" name="Shape 200"/>
-          <p:cNvCxnSpPr>
-            <a:stCxn id="197" idx="3"/>
-            <a:endCxn id="199" idx="1"/>
-          </p:cNvCxnSpPr>
-          <p:nvPr/>
-        </p:nvCxnSpPr>
-        <p:spPr>
-          <a:xfrm>
-            <a:off y="3122624" x="5723549"/>
-            <a:ext cy="0" cx="356400"/>
-          </a:xfrm>
-          <a:prstGeom prst="straightConnector1">
-            <a:avLst/>
-          </a:prstGeom>
-          <a:noFill/>
-          <a:ln w="19050" cap="flat">
-            <a:solidFill>
-              <a:schemeClr val="dk2"/>
-            </a:solidFill>
-            <a:prstDash val="solid"/>
-            <a:round/>
-            <a:headEnd w="lg" len="lg" type="none"/>
-            <a:tailEnd w="lg" len="lg" type="triangle"/>
-          </a:ln>
-        </p:spPr>
-      </p:cxnSp>
-      <p:sp>
-        <p:nvSpPr>
-          <p:cNvPr id="201" name="Shape 201"/>
-          <p:cNvSpPr txBox="1"/>
-          <p:nvPr/>
-        </p:nvSpPr>
-        <p:spPr>
-          <a:xfrm>
-            <a:off y="2508725" x="6357250"/>
-            <a:ext cy="1430999" cx="2727600"/>
-          </a:xfrm>
-          <a:prstGeom prst="rect">
-            <a:avLst/>
-          </a:prstGeom>
-          <a:noFill/>
-          <a:ln>
-            <a:noFill/>
-          </a:ln>
-        </p:spPr>
-        <p:txBody>
-          <a:bodyPr bIns="91425" rIns="91425" lIns="91425" tIns="91425" anchor="t" anchorCtr="0">
-            <a:noAutofit/>
-          </a:bodyPr>
-          <a:lstStyle/>
-          <a:p>
-            <a:pPr rtl="0" lvl="0" indent="-285750" marL="457200">
-              <a:spcBef>
-                <a:spcPts val="0"/>
-              </a:spcBef>
-              <a:buClr>
-                <a:srgbClr val="000000"/>
-              </a:buClr>
-              <a:buSzPct val="100000"/>
-              <a:buFont typeface="Arial"/>
-              <a:buChar char="●"/>
-            </a:pPr>
-            <a:r>
-              <a:rPr sz="900" lang="en"/>
-              <a:t>Student successfully enters the practice mode</a:t>
-            </a:r>
           </a:p>
         </p:txBody>
       </p:sp>
@@ -9935,7 +9350,7 @@
   <p:cSld>
     <p:spTree>
       <p:nvGrpSpPr>
-        <p:cNvPr id="205" name="Shape 205"/>
+        <p:cNvPr id="188" name="Shape 188"/>
         <p:cNvGrpSpPr/>
         <p:nvPr/>
       </p:nvGrpSpPr>
@@ -9949,7 +9364,7 @@
       </p:grpSpPr>
       <p:sp>
         <p:nvSpPr>
-          <p:cNvPr id="206" name="Shape 206"/>
+          <p:cNvPr id="189" name="Shape 189"/>
           <p:cNvSpPr txBox="1"/>
           <p:nvPr>
             <p:ph type="title"/>
@@ -9978,14 +9393,305 @@
             </a:pPr>
             <a:r>
               <a:rPr lang="en"/>
-              <a:t>Sequence Diagram</a:t>
+              <a:t>Student Use Case</a:t>
+            </a:r>
+          </a:p>
+        </p:txBody>
+      </p:sp>
+      <p:sp>
+        <p:nvSpPr>
+          <p:cNvPr id="190" name="Shape 190"/>
+          <p:cNvSpPr txBox="1"/>
+          <p:nvPr/>
+        </p:nvSpPr>
+        <p:spPr>
+          <a:xfrm>
+            <a:off y="1854225" x="-27650"/>
+            <a:ext cy="580799" cx="8983499"/>
+          </a:xfrm>
+          <a:prstGeom prst="rect">
+            <a:avLst/>
+          </a:prstGeom>
+          <a:noFill/>
+          <a:ln>
+            <a:noFill/>
+          </a:ln>
+        </p:spPr>
+        <p:txBody>
+          <a:bodyPr bIns="91425" rIns="91425" lIns="91425" tIns="91425" anchor="t" anchorCtr="0">
+            <a:noAutofit/>
+          </a:bodyPr>
+          <a:lstStyle/>
+          <a:p>
+            <a:pPr rtl="0" lvl="0">
+              <a:spcBef>
+                <a:spcPts val="0"/>
+              </a:spcBef>
+              <a:buNone/>
+            </a:pPr>
+            <a:r>
+              <a:rPr sz="1200" lang="en"/>
+              <a:t>Preconditions:				Normal Flow:									Postconditions:</a:t>
+            </a:r>
+          </a:p>
+          <a:p>
+            <a:pPr rtl="0" lvl="0">
+              <a:spcBef>
+                <a:spcPts val="0"/>
+              </a:spcBef>
+              <a:buNone/>
+            </a:pPr>
+            <a:r>
+              <a:t/>
+            </a:r>
+            <a:endParaRPr/>
+          </a:p>
+        </p:txBody>
+      </p:sp>
+      <p:sp>
+        <p:nvSpPr>
+          <p:cNvPr id="191" name="Shape 191"/>
+          <p:cNvSpPr txBox="1"/>
+          <p:nvPr/>
+        </p:nvSpPr>
+        <p:spPr>
+          <a:xfrm>
+            <a:off y="1265425" x="48550"/>
+            <a:ext cy="580799" cx="3033300"/>
+          </a:xfrm>
+          <a:prstGeom prst="rect">
+            <a:avLst/>
+          </a:prstGeom>
+          <a:noFill/>
+          <a:ln>
+            <a:noFill/>
+          </a:ln>
+        </p:spPr>
+        <p:txBody>
+          <a:bodyPr bIns="91425" rIns="91425" lIns="91425" tIns="91425" anchor="t" anchorCtr="0">
+            <a:noAutofit/>
+          </a:bodyPr>
+          <a:lstStyle/>
+          <a:p>
+            <a:pPr rtl="0" lvl="0">
+              <a:spcBef>
+                <a:spcPts val="0"/>
+              </a:spcBef>
+              <a:buNone/>
+            </a:pPr>
+            <a:r>
+              <a:rPr u="sng" lang="en"/>
+              <a:t>Student Selects Practice Mode:</a:t>
+            </a:r>
+          </a:p>
+          <a:p>
+            <a:pPr rtl="0" lvl="0">
+              <a:spcBef>
+                <a:spcPts val="0"/>
+              </a:spcBef>
+              <a:buNone/>
+            </a:pPr>
+            <a:r>
+              <a:t/>
+            </a:r>
+            <a:endParaRPr/>
+          </a:p>
+        </p:txBody>
+      </p:sp>
+      <p:sp>
+        <p:nvSpPr>
+          <p:cNvPr id="192" name="Shape 192"/>
+          <p:cNvSpPr/>
+          <p:nvPr/>
+        </p:nvSpPr>
+        <p:spPr>
+          <a:xfrm>
+            <a:off y="3297075" x="2660225"/>
+            <a:ext cy="205499" cx="559499"/>
+          </a:xfrm>
+          <a:prstGeom prst="rightArrow">
+            <a:avLst>
+              <a:gd fmla="val 50000" name="adj1"/>
+              <a:gd fmla="val 50000" name="adj2"/>
+            </a:avLst>
+          </a:prstGeom>
+          <a:solidFill>
+            <a:schemeClr val="lt2"/>
+          </a:solidFill>
+          <a:ln w="19050" cap="flat">
+            <a:solidFill>
+              <a:schemeClr val="dk2"/>
+            </a:solidFill>
+            <a:prstDash val="solid"/>
+            <a:round/>
+            <a:headEnd w="med" len="med" type="none"/>
+            <a:tailEnd w="med" len="med" type="none"/>
+          </a:ln>
+        </p:spPr>
+        <p:txBody>
+          <a:bodyPr bIns="91425" rIns="91425" lIns="91425" tIns="91425" anchor="ctr" anchorCtr="0">
+            <a:noAutofit/>
+          </a:bodyPr>
+          <a:lstStyle/>
+          <a:p>
+            <a:pPr>
+              <a:spcBef>
+                <a:spcPts val="0"/>
+              </a:spcBef>
+              <a:buNone/>
+            </a:pPr>
+            <a:r>
+              <a:t/>
+            </a:r>
+            <a:endParaRPr/>
+          </a:p>
+        </p:txBody>
+      </p:sp>
+      <p:sp>
+        <p:nvSpPr>
+          <p:cNvPr id="193" name="Shape 193"/>
+          <p:cNvSpPr/>
+          <p:nvPr/>
+        </p:nvSpPr>
+        <p:spPr>
+          <a:xfrm>
+            <a:off y="3315825" x="3316650"/>
+            <a:ext cy="205499" cx="1081500"/>
+          </a:xfrm>
+          <a:prstGeom prst="bevel">
+            <a:avLst>
+              <a:gd fmla="val 12500" name="adj"/>
+            </a:avLst>
+          </a:prstGeom>
+          <a:solidFill>
+            <a:schemeClr val="lt2"/>
+          </a:solidFill>
+          <a:ln w="19050" cap="flat">
+            <a:solidFill>
+              <a:schemeClr val="dk2"/>
+            </a:solidFill>
+            <a:prstDash val="solid"/>
+            <a:round/>
+            <a:headEnd w="med" len="med" type="none"/>
+            <a:tailEnd w="med" len="med" type="none"/>
+          </a:ln>
+        </p:spPr>
+        <p:txBody>
+          <a:bodyPr bIns="91425" rIns="91425" lIns="91425" tIns="91425" anchor="ctr" anchorCtr="0">
+            <a:noAutofit/>
+          </a:bodyPr>
+          <a:lstStyle/>
+          <a:p>
+            <a:pPr rtl="0" lvl="0">
+              <a:spcBef>
+                <a:spcPts val="0"/>
+              </a:spcBef>
+              <a:buNone/>
+            </a:pPr>
+            <a:r>
+              <a:rPr b="1" sz="900" lang="en"/>
+              <a:t>Practice</a:t>
+            </a:r>
+          </a:p>
+        </p:txBody>
+      </p:sp>
+      <p:sp>
+        <p:nvSpPr>
+          <p:cNvPr id="194" name="Shape 194"/>
+          <p:cNvSpPr txBox="1"/>
+          <p:nvPr/>
+        </p:nvSpPr>
+        <p:spPr>
+          <a:xfrm>
+            <a:off y="2508725" x="-164675"/>
+            <a:ext cy="1523100" cx="1905899"/>
+          </a:xfrm>
+          <a:prstGeom prst="rect">
+            <a:avLst/>
+          </a:prstGeom>
+          <a:noFill/>
+          <a:ln>
+            <a:noFill/>
+          </a:ln>
+        </p:spPr>
+        <p:txBody>
+          <a:bodyPr bIns="91425" rIns="91425" lIns="91425" tIns="91425" anchor="t" anchorCtr="0">
+            <a:noAutofit/>
+          </a:bodyPr>
+          <a:lstStyle/>
+          <a:p>
+            <a:pPr rtl="0" lvl="0" indent="-285750" marL="457200">
+              <a:spcBef>
+                <a:spcPts val="0"/>
+              </a:spcBef>
+              <a:buClr>
+                <a:srgbClr val="000000"/>
+              </a:buClr>
+              <a:buSzPct val="100000"/>
+              <a:buFont typeface="Arial"/>
+              <a:buChar char="●"/>
+            </a:pPr>
+            <a:r>
+              <a:rPr sz="900" lang="en"/>
+              <a:t>Existing Account</a:t>
+            </a:r>
+          </a:p>
+          <a:p>
+            <a:pPr rtl="0" lvl="0" indent="-285750" marL="457200">
+              <a:spcBef>
+                <a:spcPts val="0"/>
+              </a:spcBef>
+              <a:buClr>
+                <a:srgbClr val="000000"/>
+              </a:buClr>
+              <a:buSzPct val="100000"/>
+              <a:buFont typeface="Arial"/>
+              <a:buChar char="●"/>
+            </a:pPr>
+            <a:r>
+              <a:rPr sz="900" lang="en"/>
+              <a:t>Valid Session</a:t>
+            </a:r>
+          </a:p>
+          <a:p>
+            <a:pPr rtl="0" lvl="0" indent="-285750" marL="457200">
+              <a:spcBef>
+                <a:spcPts val="0"/>
+              </a:spcBef>
+              <a:buClr>
+                <a:srgbClr val="000000"/>
+              </a:buClr>
+              <a:buSzPct val="100000"/>
+              <a:buFont typeface="Arial"/>
+              <a:buChar char="●"/>
+            </a:pPr>
+            <a:r>
+              <a:rPr sz="900" lang="en"/>
+              <a:t>Using Chrome</a:t>
+            </a:r>
+          </a:p>
+          <a:p>
+            <a:pPr rtl="0" lvl="0" indent="-285750" marL="457200">
+              <a:spcBef>
+                <a:spcPts val="0"/>
+              </a:spcBef>
+              <a:buClr>
+                <a:srgbClr val="000000"/>
+              </a:buClr>
+              <a:buSzPct val="100000"/>
+              <a:buFont typeface="Arial"/>
+              <a:buChar char="●"/>
+            </a:pPr>
+            <a:r>
+              <a:rPr sz="900" lang="en"/>
+              <a:t>Internet Connection</a:t>
             </a:r>
           </a:p>
         </p:txBody>
       </p:sp>
       <p:pic>
         <p:nvPicPr>
-          <p:cNvPr id="207" name="Shape 207"/>
+          <p:cNvPr id="195" name="Shape 195"/>
           <p:cNvPicPr preferRelativeResize="0"/>
           <p:nvPr/>
         </p:nvPicPr>
@@ -9999,8 +9705,8 @@
         </p:blipFill>
         <p:spPr>
           <a:xfrm>
-            <a:off y="1300425" x="1252212"/>
-            <a:ext cy="3544374" cx="6639576"/>
+            <a:off y="2443025" x="1392375"/>
+            <a:ext cy="263199" cx="263199"/>
           </a:xfrm>
           <a:prstGeom prst="rect">
             <a:avLst/>
@@ -10011,6 +9717,477 @@
           </a:ln>
         </p:spPr>
       </p:pic>
+      <p:pic>
+        <p:nvPicPr>
+          <p:cNvPr id="196" name="Shape 196"/>
+          <p:cNvPicPr preferRelativeResize="0"/>
+          <p:nvPr/>
+        </p:nvPicPr>
+        <p:blipFill>
+          <a:blip r:embed="rId3">
+            <a:alphaModFix/>
+          </a:blip>
+          <a:stretch>
+            <a:fillRect/>
+          </a:stretch>
+        </p:blipFill>
+        <p:spPr>
+          <a:xfrm>
+            <a:off y="2595425" x="1392375"/>
+            <a:ext cy="263199" cx="263199"/>
+          </a:xfrm>
+          <a:prstGeom prst="rect">
+            <a:avLst/>
+          </a:prstGeom>
+          <a:noFill/>
+          <a:ln>
+            <a:noFill/>
+          </a:ln>
+        </p:spPr>
+      </p:pic>
+      <p:pic>
+        <p:nvPicPr>
+          <p:cNvPr id="197" name="Shape 197"/>
+          <p:cNvPicPr preferRelativeResize="0"/>
+          <p:nvPr/>
+        </p:nvPicPr>
+        <p:blipFill>
+          <a:blip r:embed="rId3">
+            <a:alphaModFix/>
+          </a:blip>
+          <a:stretch>
+            <a:fillRect/>
+          </a:stretch>
+        </p:blipFill>
+        <p:spPr>
+          <a:xfrm>
+            <a:off y="2747825" x="1392375"/>
+            <a:ext cy="263199" cx="263199"/>
+          </a:xfrm>
+          <a:prstGeom prst="rect">
+            <a:avLst/>
+          </a:prstGeom>
+          <a:noFill/>
+          <a:ln>
+            <a:noFill/>
+          </a:ln>
+        </p:spPr>
+      </p:pic>
+      <p:pic>
+        <p:nvPicPr>
+          <p:cNvPr id="198" name="Shape 198"/>
+          <p:cNvPicPr preferRelativeResize="0"/>
+          <p:nvPr/>
+        </p:nvPicPr>
+        <p:blipFill>
+          <a:blip r:embed="rId3">
+            <a:alphaModFix/>
+          </a:blip>
+          <a:stretch>
+            <a:fillRect/>
+          </a:stretch>
+        </p:blipFill>
+        <p:spPr>
+          <a:xfrm>
+            <a:off y="2900225" x="1392375"/>
+            <a:ext cy="263199" cx="263199"/>
+          </a:xfrm>
+          <a:prstGeom prst="rect">
+            <a:avLst/>
+          </a:prstGeom>
+          <a:noFill/>
+          <a:ln>
+            <a:noFill/>
+          </a:ln>
+        </p:spPr>
+      </p:pic>
+      <p:sp>
+        <p:nvSpPr>
+          <p:cNvPr id="199" name="Shape 199"/>
+          <p:cNvSpPr/>
+          <p:nvPr/>
+        </p:nvSpPr>
+        <p:spPr>
+          <a:xfrm>
+            <a:off y="2706225" x="2660225"/>
+            <a:ext cy="205499" cx="559499"/>
+          </a:xfrm>
+          <a:prstGeom prst="rightArrow">
+            <a:avLst>
+              <a:gd fmla="val 50000" name="adj1"/>
+              <a:gd fmla="val 50000" name="adj2"/>
+            </a:avLst>
+          </a:prstGeom>
+          <a:solidFill>
+            <a:schemeClr val="lt2"/>
+          </a:solidFill>
+          <a:ln w="19050" cap="flat">
+            <a:solidFill>
+              <a:schemeClr val="dk2"/>
+            </a:solidFill>
+            <a:prstDash val="solid"/>
+            <a:round/>
+            <a:headEnd w="med" len="med" type="none"/>
+            <a:tailEnd w="med" len="med" type="none"/>
+          </a:ln>
+        </p:spPr>
+        <p:txBody>
+          <a:bodyPr bIns="91425" rIns="91425" lIns="91425" tIns="91425" anchor="ctr" anchorCtr="0">
+            <a:noAutofit/>
+          </a:bodyPr>
+          <a:lstStyle/>
+          <a:p>
+            <a:pPr rtl="0" lvl="0">
+              <a:spcBef>
+                <a:spcPts val="0"/>
+              </a:spcBef>
+              <a:buNone/>
+            </a:pPr>
+            <a:r>
+              <a:t/>
+            </a:r>
+            <a:endParaRPr/>
+          </a:p>
+        </p:txBody>
+      </p:sp>
+      <p:sp>
+        <p:nvSpPr>
+          <p:cNvPr id="200" name="Shape 200"/>
+          <p:cNvSpPr/>
+          <p:nvPr/>
+        </p:nvSpPr>
+        <p:spPr>
+          <a:xfrm>
+            <a:off y="3315825" x="4459725"/>
+            <a:ext cy="205499" cx="559499"/>
+          </a:xfrm>
+          <a:prstGeom prst="rightArrow">
+            <a:avLst>
+              <a:gd fmla="val 50000" name="adj1"/>
+              <a:gd fmla="val 50000" name="adj2"/>
+            </a:avLst>
+          </a:prstGeom>
+          <a:solidFill>
+            <a:schemeClr val="lt2"/>
+          </a:solidFill>
+          <a:ln w="19050" cap="flat">
+            <a:solidFill>
+              <a:schemeClr val="dk2"/>
+            </a:solidFill>
+            <a:prstDash val="solid"/>
+            <a:round/>
+            <a:headEnd w="med" len="med" type="none"/>
+            <a:tailEnd w="med" len="med" type="none"/>
+          </a:ln>
+        </p:spPr>
+        <p:txBody>
+          <a:bodyPr bIns="91425" rIns="91425" lIns="91425" tIns="91425" anchor="ctr" anchorCtr="0">
+            <a:noAutofit/>
+          </a:bodyPr>
+          <a:lstStyle/>
+          <a:p>
+            <a:pPr rtl="0" lvl="0">
+              <a:spcBef>
+                <a:spcPts val="0"/>
+              </a:spcBef>
+              <a:buNone/>
+            </a:pPr>
+            <a:r>
+              <a:t/>
+            </a:r>
+            <a:endParaRPr/>
+          </a:p>
+        </p:txBody>
+      </p:sp>
+      <p:pic>
+        <p:nvPicPr>
+          <p:cNvPr id="201" name="Shape 201"/>
+          <p:cNvPicPr preferRelativeResize="0"/>
+          <p:nvPr/>
+        </p:nvPicPr>
+        <p:blipFill>
+          <a:blip r:embed="rId4">
+            <a:alphaModFix/>
+          </a:blip>
+          <a:stretch>
+            <a:fillRect/>
+          </a:stretch>
+        </p:blipFill>
+        <p:spPr>
+          <a:xfrm flipH="1">
+            <a:off y="2689175" x="1751875"/>
+            <a:ext cy="857399" cx="867500"/>
+          </a:xfrm>
+          <a:prstGeom prst="rect">
+            <a:avLst/>
+          </a:prstGeom>
+          <a:noFill/>
+          <a:ln>
+            <a:noFill/>
+          </a:ln>
+        </p:spPr>
+      </p:pic>
+      <p:sp>
+        <p:nvSpPr>
+          <p:cNvPr id="202" name="Shape 202"/>
+          <p:cNvSpPr/>
+          <p:nvPr/>
+        </p:nvSpPr>
+        <p:spPr>
+          <a:xfrm>
+            <a:off y="2706225" x="3316650"/>
+            <a:ext cy="205499" cx="1081500"/>
+          </a:xfrm>
+          <a:prstGeom prst="bevel">
+            <a:avLst>
+              <a:gd fmla="val 12500" name="adj"/>
+            </a:avLst>
+          </a:prstGeom>
+          <a:solidFill>
+            <a:schemeClr val="lt2"/>
+          </a:solidFill>
+          <a:ln w="19050" cap="flat">
+            <a:solidFill>
+              <a:schemeClr val="dk2"/>
+            </a:solidFill>
+            <a:prstDash val="solid"/>
+            <a:round/>
+            <a:headEnd w="med" len="med" type="none"/>
+            <a:tailEnd w="med" len="med" type="none"/>
+          </a:ln>
+        </p:spPr>
+        <p:txBody>
+          <a:bodyPr bIns="91425" rIns="91425" lIns="91425" tIns="91425" anchor="ctr" anchorCtr="0">
+            <a:noAutofit/>
+          </a:bodyPr>
+          <a:lstStyle/>
+          <a:p>
+            <a:pPr rtl="0" lvl="0">
+              <a:spcBef>
+                <a:spcPts val="0"/>
+              </a:spcBef>
+              <a:buNone/>
+            </a:pPr>
+            <a:r>
+              <a:rPr b="1" sz="900" lang="en"/>
+              <a:t>Desired Level</a:t>
+            </a:r>
+          </a:p>
+        </p:txBody>
+      </p:sp>
+      <p:sp>
+        <p:nvSpPr>
+          <p:cNvPr id="203" name="Shape 203"/>
+          <p:cNvSpPr/>
+          <p:nvPr/>
+        </p:nvSpPr>
+        <p:spPr>
+          <a:xfrm>
+            <a:off y="2706225" x="5135550"/>
+            <a:ext cy="832799" cx="587999"/>
+          </a:xfrm>
+          <a:prstGeom prst="rect">
+            <a:avLst/>
+          </a:prstGeom>
+          <a:solidFill>
+            <a:schemeClr val="lt2"/>
+          </a:solidFill>
+          <a:ln w="19050" cap="flat">
+            <a:solidFill>
+              <a:schemeClr val="dk2"/>
+            </a:solidFill>
+            <a:prstDash val="solid"/>
+            <a:round/>
+            <a:headEnd w="med" len="med" type="none"/>
+            <a:tailEnd w="med" len="med" type="none"/>
+          </a:ln>
+        </p:spPr>
+        <p:txBody>
+          <a:bodyPr bIns="91425" rIns="91425" lIns="91425" tIns="91425" anchor="ctr" anchorCtr="0">
+            <a:noAutofit/>
+          </a:bodyPr>
+          <a:lstStyle/>
+          <a:p>
+            <a:pPr>
+              <a:spcBef>
+                <a:spcPts val="0"/>
+              </a:spcBef>
+              <a:buNone/>
+            </a:pPr>
+            <a:r>
+              <a:rPr sz="700" lang="en"/>
+              <a:t>Controller</a:t>
+            </a:r>
+          </a:p>
+        </p:txBody>
+      </p:sp>
+      <p:sp>
+        <p:nvSpPr>
+          <p:cNvPr id="204" name="Shape 204"/>
+          <p:cNvSpPr/>
+          <p:nvPr/>
+        </p:nvSpPr>
+        <p:spPr>
+          <a:xfrm>
+            <a:off y="2706225" x="4459725"/>
+            <a:ext cy="205499" cx="559499"/>
+          </a:xfrm>
+          <a:prstGeom prst="rightArrow">
+            <a:avLst>
+              <a:gd fmla="val 50000" name="adj1"/>
+              <a:gd fmla="val 50000" name="adj2"/>
+            </a:avLst>
+          </a:prstGeom>
+          <a:solidFill>
+            <a:schemeClr val="lt2"/>
+          </a:solidFill>
+          <a:ln w="19050" cap="flat">
+            <a:solidFill>
+              <a:schemeClr val="dk2"/>
+            </a:solidFill>
+            <a:prstDash val="solid"/>
+            <a:round/>
+            <a:headEnd w="med" len="med" type="none"/>
+            <a:tailEnd w="med" len="med" type="none"/>
+          </a:ln>
+        </p:spPr>
+        <p:txBody>
+          <a:bodyPr bIns="91425" rIns="91425" lIns="91425" tIns="91425" anchor="ctr" anchorCtr="0">
+            <a:noAutofit/>
+          </a:bodyPr>
+          <a:lstStyle/>
+          <a:p>
+            <a:pPr>
+              <a:spcBef>
+                <a:spcPts val="0"/>
+              </a:spcBef>
+              <a:buNone/>
+            </a:pPr>
+            <a:r>
+              <a:t/>
+            </a:r>
+            <a:endParaRPr/>
+          </a:p>
+        </p:txBody>
+      </p:sp>
+      <p:sp>
+        <p:nvSpPr>
+          <p:cNvPr id="205" name="Shape 205"/>
+          <p:cNvSpPr/>
+          <p:nvPr/>
+        </p:nvSpPr>
+        <p:spPr>
+          <a:xfrm>
+            <a:off y="2998425" x="6079951"/>
+            <a:ext cy="248400" cx="429899"/>
+          </a:xfrm>
+          <a:prstGeom prst="rect">
+            <a:avLst/>
+          </a:prstGeom>
+          <a:solidFill>
+            <a:schemeClr val="lt2"/>
+          </a:solidFill>
+          <a:ln w="19050" cap="flat">
+            <a:solidFill>
+              <a:schemeClr val="dk2"/>
+            </a:solidFill>
+            <a:prstDash val="solid"/>
+            <a:round/>
+            <a:headEnd w="med" len="med" type="none"/>
+            <a:tailEnd w="med" len="med" type="none"/>
+          </a:ln>
+        </p:spPr>
+        <p:txBody>
+          <a:bodyPr bIns="91425" rIns="91425" lIns="91425" tIns="91425" anchor="ctr" anchorCtr="0">
+            <a:noAutofit/>
+          </a:bodyPr>
+          <a:lstStyle/>
+          <a:p>
+            <a:pPr rtl="0" lvl="0">
+              <a:spcBef>
+                <a:spcPts val="0"/>
+              </a:spcBef>
+              <a:buNone/>
+            </a:pPr>
+            <a:r>
+              <a:rPr sz="700" lang="en"/>
+              <a:t>View</a:t>
+            </a:r>
+          </a:p>
+        </p:txBody>
+      </p:sp>
+      <p:cxnSp>
+        <p:nvCxnSpPr>
+          <p:cNvPr id="206" name="Shape 206"/>
+          <p:cNvCxnSpPr>
+            <a:stCxn id="203" idx="3"/>
+            <a:endCxn id="205" idx="1"/>
+          </p:cNvCxnSpPr>
+          <p:nvPr/>
+        </p:nvCxnSpPr>
+        <p:spPr>
+          <a:xfrm>
+            <a:off y="3122624" x="5723549"/>
+            <a:ext cy="0" cx="356400"/>
+          </a:xfrm>
+          <a:prstGeom prst="straightConnector1">
+            <a:avLst/>
+          </a:prstGeom>
+          <a:noFill/>
+          <a:ln w="19050" cap="flat">
+            <a:solidFill>
+              <a:schemeClr val="dk2"/>
+            </a:solidFill>
+            <a:prstDash val="solid"/>
+            <a:round/>
+            <a:headEnd w="lg" len="lg" type="none"/>
+            <a:tailEnd w="lg" len="lg" type="triangle"/>
+          </a:ln>
+        </p:spPr>
+      </p:cxnSp>
+      <p:sp>
+        <p:nvSpPr>
+          <p:cNvPr id="207" name="Shape 207"/>
+          <p:cNvSpPr txBox="1"/>
+          <p:nvPr/>
+        </p:nvSpPr>
+        <p:spPr>
+          <a:xfrm>
+            <a:off y="2508725" x="6357250"/>
+            <a:ext cy="1430999" cx="2727600"/>
+          </a:xfrm>
+          <a:prstGeom prst="rect">
+            <a:avLst/>
+          </a:prstGeom>
+          <a:noFill/>
+          <a:ln>
+            <a:noFill/>
+          </a:ln>
+        </p:spPr>
+        <p:txBody>
+          <a:bodyPr bIns="91425" rIns="91425" lIns="91425" tIns="91425" anchor="t" anchorCtr="0">
+            <a:noAutofit/>
+          </a:bodyPr>
+          <a:lstStyle/>
+          <a:p>
+            <a:pPr rtl="0" lvl="0" indent="-285750" marL="457200">
+              <a:spcBef>
+                <a:spcPts val="0"/>
+              </a:spcBef>
+              <a:buClr>
+                <a:srgbClr val="000000"/>
+              </a:buClr>
+              <a:buSzPct val="100000"/>
+              <a:buFont typeface="Arial"/>
+              <a:buChar char="●"/>
+            </a:pPr>
+            <a:r>
+              <a:rPr sz="900" lang="en"/>
+              <a:t>Student successfully enters the practice mode</a:t>
+            </a:r>
+          </a:p>
+        </p:txBody>
+      </p:sp>
     </p:spTree>
   </p:cSld>
   <p:clrMapOvr>
@@ -10070,7 +10247,7 @@
             </a:pPr>
             <a:r>
               <a:rPr lang="en"/>
-              <a:t>Teacher Data Flow Diagram</a:t>
+              <a:t>Sequence Diagram</a:t>
             </a:r>
           </a:p>
         </p:txBody>
@@ -10091,8 +10268,8 @@
         </p:blipFill>
         <p:spPr>
           <a:xfrm>
-            <a:off y="1168800" x="800575"/>
-            <a:ext cy="3837924" cx="6815476"/>
+            <a:off y="1300425" x="1252212"/>
+            <a:ext cy="3544374" cx="6639576"/>
           </a:xfrm>
           <a:prstGeom prst="rect">
             <a:avLst/>
@@ -10162,7 +10339,7 @@
             </a:pPr>
             <a:r>
               <a:rPr lang="en"/>
-              <a:t>Database Design</a:t>
+              <a:t>Teacher Data Flow Diagram</a:t>
             </a:r>
           </a:p>
         </p:txBody>
@@ -10183,8 +10360,8 @@
         </p:blipFill>
         <p:spPr>
           <a:xfrm>
-            <a:off y="1217412" x="2521399"/>
-            <a:ext cy="3862800" cx="4101199"/>
+            <a:off y="1168800" x="800575"/>
+            <a:ext cy="3837924" cx="6815476"/>
           </a:xfrm>
           <a:prstGeom prst="rect">
             <a:avLst/>
@@ -10439,7 +10616,7 @@
             </a:pPr>
             <a:r>
               <a:rPr lang="en"/>
-              <a:t>Class Diagram</a:t>
+              <a:t>Database Design</a:t>
             </a:r>
           </a:p>
         </p:txBody>
@@ -10460,8 +10637,36 @@
         </p:blipFill>
         <p:spPr>
           <a:xfrm>
-            <a:off y="1228575" x="1028700"/>
-            <a:ext cy="3803675" cx="5311899"/>
+            <a:off y="1214687" x="4577275"/>
+            <a:ext cy="3936875" cx="4524049"/>
+          </a:xfrm>
+          <a:prstGeom prst="rect">
+            <a:avLst/>
+          </a:prstGeom>
+          <a:noFill/>
+          <a:ln>
+            <a:noFill/>
+          </a:ln>
+        </p:spPr>
+      </p:pic>
+      <p:pic>
+        <p:nvPicPr>
+          <p:cNvPr id="226" name="Shape 226"/>
+          <p:cNvPicPr preferRelativeResize="0"/>
+          <p:nvPr/>
+        </p:nvPicPr>
+        <p:blipFill>
+          <a:blip r:embed="rId4">
+            <a:alphaModFix/>
+          </a:blip>
+          <a:stretch>
+            <a:fillRect/>
+          </a:stretch>
+        </p:blipFill>
+        <p:spPr>
+          <a:xfrm>
+            <a:off y="1251737" x="76199"/>
+            <a:ext cy="3862800" cx="4101199"/>
           </a:xfrm>
           <a:prstGeom prst="rect">
             <a:avLst/>
@@ -10488,7 +10693,7 @@
   <p:cSld>
     <p:spTree>
       <p:nvGrpSpPr>
-        <p:cNvPr id="229" name="Shape 229"/>
+        <p:cNvPr id="230" name="Shape 230"/>
         <p:cNvGrpSpPr/>
         <p:nvPr/>
       </p:nvGrpSpPr>
@@ -10502,7 +10707,99 @@
       </p:grpSpPr>
       <p:sp>
         <p:nvSpPr>
-          <p:cNvPr id="230" name="Shape 230"/>
+          <p:cNvPr id="231" name="Shape 231"/>
+          <p:cNvSpPr txBox="1"/>
+          <p:nvPr>
+            <p:ph type="title"/>
+          </p:nvPr>
+        </p:nvSpPr>
+        <p:spPr>
+          <a:xfrm>
+            <a:off y="205978" x="457200"/>
+            <a:ext cy="857400" cx="8229600"/>
+          </a:xfrm>
+          <a:prstGeom prst="rect">
+            <a:avLst/>
+          </a:prstGeom>
+        </p:spPr>
+        <p:txBody>
+          <a:bodyPr bIns="91425" rIns="91425" lIns="91425" tIns="91425" anchor="ctr" anchorCtr="0">
+            <a:noAutofit/>
+          </a:bodyPr>
+          <a:lstStyle/>
+          <a:p>
+            <a:pPr>
+              <a:spcBef>
+                <a:spcPts val="0"/>
+              </a:spcBef>
+              <a:buNone/>
+            </a:pPr>
+            <a:r>
+              <a:rPr lang="en"/>
+              <a:t>Class Diagram</a:t>
+            </a:r>
+          </a:p>
+        </p:txBody>
+      </p:sp>
+      <p:pic>
+        <p:nvPicPr>
+          <p:cNvPr id="232" name="Shape 232"/>
+          <p:cNvPicPr preferRelativeResize="0"/>
+          <p:nvPr/>
+        </p:nvPicPr>
+        <p:blipFill>
+          <a:blip r:embed="rId3">
+            <a:alphaModFix/>
+          </a:blip>
+          <a:stretch>
+            <a:fillRect/>
+          </a:stretch>
+        </p:blipFill>
+        <p:spPr>
+          <a:xfrm>
+            <a:off y="1228575" x="1028700"/>
+            <a:ext cy="3803675" cx="5311899"/>
+          </a:xfrm>
+          <a:prstGeom prst="rect">
+            <a:avLst/>
+          </a:prstGeom>
+          <a:noFill/>
+          <a:ln>
+            <a:noFill/>
+          </a:ln>
+        </p:spPr>
+      </p:pic>
+    </p:spTree>
+  </p:cSld>
+  <p:clrMapOvr>
+    <a:masterClrMapping/>
+  </p:clrMapOvr>
+  <p:transition spd="slow">
+    <p:cut/>
+  </p:transition>
+</p:sld>
+</file>
+
+<file path=ppt/slides/slide22.xml><?xml version="1.0" encoding="utf-8"?>
+<p:sld xmlns:a="http://schemas.openxmlformats.org/drawingml/2006/main" xmlns:r="http://schemas.openxmlformats.org/officeDocument/2006/relationships" xmlns:mc="http://schemas.openxmlformats.org/markup-compatibility/2006" xmlns:mv="urn:schemas-microsoft-com:mac:vml" xmlns:p="http://schemas.openxmlformats.org/presentationml/2006/main" xmlns:c="http://schemas.openxmlformats.org/drawingml/2006/chart" xmlns:dgm="http://schemas.openxmlformats.org/drawingml/2006/diagram" xmlns:o="urn:schemas-microsoft-com:office:office" xmlns:v="urn:schemas-microsoft-com:vml" xmlns:pvml="urn:schemas-microsoft-com:office:powerpoint" xmlns:com="http://schemas.openxmlformats.org/drawingml/2006/compatibility" xmlns:p14="http://schemas.microsoft.com/office/powerpoint/2010/main">
+  <p:cSld>
+    <p:spTree>
+      <p:nvGrpSpPr>
+        <p:cNvPr id="236" name="Shape 236"/>
+        <p:cNvGrpSpPr/>
+        <p:nvPr/>
+      </p:nvGrpSpPr>
+      <p:grpSpPr>
+        <a:xfrm>
+          <a:off y="0" x="0"/>
+          <a:ext cy="0" cx="0"/>
+          <a:chOff y="0" x="0"/>
+          <a:chExt cy="0" cx="0"/>
+        </a:xfrm>
+      </p:grpSpPr>
+      <p:sp>
+        <p:nvSpPr>
+          <p:cNvPr id="237" name="Shape 237"/>
           <p:cNvSpPr txBox="1"/>
           <p:nvPr>
             <p:ph type="title"/>
@@ -11195,7 +11492,7 @@
             </a:pPr>
             <a:r>
               <a:rPr lang="en"/>
-              <a:t>Send and Receive Data</a:t>
+              <a:t>iOS Send and Receive Data</a:t>
             </a:r>
           </a:p>
         </p:txBody>
@@ -12073,7 +12370,7 @@
             </a:pPr>
             <a:r>
               <a:rPr lang="en"/>
-              <a:t>Security Architecture</a:t>
+              <a:t>Portal Send and Receive Data</a:t>
             </a:r>
           </a:p>
         </p:txBody>
@@ -12088,7 +12385,7 @@
         </p:nvSpPr>
         <p:spPr>
           <a:xfrm>
-            <a:off y="1200150" x="457200"/>
+            <a:off y="1200150" x="207525"/>
             <a:ext cy="3725699" cx="8229600"/>
           </a:xfrm>
           <a:prstGeom prst="rect">
@@ -12114,11 +12411,11 @@
             </a:pPr>
             <a:r>
               <a:rPr lang="en"/>
-              <a:t>SSL Encryption/Identification</a:t>
-            </a:r>
-          </a:p>
-          <a:p>
-            <a:pPr lvl="0" indent="-419100" marL="457200">
+              <a:t>Uses php instead of json</a:t>
+            </a:r>
+          </a:p>
+          <a:p>
+            <a:pPr rtl="0" lvl="0" indent="-419100" marL="457200">
               <a:spcBef>
                 <a:spcPts val="0"/>
               </a:spcBef>
@@ -12131,8 +12428,20 @@
             </a:pPr>
             <a:r>
               <a:rPr lang="en"/>
-              <a:t>Storing Credentials </a:t>
-            </a:r>
+              <a:t>Same principle as iOS application sending and reciving data</a:t>
+            </a:r>
+          </a:p>
+          <a:p>
+            <a:pPr lvl="0">
+              <a:spcBef>
+                <a:spcPts val="0"/>
+              </a:spcBef>
+              <a:buNone/>
+            </a:pPr>
+            <a:r>
+              <a:t/>
+            </a:r>
+            <a:endParaRPr/>
           </a:p>
         </p:txBody>
       </p:sp>
@@ -12148,6 +12457,560 @@
 </file>
 
 <file path=ppt/theme/theme1.xml><?xml version="1.0" encoding="utf-8"?>
+<a:theme xmlns:a="http://schemas.openxmlformats.org/drawingml/2006/main" xmlns:r="http://schemas.openxmlformats.org/officeDocument/2006/relationships" name="paper-plane">
+  <a:themeElements>
+    <a:clrScheme name="Custom 354">
+      <a:dk1>
+        <a:srgbClr val="000000"/>
+      </a:dk1>
+      <a:lt1>
+        <a:srgbClr val="FFFFFF"/>
+      </a:lt1>
+      <a:dk2>
+        <a:srgbClr val="30182B"/>
+      </a:dk2>
+      <a:lt2>
+        <a:srgbClr val="DFDFDF"/>
+      </a:lt2>
+      <a:accent1>
+        <a:srgbClr val="592D50"/>
+      </a:accent1>
+      <a:accent2>
+        <a:srgbClr val="D3A67A"/>
+      </a:accent2>
+      <a:accent3>
+        <a:srgbClr val="45485F"/>
+      </a:accent3>
+      <a:accent4>
+        <a:srgbClr val="6B9756"/>
+      </a:accent4>
+      <a:accent5>
+        <a:srgbClr val="7D576E"/>
+      </a:accent5>
+      <a:accent6>
+        <a:srgbClr val="4C1A23"/>
+      </a:accent6>
+      <a:hlink>
+        <a:srgbClr val="511E3E"/>
+      </a:hlink>
+      <a:folHlink>
+        <a:srgbClr val="9EA0A2"/>
+      </a:folHlink>
+    </a:clrScheme>
+    <a:fontScheme name="Office">
+      <a:majorFont>
+        <a:latin typeface="Arial"/>
+        <a:ea typeface=""/>
+        <a:cs typeface=""/>
+        <a:font typeface="ＭＳ Ｐゴシック" script="Jpan"/>
+        <a:font typeface="맑은 고딕" script="Hang"/>
+        <a:font typeface="宋体" script="Hans"/>
+        <a:font typeface="新細明體" script="Hant"/>
+        <a:font typeface="Times New Roman" script="Arab"/>
+        <a:font typeface="Times New Roman" script="Hebr"/>
+        <a:font typeface="Angsana New" script="Thai"/>
+        <a:font typeface="Nyala" script="Ethi"/>
+        <a:font typeface="Vrinda" script="Beng"/>
+        <a:font typeface="Shruti" script="Gujr"/>
+        <a:font typeface="MoolBoran" script="Khmr"/>
+        <a:font typeface="Tunga" script="Knda"/>
+        <a:font typeface="Raavi" script="Guru"/>
+        <a:font typeface="Euphemia" script="Cans"/>
+        <a:font typeface="Plantagenet Cherokee" script="Cher"/>
+        <a:font typeface="Microsoft Yi Baiti" script="Yiii"/>
+        <a:font typeface="Microsoft Himalaya" script="Tibt"/>
+        <a:font typeface="MV Boli" script="Thaa"/>
+        <a:font typeface="Mangal" script="Deva"/>
+        <a:font typeface="Gautami" script="Telu"/>
+        <a:font typeface="Latha" script="Taml"/>
+        <a:font typeface="Estrangelo Edessa" script="Syrc"/>
+        <a:font typeface="Kalinga" script="Orya"/>
+        <a:font typeface="Kartika" script="Mlym"/>
+        <a:font typeface="DokChampa" script="Laoo"/>
+        <a:font typeface="Iskoola Pota" script="Sinh"/>
+        <a:font typeface="Mongolian Baiti" script="Mong"/>
+        <a:font typeface="Times New Roman" script="Viet"/>
+        <a:font typeface="Microsoft Uighur" script="Uigh"/>
+      </a:majorFont>
+      <a:minorFont>
+        <a:latin typeface="Arial"/>
+        <a:ea typeface=""/>
+        <a:cs typeface=""/>
+        <a:font typeface="ＭＳ Ｐゴシック" script="Jpan"/>
+        <a:font typeface="맑은 고딕" script="Hang"/>
+        <a:font typeface="宋体" script="Hans"/>
+        <a:font typeface="新細明體" script="Hant"/>
+        <a:font typeface="Times New Roman" script="Arab"/>
+        <a:font typeface="Times New Roman" script="Hebr"/>
+        <a:font typeface="Angsana New" script="Thai"/>
+        <a:font typeface="Nyala" script="Ethi"/>
+        <a:font typeface="Vrinda" script="Beng"/>
+        <a:font typeface="Shruti" script="Gujr"/>
+        <a:font typeface="MoolBoran" script="Khmr"/>
+        <a:font typeface="Tunga" script="Knda"/>
+        <a:font typeface="Raavi" script="Guru"/>
+        <a:font typeface="Euphemia" script="Cans"/>
+        <a:font typeface="Plantagenet Cherokee" script="Cher"/>
+        <a:font typeface="Microsoft Yi Baiti" script="Yiii"/>
+        <a:font typeface="Microsoft Himalaya" script="Tibt"/>
+        <a:font typeface="MV Boli" script="Thaa"/>
+        <a:font typeface="Mangal" script="Deva"/>
+        <a:font typeface="Gautami" script="Telu"/>
+        <a:font typeface="Latha" script="Taml"/>
+        <a:font typeface="Estrangelo Edessa" script="Syrc"/>
+        <a:font typeface="Kalinga" script="Orya"/>
+        <a:font typeface="Kartika" script="Mlym"/>
+        <a:font typeface="DokChampa" script="Laoo"/>
+        <a:font typeface="Iskoola Pota" script="Sinh"/>
+        <a:font typeface="Mongolian Baiti" script="Mong"/>
+        <a:font typeface="Times New Roman" script="Viet"/>
+        <a:font typeface="Microsoft Uighur" script="Uigh"/>
+      </a:minorFont>
+    </a:fontScheme>
+    <a:fmtScheme name="Office">
+      <a:fillStyleLst>
+        <a:solidFill>
+          <a:schemeClr val="phClr"/>
+        </a:solidFill>
+        <a:gradFill rotWithShape="1">
+          <a:gsLst>
+            <a:gs pos="0">
+              <a:schemeClr val="phClr">
+                <a:tint val="50000"/>
+                <a:satMod val="300000"/>
+              </a:schemeClr>
+            </a:gs>
+            <a:gs pos="35000">
+              <a:schemeClr val="phClr">
+                <a:tint val="37000"/>
+                <a:satMod val="300000"/>
+              </a:schemeClr>
+            </a:gs>
+            <a:gs pos="100000">
+              <a:schemeClr val="phClr">
+                <a:tint val="15000"/>
+                <a:satMod val="350000"/>
+              </a:schemeClr>
+            </a:gs>
+          </a:gsLst>
+          <a:lin ang="16200000" scaled="1"/>
+        </a:gradFill>
+        <a:gradFill rotWithShape="1">
+          <a:gsLst>
+            <a:gs pos="0">
+              <a:schemeClr val="phClr">
+                <a:tint val="100000"/>
+                <a:shade val="100000"/>
+                <a:satMod val="130000"/>
+              </a:schemeClr>
+            </a:gs>
+            <a:gs pos="100000">
+              <a:schemeClr val="phClr">
+                <a:tint val="50000"/>
+                <a:shade val="100000"/>
+                <a:satMod val="350000"/>
+              </a:schemeClr>
+            </a:gs>
+          </a:gsLst>
+          <a:lin ang="16200000" scaled="0"/>
+        </a:gradFill>
+      </a:fillStyleLst>
+      <a:lnStyleLst>
+        <a:ln w="9525" algn="ctr" cap="flat" cmpd="sng">
+          <a:solidFill>
+            <a:schemeClr val="phClr">
+              <a:shade val="95000"/>
+              <a:satMod val="105000"/>
+            </a:schemeClr>
+          </a:solidFill>
+          <a:prstDash val="solid"/>
+        </a:ln>
+        <a:ln w="25400" algn="ctr" cap="flat" cmpd="sng">
+          <a:solidFill>
+            <a:schemeClr val="phClr"/>
+          </a:solidFill>
+          <a:prstDash val="solid"/>
+        </a:ln>
+        <a:ln w="38100" algn="ctr" cap="flat" cmpd="sng">
+          <a:solidFill>
+            <a:schemeClr val="phClr"/>
+          </a:solidFill>
+          <a:prstDash val="solid"/>
+        </a:ln>
+      </a:lnStyleLst>
+      <a:effectStyleLst>
+        <a:effectStyle>
+          <a:effectLst>
+            <a:outerShdw rotWithShape="0" dir="5400000" blurRad="40000" dist="20000">
+              <a:srgbClr val="000000">
+                <a:alpha val="38000"/>
+              </a:srgbClr>
+            </a:outerShdw>
+          </a:effectLst>
+        </a:effectStyle>
+        <a:effectStyle>
+          <a:effectLst>
+            <a:outerShdw rotWithShape="0" dir="5400000" blurRad="40000" dist="23000">
+              <a:srgbClr val="000000">
+                <a:alpha val="35000"/>
+              </a:srgbClr>
+            </a:outerShdw>
+          </a:effectLst>
+        </a:effectStyle>
+        <a:effectStyle>
+          <a:effectLst>
+            <a:outerShdw rotWithShape="0" dir="5400000" blurRad="40000" dist="23000">
+              <a:srgbClr val="000000">
+                <a:alpha val="35000"/>
+              </a:srgbClr>
+            </a:outerShdw>
+          </a:effectLst>
+          <a:scene3d>
+            <a:camera prst="orthographicFront">
+              <a:rot rev="0" lon="0" lat="0"/>
+            </a:camera>
+            <a:lightRig dir="t" rig="threePt">
+              <a:rot rev="1200000" lon="0" lat="0"/>
+            </a:lightRig>
+          </a:scene3d>
+          <a:sp3d>
+            <a:bevelT w="63500" h="25400"/>
+          </a:sp3d>
+        </a:effectStyle>
+      </a:effectStyleLst>
+      <a:bgFillStyleLst>
+        <a:solidFill>
+          <a:schemeClr val="phClr"/>
+        </a:solidFill>
+        <a:gradFill rotWithShape="1">
+          <a:gsLst>
+            <a:gs pos="0">
+              <a:schemeClr val="phClr">
+                <a:tint val="40000"/>
+                <a:satMod val="350000"/>
+              </a:schemeClr>
+            </a:gs>
+            <a:gs pos="40000">
+              <a:schemeClr val="phClr">
+                <a:tint val="45000"/>
+                <a:shade val="99000"/>
+                <a:satMod val="350000"/>
+              </a:schemeClr>
+            </a:gs>
+            <a:gs pos="100000">
+              <a:schemeClr val="phClr">
+                <a:shade val="20000"/>
+                <a:satMod val="255000"/>
+              </a:schemeClr>
+            </a:gs>
+          </a:gsLst>
+          <a:path path="circle">
+            <a:fillToRect t="-80000" b="180000" r="50000" l="50000"/>
+          </a:path>
+        </a:gradFill>
+        <a:gradFill rotWithShape="1">
+          <a:gsLst>
+            <a:gs pos="0">
+              <a:schemeClr val="phClr">
+                <a:tint val="80000"/>
+                <a:satMod val="300000"/>
+              </a:schemeClr>
+            </a:gs>
+            <a:gs pos="100000">
+              <a:schemeClr val="phClr">
+                <a:shade val="30000"/>
+                <a:satMod val="200000"/>
+              </a:schemeClr>
+            </a:gs>
+          </a:gsLst>
+          <a:path path="circle">
+            <a:fillToRect t="50000" b="50000" r="50000" l="50000"/>
+          </a:path>
+        </a:gradFill>
+      </a:bgFillStyleLst>
+    </a:fmtScheme>
+  </a:themeElements>
+</a:theme>
+</file>
+
+<file path=ppt/theme/theme2.xml><?xml version="1.0" encoding="utf-8"?>
+<a:theme xmlns:a="http://schemas.openxmlformats.org/drawingml/2006/main" xmlns:r="http://schemas.openxmlformats.org/officeDocument/2006/relationships" name="Custom Theme">
+  <a:themeElements>
+    <a:clrScheme name="Default">
+      <a:dk1>
+        <a:srgbClr val="000000"/>
+      </a:dk1>
+      <a:lt1>
+        <a:srgbClr val="FFFFFF"/>
+      </a:lt1>
+      <a:dk2>
+        <a:srgbClr val="158158"/>
+      </a:dk2>
+      <a:lt2>
+        <a:srgbClr val="F3F3F3"/>
+      </a:lt2>
+      <a:accent1>
+        <a:srgbClr val="058DC7"/>
+      </a:accent1>
+      <a:accent2>
+        <a:srgbClr val="50B432"/>
+      </a:accent2>
+      <a:accent3>
+        <a:srgbClr val="ED561B"/>
+      </a:accent3>
+      <a:accent4>
+        <a:srgbClr val="EDEF00"/>
+      </a:accent4>
+      <a:accent5>
+        <a:srgbClr val="24CBE5"/>
+      </a:accent5>
+      <a:accent6>
+        <a:srgbClr val="64E572"/>
+      </a:accent6>
+      <a:hlink>
+        <a:srgbClr val="2200CC"/>
+      </a:hlink>
+      <a:folHlink>
+        <a:srgbClr val="551A8B"/>
+      </a:folHlink>
+    </a:clrScheme>
+    <a:fontScheme name="Office">
+      <a:majorFont>
+        <a:latin typeface="Arial"/>
+        <a:ea typeface=""/>
+        <a:cs typeface=""/>
+        <a:font typeface="ＭＳ Ｐゴシック" script="Jpan"/>
+        <a:font typeface="맑은 고딕" script="Hang"/>
+        <a:font typeface="宋体" script="Hans"/>
+        <a:font typeface="新細明體" script="Hant"/>
+        <a:font typeface="Times New Roman" script="Arab"/>
+        <a:font typeface="Times New Roman" script="Hebr"/>
+        <a:font typeface="Angsana New" script="Thai"/>
+        <a:font typeface="Nyala" script="Ethi"/>
+        <a:font typeface="Vrinda" script="Beng"/>
+        <a:font typeface="Shruti" script="Gujr"/>
+        <a:font typeface="MoolBoran" script="Khmr"/>
+        <a:font typeface="Tunga" script="Knda"/>
+        <a:font typeface="Raavi" script="Guru"/>
+        <a:font typeface="Euphemia" script="Cans"/>
+        <a:font typeface="Plantagenet Cherokee" script="Cher"/>
+        <a:font typeface="Microsoft Yi Baiti" script="Yiii"/>
+        <a:font typeface="Microsoft Himalaya" script="Tibt"/>
+        <a:font typeface="MV Boli" script="Thaa"/>
+        <a:font typeface="Mangal" script="Deva"/>
+        <a:font typeface="Gautami" script="Telu"/>
+        <a:font typeface="Latha" script="Taml"/>
+        <a:font typeface="Estrangelo Edessa" script="Syrc"/>
+        <a:font typeface="Kalinga" script="Orya"/>
+        <a:font typeface="Kartika" script="Mlym"/>
+        <a:font typeface="DokChampa" script="Laoo"/>
+        <a:font typeface="Iskoola Pota" script="Sinh"/>
+        <a:font typeface="Mongolian Baiti" script="Mong"/>
+        <a:font typeface="Times New Roman" script="Viet"/>
+        <a:font typeface="Microsoft Uighur" script="Uigh"/>
+      </a:majorFont>
+      <a:minorFont>
+        <a:latin typeface="Arial"/>
+        <a:ea typeface=""/>
+        <a:cs typeface=""/>
+        <a:font typeface="ＭＳ Ｐゴシック" script="Jpan"/>
+        <a:font typeface="맑은 고딕" script="Hang"/>
+        <a:font typeface="宋体" script="Hans"/>
+        <a:font typeface="新細明體" script="Hant"/>
+        <a:font typeface="Times New Roman" script="Arab"/>
+        <a:font typeface="Times New Roman" script="Hebr"/>
+        <a:font typeface="Angsana New" script="Thai"/>
+        <a:font typeface="Nyala" script="Ethi"/>
+        <a:font typeface="Vrinda" script="Beng"/>
+        <a:font typeface="Shruti" script="Gujr"/>
+        <a:font typeface="MoolBoran" script="Khmr"/>
+        <a:font typeface="Tunga" script="Knda"/>
+        <a:font typeface="Raavi" script="Guru"/>
+        <a:font typeface="Euphemia" script="Cans"/>
+        <a:font typeface="Plantagenet Cherokee" script="Cher"/>
+        <a:font typeface="Microsoft Yi Baiti" script="Yiii"/>
+        <a:font typeface="Microsoft Himalaya" script="Tibt"/>
+        <a:font typeface="MV Boli" script="Thaa"/>
+        <a:font typeface="Mangal" script="Deva"/>
+        <a:font typeface="Gautami" script="Telu"/>
+        <a:font typeface="Latha" script="Taml"/>
+        <a:font typeface="Estrangelo Edessa" script="Syrc"/>
+        <a:font typeface="Kalinga" script="Orya"/>
+        <a:font typeface="Kartika" script="Mlym"/>
+        <a:font typeface="DokChampa" script="Laoo"/>
+        <a:font typeface="Iskoola Pota" script="Sinh"/>
+        <a:font typeface="Mongolian Baiti" script="Mong"/>
+        <a:font typeface="Times New Roman" script="Viet"/>
+        <a:font typeface="Microsoft Uighur" script="Uigh"/>
+      </a:minorFont>
+    </a:fontScheme>
+    <a:fmtScheme name="Office">
+      <a:fillStyleLst>
+        <a:solidFill>
+          <a:schemeClr val="phClr"/>
+        </a:solidFill>
+        <a:gradFill rotWithShape="1">
+          <a:gsLst>
+            <a:gs pos="0">
+              <a:schemeClr val="phClr">
+                <a:tint val="50000"/>
+                <a:satMod val="300000"/>
+              </a:schemeClr>
+            </a:gs>
+            <a:gs pos="35000">
+              <a:schemeClr val="phClr">
+                <a:tint val="37000"/>
+                <a:satMod val="300000"/>
+              </a:schemeClr>
+            </a:gs>
+            <a:gs pos="100000">
+              <a:schemeClr val="phClr">
+                <a:tint val="15000"/>
+                <a:satMod val="350000"/>
+              </a:schemeClr>
+            </a:gs>
+          </a:gsLst>
+          <a:lin ang="16200000" scaled="1"/>
+        </a:gradFill>
+        <a:gradFill rotWithShape="1">
+          <a:gsLst>
+            <a:gs pos="0">
+              <a:schemeClr val="phClr">
+                <a:tint val="100000"/>
+                <a:shade val="100000"/>
+                <a:satMod val="130000"/>
+              </a:schemeClr>
+            </a:gs>
+            <a:gs pos="100000">
+              <a:schemeClr val="phClr">
+                <a:tint val="50000"/>
+                <a:shade val="100000"/>
+                <a:satMod val="350000"/>
+              </a:schemeClr>
+            </a:gs>
+          </a:gsLst>
+          <a:lin ang="16200000" scaled="0"/>
+        </a:gradFill>
+      </a:fillStyleLst>
+      <a:lnStyleLst>
+        <a:ln w="9525" algn="ctr" cap="flat" cmpd="sng">
+          <a:solidFill>
+            <a:schemeClr val="phClr">
+              <a:shade val="95000"/>
+              <a:satMod val="105000"/>
+            </a:schemeClr>
+          </a:solidFill>
+          <a:prstDash val="solid"/>
+        </a:ln>
+        <a:ln w="25400" algn="ctr" cap="flat" cmpd="sng">
+          <a:solidFill>
+            <a:schemeClr val="phClr"/>
+          </a:solidFill>
+          <a:prstDash val="solid"/>
+        </a:ln>
+        <a:ln w="38100" algn="ctr" cap="flat" cmpd="sng">
+          <a:solidFill>
+            <a:schemeClr val="phClr"/>
+          </a:solidFill>
+          <a:prstDash val="solid"/>
+        </a:ln>
+      </a:lnStyleLst>
+      <a:effectStyleLst>
+        <a:effectStyle>
+          <a:effectLst>
+            <a:outerShdw rotWithShape="0" dir="5400000" blurRad="40000" dist="20000">
+              <a:srgbClr val="000000">
+                <a:alpha val="38000"/>
+              </a:srgbClr>
+            </a:outerShdw>
+          </a:effectLst>
+        </a:effectStyle>
+        <a:effectStyle>
+          <a:effectLst>
+            <a:outerShdw rotWithShape="0" dir="5400000" blurRad="40000" dist="23000">
+              <a:srgbClr val="000000">
+                <a:alpha val="35000"/>
+              </a:srgbClr>
+            </a:outerShdw>
+          </a:effectLst>
+        </a:effectStyle>
+        <a:effectStyle>
+          <a:effectLst>
+            <a:outerShdw rotWithShape="0" dir="5400000" blurRad="40000" dist="23000">
+              <a:srgbClr val="000000">
+                <a:alpha val="35000"/>
+              </a:srgbClr>
+            </a:outerShdw>
+          </a:effectLst>
+          <a:scene3d>
+            <a:camera prst="orthographicFront">
+              <a:rot rev="0" lon="0" lat="0"/>
+            </a:camera>
+            <a:lightRig dir="t" rig="threePt">
+              <a:rot rev="1200000" lon="0" lat="0"/>
+            </a:lightRig>
+          </a:scene3d>
+          <a:sp3d>
+            <a:bevelT w="63500" h="25400"/>
+          </a:sp3d>
+        </a:effectStyle>
+      </a:effectStyleLst>
+      <a:bgFillStyleLst>
+        <a:solidFill>
+          <a:schemeClr val="phClr"/>
+        </a:solidFill>
+        <a:gradFill rotWithShape="1">
+          <a:gsLst>
+            <a:gs pos="0">
+              <a:schemeClr val="phClr">
+                <a:tint val="40000"/>
+                <a:satMod val="350000"/>
+              </a:schemeClr>
+            </a:gs>
+            <a:gs pos="40000">
+              <a:schemeClr val="phClr">
+                <a:tint val="45000"/>
+                <a:shade val="99000"/>
+                <a:satMod val="350000"/>
+              </a:schemeClr>
+            </a:gs>
+            <a:gs pos="100000">
+              <a:schemeClr val="phClr">
+                <a:shade val="20000"/>
+                <a:satMod val="255000"/>
+              </a:schemeClr>
+            </a:gs>
+          </a:gsLst>
+          <a:path path="circle">
+            <a:fillToRect t="-80000" b="180000" r="50000" l="50000"/>
+          </a:path>
+        </a:gradFill>
+        <a:gradFill rotWithShape="1">
+          <a:gsLst>
+            <a:gs pos="0">
+              <a:schemeClr val="phClr">
+                <a:tint val="80000"/>
+                <a:satMod val="300000"/>
+              </a:schemeClr>
+            </a:gs>
+            <a:gs pos="100000">
+              <a:schemeClr val="phClr">
+                <a:shade val="30000"/>
+                <a:satMod val="200000"/>
+              </a:schemeClr>
+            </a:gs>
+          </a:gsLst>
+          <a:path path="circle">
+            <a:fillToRect t="50000" b="50000" r="50000" l="50000"/>
+          </a:path>
+        </a:gradFill>
+      </a:bgFillStyleLst>
+    </a:fmtScheme>
+  </a:themeElements>
+</a:theme>
+</file>
+
+<file path=ppt/theme/theme3.xml><?xml version="1.0" encoding="utf-8"?>
 <a:theme xmlns:a="http://schemas.openxmlformats.org/drawingml/2006/main" xmlns:r="http://schemas.openxmlformats.org/officeDocument/2006/relationships" name="Office Theme">
   <a:themeElements>
     <a:clrScheme name="Office">
@@ -12462,558 +13325,4 @@
     </a:lnDef>
   </a:objectDefaults>
 </a:theme>
-</file>
-
-<file path=ppt/theme/theme2.xml><?xml version="1.0" encoding="utf-8"?>
-<a:theme xmlns:a="http://schemas.openxmlformats.org/drawingml/2006/main" xmlns:r="http://schemas.openxmlformats.org/officeDocument/2006/relationships" name="paper-plane">
-  <a:themeElements>
-    <a:clrScheme name="Custom 354">
-      <a:dk1>
-        <a:srgbClr val="000000"/>
-      </a:dk1>
-      <a:lt1>
-        <a:srgbClr val="FFFFFF"/>
-      </a:lt1>
-      <a:dk2>
-        <a:srgbClr val="30182B"/>
-      </a:dk2>
-      <a:lt2>
-        <a:srgbClr val="DFDFDF"/>
-      </a:lt2>
-      <a:accent1>
-        <a:srgbClr val="592D50"/>
-      </a:accent1>
-      <a:accent2>
-        <a:srgbClr val="D3A67A"/>
-      </a:accent2>
-      <a:accent3>
-        <a:srgbClr val="45485F"/>
-      </a:accent3>
-      <a:accent4>
-        <a:srgbClr val="6B9756"/>
-      </a:accent4>
-      <a:accent5>
-        <a:srgbClr val="7D576E"/>
-      </a:accent5>
-      <a:accent6>
-        <a:srgbClr val="4C1A23"/>
-      </a:accent6>
-      <a:hlink>
-        <a:srgbClr val="511E3E"/>
-      </a:hlink>
-      <a:folHlink>
-        <a:srgbClr val="9EA0A2"/>
-      </a:folHlink>
-    </a:clrScheme>
-    <a:fontScheme name="Office">
-      <a:majorFont>
-        <a:latin typeface="Arial"/>
-        <a:ea typeface=""/>
-        <a:cs typeface=""/>
-        <a:font typeface="ＭＳ Ｐゴシック" script="Jpan"/>
-        <a:font typeface="맑은 고딕" script="Hang"/>
-        <a:font typeface="宋体" script="Hans"/>
-        <a:font typeface="新細明體" script="Hant"/>
-        <a:font typeface="Times New Roman" script="Arab"/>
-        <a:font typeface="Times New Roman" script="Hebr"/>
-        <a:font typeface="Angsana New" script="Thai"/>
-        <a:font typeface="Nyala" script="Ethi"/>
-        <a:font typeface="Vrinda" script="Beng"/>
-        <a:font typeface="Shruti" script="Gujr"/>
-        <a:font typeface="MoolBoran" script="Khmr"/>
-        <a:font typeface="Tunga" script="Knda"/>
-        <a:font typeface="Raavi" script="Guru"/>
-        <a:font typeface="Euphemia" script="Cans"/>
-        <a:font typeface="Plantagenet Cherokee" script="Cher"/>
-        <a:font typeface="Microsoft Yi Baiti" script="Yiii"/>
-        <a:font typeface="Microsoft Himalaya" script="Tibt"/>
-        <a:font typeface="MV Boli" script="Thaa"/>
-        <a:font typeface="Mangal" script="Deva"/>
-        <a:font typeface="Gautami" script="Telu"/>
-        <a:font typeface="Latha" script="Taml"/>
-        <a:font typeface="Estrangelo Edessa" script="Syrc"/>
-        <a:font typeface="Kalinga" script="Orya"/>
-        <a:font typeface="Kartika" script="Mlym"/>
-        <a:font typeface="DokChampa" script="Laoo"/>
-        <a:font typeface="Iskoola Pota" script="Sinh"/>
-        <a:font typeface="Mongolian Baiti" script="Mong"/>
-        <a:font typeface="Times New Roman" script="Viet"/>
-        <a:font typeface="Microsoft Uighur" script="Uigh"/>
-      </a:majorFont>
-      <a:minorFont>
-        <a:latin typeface="Arial"/>
-        <a:ea typeface=""/>
-        <a:cs typeface=""/>
-        <a:font typeface="ＭＳ Ｐゴシック" script="Jpan"/>
-        <a:font typeface="맑은 고딕" script="Hang"/>
-        <a:font typeface="宋体" script="Hans"/>
-        <a:font typeface="新細明體" script="Hant"/>
-        <a:font typeface="Times New Roman" script="Arab"/>
-        <a:font typeface="Times New Roman" script="Hebr"/>
-        <a:font typeface="Angsana New" script="Thai"/>
-        <a:font typeface="Nyala" script="Ethi"/>
-        <a:font typeface="Vrinda" script="Beng"/>
-        <a:font typeface="Shruti" script="Gujr"/>
-        <a:font typeface="MoolBoran" script="Khmr"/>
-        <a:font typeface="Tunga" script="Knda"/>
-        <a:font typeface="Raavi" script="Guru"/>
-        <a:font typeface="Euphemia" script="Cans"/>
-        <a:font typeface="Plantagenet Cherokee" script="Cher"/>
-        <a:font typeface="Microsoft Yi Baiti" script="Yiii"/>
-        <a:font typeface="Microsoft Himalaya" script="Tibt"/>
-        <a:font typeface="MV Boli" script="Thaa"/>
-        <a:font typeface="Mangal" script="Deva"/>
-        <a:font typeface="Gautami" script="Telu"/>
-        <a:font typeface="Latha" script="Taml"/>
-        <a:font typeface="Estrangelo Edessa" script="Syrc"/>
-        <a:font typeface="Kalinga" script="Orya"/>
-        <a:font typeface="Kartika" script="Mlym"/>
-        <a:font typeface="DokChampa" script="Laoo"/>
-        <a:font typeface="Iskoola Pota" script="Sinh"/>
-        <a:font typeface="Mongolian Baiti" script="Mong"/>
-        <a:font typeface="Times New Roman" script="Viet"/>
-        <a:font typeface="Microsoft Uighur" script="Uigh"/>
-      </a:minorFont>
-    </a:fontScheme>
-    <a:fmtScheme name="Office">
-      <a:fillStyleLst>
-        <a:solidFill>
-          <a:schemeClr val="phClr"/>
-        </a:solidFill>
-        <a:gradFill rotWithShape="1">
-          <a:gsLst>
-            <a:gs pos="0">
-              <a:schemeClr val="phClr">
-                <a:tint val="50000"/>
-                <a:satMod val="300000"/>
-              </a:schemeClr>
-            </a:gs>
-            <a:gs pos="35000">
-              <a:schemeClr val="phClr">
-                <a:tint val="37000"/>
-                <a:satMod val="300000"/>
-              </a:schemeClr>
-            </a:gs>
-            <a:gs pos="100000">
-              <a:schemeClr val="phClr">
-                <a:tint val="15000"/>
-                <a:satMod val="350000"/>
-              </a:schemeClr>
-            </a:gs>
-          </a:gsLst>
-          <a:lin ang="16200000" scaled="1"/>
-        </a:gradFill>
-        <a:gradFill rotWithShape="1">
-          <a:gsLst>
-            <a:gs pos="0">
-              <a:schemeClr val="phClr">
-                <a:tint val="100000"/>
-                <a:shade val="100000"/>
-                <a:satMod val="130000"/>
-              </a:schemeClr>
-            </a:gs>
-            <a:gs pos="100000">
-              <a:schemeClr val="phClr">
-                <a:tint val="50000"/>
-                <a:shade val="100000"/>
-                <a:satMod val="350000"/>
-              </a:schemeClr>
-            </a:gs>
-          </a:gsLst>
-          <a:lin ang="16200000" scaled="0"/>
-        </a:gradFill>
-      </a:fillStyleLst>
-      <a:lnStyleLst>
-        <a:ln w="9525" algn="ctr" cap="flat" cmpd="sng">
-          <a:solidFill>
-            <a:schemeClr val="phClr">
-              <a:shade val="95000"/>
-              <a:satMod val="105000"/>
-            </a:schemeClr>
-          </a:solidFill>
-          <a:prstDash val="solid"/>
-        </a:ln>
-        <a:ln w="25400" algn="ctr" cap="flat" cmpd="sng">
-          <a:solidFill>
-            <a:schemeClr val="phClr"/>
-          </a:solidFill>
-          <a:prstDash val="solid"/>
-        </a:ln>
-        <a:ln w="38100" algn="ctr" cap="flat" cmpd="sng">
-          <a:solidFill>
-            <a:schemeClr val="phClr"/>
-          </a:solidFill>
-          <a:prstDash val="solid"/>
-        </a:ln>
-      </a:lnStyleLst>
-      <a:effectStyleLst>
-        <a:effectStyle>
-          <a:effectLst>
-            <a:outerShdw rotWithShape="0" dir="5400000" blurRad="40000" dist="20000">
-              <a:srgbClr val="000000">
-                <a:alpha val="38000"/>
-              </a:srgbClr>
-            </a:outerShdw>
-          </a:effectLst>
-        </a:effectStyle>
-        <a:effectStyle>
-          <a:effectLst>
-            <a:outerShdw rotWithShape="0" dir="5400000" blurRad="40000" dist="23000">
-              <a:srgbClr val="000000">
-                <a:alpha val="35000"/>
-              </a:srgbClr>
-            </a:outerShdw>
-          </a:effectLst>
-        </a:effectStyle>
-        <a:effectStyle>
-          <a:effectLst>
-            <a:outerShdw rotWithShape="0" dir="5400000" blurRad="40000" dist="23000">
-              <a:srgbClr val="000000">
-                <a:alpha val="35000"/>
-              </a:srgbClr>
-            </a:outerShdw>
-          </a:effectLst>
-          <a:scene3d>
-            <a:camera prst="orthographicFront">
-              <a:rot rev="0" lon="0" lat="0"/>
-            </a:camera>
-            <a:lightRig dir="t" rig="threePt">
-              <a:rot rev="1200000" lon="0" lat="0"/>
-            </a:lightRig>
-          </a:scene3d>
-          <a:sp3d>
-            <a:bevelT w="63500" h="25400"/>
-          </a:sp3d>
-        </a:effectStyle>
-      </a:effectStyleLst>
-      <a:bgFillStyleLst>
-        <a:solidFill>
-          <a:schemeClr val="phClr"/>
-        </a:solidFill>
-        <a:gradFill rotWithShape="1">
-          <a:gsLst>
-            <a:gs pos="0">
-              <a:schemeClr val="phClr">
-                <a:tint val="40000"/>
-                <a:satMod val="350000"/>
-              </a:schemeClr>
-            </a:gs>
-            <a:gs pos="40000">
-              <a:schemeClr val="phClr">
-                <a:tint val="45000"/>
-                <a:shade val="99000"/>
-                <a:satMod val="350000"/>
-              </a:schemeClr>
-            </a:gs>
-            <a:gs pos="100000">
-              <a:schemeClr val="phClr">
-                <a:shade val="20000"/>
-                <a:satMod val="255000"/>
-              </a:schemeClr>
-            </a:gs>
-          </a:gsLst>
-          <a:path path="circle">
-            <a:fillToRect t="-80000" b="180000" r="50000" l="50000"/>
-          </a:path>
-        </a:gradFill>
-        <a:gradFill rotWithShape="1">
-          <a:gsLst>
-            <a:gs pos="0">
-              <a:schemeClr val="phClr">
-                <a:tint val="80000"/>
-                <a:satMod val="300000"/>
-              </a:schemeClr>
-            </a:gs>
-            <a:gs pos="100000">
-              <a:schemeClr val="phClr">
-                <a:shade val="30000"/>
-                <a:satMod val="200000"/>
-              </a:schemeClr>
-            </a:gs>
-          </a:gsLst>
-          <a:path path="circle">
-            <a:fillToRect t="50000" b="50000" r="50000" l="50000"/>
-          </a:path>
-        </a:gradFill>
-      </a:bgFillStyleLst>
-    </a:fmtScheme>
-  </a:themeElements>
-</a:theme>
-</file>
-
-<file path=ppt/theme/theme3.xml><?xml version="1.0" encoding="utf-8"?>
-<a:theme xmlns:a="http://schemas.openxmlformats.org/drawingml/2006/main" xmlns:r="http://schemas.openxmlformats.org/officeDocument/2006/relationships" name="Custom Theme">
-  <a:themeElements>
-    <a:clrScheme name="Default">
-      <a:dk1>
-        <a:srgbClr val="000000"/>
-      </a:dk1>
-      <a:lt1>
-        <a:srgbClr val="FFFFFF"/>
-      </a:lt1>
-      <a:dk2>
-        <a:srgbClr val="158158"/>
-      </a:dk2>
-      <a:lt2>
-        <a:srgbClr val="F3F3F3"/>
-      </a:lt2>
-      <a:accent1>
-        <a:srgbClr val="058DC7"/>
-      </a:accent1>
-      <a:accent2>
-        <a:srgbClr val="50B432"/>
-      </a:accent2>
-      <a:accent3>
-        <a:srgbClr val="ED561B"/>
-      </a:accent3>
-      <a:accent4>
-        <a:srgbClr val="EDEF00"/>
-      </a:accent4>
-      <a:accent5>
-        <a:srgbClr val="24CBE5"/>
-      </a:accent5>
-      <a:accent6>
-        <a:srgbClr val="64E572"/>
-      </a:accent6>
-      <a:hlink>
-        <a:srgbClr val="2200CC"/>
-      </a:hlink>
-      <a:folHlink>
-        <a:srgbClr val="551A8B"/>
-      </a:folHlink>
-    </a:clrScheme>
-    <a:fontScheme name="Office">
-      <a:majorFont>
-        <a:latin typeface="Arial"/>
-        <a:ea typeface=""/>
-        <a:cs typeface=""/>
-        <a:font typeface="ＭＳ Ｐゴシック" script="Jpan"/>
-        <a:font typeface="맑은 고딕" script="Hang"/>
-        <a:font typeface="宋体" script="Hans"/>
-        <a:font typeface="新細明體" script="Hant"/>
-        <a:font typeface="Times New Roman" script="Arab"/>
-        <a:font typeface="Times New Roman" script="Hebr"/>
-        <a:font typeface="Angsana New" script="Thai"/>
-        <a:font typeface="Nyala" script="Ethi"/>
-        <a:font typeface="Vrinda" script="Beng"/>
-        <a:font typeface="Shruti" script="Gujr"/>
-        <a:font typeface="MoolBoran" script="Khmr"/>
-        <a:font typeface="Tunga" script="Knda"/>
-        <a:font typeface="Raavi" script="Guru"/>
-        <a:font typeface="Euphemia" script="Cans"/>
-        <a:font typeface="Plantagenet Cherokee" script="Cher"/>
-        <a:font typeface="Microsoft Yi Baiti" script="Yiii"/>
-        <a:font typeface="Microsoft Himalaya" script="Tibt"/>
-        <a:font typeface="MV Boli" script="Thaa"/>
-        <a:font typeface="Mangal" script="Deva"/>
-        <a:font typeface="Gautami" script="Telu"/>
-        <a:font typeface="Latha" script="Taml"/>
-        <a:font typeface="Estrangelo Edessa" script="Syrc"/>
-        <a:font typeface="Kalinga" script="Orya"/>
-        <a:font typeface="Kartika" script="Mlym"/>
-        <a:font typeface="DokChampa" script="Laoo"/>
-        <a:font typeface="Iskoola Pota" script="Sinh"/>
-        <a:font typeface="Mongolian Baiti" script="Mong"/>
-        <a:font typeface="Times New Roman" script="Viet"/>
-        <a:font typeface="Microsoft Uighur" script="Uigh"/>
-      </a:majorFont>
-      <a:minorFont>
-        <a:latin typeface="Arial"/>
-        <a:ea typeface=""/>
-        <a:cs typeface=""/>
-        <a:font typeface="ＭＳ Ｐゴシック" script="Jpan"/>
-        <a:font typeface="맑은 고딕" script="Hang"/>
-        <a:font typeface="宋体" script="Hans"/>
-        <a:font typeface="新細明體" script="Hant"/>
-        <a:font typeface="Times New Roman" script="Arab"/>
-        <a:font typeface="Times New Roman" script="Hebr"/>
-        <a:font typeface="Angsana New" script="Thai"/>
-        <a:font typeface="Nyala" script="Ethi"/>
-        <a:font typeface="Vrinda" script="Beng"/>
-        <a:font typeface="Shruti" script="Gujr"/>
-        <a:font typeface="MoolBoran" script="Khmr"/>
-        <a:font typeface="Tunga" script="Knda"/>
-        <a:font typeface="Raavi" script="Guru"/>
-        <a:font typeface="Euphemia" script="Cans"/>
-        <a:font typeface="Plantagenet Cherokee" script="Cher"/>
-        <a:font typeface="Microsoft Yi Baiti" script="Yiii"/>
-        <a:font typeface="Microsoft Himalaya" script="Tibt"/>
-        <a:font typeface="MV Boli" script="Thaa"/>
-        <a:font typeface="Mangal" script="Deva"/>
-        <a:font typeface="Gautami" script="Telu"/>
-        <a:font typeface="Latha" script="Taml"/>
-        <a:font typeface="Estrangelo Edessa" script="Syrc"/>
-        <a:font typeface="Kalinga" script="Orya"/>
-        <a:font typeface="Kartika" script="Mlym"/>
-        <a:font typeface="DokChampa" script="Laoo"/>
-        <a:font typeface="Iskoola Pota" script="Sinh"/>
-        <a:font typeface="Mongolian Baiti" script="Mong"/>
-        <a:font typeface="Times New Roman" script="Viet"/>
-        <a:font typeface="Microsoft Uighur" script="Uigh"/>
-      </a:minorFont>
-    </a:fontScheme>
-    <a:fmtScheme name="Office">
-      <a:fillStyleLst>
-        <a:solidFill>
-          <a:schemeClr val="phClr"/>
-        </a:solidFill>
-        <a:gradFill rotWithShape="1">
-          <a:gsLst>
-            <a:gs pos="0">
-              <a:schemeClr val="phClr">
-                <a:tint val="50000"/>
-                <a:satMod val="300000"/>
-              </a:schemeClr>
-            </a:gs>
-            <a:gs pos="35000">
-              <a:schemeClr val="phClr">
-                <a:tint val="37000"/>
-                <a:satMod val="300000"/>
-              </a:schemeClr>
-            </a:gs>
-            <a:gs pos="100000">
-              <a:schemeClr val="phClr">
-                <a:tint val="15000"/>
-                <a:satMod val="350000"/>
-              </a:schemeClr>
-            </a:gs>
-          </a:gsLst>
-          <a:lin ang="16200000" scaled="1"/>
-        </a:gradFill>
-        <a:gradFill rotWithShape="1">
-          <a:gsLst>
-            <a:gs pos="0">
-              <a:schemeClr val="phClr">
-                <a:tint val="100000"/>
-                <a:shade val="100000"/>
-                <a:satMod val="130000"/>
-              </a:schemeClr>
-            </a:gs>
-            <a:gs pos="100000">
-              <a:schemeClr val="phClr">
-                <a:tint val="50000"/>
-                <a:shade val="100000"/>
-                <a:satMod val="350000"/>
-              </a:schemeClr>
-            </a:gs>
-          </a:gsLst>
-          <a:lin ang="16200000" scaled="0"/>
-        </a:gradFill>
-      </a:fillStyleLst>
-      <a:lnStyleLst>
-        <a:ln w="9525" algn="ctr" cap="flat" cmpd="sng">
-          <a:solidFill>
-            <a:schemeClr val="phClr">
-              <a:shade val="95000"/>
-              <a:satMod val="105000"/>
-            </a:schemeClr>
-          </a:solidFill>
-          <a:prstDash val="solid"/>
-        </a:ln>
-        <a:ln w="25400" algn="ctr" cap="flat" cmpd="sng">
-          <a:solidFill>
-            <a:schemeClr val="phClr"/>
-          </a:solidFill>
-          <a:prstDash val="solid"/>
-        </a:ln>
-        <a:ln w="38100" algn="ctr" cap="flat" cmpd="sng">
-          <a:solidFill>
-            <a:schemeClr val="phClr"/>
-          </a:solidFill>
-          <a:prstDash val="solid"/>
-        </a:ln>
-      </a:lnStyleLst>
-      <a:effectStyleLst>
-        <a:effectStyle>
-          <a:effectLst>
-            <a:outerShdw rotWithShape="0" dir="5400000" blurRad="40000" dist="20000">
-              <a:srgbClr val="000000">
-                <a:alpha val="38000"/>
-              </a:srgbClr>
-            </a:outerShdw>
-          </a:effectLst>
-        </a:effectStyle>
-        <a:effectStyle>
-          <a:effectLst>
-            <a:outerShdw rotWithShape="0" dir="5400000" blurRad="40000" dist="23000">
-              <a:srgbClr val="000000">
-                <a:alpha val="35000"/>
-              </a:srgbClr>
-            </a:outerShdw>
-          </a:effectLst>
-        </a:effectStyle>
-        <a:effectStyle>
-          <a:effectLst>
-            <a:outerShdw rotWithShape="0" dir="5400000" blurRad="40000" dist="23000">
-              <a:srgbClr val="000000">
-                <a:alpha val="35000"/>
-              </a:srgbClr>
-            </a:outerShdw>
-          </a:effectLst>
-          <a:scene3d>
-            <a:camera prst="orthographicFront">
-              <a:rot rev="0" lon="0" lat="0"/>
-            </a:camera>
-            <a:lightRig dir="t" rig="threePt">
-              <a:rot rev="1200000" lon="0" lat="0"/>
-            </a:lightRig>
-          </a:scene3d>
-          <a:sp3d>
-            <a:bevelT w="63500" h="25400"/>
-          </a:sp3d>
-        </a:effectStyle>
-      </a:effectStyleLst>
-      <a:bgFillStyleLst>
-        <a:solidFill>
-          <a:schemeClr val="phClr"/>
-        </a:solidFill>
-        <a:gradFill rotWithShape="1">
-          <a:gsLst>
-            <a:gs pos="0">
-              <a:schemeClr val="phClr">
-                <a:tint val="40000"/>
-                <a:satMod val="350000"/>
-              </a:schemeClr>
-            </a:gs>
-            <a:gs pos="40000">
-              <a:schemeClr val="phClr">
-                <a:tint val="45000"/>
-                <a:shade val="99000"/>
-                <a:satMod val="350000"/>
-              </a:schemeClr>
-            </a:gs>
-            <a:gs pos="100000">
-              <a:schemeClr val="phClr">
-                <a:shade val="20000"/>
-                <a:satMod val="255000"/>
-              </a:schemeClr>
-            </a:gs>
-          </a:gsLst>
-          <a:path path="circle">
-            <a:fillToRect t="-80000" b="180000" r="50000" l="50000"/>
-          </a:path>
-        </a:gradFill>
-        <a:gradFill rotWithShape="1">
-          <a:gsLst>
-            <a:gs pos="0">
-              <a:schemeClr val="phClr">
-                <a:tint val="80000"/>
-                <a:satMod val="300000"/>
-              </a:schemeClr>
-            </a:gs>
-            <a:gs pos="100000">
-              <a:schemeClr val="phClr">
-                <a:shade val="30000"/>
-                <a:satMod val="200000"/>
-              </a:schemeClr>
-            </a:gs>
-          </a:gsLst>
-          <a:path path="circle">
-            <a:fillToRect t="50000" b="50000" r="50000" l="50000"/>
-          </a:path>
-        </a:gradFill>
-      </a:bgFillStyleLst>
-    </a:fmtScheme>
-  </a:themeElements>
-</a:theme>
 </file>